--- a/David and Dolev - Final Presentation5.pptx
+++ b/David and Dolev - Final Presentation5.pptx
@@ -5,10 +5,10 @@
     <p:sldMasterId id="2147483648" r:id="rId1"/>
   </p:sldMasterIdLst>
   <p:notesMasterIdLst>
-    <p:notesMasterId r:id="rId37"/>
+    <p:notesMasterId r:id="rId39"/>
   </p:notesMasterIdLst>
   <p:handoutMasterIdLst>
-    <p:handoutMasterId r:id="rId38"/>
+    <p:handoutMasterId r:id="rId40"/>
   </p:handoutMasterIdLst>
   <p:sldIdLst>
     <p:sldId id="256" r:id="rId2"/>
@@ -27,25 +27,27 @@
     <p:sldId id="262" r:id="rId15"/>
     <p:sldId id="273" r:id="rId16"/>
     <p:sldId id="275" r:id="rId17"/>
-    <p:sldId id="277" r:id="rId18"/>
-    <p:sldId id="278" r:id="rId19"/>
-    <p:sldId id="286" r:id="rId20"/>
-    <p:sldId id="283" r:id="rId21"/>
-    <p:sldId id="284" r:id="rId22"/>
-    <p:sldId id="285" r:id="rId23"/>
-    <p:sldId id="297" r:id="rId24"/>
-    <p:sldId id="282" r:id="rId25"/>
-    <p:sldId id="293" r:id="rId26"/>
-    <p:sldId id="294" r:id="rId27"/>
-    <p:sldId id="289" r:id="rId28"/>
-    <p:sldId id="290" r:id="rId29"/>
-    <p:sldId id="291" r:id="rId30"/>
-    <p:sldId id="292" r:id="rId31"/>
-    <p:sldId id="288" r:id="rId32"/>
-    <p:sldId id="276" r:id="rId33"/>
-    <p:sldId id="287" r:id="rId34"/>
-    <p:sldId id="295" r:id="rId35"/>
-    <p:sldId id="296" r:id="rId36"/>
+    <p:sldId id="299" r:id="rId18"/>
+    <p:sldId id="277" r:id="rId19"/>
+    <p:sldId id="278" r:id="rId20"/>
+    <p:sldId id="286" r:id="rId21"/>
+    <p:sldId id="283" r:id="rId22"/>
+    <p:sldId id="284" r:id="rId23"/>
+    <p:sldId id="285" r:id="rId24"/>
+    <p:sldId id="297" r:id="rId25"/>
+    <p:sldId id="282" r:id="rId26"/>
+    <p:sldId id="298" r:id="rId27"/>
+    <p:sldId id="293" r:id="rId28"/>
+    <p:sldId id="294" r:id="rId29"/>
+    <p:sldId id="289" r:id="rId30"/>
+    <p:sldId id="290" r:id="rId31"/>
+    <p:sldId id="291" r:id="rId32"/>
+    <p:sldId id="292" r:id="rId33"/>
+    <p:sldId id="288" r:id="rId34"/>
+    <p:sldId id="276" r:id="rId35"/>
+    <p:sldId id="287" r:id="rId36"/>
+    <p:sldId id="295" r:id="rId37"/>
+    <p:sldId id="296" r:id="rId38"/>
   </p:sldIdLst>
   <p:sldSz cx="12192000" cy="6858000"/>
   <p:notesSz cx="6858000" cy="9144000"/>
@@ -169,6 +171,7 @@
             <p14:sldId id="262"/>
             <p14:sldId id="273"/>
             <p14:sldId id="275"/>
+            <p14:sldId id="299"/>
             <p14:sldId id="277"/>
             <p14:sldId id="278"/>
             <p14:sldId id="286"/>
@@ -177,6 +180,7 @@
             <p14:sldId id="285"/>
             <p14:sldId id="297"/>
             <p14:sldId id="282"/>
+            <p14:sldId id="298"/>
             <p14:sldId id="293"/>
             <p14:sldId id="294"/>
             <p14:sldId id="289"/>
@@ -1989,7 +1993,7 @@
           <a:p>
             <a:fld id="{FFE9FAFC-D191-4543-8F0A-0BA7C7185E85}" type="slidenum">
               <a:rPr lang="en-IL" smtClean="0"/>
-              <a:t>17</a:t>
+              <a:t>18</a:t>
             </a:fld>
             <a:endParaRPr lang="en-IL"/>
           </a:p>
@@ -2133,7 +2137,7 @@
           <a:p>
             <a:fld id="{FFE9FAFC-D191-4543-8F0A-0BA7C7185E85}" type="slidenum">
               <a:rPr lang="en-IL" smtClean="0"/>
-              <a:t>18</a:t>
+              <a:t>19</a:t>
             </a:fld>
             <a:endParaRPr lang="en-IL"/>
           </a:p>
@@ -2315,7 +2319,7 @@
           <a:p>
             <a:fld id="{FFE9FAFC-D191-4543-8F0A-0BA7C7185E85}" type="slidenum">
               <a:rPr lang="en-IL" smtClean="0"/>
-              <a:t>19</a:t>
+              <a:t>20</a:t>
             </a:fld>
             <a:endParaRPr lang="en-IL"/>
           </a:p>
@@ -2596,7 +2600,7 @@
           <a:p>
             <a:fld id="{FFE9FAFC-D191-4543-8F0A-0BA7C7185E85}" type="slidenum">
               <a:rPr lang="en-IL" smtClean="0"/>
-              <a:t>20</a:t>
+              <a:t>21</a:t>
             </a:fld>
             <a:endParaRPr lang="en-IL"/>
           </a:p>
@@ -2700,7 +2704,7 @@
           <a:p>
             <a:fld id="{FFE9FAFC-D191-4543-8F0A-0BA7C7185E85}" type="slidenum">
               <a:rPr lang="en-IL" smtClean="0"/>
-              <a:t>21</a:t>
+              <a:t>22</a:t>
             </a:fld>
             <a:endParaRPr lang="en-IL"/>
           </a:p>
@@ -2789,7 +2793,7 @@
           <a:p>
             <a:fld id="{FFE9FAFC-D191-4543-8F0A-0BA7C7185E85}" type="slidenum">
               <a:rPr lang="en-IL" smtClean="0"/>
-              <a:t>22</a:t>
+              <a:t>23</a:t>
             </a:fld>
             <a:endParaRPr lang="en-IL"/>
           </a:p>
@@ -2870,9 +2874,13 @@
             </a:r>
             <a:r>
               <a:rPr lang="he-IL" dirty="0"/>
-              <a:t>, בעוד שימוש במאיץ סינכרוני יכול להקטין את השטח, אך לעלות בהספק ובזמן.</a:t>
-            </a:r>
-            <a:endParaRPr lang="en-US" dirty="0"/>
+              <a:t>, בעוד שימוש במאיץ סינכרוני יכול להקטין את השטח, </a:t>
+            </a:r>
+            <a:r>
+              <a:rPr lang="he-IL" strike="sngStrike" dirty="0"/>
+              <a:t>אך לעלות בהספק ובזמן.</a:t>
+            </a:r>
+            <a:endParaRPr lang="en-US" strike="sngStrike" dirty="0"/>
           </a:p>
         </p:txBody>
       </p:sp>
@@ -2893,7 +2901,7 @@
           <a:p>
             <a:fld id="{FFE9FAFC-D191-4543-8F0A-0BA7C7185E85}" type="slidenum">
               <a:rPr lang="en-IL" smtClean="0"/>
-              <a:t>24</a:t>
+              <a:t>25</a:t>
             </a:fld>
             <a:endParaRPr lang="en-IL"/>
           </a:p>
@@ -2956,81 +2964,6 @@
           <a:bodyPr/>
           <a:lstStyle/>
           <a:p>
-            <a:pPr algn="r" rtl="1"/>
-            <a:r>
-              <a:rPr lang="he-IL" dirty="0"/>
-              <a:t>כשהתחלנו את הפרויקט, שלב </a:t>
-            </a:r>
-            <a:r>
-              <a:rPr lang="he-IL" dirty="0" err="1"/>
-              <a:t>הסינטזה</a:t>
-            </a:r>
-            <a:r>
-              <a:rPr lang="he-IL" dirty="0"/>
-              <a:t> היה אורך ומייגע, וכשעברנו לעבוד מהבית הרצת </a:t>
-            </a:r>
-            <a:r>
-              <a:rPr lang="he-IL" dirty="0" err="1"/>
-              <a:t>סינטזה</a:t>
-            </a:r>
-            <a:r>
-              <a:rPr lang="he-IL" dirty="0"/>
-              <a:t> הפכה לשלב בלתי נסבל (מבחינת איטיות ה-</a:t>
-            </a:r>
-            <a:r>
-              <a:rPr lang="en-US" dirty="0"/>
-              <a:t>GUI</a:t>
-            </a:r>
-            <a:r>
-              <a:rPr lang="he-IL" dirty="0"/>
-              <a:t>).</a:t>
-            </a:r>
-          </a:p>
-          <a:p>
-            <a:pPr algn="r" rtl="1"/>
-            <a:r>
-              <a:rPr lang="he-IL" dirty="0"/>
-              <a:t>לכן החלטנו לבנות סקריפט שיאפשר לנו להריץ </a:t>
-            </a:r>
-            <a:r>
-              <a:rPr lang="he-IL" dirty="0" err="1"/>
-              <a:t>סינטזה</a:t>
-            </a:r>
-            <a:r>
-              <a:rPr lang="he-IL" dirty="0"/>
-              <a:t> בצורה פשוטה ומהירה, וללא פתיחה של </a:t>
-            </a:r>
-            <a:r>
-              <a:rPr lang="en-US" dirty="0"/>
-              <a:t>GUI</a:t>
-            </a:r>
-            <a:r>
-              <a:rPr lang="he-IL" dirty="0"/>
-              <a:t> איטי ומסורבל.</a:t>
-            </a:r>
-          </a:p>
-          <a:p>
-            <a:pPr algn="r" rtl="1"/>
-            <a:r>
-              <a:rPr lang="he-IL" dirty="0"/>
-              <a:t>עם הסקריפט שבנינו קל מאוד להריץ </a:t>
-            </a:r>
-            <a:r>
-              <a:rPr lang="he-IL" dirty="0" err="1"/>
-              <a:t>סינטזה</a:t>
-            </a:r>
-            <a:r>
-              <a:rPr lang="he-IL" dirty="0"/>
-              <a:t>, וגם הוספת קבצים </a:t>
-            </a:r>
-            <a:r>
-              <a:rPr lang="he-IL" dirty="0" err="1"/>
-              <a:t>לסינטזה</a:t>
-            </a:r>
-            <a:r>
-              <a:rPr lang="he-IL" dirty="0"/>
-              <a:t> מתבצעת בצורה פשוטה.</a:t>
-            </a:r>
             <a:endParaRPr lang="en-US" dirty="0"/>
           </a:p>
         </p:txBody>
@@ -3052,7 +2985,7 @@
           <a:p>
             <a:fld id="{FFE9FAFC-D191-4543-8F0A-0BA7C7185E85}" type="slidenum">
               <a:rPr lang="en-IL" smtClean="0"/>
-              <a:t>25</a:t>
+              <a:t>26</a:t>
             </a:fld>
             <a:endParaRPr lang="en-IL"/>
           </a:p>
@@ -3061,7 +2994,7 @@
     </p:spTree>
     <p:extLst>
       <p:ext uri="{BB962C8B-B14F-4D97-AF65-F5344CB8AC3E}">
-        <p14:creationId xmlns:p14="http://schemas.microsoft.com/office/powerpoint/2010/main" val="1191170777"/>
+        <p14:creationId xmlns:p14="http://schemas.microsoft.com/office/powerpoint/2010/main" val="1245787893"/>
       </p:ext>
     </p:extLst>
   </p:cSld>
@@ -3118,23 +3051,69 @@
             <a:pPr algn="r" rtl="1"/>
             <a:r>
               <a:rPr lang="he-IL" dirty="0"/>
-              <a:t>סקריפט עליון מתאר את הפקודות שאנו רוצים להריץ על ה-</a:t>
+              <a:t>כשהתחלנו את הפרויקט, שלב </a:t>
+            </a:r>
+            <a:r>
+              <a:rPr lang="he-IL" dirty="0" err="1"/>
+              <a:t>הסינטזה</a:t>
+            </a:r>
+            <a:r>
+              <a:rPr lang="he-IL" dirty="0"/>
+              <a:t> היה אורך ומייגע, וכשעברנו לעבוד מהבית הרצת </a:t>
+            </a:r>
+            <a:r>
+              <a:rPr lang="he-IL" dirty="0" err="1"/>
+              <a:t>סינטזה</a:t>
+            </a:r>
+            <a:r>
+              <a:rPr lang="he-IL" dirty="0"/>
+              <a:t> הפכה לשלב בלתי נסבל (מבחינת איטיות ה-</a:t>
             </a:r>
             <a:r>
               <a:rPr lang="en-US" dirty="0"/>
-              <a:t>DC</a:t>
+              <a:t>GUI</a:t>
             </a:r>
             <a:r>
               <a:rPr lang="he-IL" dirty="0"/>
-              <a:t>_</a:t>
+              <a:t>).</a:t>
+            </a:r>
+          </a:p>
+          <a:p>
+            <a:pPr algn="r" rtl="1"/>
+            <a:r>
+              <a:rPr lang="he-IL" dirty="0"/>
+              <a:t>לכן החלטנו לבנות סקריפט שיאפשר לנו להריץ </a:t>
+            </a:r>
+            <a:r>
+              <a:rPr lang="he-IL" dirty="0" err="1"/>
+              <a:t>סינטזה</a:t>
+            </a:r>
+            <a:r>
+              <a:rPr lang="he-IL" dirty="0"/>
+              <a:t> בצורה פשוטה ומהירה, וללא פתיחה של </a:t>
             </a:r>
             <a:r>
               <a:rPr lang="en-US" dirty="0"/>
-              <a:t>SHELL</a:t>
+              <a:t>GUI</a:t>
             </a:r>
             <a:r>
               <a:rPr lang="he-IL" dirty="0"/>
-              <a:t>, במקרה זה הורדנו את כל הקבצים פרט לאחד (שורה ראשונה),  ניתן להוסיף קבצים </a:t>
+              <a:t> איטי ומסורבל.</a:t>
+            </a:r>
+          </a:p>
+          <a:p>
+            <a:pPr algn="r" rtl="1"/>
+            <a:r>
+              <a:rPr lang="he-IL" dirty="0"/>
+              <a:t>עם הסקריפט שבנינו קל מאוד להריץ </a:t>
+            </a:r>
+            <a:r>
+              <a:rPr lang="he-IL" dirty="0" err="1"/>
+              <a:t>סינטזה</a:t>
+            </a:r>
+            <a:r>
+              <a:rPr lang="he-IL" dirty="0"/>
+              <a:t>, וגם הוספת קבצים </a:t>
             </a:r>
             <a:r>
               <a:rPr lang="he-IL" dirty="0" err="1"/>
@@ -3142,22 +3121,7 @@
             </a:r>
             <a:r>
               <a:rPr lang="he-IL" dirty="0"/>
-              <a:t> בקלות על ידי הוספה שלהם לשורה הראשונה של הסקריפט העליון.</a:t>
-            </a:r>
-          </a:p>
-          <a:p>
-            <a:pPr algn="r" rtl="1"/>
-            <a:r>
-              <a:rPr lang="he-IL" dirty="0"/>
-              <a:t>סקריפט תחתון מכין את הסביבה להרצת הסקריפט של </a:t>
-            </a:r>
-            <a:r>
-              <a:rPr lang="he-IL" dirty="0" err="1"/>
-              <a:t>הסינטזה</a:t>
-            </a:r>
-            <a:r>
-              <a:rPr lang="he-IL" dirty="0"/>
-              <a:t> (כולל עדכון שם משתמש בקובץ הפקודות)</a:t>
+              <a:t> מתבצעת בצורה פשוטה.</a:t>
             </a:r>
             <a:endParaRPr lang="en-US" dirty="0"/>
           </a:p>
@@ -3180,7 +3144,7 @@
           <a:p>
             <a:fld id="{FFE9FAFC-D191-4543-8F0A-0BA7C7185E85}" type="slidenum">
               <a:rPr lang="en-IL" smtClean="0"/>
-              <a:t>26</a:t>
+              <a:t>27</a:t>
             </a:fld>
             <a:endParaRPr lang="en-IL"/>
           </a:p>
@@ -3189,7 +3153,7 @@
     </p:spTree>
     <p:extLst>
       <p:ext uri="{BB962C8B-B14F-4D97-AF65-F5344CB8AC3E}">
-        <p14:creationId xmlns:p14="http://schemas.microsoft.com/office/powerpoint/2010/main" val="4109833395"/>
+        <p14:creationId xmlns:p14="http://schemas.microsoft.com/office/powerpoint/2010/main" val="1191170777"/>
       </p:ext>
     </p:extLst>
   </p:cSld>
@@ -3246,103 +3210,46 @@
             <a:pPr algn="r" rtl="1"/>
             <a:r>
               <a:rPr lang="he-IL" dirty="0"/>
-              <a:t>הקומפיילר של </a:t>
+              <a:t>סקריפט עליון מתאר את הפקודות שאנו רוצים להריץ על ה-</a:t>
             </a:r>
             <a:r>
               <a:rPr lang="en-US" dirty="0"/>
-              <a:t>GNU</a:t>
+              <a:t>DC</a:t>
             </a:r>
             <a:r>
               <a:rPr lang="he-IL" dirty="0"/>
-              <a:t> ( </a:t>
+              <a:t>_</a:t>
             </a:r>
             <a:r>
               <a:rPr lang="en-US" dirty="0"/>
-              <a:t>GCC – Gnu Compiler Collection </a:t>
+              <a:t>SHELL</a:t>
             </a:r>
             <a:r>
               <a:rPr lang="he-IL" dirty="0"/>
-              <a:t> ) לא תומך בפקודות החדשות שהוספנו, לכן היינו צריכים למצוא פתרון עבור כתיבת הפקודות בקודים שאנחנו רוצים להריץ</a:t>
+              <a:t>, במקרה זה הורדנו את כל הקבצים פרט לאחד (שורה ראשונה),  ניתן להוסיף קבצים </a:t>
+            </a:r>
+            <a:r>
+              <a:rPr lang="he-IL" dirty="0" err="1"/>
+              <a:t>לסינטזה</a:t>
+            </a:r>
+            <a:r>
+              <a:rPr lang="he-IL" dirty="0"/>
+              <a:t> בקלות על ידי הוספה שלהם לשורה הראשונה של הסקריפט העליון.</a:t>
             </a:r>
           </a:p>
           <a:p>
             <a:pPr algn="r" rtl="1"/>
             <a:r>
               <a:rPr lang="he-IL" dirty="0"/>
-              <a:t>פתרון ראשון היה המרת הפקודות באופן ידני, דבר ארוך ומייגע, ובכל שינוי בפקודה יש צורך לבצע את ההמרה מחדש</a:t>
-            </a:r>
-          </a:p>
-          <a:p>
-            <a:pPr algn="r" rtl="1"/>
+              <a:t>סקריפט תחתון מכין את הסביבה להרצת הסקריפט של </a:t>
+            </a:r>
+            <a:r>
+              <a:rPr lang="he-IL" dirty="0" err="1"/>
+              <a:t>הסינטזה</a:t>
+            </a:r>
             <a:r>
               <a:rPr lang="he-IL" dirty="0"/>
-              <a:t>פתרון שני הוא עדכון של ה-</a:t>
-            </a:r>
-            <a:r>
-              <a:rPr lang="en-US" dirty="0"/>
-              <a:t>GCC</a:t>
-            </a:r>
-            <a:r>
-              <a:rPr lang="he-IL" dirty="0"/>
-              <a:t>, אך מכיוון שגם </a:t>
-            </a:r>
-            <a:r>
-              <a:rPr lang="en-US" dirty="0"/>
-              <a:t>ENICS LAB</a:t>
-            </a:r>
-            <a:r>
-              <a:rPr lang="he-IL" dirty="0"/>
-              <a:t> בבר אילן הזהירו  אותנו מלהיכנס לקומפיילר, וגם הפקודות שהוסיפו </a:t>
-            </a:r>
-            <a:r>
-              <a:rPr lang="he-IL" dirty="0" err="1"/>
-              <a:t>בפרוייקט</a:t>
-            </a:r>
-            <a:r>
-              <a:rPr lang="he-IL" dirty="0"/>
-              <a:t> </a:t>
-            </a:r>
-            <a:r>
-              <a:rPr lang="en-US" dirty="0"/>
-              <a:t>PULP</a:t>
-            </a:r>
-            <a:r>
-              <a:rPr lang="he-IL" dirty="0"/>
-              <a:t> לא נתמכות, הבנו שזה בעייתי.</a:t>
-            </a:r>
-          </a:p>
-          <a:p>
-            <a:pPr algn="r" rtl="1"/>
-            <a:r>
-              <a:rPr lang="he-IL" dirty="0"/>
-              <a:t>פתרון שלישי הוא בניית סקריפט שירוץ לפני הקומפיילר של </a:t>
-            </a:r>
-            <a:r>
-              <a:rPr lang="en-US" dirty="0"/>
-              <a:t>GNU</a:t>
-            </a:r>
-            <a:r>
-              <a:rPr lang="he-IL" dirty="0"/>
-              <a:t>, וימיר את פקודות ה-</a:t>
-            </a:r>
-            <a:r>
-              <a:rPr lang="en-US" dirty="0"/>
-              <a:t>AES</a:t>
-            </a:r>
-            <a:r>
-              <a:rPr lang="he-IL" dirty="0"/>
-              <a:t> עבורנו.</a:t>
-            </a:r>
-          </a:p>
-          <a:p>
-            <a:pPr algn="r" rtl="1"/>
-            <a:r>
-              <a:rPr lang="he-IL" dirty="0"/>
-              <a:t>ניתן לראות בתמונה הדפסה של הסקריפט אותו בנינו, בה הוא מכריז על הצלחה בהמרת הפקודות למספר </a:t>
-            </a:r>
-            <a:r>
-              <a:rPr lang="he-IL" dirty="0" err="1"/>
-              <a:t>הקסאדצימלי</a:t>
+              <a:t> (כולל עדכון שם משתמש בקובץ הפקודות)</a:t>
             </a:r>
             <a:endParaRPr lang="en-US" dirty="0"/>
           </a:p>
@@ -3365,7 +3272,7 @@
           <a:p>
             <a:fld id="{FFE9FAFC-D191-4543-8F0A-0BA7C7185E85}" type="slidenum">
               <a:rPr lang="en-IL" smtClean="0"/>
-              <a:t>27</a:t>
+              <a:t>28</a:t>
             </a:fld>
             <a:endParaRPr lang="en-IL"/>
           </a:p>
@@ -3374,7 +3281,7 @@
     </p:spTree>
     <p:extLst>
       <p:ext uri="{BB962C8B-B14F-4D97-AF65-F5344CB8AC3E}">
-        <p14:creationId xmlns:p14="http://schemas.microsoft.com/office/powerpoint/2010/main" val="1857843588"/>
+        <p14:creationId xmlns:p14="http://schemas.microsoft.com/office/powerpoint/2010/main" val="4109833395"/>
       </p:ext>
     </p:extLst>
   </p:cSld>
@@ -3431,15 +3338,103 @@
             <a:pPr algn="r" rtl="1"/>
             <a:r>
               <a:rPr lang="he-IL" dirty="0"/>
-              <a:t>שימוש בספריית </a:t>
+              <a:t>הקומפיילר של </a:t>
             </a:r>
             <a:r>
               <a:rPr lang="en-US" dirty="0"/>
-              <a:t>CTYPES</a:t>
+              <a:t>GNU</a:t>
             </a:r>
             <a:r>
               <a:rPr lang="he-IL" dirty="0"/>
-              <a:t> של פייטון בתוך הקומפיילר שבנינו מאפשרת לנו לייצר שדות עם גודל בביטים, ולאחד אותם לפקודה של 32 ביט</a:t>
+              <a:t> ( </a:t>
+            </a:r>
+            <a:r>
+              <a:rPr lang="en-US" dirty="0"/>
+              <a:t>GCC – Gnu Compiler Collection </a:t>
+            </a:r>
+            <a:r>
+              <a:rPr lang="he-IL" dirty="0"/>
+              <a:t> ) לא תומך בפקודות החדשות שהוספנו, לכן היינו צריכים למצוא פתרון עבור כתיבת הפקודות בקודים שאנחנו רוצים להריץ</a:t>
+            </a:r>
+          </a:p>
+          <a:p>
+            <a:pPr algn="r" rtl="1"/>
+            <a:r>
+              <a:rPr lang="he-IL" dirty="0"/>
+              <a:t>פתרון ראשון היה המרת הפקודות באופן ידני, דבר ארוך ומייגע, ובכל שינוי בפקודה יש צורך לבצע את ההמרה מחדש</a:t>
+            </a:r>
+          </a:p>
+          <a:p>
+            <a:pPr algn="r" rtl="1"/>
+            <a:r>
+              <a:rPr lang="he-IL" dirty="0"/>
+              <a:t>פתרון שני הוא עדכון של ה-</a:t>
+            </a:r>
+            <a:r>
+              <a:rPr lang="en-US" dirty="0"/>
+              <a:t>GCC</a:t>
+            </a:r>
+            <a:r>
+              <a:rPr lang="he-IL" dirty="0"/>
+              <a:t>, אך מכיוון שגם </a:t>
+            </a:r>
+            <a:r>
+              <a:rPr lang="en-US" dirty="0"/>
+              <a:t>ENICS LAB</a:t>
+            </a:r>
+            <a:r>
+              <a:rPr lang="he-IL" dirty="0"/>
+              <a:t> בבר אילן הזהירו  אותנו מלהיכנס לקומפיילר, וגם הפקודות שהוסיפו </a:t>
+            </a:r>
+            <a:r>
+              <a:rPr lang="he-IL" dirty="0" err="1"/>
+              <a:t>בפרוייקט</a:t>
+            </a:r>
+            <a:r>
+              <a:rPr lang="he-IL" dirty="0"/>
+              <a:t> </a:t>
+            </a:r>
+            <a:r>
+              <a:rPr lang="en-US" dirty="0"/>
+              <a:t>PULP</a:t>
+            </a:r>
+            <a:r>
+              <a:rPr lang="he-IL" dirty="0"/>
+              <a:t> לא נתמכות, הבנו שזה בעייתי.</a:t>
+            </a:r>
+          </a:p>
+          <a:p>
+            <a:pPr algn="r" rtl="1"/>
+            <a:r>
+              <a:rPr lang="he-IL" dirty="0"/>
+              <a:t>פתרון שלישי הוא בניית סקריפט שירוץ לפני הקומפיילר של </a:t>
+            </a:r>
+            <a:r>
+              <a:rPr lang="en-US" dirty="0"/>
+              <a:t>GNU</a:t>
+            </a:r>
+            <a:r>
+              <a:rPr lang="he-IL" dirty="0"/>
+              <a:t>, וימיר את פקודות ה-</a:t>
+            </a:r>
+            <a:r>
+              <a:rPr lang="en-US" dirty="0"/>
+              <a:t>AES</a:t>
+            </a:r>
+            <a:r>
+              <a:rPr lang="he-IL" dirty="0"/>
+              <a:t> עבורנו.</a:t>
+            </a:r>
+          </a:p>
+          <a:p>
+            <a:pPr algn="r" rtl="1"/>
+            <a:r>
+              <a:rPr lang="he-IL" dirty="0"/>
+              <a:t>ניתן לראות בתמונה הדפסה של הסקריפט אותו בנינו, בה הוא מכריז על הצלחה בהמרת הפקודות למספר </a:t>
+            </a:r>
+            <a:r>
+              <a:rPr lang="he-IL" dirty="0" err="1"/>
+              <a:t>הקסאדצימלי</a:t>
             </a:r>
             <a:endParaRPr lang="en-US" dirty="0"/>
           </a:p>
@@ -3462,7 +3457,7 @@
           <a:p>
             <a:fld id="{FFE9FAFC-D191-4543-8F0A-0BA7C7185E85}" type="slidenum">
               <a:rPr lang="en-IL" smtClean="0"/>
-              <a:t>28</a:t>
+              <a:t>29</a:t>
             </a:fld>
             <a:endParaRPr lang="en-IL"/>
           </a:p>
@@ -3471,7 +3466,7 @@
     </p:spTree>
     <p:extLst>
       <p:ext uri="{BB962C8B-B14F-4D97-AF65-F5344CB8AC3E}">
-        <p14:creationId xmlns:p14="http://schemas.microsoft.com/office/powerpoint/2010/main" val="3477794511"/>
+        <p14:creationId xmlns:p14="http://schemas.microsoft.com/office/powerpoint/2010/main" val="1857843588"/>
       </p:ext>
     </p:extLst>
   </p:cSld>
@@ -3528,15 +3523,15 @@
             <a:pPr algn="r" rtl="1"/>
             <a:r>
               <a:rPr lang="he-IL" dirty="0"/>
-              <a:t>שימוש במילון של פייטון על מנת לקבל את מספרי הרגיסטרים לפי שם הרגיסטר, ואת מספר פונקציית ה-</a:t>
+              <a:t>שימוש בספריית </a:t>
             </a:r>
             <a:r>
               <a:rPr lang="en-US" dirty="0"/>
-              <a:t>AES</a:t>
+              <a:t>CTYPES</a:t>
             </a:r>
             <a:r>
               <a:rPr lang="he-IL" dirty="0"/>
-              <a:t> לפי שם הפקודה, מחליף את השימוש בערכים קבועים בקוד, והופך את העדכון שלו לפשוט יותר, ואת הקוד עצמו לקריא יותר.</a:t>
+              <a:t> של פייטון בתוך הקומפיילר שבנינו מאפשרת לנו לייצר שדות עם גודל בביטים, ולאחד אותם לפקודה של 32 ביט</a:t>
             </a:r>
             <a:endParaRPr lang="en-US" dirty="0"/>
           </a:p>
@@ -3559,7 +3554,7 @@
           <a:p>
             <a:fld id="{FFE9FAFC-D191-4543-8F0A-0BA7C7185E85}" type="slidenum">
               <a:rPr lang="en-IL" smtClean="0"/>
-              <a:t>29</a:t>
+              <a:t>30</a:t>
             </a:fld>
             <a:endParaRPr lang="en-IL"/>
           </a:p>
@@ -3568,7 +3563,7 @@
     </p:spTree>
     <p:extLst>
       <p:ext uri="{BB962C8B-B14F-4D97-AF65-F5344CB8AC3E}">
-        <p14:creationId xmlns:p14="http://schemas.microsoft.com/office/powerpoint/2010/main" val="1193252797"/>
+        <p14:creationId xmlns:p14="http://schemas.microsoft.com/office/powerpoint/2010/main" val="3477794511"/>
       </p:ext>
     </p:extLst>
   </p:cSld>
@@ -3625,22 +3620,7 @@
             <a:pPr algn="r" rtl="1"/>
             <a:r>
               <a:rPr lang="he-IL" dirty="0"/>
-              <a:t>כאן אנו רואים דוגמא ליצירת אובייקט מסוג </a:t>
-            </a:r>
-            <a:r>
-              <a:rPr lang="en-US" dirty="0"/>
-              <a:t>INSTR</a:t>
-            </a:r>
-            <a:r>
-              <a:rPr lang="he-IL" dirty="0"/>
-              <a:t> והשמה של ערכים לשדות שלו</a:t>
-            </a:r>
-          </a:p>
-          <a:p>
-            <a:pPr algn="r" rtl="1"/>
-            <a:r>
-              <a:rPr lang="he-IL" dirty="0"/>
-              <a:t>ובתמונה למטה ודוגמא לשימוש במילון הפונקציות של </a:t>
+              <a:t>שימוש במילון של פייטון על מנת לקבל את מספרי הרגיסטרים לפי שם הרגיסטר, ואת מספר פונקציית ה-</a:t>
             </a:r>
             <a:r>
               <a:rPr lang="en-US" dirty="0"/>
@@ -3648,23 +3628,7 @@
             </a:r>
             <a:r>
               <a:rPr lang="he-IL" dirty="0"/>
-              <a:t> (הרבה יותר קריא לקרוא את מספר הפונקציה של </a:t>
-            </a:r>
-            <a:r>
-              <a:rPr lang="en-US" dirty="0"/>
-              <a:t>AES</a:t>
-            </a:r>
-            <a:r>
-              <a:rPr lang="he-IL" dirty="0"/>
-              <a:t>_</a:t>
-            </a:r>
-            <a:r>
-              <a:rPr lang="en-US" dirty="0"/>
-              <a:t>RUN</a:t>
-            </a:r>
-            <a:r>
-              <a:rPr lang="he-IL" dirty="0"/>
-              <a:t> מהמילון לעומת השמה של המספר 4 ישירות)</a:t>
+              <a:t> לפי שם הפקודה, מחליף את השימוש בערכים קבועים בקוד, והופך את העדכון שלו לפשוט יותר, ואת הקוד עצמו לקריא יותר.</a:t>
             </a:r>
             <a:endParaRPr lang="en-US" dirty="0"/>
           </a:p>
@@ -3687,7 +3651,7 @@
           <a:p>
             <a:fld id="{FFE9FAFC-D191-4543-8F0A-0BA7C7185E85}" type="slidenum">
               <a:rPr lang="en-IL" smtClean="0"/>
-              <a:t>30</a:t>
+              <a:t>31</a:t>
             </a:fld>
             <a:endParaRPr lang="en-IL"/>
           </a:p>
@@ -3696,7 +3660,7 @@
     </p:spTree>
     <p:extLst>
       <p:ext uri="{BB962C8B-B14F-4D97-AF65-F5344CB8AC3E}">
-        <p14:creationId xmlns:p14="http://schemas.microsoft.com/office/powerpoint/2010/main" val="453670154"/>
+        <p14:creationId xmlns:p14="http://schemas.microsoft.com/office/powerpoint/2010/main" val="1193252797"/>
       </p:ext>
     </p:extLst>
   </p:cSld>
@@ -3975,110 +3939,46 @@
             <a:pPr algn="r" rtl="1"/>
             <a:r>
               <a:rPr lang="he-IL" dirty="0"/>
-              <a:t>בקוד מולנו ניתן לראות דוגמא לכתיבת רגיסטר אחד של מידע לרגיסטר </a:t>
-            </a:r>
-            <a:r>
-              <a:rPr lang="he-IL" dirty="0" err="1"/>
-              <a:t>פייל</a:t>
+              <a:t>כאן אנו רואים דוגמא ליצירת אובייקט מסוג </a:t>
+            </a:r>
+            <a:r>
+              <a:rPr lang="en-US" dirty="0"/>
+              <a:t>INSTR</a:t>
             </a:r>
             <a:r>
               <a:rPr lang="he-IL" dirty="0"/>
-              <a:t> </a:t>
+              <a:t> והשמה של ערכים לשדות שלו</a:t>
+            </a:r>
+          </a:p>
+          <a:p>
+            <a:pPr algn="r" rtl="1"/>
+            <a:r>
+              <a:rPr lang="he-IL" dirty="0"/>
+              <a:t>ובתמונה למטה ודוגמא לשימוש במילון הפונקציות של </a:t>
             </a:r>
             <a:r>
               <a:rPr lang="en-US" dirty="0"/>
               <a:t>AES</a:t>
             </a:r>
-            <a:endParaRPr lang="he-IL" dirty="0"/>
-          </a:p>
-          <a:p>
-            <a:pPr algn="r" rtl="1"/>
             <a:r>
               <a:rPr lang="he-IL" dirty="0"/>
-              <a:t>ודוגמא לכתיבת רגיסטר אחד של מפתח לרגיסטר </a:t>
-            </a:r>
-            <a:r>
-              <a:rPr lang="he-IL" dirty="0" err="1"/>
-              <a:t>פייל</a:t>
-            </a:r>
-            <a:r>
-              <a:rPr lang="he-IL" dirty="0"/>
-              <a:t> </a:t>
+              <a:t> (הרבה יותר קריא לקרוא את מספר הפונקציה של </a:t>
             </a:r>
             <a:r>
               <a:rPr lang="en-US" dirty="0"/>
               <a:t>AES</a:t>
             </a:r>
-            <a:endParaRPr lang="he-IL" dirty="0"/>
-          </a:p>
-          <a:p>
-            <a:pPr algn="r" rtl="1"/>
             <a:r>
               <a:rPr lang="he-IL" dirty="0"/>
-              <a:t>ניתן לראות שסימולציה זו הרבה יותר קריאה לעומת פקודות הכתובות במספר בבסיס </a:t>
-            </a:r>
-            <a:r>
-              <a:rPr lang="he-IL" dirty="0" err="1"/>
-              <a:t>הקסאדצימלי</a:t>
+              <a:t>_</a:t>
+            </a:r>
+            <a:r>
+              <a:rPr lang="en-US" dirty="0"/>
+              <a:t>RUN</a:t>
             </a:r>
             <a:r>
               <a:rPr lang="he-IL" dirty="0"/>
-              <a:t> (</a:t>
-            </a:r>
-            <a:r>
-              <a:rPr lang="en-US" dirty="0"/>
-              <a:t>.word 0x45453</a:t>
-            </a:r>
-            <a:r>
-              <a:rPr lang="he-IL" dirty="0"/>
-              <a:t>)</a:t>
-            </a:r>
-          </a:p>
-          <a:p>
-            <a:pPr algn="r" rtl="1"/>
-            <a:r>
-              <a:rPr lang="he-IL" dirty="0"/>
-              <a:t>(האחוזים בפקודות ה-</a:t>
-            </a:r>
-            <a:r>
-              <a:rPr lang="en-US" dirty="0"/>
-              <a:t>LUI – Load Upper Immediate</a:t>
-            </a:r>
-            <a:r>
-              <a:rPr lang="he-IL" dirty="0"/>
-              <a:t> משמשים אותנו להצבת ערכים </a:t>
-            </a:r>
-            <a:r>
-              <a:rPr lang="he-IL" dirty="0" err="1"/>
-              <a:t>רנדומים</a:t>
-            </a:r>
-            <a:r>
-              <a:rPr lang="he-IL" dirty="0"/>
-              <a:t> ב-</a:t>
-            </a:r>
-            <a:r>
-              <a:rPr lang="en-US" dirty="0"/>
-              <a:t>KEY</a:t>
-            </a:r>
-            <a:r>
-              <a:rPr lang="he-IL" dirty="0"/>
-              <a:t> ו-</a:t>
-            </a:r>
-            <a:r>
-              <a:rPr lang="en-US" dirty="0"/>
-              <a:t>DATA</a:t>
-            </a:r>
-            <a:r>
-              <a:rPr lang="he-IL" dirty="0"/>
-              <a:t> לצרכי </a:t>
-            </a:r>
-            <a:r>
-              <a:rPr lang="he-IL" dirty="0" err="1"/>
-              <a:t>וריפיקציה</a:t>
-            </a:r>
-            <a:r>
-              <a:rPr lang="he-IL" dirty="0"/>
-              <a:t>)</a:t>
+              <a:t> מהמילון לעומת השמה של המספר 4 ישירות)</a:t>
             </a:r>
             <a:endParaRPr lang="en-US" dirty="0"/>
           </a:p>
@@ -4101,7 +4001,7 @@
           <a:p>
             <a:fld id="{FFE9FAFC-D191-4543-8F0A-0BA7C7185E85}" type="slidenum">
               <a:rPr lang="en-IL" smtClean="0"/>
-              <a:t>31</a:t>
+              <a:t>32</a:t>
             </a:fld>
             <a:endParaRPr lang="en-IL"/>
           </a:p>
@@ -4110,7 +4010,7 @@
     </p:spTree>
     <p:extLst>
       <p:ext uri="{BB962C8B-B14F-4D97-AF65-F5344CB8AC3E}">
-        <p14:creationId xmlns:p14="http://schemas.microsoft.com/office/powerpoint/2010/main" val="377254288"/>
+        <p14:creationId xmlns:p14="http://schemas.microsoft.com/office/powerpoint/2010/main" val="453670154"/>
       </p:ext>
     </p:extLst>
   </p:cSld>
@@ -4167,7 +4067,15 @@
             <a:pPr algn="r" rtl="1"/>
             <a:r>
               <a:rPr lang="he-IL" dirty="0"/>
-              <a:t>זוהי דוגמא לטסט של מצפין ה-</a:t>
+              <a:t>בקוד מולנו ניתן לראות דוגמא לכתיבת רגיסטר אחד של מידע לרגיסטר </a:t>
+            </a:r>
+            <a:r>
+              <a:rPr lang="he-IL" dirty="0" err="1"/>
+              <a:t>פייל</a:t>
+            </a:r>
+            <a:r>
+              <a:rPr lang="he-IL" dirty="0"/>
+              <a:t> </a:t>
             </a:r>
             <a:r>
               <a:rPr lang="en-US" dirty="0"/>
@@ -4179,50 +4087,11 @@
             <a:pPr algn="r" rtl="1"/>
             <a:r>
               <a:rPr lang="he-IL" dirty="0"/>
-              <a:t>ניתן לראות (בכחול) שההצפנה ב-</a:t>
-            </a:r>
-            <a:r>
-              <a:rPr lang="en-US" dirty="0"/>
-              <a:t>RISCV</a:t>
-            </a:r>
-            <a:r>
-              <a:rPr lang="he-IL" dirty="0"/>
-              <a:t> זהה להצפנה ב-</a:t>
-            </a:r>
-            <a:r>
-              <a:rPr lang="en-US" dirty="0"/>
-              <a:t>C</a:t>
-            </a:r>
-            <a:r>
-              <a:rPr lang="he-IL" dirty="0"/>
-              <a:t>, וזהה להצפנה ב-פייטון, לכן הטסט עבר בהצלחה (בכחול)</a:t>
-            </a:r>
-          </a:p>
-          <a:p>
-            <a:pPr algn="r" rtl="1"/>
-            <a:r>
-              <a:rPr lang="he-IL" dirty="0"/>
-              <a:t>ניתן לראות (באדום) שה-</a:t>
-            </a:r>
-            <a:r>
-              <a:rPr lang="en-US" dirty="0"/>
-              <a:t>RISCV</a:t>
-            </a:r>
-            <a:r>
-              <a:rPr lang="he-IL" dirty="0"/>
-              <a:t> רץ ב-5417 מחזורים בעוד </a:t>
-            </a:r>
-            <a:r>
-              <a:rPr lang="en-US" dirty="0"/>
-              <a:t>C</a:t>
-            </a:r>
-            <a:r>
-              <a:rPr lang="he-IL" dirty="0"/>
-              <a:t> רץ ב-32715 מחזורים, לכן אנו רואים שיפור משמעותי בזמן הריצה ב-</a:t>
-            </a:r>
-            <a:r>
-              <a:rPr lang="en-US" dirty="0"/>
-              <a:t>RISCV</a:t>
+              <a:t>ודוגמא לכתיבת רגיסטר אחד של מפתח לרגיסטר </a:t>
+            </a:r>
+            <a:r>
+              <a:rPr lang="he-IL" dirty="0" err="1"/>
+              <a:t>פייל</a:t>
             </a:r>
             <a:r>
               <a:rPr lang="he-IL" dirty="0"/>
@@ -4232,40 +4101,76 @@
               <a:rPr lang="en-US" dirty="0"/>
               <a:t>AES</a:t>
             </a:r>
+            <a:endParaRPr lang="he-IL" dirty="0"/>
+          </a:p>
+          <a:p>
+            <a:pPr algn="r" rtl="1"/>
             <a:r>
               <a:rPr lang="he-IL" dirty="0"/>
-              <a:t> לעומת </a:t>
+              <a:t>ניתן לראות שסימולציה זו הרבה יותר קריאה לעומת פקודות הכתובות במספר בבסיס </a:t>
+            </a:r>
+            <a:r>
+              <a:rPr lang="he-IL" dirty="0" err="1"/>
+              <a:t>הקסאדצימלי</a:t>
+            </a:r>
+            <a:r>
+              <a:rPr lang="he-IL" dirty="0"/>
+              <a:t> (</a:t>
             </a:r>
             <a:r>
               <a:rPr lang="en-US" dirty="0"/>
-              <a:t>C</a:t>
+              <a:t>.word 0x45453</a:t>
             </a:r>
             <a:r>
               <a:rPr lang="he-IL" dirty="0"/>
-              <a:t> </a:t>
+              <a:t>)</a:t>
+            </a:r>
+          </a:p>
+          <a:p>
+            <a:pPr algn="r" rtl="1"/>
+            <a:r>
+              <a:rPr lang="he-IL" dirty="0"/>
+              <a:t>(האחוזים בפקודות ה-</a:t>
             </a:r>
             <a:r>
               <a:rPr lang="en-US" dirty="0"/>
-              <a:t>AES</a:t>
+              <a:t>LUI – Load Upper Immediate</a:t>
             </a:r>
             <a:r>
               <a:rPr lang="he-IL" dirty="0"/>
-              <a:t> ( פי 6 יותר מהיר, באדום)</a:t>
-            </a:r>
-          </a:p>
-          <a:p>
-            <a:pPr algn="r" rtl="1"/>
+              <a:t> משמשים אותנו להצבת ערכים </a:t>
+            </a:r>
+            <a:r>
+              <a:rPr lang="he-IL" dirty="0" err="1"/>
+              <a:t>רנדומים</a:t>
+            </a:r>
             <a:r>
               <a:rPr lang="he-IL" dirty="0"/>
-              <a:t>הטקסט שהצפנו בכתום, והטקסט לאחר ההצפנה בירוק, ניתן לראות שהרקע שמלווה אותנו במצגת בצד שמאל למעלה הוא בעצם הצפנה של המשפט </a:t>
+              <a:t> ב-</a:t>
             </a:r>
             <a:r>
               <a:rPr lang="en-US" dirty="0"/>
-              <a:t>thanks take care</a:t>
+              <a:t>KEY</a:t>
             </a:r>
             <a:r>
               <a:rPr lang="he-IL" dirty="0"/>
-              <a:t>, בעוד שלא ניתן להבין זאת כלל ללא פענוח הטקסט המוצפן.</a:t>
+              <a:t> ו-</a:t>
+            </a:r>
+            <a:r>
+              <a:rPr lang="en-US" dirty="0"/>
+              <a:t>DATA</a:t>
+            </a:r>
+            <a:r>
+              <a:rPr lang="he-IL" dirty="0"/>
+              <a:t> לצרכי </a:t>
+            </a:r>
+            <a:r>
+              <a:rPr lang="he-IL" dirty="0" err="1"/>
+              <a:t>וריפיקציה</a:t>
+            </a:r>
+            <a:r>
+              <a:rPr lang="he-IL" dirty="0"/>
+              <a:t>)</a:t>
             </a:r>
             <a:endParaRPr lang="en-US" dirty="0"/>
           </a:p>
@@ -4288,7 +4193,7 @@
           <a:p>
             <a:fld id="{FFE9FAFC-D191-4543-8F0A-0BA7C7185E85}" type="slidenum">
               <a:rPr lang="en-IL" smtClean="0"/>
-              <a:t>32</a:t>
+              <a:t>33</a:t>
             </a:fld>
             <a:endParaRPr lang="en-IL"/>
           </a:p>
@@ -4297,7 +4202,7 @@
     </p:spTree>
     <p:extLst>
       <p:ext uri="{BB962C8B-B14F-4D97-AF65-F5344CB8AC3E}">
-        <p14:creationId xmlns:p14="http://schemas.microsoft.com/office/powerpoint/2010/main" val="3312130443"/>
+        <p14:creationId xmlns:p14="http://schemas.microsoft.com/office/powerpoint/2010/main" val="377254288"/>
       </p:ext>
     </p:extLst>
   </p:cSld>
@@ -4354,15 +4259,19 @@
             <a:pPr algn="r" rtl="1"/>
             <a:r>
               <a:rPr lang="he-IL" dirty="0"/>
-              <a:t>לסיכום, מימשנו בהצלחה מאיץ </a:t>
+              <a:t>זוהי דוגמא לטסט של מצפין ה-</a:t>
             </a:r>
             <a:r>
               <a:rPr lang="en-US" dirty="0"/>
               <a:t>AES</a:t>
             </a:r>
+            <a:endParaRPr lang="he-IL" dirty="0"/>
+          </a:p>
+          <a:p>
+            <a:pPr algn="r" rtl="1"/>
             <a:r>
               <a:rPr lang="he-IL" dirty="0"/>
-              <a:t> בתוך מעבד </a:t>
+              <a:t>ניתן לראות (בכחול) שההצפנה ב-</a:t>
             </a:r>
             <a:r>
               <a:rPr lang="en-US" dirty="0"/>
@@ -4370,35 +4279,22 @@
             </a:r>
             <a:r>
               <a:rPr lang="he-IL" dirty="0"/>
-              <a:t>, תוך שמירה על ביצועי </a:t>
+              <a:t> זהה להצפנה ב-</a:t>
             </a:r>
             <a:r>
               <a:rPr lang="en-US" dirty="0"/>
-              <a:t>POWER</a:t>
+              <a:t>C</a:t>
             </a:r>
             <a:r>
               <a:rPr lang="he-IL" dirty="0"/>
-              <a:t> ו-</a:t>
-            </a:r>
-            <a:r>
-              <a:rPr lang="en-US" dirty="0"/>
-              <a:t>TIME</a:t>
-            </a:r>
+              <a:t>, וזהה להצפנה ב-פייטון, לכן הטסט עבר בהצלחה (בכחול)</a:t>
+            </a:r>
+          </a:p>
+          <a:p>
+            <a:pPr algn="r" rtl="1"/>
             <a:r>
               <a:rPr lang="he-IL" dirty="0"/>
-              <a:t>, אך עם השפעה ניכרת על ה-</a:t>
-            </a:r>
-            <a:r>
-              <a:rPr lang="en-US" dirty="0"/>
-              <a:t>AREA</a:t>
-            </a:r>
-            <a:endParaRPr lang="he-IL" dirty="0"/>
-          </a:p>
-          <a:p>
-            <a:pPr algn="r" rtl="1"/>
-            <a:r>
-              <a:rPr lang="he-IL" dirty="0"/>
-              <a:t>ייצרנו סביבת משתמש קלה לשימוש, הכוללת כתיבת פקודות בצורה דומה לפקודות המקוריות של </a:t>
+              <a:t>ניתן לראות (באדום) שה-</a:t>
             </a:r>
             <a:r>
               <a:rPr lang="en-US" dirty="0"/>
@@ -4406,7 +4302,23 @@
             </a:r>
             <a:r>
               <a:rPr lang="he-IL" dirty="0"/>
-              <a:t>, ובנוסף סקריפט בדיקה למערכת ה-</a:t>
+              <a:t> רץ ב-5417 מחזורים בעוד </a:t>
+            </a:r>
+            <a:r>
+              <a:rPr lang="en-US" dirty="0"/>
+              <a:t>C</a:t>
+            </a:r>
+            <a:r>
+              <a:rPr lang="he-IL" dirty="0"/>
+              <a:t> רץ ב-32715 מחזורים, לכן אנו רואים שיפור משמעותי בזמן הריצה ב-</a:t>
+            </a:r>
+            <a:r>
+              <a:rPr lang="en-US" dirty="0"/>
+              <a:t>RISCV</a:t>
+            </a:r>
+            <a:r>
+              <a:rPr lang="he-IL" dirty="0"/>
+              <a:t> </a:t>
             </a:r>
             <a:r>
               <a:rPr lang="en-US" dirty="0"/>
@@ -4414,41 +4326,39 @@
             </a:r>
             <a:r>
               <a:rPr lang="he-IL" dirty="0"/>
-              <a:t>.</a:t>
+              <a:t> לעומת </a:t>
+            </a:r>
+            <a:r>
+              <a:rPr lang="en-US" dirty="0"/>
+              <a:t>C</a:t>
+            </a:r>
+            <a:r>
+              <a:rPr lang="he-IL" dirty="0"/>
+              <a:t> </a:t>
+            </a:r>
+            <a:r>
+              <a:rPr lang="en-US" dirty="0"/>
+              <a:t>AES</a:t>
+            </a:r>
+            <a:r>
+              <a:rPr lang="he-IL" dirty="0"/>
+              <a:t> ( פי 6 יותר מהיר, באדום)</a:t>
             </a:r>
           </a:p>
           <a:p>
             <a:pPr algn="r" rtl="1"/>
             <a:r>
               <a:rPr lang="he-IL" dirty="0"/>
-              <a:t>שיפרנו את הסקריפטים המקוריים, והוספנו אפשרויות סימולציה.</a:t>
-            </a:r>
-          </a:p>
-          <a:p>
-            <a:pPr algn="r" rtl="1"/>
+              <a:t>הטקסט שהצפנו בכתום, והטקסט לאחר ההצפנה בירוק, ניתן לראות שהרקע שמלווה אותנו במצגת בצד שמאל למעלה הוא בעצם הצפנה של המשפט </a:t>
+            </a:r>
+            <a:r>
+              <a:rPr lang="en-US" dirty="0"/>
+              <a:t>thanks take care</a:t>
+            </a:r>
             <a:r>
               <a:rPr lang="he-IL" dirty="0"/>
-              <a:t>והוספנו סקריפט </a:t>
-            </a:r>
-            <a:r>
-              <a:rPr lang="he-IL" dirty="0" err="1"/>
-              <a:t>סינטזה</a:t>
-            </a:r>
-            <a:r>
-              <a:rPr lang="he-IL" dirty="0"/>
-              <a:t> המקל על השימוש והפיתוח בבקר ה-</a:t>
-            </a:r>
-            <a:r>
-              <a:rPr lang="en-US" dirty="0"/>
-              <a:t>PULPENIX</a:t>
-            </a:r>
-            <a:r>
-              <a:rPr lang="he-IL"/>
-              <a:t>.</a:t>
-            </a:r>
-          </a:p>
-          <a:p>
-            <a:pPr algn="r" rtl="1"/>
+              <a:t>, בעוד שלא ניתן להבין זאת כלל ללא פענוח הטקסט המוצפן.</a:t>
+            </a:r>
             <a:endParaRPr lang="en-US" dirty="0"/>
           </a:p>
         </p:txBody>
@@ -4470,7 +4380,7 @@
           <a:p>
             <a:fld id="{FFE9FAFC-D191-4543-8F0A-0BA7C7185E85}" type="slidenum">
               <a:rPr lang="en-IL" smtClean="0"/>
-              <a:t>33</a:t>
+              <a:t>34</a:t>
             </a:fld>
             <a:endParaRPr lang="en-IL"/>
           </a:p>
@@ -4479,7 +4389,7 @@
     </p:spTree>
     <p:extLst>
       <p:ext uri="{BB962C8B-B14F-4D97-AF65-F5344CB8AC3E}">
-        <p14:creationId xmlns:p14="http://schemas.microsoft.com/office/powerpoint/2010/main" val="2719930758"/>
+        <p14:creationId xmlns:p14="http://schemas.microsoft.com/office/powerpoint/2010/main" val="3312130443"/>
       </p:ext>
     </p:extLst>
   </p:cSld>
@@ -4533,7 +4443,105 @@
           <a:bodyPr/>
           <a:lstStyle/>
           <a:p>
-            <a:endParaRPr lang="en-US"/>
+            <a:pPr algn="r" rtl="1"/>
+            <a:r>
+              <a:rPr lang="he-IL" dirty="0"/>
+              <a:t>לסיכום, מימשנו בהצלחה מאיץ </a:t>
+            </a:r>
+            <a:r>
+              <a:rPr lang="en-US" dirty="0"/>
+              <a:t>AES</a:t>
+            </a:r>
+            <a:r>
+              <a:rPr lang="he-IL" dirty="0"/>
+              <a:t> בתוך מעבד </a:t>
+            </a:r>
+            <a:r>
+              <a:rPr lang="en-US" dirty="0"/>
+              <a:t>RISCV</a:t>
+            </a:r>
+            <a:r>
+              <a:rPr lang="he-IL" dirty="0"/>
+              <a:t>, תוך שמירה על ביצועי </a:t>
+            </a:r>
+            <a:r>
+              <a:rPr lang="en-US" dirty="0"/>
+              <a:t>POWER</a:t>
+            </a:r>
+            <a:r>
+              <a:rPr lang="he-IL" dirty="0"/>
+              <a:t> ו-</a:t>
+            </a:r>
+            <a:r>
+              <a:rPr lang="en-US" dirty="0"/>
+              <a:t>TIME</a:t>
+            </a:r>
+            <a:r>
+              <a:rPr lang="he-IL" dirty="0"/>
+              <a:t>, אך עם השפעה ניכרת על ה-</a:t>
+            </a:r>
+            <a:r>
+              <a:rPr lang="en-US" dirty="0"/>
+              <a:t>AREA</a:t>
+            </a:r>
+            <a:endParaRPr lang="he-IL" dirty="0"/>
+          </a:p>
+          <a:p>
+            <a:pPr algn="r" rtl="1"/>
+            <a:r>
+              <a:rPr lang="he-IL" dirty="0"/>
+              <a:t>ייצרנו סביבת משתמש קלה לשימוש, הכוללת כתיבת פקודות בצורה דומה לפקודות המקוריות של </a:t>
+            </a:r>
+            <a:r>
+              <a:rPr lang="en-US" dirty="0"/>
+              <a:t>RISCV</a:t>
+            </a:r>
+            <a:r>
+              <a:rPr lang="he-IL" dirty="0"/>
+              <a:t>, ובנוסף סקריפט בדיקה למערכת ה-</a:t>
+            </a:r>
+            <a:r>
+              <a:rPr lang="en-US" dirty="0"/>
+              <a:t>AES</a:t>
+            </a:r>
+            <a:r>
+              <a:rPr lang="he-IL" dirty="0"/>
+              <a:t>.</a:t>
+            </a:r>
+          </a:p>
+          <a:p>
+            <a:pPr algn="r" rtl="1"/>
+            <a:r>
+              <a:rPr lang="he-IL" dirty="0"/>
+              <a:t>שיפרנו את הסקריפטים המקוריים, והוספנו אפשרויות סימולציה.</a:t>
+            </a:r>
+          </a:p>
+          <a:p>
+            <a:pPr algn="r" rtl="1"/>
+            <a:r>
+              <a:rPr lang="he-IL" dirty="0"/>
+              <a:t>והוספנו סקריפט </a:t>
+            </a:r>
+            <a:r>
+              <a:rPr lang="he-IL" dirty="0" err="1"/>
+              <a:t>סינטזה</a:t>
+            </a:r>
+            <a:r>
+              <a:rPr lang="he-IL" dirty="0"/>
+              <a:t> המקל על השימוש והפיתוח בבקר ה-</a:t>
+            </a:r>
+            <a:r>
+              <a:rPr lang="en-US" dirty="0"/>
+              <a:t>PULPENIX</a:t>
+            </a:r>
+            <a:r>
+              <a:rPr lang="he-IL"/>
+              <a:t>.</a:t>
+            </a:r>
+          </a:p>
+          <a:p>
+            <a:pPr algn="r" rtl="1"/>
+            <a:endParaRPr lang="en-US" dirty="0"/>
           </a:p>
         </p:txBody>
       </p:sp>
@@ -4554,7 +4562,91 @@
           <a:p>
             <a:fld id="{FFE9FAFC-D191-4543-8F0A-0BA7C7185E85}" type="slidenum">
               <a:rPr lang="en-IL" smtClean="0"/>
-              <a:t>34</a:t>
+              <a:t>35</a:t>
+            </a:fld>
+            <a:endParaRPr lang="en-IL"/>
+          </a:p>
+        </p:txBody>
+      </p:sp>
+    </p:spTree>
+    <p:extLst>
+      <p:ext uri="{BB962C8B-B14F-4D97-AF65-F5344CB8AC3E}">
+        <p14:creationId xmlns:p14="http://schemas.microsoft.com/office/powerpoint/2010/main" val="2719930758"/>
+      </p:ext>
+    </p:extLst>
+  </p:cSld>
+  <p:clrMapOvr>
+    <a:masterClrMapping/>
+  </p:clrMapOvr>
+</p:notes>
+</file>
+
+<file path=ppt/notesSlides/notesSlide34.xml><?xml version="1.0" encoding="utf-8"?>
+<p:notes xmlns:a="http://schemas.openxmlformats.org/drawingml/2006/main" xmlns:r="http://schemas.openxmlformats.org/officeDocument/2006/relationships" xmlns:p="http://schemas.openxmlformats.org/presentationml/2006/main">
+  <p:cSld>
+    <p:spTree>
+      <p:nvGrpSpPr>
+        <p:cNvPr id="1" name=""/>
+        <p:cNvGrpSpPr/>
+        <p:nvPr/>
+      </p:nvGrpSpPr>
+      <p:grpSpPr>
+        <a:xfrm>
+          <a:off x="0" y="0"/>
+          <a:ext cx="0" cy="0"/>
+          <a:chOff x="0" y="0"/>
+          <a:chExt cx="0" cy="0"/>
+        </a:xfrm>
+      </p:grpSpPr>
+      <p:sp>
+        <p:nvSpPr>
+          <p:cNvPr id="2" name="Slide Image Placeholder 1"/>
+          <p:cNvSpPr>
+            <a:spLocks noGrp="1" noRot="1" noChangeAspect="1"/>
+          </p:cNvSpPr>
+          <p:nvPr>
+            <p:ph type="sldImg"/>
+          </p:nvPr>
+        </p:nvSpPr>
+        <p:spPr/>
+      </p:sp>
+      <p:sp>
+        <p:nvSpPr>
+          <p:cNvPr id="3" name="Notes Placeholder 2"/>
+          <p:cNvSpPr>
+            <a:spLocks noGrp="1"/>
+          </p:cNvSpPr>
+          <p:nvPr>
+            <p:ph type="body" idx="1"/>
+          </p:nvPr>
+        </p:nvSpPr>
+        <p:spPr/>
+        <p:txBody>
+          <a:bodyPr/>
+          <a:lstStyle/>
+          <a:p>
+            <a:endParaRPr lang="en-US"/>
+          </a:p>
+        </p:txBody>
+      </p:sp>
+      <p:sp>
+        <p:nvSpPr>
+          <p:cNvPr id="4" name="Slide Number Placeholder 3"/>
+          <p:cNvSpPr>
+            <a:spLocks noGrp="1"/>
+          </p:cNvSpPr>
+          <p:nvPr>
+            <p:ph type="sldNum" sz="quarter" idx="5"/>
+          </p:nvPr>
+        </p:nvSpPr>
+        <p:spPr/>
+        <p:txBody>
+          <a:bodyPr/>
+          <a:lstStyle/>
+          <a:p>
+            <a:fld id="{FFE9FAFC-D191-4543-8F0A-0BA7C7185E85}" type="slidenum">
+              <a:rPr lang="en-IL" smtClean="0"/>
+              <a:t>36</a:t>
             </a:fld>
             <a:endParaRPr lang="en-IL"/>
           </a:p>
@@ -14088,7 +14180,7 @@
                 <a:latin typeface="Arial" panose="020B0604020202020204" pitchFamily="34" charset="0"/>
                 <a:cs typeface="Arial" panose="020B0604020202020204" pitchFamily="34" charset="0"/>
               </a:rPr>
-              <a:t>AES Engine Architecture</a:t>
+              <a:t>AES Comb Engine Architecture</a:t>
             </a:r>
           </a:p>
         </p:txBody>
@@ -14193,87 +14285,12 @@
           <a:chExt cx="0" cy="0"/>
         </a:xfrm>
       </p:grpSpPr>
-      <p:pic>
-        <p:nvPicPr>
-          <p:cNvPr id="3" name="Picture 2">
+      <p:sp>
+        <p:nvSpPr>
+          <p:cNvPr id="2" name="Slide Number Placeholder 1">
             <a:extLst>
               <a:ext uri="{FF2B5EF4-FFF2-40B4-BE49-F238E27FC236}">
-                <a16:creationId xmlns:a16="http://schemas.microsoft.com/office/drawing/2014/main" id="{D7E784B0-6AD5-4FE6-A71D-CEC070C7F333}"/>
-              </a:ext>
-            </a:extLst>
-          </p:cNvPr>
-          <p:cNvPicPr>
-            <a:picLocks noChangeAspect="1"/>
-          </p:cNvPicPr>
-          <p:nvPr/>
-        </p:nvPicPr>
-        <p:blipFill>
-          <a:blip r:embed="rId3">
-            <a:extLst>
-              <a:ext uri="{28A0092B-C50C-407E-A947-70E740481C1C}">
-                <a14:useLocalDpi xmlns:a14="http://schemas.microsoft.com/office/drawing/2010/main" val="0"/>
-              </a:ext>
-            </a:extLst>
-          </a:blip>
-          <a:stretch>
-            <a:fillRect/>
-          </a:stretch>
-        </p:blipFill>
-        <p:spPr>
-          <a:xfrm>
-            <a:off x="2225242" y="1577686"/>
-            <a:ext cx="7741516" cy="4820490"/>
-          </a:xfrm>
-          <a:prstGeom prst="rect">
-            <a:avLst/>
-          </a:prstGeom>
-        </p:spPr>
-      </p:pic>
-      <p:sp>
-        <p:nvSpPr>
-          <p:cNvPr id="4" name="TextBox 3">
-            <a:extLst>
-              <a:ext uri="{FF2B5EF4-FFF2-40B4-BE49-F238E27FC236}">
-                <a16:creationId xmlns:a16="http://schemas.microsoft.com/office/drawing/2014/main" id="{A112F7D2-39A1-403A-AE89-2929A2C4BFE2}"/>
-              </a:ext>
-            </a:extLst>
-          </p:cNvPr>
-          <p:cNvSpPr txBox="1"/>
-          <p:nvPr/>
-        </p:nvSpPr>
-        <p:spPr>
-          <a:xfrm>
-            <a:off x="3106271" y="652739"/>
-            <a:ext cx="5979458" cy="461665"/>
-          </a:xfrm>
-          <a:prstGeom prst="rect">
-            <a:avLst/>
-          </a:prstGeom>
-          <a:noFill/>
-        </p:spPr>
-        <p:txBody>
-          <a:bodyPr wrap="square" rtlCol="0">
-            <a:spAutoFit/>
-          </a:bodyPr>
-          <a:lstStyle/>
-          <a:p>
-            <a:pPr algn="ctr"/>
-            <a:r>
-              <a:rPr lang="en-US" sz="2400" dirty="0">
-                <a:latin typeface="Arial" panose="020B0604020202020204" pitchFamily="34" charset="0"/>
-                <a:cs typeface="Arial" panose="020B0604020202020204" pitchFamily="34" charset="0"/>
-              </a:rPr>
-              <a:t>AES Register File Architecture</a:t>
-            </a:r>
-          </a:p>
-        </p:txBody>
-      </p:sp>
-      <p:sp>
-        <p:nvSpPr>
-          <p:cNvPr id="6" name="Slide Number Placeholder 5">
-            <a:extLst>
-              <a:ext uri="{FF2B5EF4-FFF2-40B4-BE49-F238E27FC236}">
-                <a16:creationId xmlns:a16="http://schemas.microsoft.com/office/drawing/2014/main" id="{730C86E4-BBBE-4563-89B5-D5A2C21DFB56}"/>
+                <a16:creationId xmlns:a16="http://schemas.microsoft.com/office/drawing/2014/main" id="{A8125677-92D6-475E-A14C-809303B0C672}"/>
               </a:ext>
             </a:extLst>
           </p:cNvPr>
@@ -14284,12 +14301,7 @@
             <p:ph type="sldNum" sz="quarter" idx="12"/>
           </p:nvPr>
         </p:nvSpPr>
-        <p:spPr>
-          <a:xfrm>
-            <a:off x="9448800" y="6492875"/>
-            <a:ext cx="2743200" cy="365125"/>
-          </a:xfrm>
-        </p:spPr>
+        <p:spPr/>
         <p:txBody>
           <a:bodyPr/>
           <a:lstStyle/>
@@ -14305,7 +14317,7 @@
     </p:spTree>
     <p:extLst>
       <p:ext uri="{BB962C8B-B14F-4D97-AF65-F5344CB8AC3E}">
-        <p14:creationId xmlns:p14="http://schemas.microsoft.com/office/powerpoint/2010/main" val="398398197"/>
+        <p14:creationId xmlns:p14="http://schemas.microsoft.com/office/powerpoint/2010/main" val="3248793118"/>
       </p:ext>
     </p:extLst>
   </p:cSld>
@@ -14337,7 +14349,7 @@
           <p:cNvPr id="3" name="Picture 2">
             <a:extLst>
               <a:ext uri="{FF2B5EF4-FFF2-40B4-BE49-F238E27FC236}">
-                <a16:creationId xmlns:a16="http://schemas.microsoft.com/office/drawing/2014/main" id="{783D88E8-3421-4D78-8B7F-13164F856384}"/>
+                <a16:creationId xmlns:a16="http://schemas.microsoft.com/office/drawing/2014/main" id="{D7E784B0-6AD5-4FE6-A71D-CEC070C7F333}"/>
               </a:ext>
             </a:extLst>
           </p:cNvPr>
@@ -14360,8 +14372,8 @@
         </p:blipFill>
         <p:spPr>
           <a:xfrm>
-            <a:off x="1428750" y="2185987"/>
-            <a:ext cx="9334500" cy="2486025"/>
+            <a:off x="2225242" y="1577686"/>
+            <a:ext cx="7741516" cy="4820490"/>
           </a:xfrm>
           <a:prstGeom prst="rect">
             <a:avLst/>
@@ -14370,38 +14382,39 @@
       </p:pic>
       <p:sp>
         <p:nvSpPr>
-          <p:cNvPr id="4" name="Rectangle 3">
+          <p:cNvPr id="4" name="TextBox 3">
             <a:extLst>
               <a:ext uri="{FF2B5EF4-FFF2-40B4-BE49-F238E27FC236}">
-                <a16:creationId xmlns:a16="http://schemas.microsoft.com/office/drawing/2014/main" id="{2D9AA4C3-41A7-484A-9376-928F2E1F60A7}"/>
+                <a16:creationId xmlns:a16="http://schemas.microsoft.com/office/drawing/2014/main" id="{A112F7D2-39A1-403A-AE89-2929A2C4BFE2}"/>
               </a:ext>
             </a:extLst>
           </p:cNvPr>
-          <p:cNvSpPr/>
+          <p:cNvSpPr txBox="1"/>
           <p:nvPr/>
         </p:nvSpPr>
         <p:spPr>
           <a:xfrm>
-            <a:off x="3731730" y="699145"/>
-            <a:ext cx="4728539" cy="523220"/>
+            <a:off x="3106271" y="652739"/>
+            <a:ext cx="5979458" cy="461665"/>
           </a:xfrm>
           <a:prstGeom prst="rect">
             <a:avLst/>
           </a:prstGeom>
+          <a:noFill/>
         </p:spPr>
         <p:txBody>
-          <a:bodyPr wrap="none">
+          <a:bodyPr wrap="square" rtlCol="0">
             <a:spAutoFit/>
           </a:bodyPr>
           <a:lstStyle/>
           <a:p>
             <a:pPr algn="ctr"/>
             <a:r>
-              <a:rPr lang="en-US" sz="2800" dirty="0">
+              <a:rPr lang="en-US" sz="2400" dirty="0">
                 <a:latin typeface="Arial" panose="020B0604020202020204" pitchFamily="34" charset="0"/>
                 <a:cs typeface="Arial" panose="020B0604020202020204" pitchFamily="34" charset="0"/>
               </a:rPr>
-              <a:t>AES Write Back Architecture</a:t>
+              <a:t>AES Register File Architecture</a:t>
             </a:r>
           </a:p>
         </p:txBody>
@@ -14411,7 +14424,7 @@
           <p:cNvPr id="6" name="Slide Number Placeholder 5">
             <a:extLst>
               <a:ext uri="{FF2B5EF4-FFF2-40B4-BE49-F238E27FC236}">
-                <a16:creationId xmlns:a16="http://schemas.microsoft.com/office/drawing/2014/main" id="{A1C474DD-7D73-4D76-BC75-A56850A5D8BF}"/>
+                <a16:creationId xmlns:a16="http://schemas.microsoft.com/office/drawing/2014/main" id="{730C86E4-BBBE-4563-89B5-D5A2C21DFB56}"/>
               </a:ext>
             </a:extLst>
           </p:cNvPr>
@@ -14443,7 +14456,7 @@
     </p:spTree>
     <p:extLst>
       <p:ext uri="{BB962C8B-B14F-4D97-AF65-F5344CB8AC3E}">
-        <p14:creationId xmlns:p14="http://schemas.microsoft.com/office/powerpoint/2010/main" val="1877332724"/>
+        <p14:creationId xmlns:p14="http://schemas.microsoft.com/office/powerpoint/2010/main" val="398398197"/>
       </p:ext>
     </p:extLst>
   </p:cSld>
@@ -14472,10 +14485,10 @@
       </p:grpSpPr>
       <p:pic>
         <p:nvPicPr>
-          <p:cNvPr id="2" name="Picture 1">
+          <p:cNvPr id="3" name="Picture 2">
             <a:extLst>
               <a:ext uri="{FF2B5EF4-FFF2-40B4-BE49-F238E27FC236}">
-                <a16:creationId xmlns:a16="http://schemas.microsoft.com/office/drawing/2014/main" id="{15E1D0F6-7D77-4C22-B0E6-AD63FB818BE1}"/>
+                <a16:creationId xmlns:a16="http://schemas.microsoft.com/office/drawing/2014/main" id="{783D88E8-3421-4D78-8B7F-13164F856384}"/>
               </a:ext>
             </a:extLst>
           </p:cNvPr>
@@ -14485,15 +14498,21 @@
           <p:nvPr/>
         </p:nvPicPr>
         <p:blipFill>
-          <a:blip r:embed="rId3"/>
+          <a:blip r:embed="rId3">
+            <a:extLst>
+              <a:ext uri="{28A0092B-C50C-407E-A947-70E740481C1C}">
+                <a14:useLocalDpi xmlns:a14="http://schemas.microsoft.com/office/drawing/2010/main" val="0"/>
+              </a:ext>
+            </a:extLst>
+          </a:blip>
           <a:stretch>
             <a:fillRect/>
           </a:stretch>
         </p:blipFill>
         <p:spPr>
           <a:xfrm>
-            <a:off x="3749888" y="2024992"/>
-            <a:ext cx="4692223" cy="4086775"/>
+            <a:off x="1428750" y="2185987"/>
+            <a:ext cx="9334500" cy="2486025"/>
           </a:xfrm>
           <a:prstGeom prst="rect">
             <a:avLst/>
@@ -14502,10 +14521,10 @@
       </p:pic>
       <p:sp>
         <p:nvSpPr>
-          <p:cNvPr id="3" name="Rectangle 2">
+          <p:cNvPr id="4" name="Rectangle 3">
             <a:extLst>
               <a:ext uri="{FF2B5EF4-FFF2-40B4-BE49-F238E27FC236}">
-                <a16:creationId xmlns:a16="http://schemas.microsoft.com/office/drawing/2014/main" id="{5B71494E-4228-4248-BC1E-74C15F3EE1BF}"/>
+                <a16:creationId xmlns:a16="http://schemas.microsoft.com/office/drawing/2014/main" id="{2D9AA4C3-41A7-484A-9376-928F2E1F60A7}"/>
               </a:ext>
             </a:extLst>
           </p:cNvPr>
@@ -14514,8 +14533,8 @@
         </p:nvSpPr>
         <p:spPr>
           <a:xfrm>
-            <a:off x="4302110" y="872772"/>
-            <a:ext cx="3587778" cy="523220"/>
+            <a:off x="3731730" y="699145"/>
+            <a:ext cx="4728539" cy="523220"/>
           </a:xfrm>
           <a:prstGeom prst="rect">
             <a:avLst/>
@@ -14533,7 +14552,7 @@
                 <a:latin typeface="Arial" panose="020B0604020202020204" pitchFamily="34" charset="0"/>
                 <a:cs typeface="Arial" panose="020B0604020202020204" pitchFamily="34" charset="0"/>
               </a:rPr>
-              <a:t>AES Write Back FSM</a:t>
+              <a:t>AES Write Back Architecture</a:t>
             </a:r>
           </a:p>
         </p:txBody>
@@ -14543,7 +14562,7 @@
           <p:cNvPr id="6" name="Slide Number Placeholder 5">
             <a:extLst>
               <a:ext uri="{FF2B5EF4-FFF2-40B4-BE49-F238E27FC236}">
-                <a16:creationId xmlns:a16="http://schemas.microsoft.com/office/drawing/2014/main" id="{089C54AE-BD66-4DEA-AA08-2B504C67A17F}"/>
+                <a16:creationId xmlns:a16="http://schemas.microsoft.com/office/drawing/2014/main" id="{A1C474DD-7D73-4D76-BC75-A56850A5D8BF}"/>
               </a:ext>
             </a:extLst>
           </p:cNvPr>
@@ -14575,7 +14594,7 @@
     </p:spTree>
     <p:extLst>
       <p:ext uri="{BB962C8B-B14F-4D97-AF65-F5344CB8AC3E}">
-        <p14:creationId xmlns:p14="http://schemas.microsoft.com/office/powerpoint/2010/main" val="4287897210"/>
+        <p14:creationId xmlns:p14="http://schemas.microsoft.com/office/powerpoint/2010/main" val="1877332724"/>
       </p:ext>
     </p:extLst>
   </p:cSld>
@@ -15476,6 +15495,138 @@
 </file>
 
 <file path=ppt/slides/slide20.xml><?xml version="1.0" encoding="utf-8"?>
+<p:sld xmlns:a="http://schemas.openxmlformats.org/drawingml/2006/main" xmlns:r="http://schemas.openxmlformats.org/officeDocument/2006/relationships" xmlns:p="http://schemas.openxmlformats.org/presentationml/2006/main">
+  <p:cSld>
+    <p:spTree>
+      <p:nvGrpSpPr>
+        <p:cNvPr id="1" name=""/>
+        <p:cNvGrpSpPr/>
+        <p:nvPr/>
+      </p:nvGrpSpPr>
+      <p:grpSpPr>
+        <a:xfrm>
+          <a:off x="0" y="0"/>
+          <a:ext cx="0" cy="0"/>
+          <a:chOff x="0" y="0"/>
+          <a:chExt cx="0" cy="0"/>
+        </a:xfrm>
+      </p:grpSpPr>
+      <p:pic>
+        <p:nvPicPr>
+          <p:cNvPr id="2" name="Picture 1">
+            <a:extLst>
+              <a:ext uri="{FF2B5EF4-FFF2-40B4-BE49-F238E27FC236}">
+                <a16:creationId xmlns:a16="http://schemas.microsoft.com/office/drawing/2014/main" id="{15E1D0F6-7D77-4C22-B0E6-AD63FB818BE1}"/>
+              </a:ext>
+            </a:extLst>
+          </p:cNvPr>
+          <p:cNvPicPr>
+            <a:picLocks noChangeAspect="1"/>
+          </p:cNvPicPr>
+          <p:nvPr/>
+        </p:nvPicPr>
+        <p:blipFill>
+          <a:blip r:embed="rId3"/>
+          <a:stretch>
+            <a:fillRect/>
+          </a:stretch>
+        </p:blipFill>
+        <p:spPr>
+          <a:xfrm>
+            <a:off x="3749888" y="2024992"/>
+            <a:ext cx="4692223" cy="4086775"/>
+          </a:xfrm>
+          <a:prstGeom prst="rect">
+            <a:avLst/>
+          </a:prstGeom>
+        </p:spPr>
+      </p:pic>
+      <p:sp>
+        <p:nvSpPr>
+          <p:cNvPr id="3" name="Rectangle 2">
+            <a:extLst>
+              <a:ext uri="{FF2B5EF4-FFF2-40B4-BE49-F238E27FC236}">
+                <a16:creationId xmlns:a16="http://schemas.microsoft.com/office/drawing/2014/main" id="{5B71494E-4228-4248-BC1E-74C15F3EE1BF}"/>
+              </a:ext>
+            </a:extLst>
+          </p:cNvPr>
+          <p:cNvSpPr/>
+          <p:nvPr/>
+        </p:nvSpPr>
+        <p:spPr>
+          <a:xfrm>
+            <a:off x="4302110" y="872772"/>
+            <a:ext cx="3587778" cy="523220"/>
+          </a:xfrm>
+          <a:prstGeom prst="rect">
+            <a:avLst/>
+          </a:prstGeom>
+        </p:spPr>
+        <p:txBody>
+          <a:bodyPr wrap="none">
+            <a:spAutoFit/>
+          </a:bodyPr>
+          <a:lstStyle/>
+          <a:p>
+            <a:pPr algn="ctr"/>
+            <a:r>
+              <a:rPr lang="en-US" sz="2800" dirty="0">
+                <a:latin typeface="Arial" panose="020B0604020202020204" pitchFamily="34" charset="0"/>
+                <a:cs typeface="Arial" panose="020B0604020202020204" pitchFamily="34" charset="0"/>
+              </a:rPr>
+              <a:t>AES Write Back FSM</a:t>
+            </a:r>
+          </a:p>
+        </p:txBody>
+      </p:sp>
+      <p:sp>
+        <p:nvSpPr>
+          <p:cNvPr id="6" name="Slide Number Placeholder 5">
+            <a:extLst>
+              <a:ext uri="{FF2B5EF4-FFF2-40B4-BE49-F238E27FC236}">
+                <a16:creationId xmlns:a16="http://schemas.microsoft.com/office/drawing/2014/main" id="{089C54AE-BD66-4DEA-AA08-2B504C67A17F}"/>
+              </a:ext>
+            </a:extLst>
+          </p:cNvPr>
+          <p:cNvSpPr>
+            <a:spLocks noGrp="1"/>
+          </p:cNvSpPr>
+          <p:nvPr>
+            <p:ph type="sldNum" sz="quarter" idx="12"/>
+          </p:nvPr>
+        </p:nvSpPr>
+        <p:spPr>
+          <a:xfrm>
+            <a:off x="9448800" y="6492875"/>
+            <a:ext cx="2743200" cy="365125"/>
+          </a:xfrm>
+        </p:spPr>
+        <p:txBody>
+          <a:bodyPr/>
+          <a:lstStyle/>
+          <a:p>
+            <a:fld id="{FA14CE62-B6AF-475A-BB26-7E2CBB4B5225}" type="slidenum">
+              <a:rPr lang="en-IL" smtClean="0"/>
+              <a:t>20</a:t>
+            </a:fld>
+            <a:endParaRPr lang="en-IL"/>
+          </a:p>
+        </p:txBody>
+      </p:sp>
+    </p:spTree>
+    <p:extLst>
+      <p:ext uri="{BB962C8B-B14F-4D97-AF65-F5344CB8AC3E}">
+        <p14:creationId xmlns:p14="http://schemas.microsoft.com/office/powerpoint/2010/main" val="4287897210"/>
+      </p:ext>
+    </p:extLst>
+  </p:cSld>
+  <p:clrMapOvr>
+    <a:masterClrMapping/>
+  </p:clrMapOvr>
+</p:sld>
+</file>
+
+<file path=ppt/slides/slide21.xml><?xml version="1.0" encoding="utf-8"?>
 <p:sld xmlns:a="http://schemas.openxmlformats.org/drawingml/2006/main" xmlns:r="http://schemas.openxmlformats.org/officeDocument/2006/relationships" xmlns:p="http://schemas.openxmlformats.org/presentationml/2006/main">
   <p:cSld>
     <p:spTree>
@@ -15556,7 +15707,7 @@
               <a:tailEnd type="none" w="med" len="med"/>
               <a:extLst>
                 <a:ext uri="{C807C97D-BFC1-408E-A445-0C87EB9F89A2}">
-                  <ask:lineSketchStyleProps xmlns:ask="http://schemas.microsoft.com/office/drawing/2018/sketchyshapes" xmlns="" sd="0">
+                  <ask:lineSketchStyleProps xmlns="" xmlns:ask="http://schemas.microsoft.com/office/drawing/2018/sketchyshapes" sd="0">
                     <a:custGeom>
                       <a:avLst/>
                       <a:gdLst/>
@@ -16474,7 +16625,7 @@
           <a:p>
             <a:fld id="{FA14CE62-B6AF-475A-BB26-7E2CBB4B5225}" type="slidenum">
               <a:rPr lang="en-IL" smtClean="0"/>
-              <a:t>20</a:t>
+              <a:t>21</a:t>
             </a:fld>
             <a:endParaRPr lang="en-IL"/>
           </a:p>
@@ -16493,7 +16644,7 @@
 </p:sld>
 </file>
 
-<file path=ppt/slides/slide21.xml><?xml version="1.0" encoding="utf-8"?>
+<file path=ppt/slides/slide22.xml><?xml version="1.0" encoding="utf-8"?>
 <p:sld xmlns:a="http://schemas.openxmlformats.org/drawingml/2006/main" xmlns:r="http://schemas.openxmlformats.org/officeDocument/2006/relationships" xmlns:p="http://schemas.openxmlformats.org/presentationml/2006/main">
   <p:cSld>
     <p:spTree>
@@ -16820,7 +16971,7 @@
           <a:p>
             <a:fld id="{FA14CE62-B6AF-475A-BB26-7E2CBB4B5225}" type="slidenum">
               <a:rPr lang="en-IL" smtClean="0"/>
-              <a:t>21</a:t>
+              <a:t>22</a:t>
             </a:fld>
             <a:endParaRPr lang="en-IL"/>
           </a:p>
@@ -16839,7 +16990,7 @@
 </p:sld>
 </file>
 
-<file path=ppt/slides/slide22.xml><?xml version="1.0" encoding="utf-8"?>
+<file path=ppt/slides/slide23.xml><?xml version="1.0" encoding="utf-8"?>
 <p:sld xmlns:a="http://schemas.openxmlformats.org/drawingml/2006/main" xmlns:r="http://schemas.openxmlformats.org/officeDocument/2006/relationships" xmlns:p="http://schemas.openxmlformats.org/presentationml/2006/main">
   <p:cSld>
     <p:spTree>
@@ -16997,7 +17148,7 @@
                   <a:tailEnd type="none" w="med" len="med"/>
                   <a:extLst>
                     <a:ext uri="{C807C97D-BFC1-408E-A445-0C87EB9F89A2}">
-                      <ask:lineSketchStyleProps xmlns:ask="http://schemas.microsoft.com/office/drawing/2018/sketchyshapes" xmlns="" sd="0">
+                      <ask:lineSketchStyleProps xmlns="" xmlns:ask="http://schemas.microsoft.com/office/drawing/2018/sketchyshapes" sd="0">
                         <a:custGeom>
                           <a:avLst/>
                           <a:gdLst/>
@@ -17421,7 +17572,7 @@
           <a:p>
             <a:fld id="{FA14CE62-B6AF-475A-BB26-7E2CBB4B5225}" type="slidenum">
               <a:rPr lang="en-IL" smtClean="0"/>
-              <a:t>22</a:t>
+              <a:t>23</a:t>
             </a:fld>
             <a:endParaRPr lang="en-IL" dirty="0"/>
           </a:p>
@@ -17440,7 +17591,7 @@
 </p:sld>
 </file>
 
-<file path=ppt/slides/slide23.xml><?xml version="1.0" encoding="utf-8"?>
+<file path=ppt/slides/slide24.xml><?xml version="1.0" encoding="utf-8"?>
 <p:sld xmlns:a="http://schemas.openxmlformats.org/drawingml/2006/main" xmlns:r="http://schemas.openxmlformats.org/officeDocument/2006/relationships" xmlns:p="http://schemas.openxmlformats.org/presentationml/2006/main">
   <p:cSld>
     <p:spTree>
@@ -17522,7 +17673,7 @@
           <a:p>
             <a:fld id="{FA14CE62-B6AF-475A-BB26-7E2CBB4B5225}" type="slidenum">
               <a:rPr lang="en-IL" smtClean="0"/>
-              <a:t>23</a:t>
+              <a:t>24</a:t>
             </a:fld>
             <a:endParaRPr lang="en-IL"/>
           </a:p>
@@ -17577,7 +17728,7 @@
 </p:sld>
 </file>
 
-<file path=ppt/slides/slide24.xml><?xml version="1.0" encoding="utf-8"?>
+<file path=ppt/slides/slide25.xml><?xml version="1.0" encoding="utf-8"?>
 <p:sld xmlns:a="http://schemas.openxmlformats.org/drawingml/2006/main" xmlns:r="http://schemas.openxmlformats.org/officeDocument/2006/relationships" xmlns:p="http://schemas.openxmlformats.org/presentationml/2006/main">
   <p:cSld>
     <p:spTree>
@@ -19765,7 +19916,7 @@
           <a:p>
             <a:fld id="{FA14CE62-B6AF-475A-BB26-7E2CBB4B5225}" type="slidenum">
               <a:rPr lang="en-IL" smtClean="0"/>
-              <a:t>24</a:t>
+              <a:t>25</a:t>
             </a:fld>
             <a:endParaRPr lang="en-IL"/>
           </a:p>
@@ -19784,7 +19935,2631 @@
 </p:sld>
 </file>
 
-<file path=ppt/slides/slide25.xml><?xml version="1.0" encoding="utf-8"?>
+<file path=ppt/slides/slide26.xml><?xml version="1.0" encoding="utf-8"?>
+<p:sld xmlns:a="http://schemas.openxmlformats.org/drawingml/2006/main" xmlns:r="http://schemas.openxmlformats.org/officeDocument/2006/relationships" xmlns:p="http://schemas.openxmlformats.org/presentationml/2006/main">
+  <p:cSld>
+    <p:spTree>
+      <p:nvGrpSpPr>
+        <p:cNvPr id="1" name=""/>
+        <p:cNvGrpSpPr/>
+        <p:nvPr/>
+      </p:nvGrpSpPr>
+      <p:grpSpPr>
+        <a:xfrm>
+          <a:off x="0" y="0"/>
+          <a:ext cx="0" cy="0"/>
+          <a:chOff x="0" y="0"/>
+          <a:chExt cx="0" cy="0"/>
+        </a:xfrm>
+      </p:grpSpPr>
+      <p:sp>
+        <p:nvSpPr>
+          <p:cNvPr id="2" name="Slide Number Placeholder 1">
+            <a:extLst>
+              <a:ext uri="{FF2B5EF4-FFF2-40B4-BE49-F238E27FC236}">
+                <a16:creationId xmlns:a16="http://schemas.microsoft.com/office/drawing/2014/main" id="{92B88106-B5B0-4AA5-B4C3-15469936BD1B}"/>
+              </a:ext>
+            </a:extLst>
+          </p:cNvPr>
+          <p:cNvSpPr>
+            <a:spLocks noGrp="1"/>
+          </p:cNvSpPr>
+          <p:nvPr>
+            <p:ph type="sldNum" sz="quarter" idx="12"/>
+          </p:nvPr>
+        </p:nvSpPr>
+        <p:spPr/>
+        <p:txBody>
+          <a:bodyPr/>
+          <a:lstStyle/>
+          <a:p>
+            <a:fld id="{FA14CE62-B6AF-475A-BB26-7E2CBB4B5225}" type="slidenum">
+              <a:rPr lang="en-IL" smtClean="0"/>
+              <a:t>26</a:t>
+            </a:fld>
+            <a:endParaRPr lang="en-IL"/>
+          </a:p>
+        </p:txBody>
+      </p:sp>
+      <mc:AlternateContent xmlns:mc="http://schemas.openxmlformats.org/markup-compatibility/2006">
+        <mc:Choice xmlns:a14="http://schemas.microsoft.com/office/drawing/2010/main" Requires="a14">
+          <p:graphicFrame>
+            <p:nvGraphicFramePr>
+              <p:cNvPr id="3" name="Table 12">
+                <a:extLst>
+                  <a:ext uri="{FF2B5EF4-FFF2-40B4-BE49-F238E27FC236}">
+                    <a16:creationId xmlns:a16="http://schemas.microsoft.com/office/drawing/2014/main" id="{D716BD18-225F-44CD-AEAD-AC23EC995D47}"/>
+                  </a:ext>
+                </a:extLst>
+              </p:cNvPr>
+              <p:cNvGraphicFramePr>
+                <a:graphicFrameLocks noGrp="1"/>
+              </p:cNvGraphicFramePr>
+              <p:nvPr>
+                <p:extLst>
+                  <p:ext uri="{D42A27DB-BD31-4B8C-83A1-F6EECF244321}">
+                    <p14:modId xmlns:p14="http://schemas.microsoft.com/office/powerpoint/2010/main" val="1513182440"/>
+                  </p:ext>
+                </p:extLst>
+              </p:nvPr>
+            </p:nvGraphicFramePr>
+            <p:xfrm>
+              <a:off x="509588" y="2126932"/>
+              <a:ext cx="11172824" cy="2604135"/>
+            </p:xfrm>
+            <a:graphic>
+              <a:graphicData uri="http://schemas.openxmlformats.org/drawingml/2006/table">
+                <a:tbl>
+                  <a:tblPr firstRow="1" bandRow="1">
+                    <a:tableStyleId>{5C22544A-7EE6-4342-B048-85BDC9FD1C3A}</a:tableStyleId>
+                  </a:tblPr>
+                  <a:tblGrid>
+                    <a:gridCol w="1557386">
+                      <a:extLst>
+                        <a:ext uri="{9D8B030D-6E8A-4147-A177-3AD203B41FA5}">
+                          <a16:colId xmlns:a16="http://schemas.microsoft.com/office/drawing/2014/main" val="335642061"/>
+                        </a:ext>
+                      </a:extLst>
+                    </a:gridCol>
+                    <a:gridCol w="2023157">
+                      <a:extLst>
+                        <a:ext uri="{9D8B030D-6E8A-4147-A177-3AD203B41FA5}">
+                          <a16:colId xmlns:a16="http://schemas.microsoft.com/office/drawing/2014/main" val="3017032101"/>
+                        </a:ext>
+                      </a:extLst>
+                    </a:gridCol>
+                    <a:gridCol w="2337529">
+                      <a:extLst>
+                        <a:ext uri="{9D8B030D-6E8A-4147-A177-3AD203B41FA5}">
+                          <a16:colId xmlns:a16="http://schemas.microsoft.com/office/drawing/2014/main" val="3105117892"/>
+                        </a:ext>
+                      </a:extLst>
+                    </a:gridCol>
+                    <a:gridCol w="2242986">
+                      <a:extLst>
+                        <a:ext uri="{9D8B030D-6E8A-4147-A177-3AD203B41FA5}">
+                          <a16:colId xmlns:a16="http://schemas.microsoft.com/office/drawing/2014/main" val="27776508"/>
+                        </a:ext>
+                      </a:extLst>
+                    </a:gridCol>
+                    <a:gridCol w="1518073">
+                      <a:extLst>
+                        <a:ext uri="{9D8B030D-6E8A-4147-A177-3AD203B41FA5}">
+                          <a16:colId xmlns:a16="http://schemas.microsoft.com/office/drawing/2014/main" val="3859356347"/>
+                        </a:ext>
+                      </a:extLst>
+                    </a:gridCol>
+                    <a:gridCol w="1493693">
+                      <a:extLst>
+                        <a:ext uri="{9D8B030D-6E8A-4147-A177-3AD203B41FA5}">
+                          <a16:colId xmlns:a16="http://schemas.microsoft.com/office/drawing/2014/main" val="1607252144"/>
+                        </a:ext>
+                      </a:extLst>
+                    </a:gridCol>
+                  </a:tblGrid>
+                  <a:tr h="182880">
+                    <a:tc rowSpan="2">
+                      <a:txBody>
+                        <a:bodyPr/>
+                        <a:lstStyle/>
+                        <a:p>
+                          <a:pPr algn="ctr"/>
+                          <a:endParaRPr lang="en-US" dirty="0"/>
+                        </a:p>
+                      </a:txBody>
+                      <a:tcPr/>
+                    </a:tc>
+                    <a:tc rowSpan="2">
+                      <a:txBody>
+                        <a:bodyPr/>
+                        <a:lstStyle/>
+                        <a:p>
+                          <a:pPr algn="ctr"/>
+                          <a:r>
+                            <a:rPr lang="en-US" dirty="0" err="1"/>
+                            <a:t>GenPro</a:t>
+                          </a:r>
+                          <a:r>
+                            <a:rPr lang="en-US" dirty="0"/>
+                            <a:t> </a:t>
+                          </a:r>
+                          <a:r>
+                            <a:rPr lang="en-US" dirty="0" err="1"/>
+                            <a:t>PULPenix</a:t>
+                          </a:r>
+                          <a:endParaRPr lang="en-US" dirty="0"/>
+                        </a:p>
+                      </a:txBody>
+                      <a:tcPr/>
+                    </a:tc>
+                    <a:tc rowSpan="2">
+                      <a:txBody>
+                        <a:bodyPr/>
+                        <a:lstStyle/>
+                        <a:p>
+                          <a:pPr algn="ctr"/>
+                          <a:r>
+                            <a:rPr lang="en-US" dirty="0" err="1"/>
+                            <a:t>PULPenix</a:t>
+                          </a:r>
+                          <a:r>
+                            <a:rPr lang="en-US" dirty="0"/>
+                            <a:t> AES Comb</a:t>
+                          </a:r>
+                        </a:p>
+                      </a:txBody>
+                      <a:tcPr/>
+                    </a:tc>
+                    <a:tc rowSpan="2">
+                      <a:txBody>
+                        <a:bodyPr/>
+                        <a:lstStyle/>
+                        <a:p>
+                          <a:pPr marL="0" marR="0" lvl="0" indent="0" algn="ctr" defTabSz="914400" rtl="0" eaLnBrk="1" fontAlgn="auto" latinLnBrk="0" hangingPunct="1">
+                            <a:lnSpc>
+                              <a:spcPct val="100000"/>
+                            </a:lnSpc>
+                            <a:spcBef>
+                              <a:spcPts val="0"/>
+                            </a:spcBef>
+                            <a:spcAft>
+                              <a:spcPts val="0"/>
+                            </a:spcAft>
+                            <a:buClrTx/>
+                            <a:buSzTx/>
+                            <a:buFontTx/>
+                            <a:buNone/>
+                            <a:tabLst/>
+                            <a:defRPr/>
+                          </a:pPr>
+                          <a:r>
+                            <a:rPr lang="en-US" dirty="0" err="1"/>
+                            <a:t>PULPenix</a:t>
+                          </a:r>
+                          <a:r>
+                            <a:rPr lang="en-US" dirty="0"/>
+                            <a:t> AES Sync</a:t>
+                          </a:r>
+                        </a:p>
+                        <a:p>
+                          <a:pPr algn="ctr"/>
+                          <a:endParaRPr lang="en-US" dirty="0"/>
+                        </a:p>
+                      </a:txBody>
+                      <a:tcPr/>
+                    </a:tc>
+                    <a:tc gridSpan="2">
+                      <a:txBody>
+                        <a:bodyPr/>
+                        <a:lstStyle/>
+                        <a:p>
+                          <a:pPr algn="ctr"/>
+                          <a:r>
+                            <a:rPr lang="en-US" dirty="0"/>
+                            <a:t>Improvement</a:t>
+                          </a:r>
+                        </a:p>
+                      </a:txBody>
+                      <a:tcPr/>
+                    </a:tc>
+                    <a:tc hMerge="1">
+                      <a:txBody>
+                        <a:bodyPr/>
+                        <a:lstStyle/>
+                        <a:p>
+                          <a:endParaRPr lang="en-US"/>
+                        </a:p>
+                      </a:txBody>
+                      <a:tcPr/>
+                    </a:tc>
+                    <a:extLst>
+                      <a:ext uri="{0D108BD9-81ED-4DB2-BD59-A6C34878D82A}">
+                        <a16:rowId xmlns:a16="http://schemas.microsoft.com/office/drawing/2014/main" val="2978682260"/>
+                      </a:ext>
+                    </a:extLst>
+                  </a:tr>
+                  <a:tr h="182880">
+                    <a:tc vMerge="1">
+                      <a:txBody>
+                        <a:bodyPr/>
+                        <a:lstStyle/>
+                        <a:p>
+                          <a:endParaRPr lang="en-US"/>
+                        </a:p>
+                      </a:txBody>
+                      <a:tcPr/>
+                    </a:tc>
+                    <a:tc vMerge="1">
+                      <a:txBody>
+                        <a:bodyPr/>
+                        <a:lstStyle/>
+                        <a:p>
+                          <a:endParaRPr lang="en-US"/>
+                        </a:p>
+                      </a:txBody>
+                      <a:tcPr/>
+                    </a:tc>
+                    <a:tc vMerge="1">
+                      <a:txBody>
+                        <a:bodyPr/>
+                        <a:lstStyle/>
+                        <a:p>
+                          <a:endParaRPr lang="en-US"/>
+                        </a:p>
+                      </a:txBody>
+                      <a:tcPr/>
+                    </a:tc>
+                    <a:tc vMerge="1">
+                      <a:txBody>
+                        <a:bodyPr/>
+                        <a:lstStyle/>
+                        <a:p>
+                          <a:endParaRPr lang="en-US"/>
+                        </a:p>
+                      </a:txBody>
+                      <a:tcPr/>
+                    </a:tc>
+                    <a:tc>
+                      <a:txBody>
+                        <a:bodyPr/>
+                        <a:lstStyle/>
+                        <a:p>
+                          <a:pPr algn="ctr"/>
+                          <a:r>
+                            <a:rPr lang="en-US" dirty="0"/>
+                            <a:t>AES Comb</a:t>
+                          </a:r>
+                        </a:p>
+                      </a:txBody>
+                      <a:tcPr/>
+                    </a:tc>
+                    <a:tc>
+                      <a:txBody>
+                        <a:bodyPr/>
+                        <a:lstStyle/>
+                        <a:p>
+                          <a:pPr algn="ctr"/>
+                          <a:r>
+                            <a:rPr lang="en-US" dirty="0"/>
+                            <a:t>AES Sync</a:t>
+                          </a:r>
+                        </a:p>
+                      </a:txBody>
+                      <a:tcPr/>
+                    </a:tc>
+                    <a:extLst>
+                      <a:ext uri="{0D108BD9-81ED-4DB2-BD59-A6C34878D82A}">
+                        <a16:rowId xmlns:a16="http://schemas.microsoft.com/office/drawing/2014/main" val="3870342285"/>
+                      </a:ext>
+                    </a:extLst>
+                  </a:tr>
+                  <a:tr h="370840">
+                    <a:tc>
+                      <a:txBody>
+                        <a:bodyPr/>
+                        <a:lstStyle/>
+                        <a:p>
+                          <a:pPr algn="ctr"/>
+                          <a:r>
+                            <a:rPr lang="en-US" dirty="0"/>
+                            <a:t>Timing (slack)</a:t>
+                          </a:r>
+                        </a:p>
+                      </a:txBody>
+                      <a:tcPr/>
+                    </a:tc>
+                    <a:tc>
+                      <a:txBody>
+                        <a:bodyPr/>
+                        <a:lstStyle/>
+                        <a:p>
+                          <a:pPr algn="ctr"/>
+                          <a14:m>
+                            <m:oMathPara xmlns:m="http://schemas.openxmlformats.org/officeDocument/2006/math">
+                              <m:oMathParaPr>
+                                <m:jc m:val="center"/>
+                              </m:oMathParaPr>
+                              <m:oMath xmlns:m="http://schemas.openxmlformats.org/officeDocument/2006/math">
+                                <m:r>
+                                  <a:rPr lang="en-US" b="0" i="1" dirty="0" smtClean="0">
+                                    <a:latin typeface="Cambria Math" panose="02040503050406030204" pitchFamily="18" charset="0"/>
+                                  </a:rPr>
+                                  <m:t>7.57</m:t>
+                                </m:r>
+                                <m:r>
+                                  <a:rPr lang="en-US" i="1" dirty="0" smtClean="0">
+                                    <a:latin typeface="Cambria Math" panose="02040503050406030204" pitchFamily="18" charset="0"/>
+                                  </a:rPr>
+                                  <m:t> [</m:t>
+                                </m:r>
+                                <m:r>
+                                  <a:rPr lang="en-US" i="1" dirty="0" err="1" smtClean="0">
+                                    <a:latin typeface="Cambria Math" panose="02040503050406030204" pitchFamily="18" charset="0"/>
+                                  </a:rPr>
+                                  <m:t>𝑛𝑆𝑒𝑐</m:t>
+                                </m:r>
+                                <m:r>
+                                  <a:rPr lang="en-US" i="1" dirty="0" smtClean="0">
+                                    <a:latin typeface="Cambria Math" panose="02040503050406030204" pitchFamily="18" charset="0"/>
+                                  </a:rPr>
+                                  <m:t>]</m:t>
+                                </m:r>
+                              </m:oMath>
+                            </m:oMathPara>
+                          </a14:m>
+                          <a:endParaRPr lang="en-US" dirty="0"/>
+                        </a:p>
+                      </a:txBody>
+                      <a:tcPr/>
+                    </a:tc>
+                    <a:tc>
+                      <a:txBody>
+                        <a:bodyPr/>
+                        <a:lstStyle/>
+                        <a:p>
+                          <a:pPr marL="0" marR="0" lvl="0" indent="0" algn="ctr" defTabSz="914400" rtl="0" eaLnBrk="1" fontAlgn="auto" latinLnBrk="0" hangingPunct="1">
+                            <a:lnSpc>
+                              <a:spcPct val="100000"/>
+                            </a:lnSpc>
+                            <a:spcBef>
+                              <a:spcPts val="0"/>
+                            </a:spcBef>
+                            <a:spcAft>
+                              <a:spcPts val="0"/>
+                            </a:spcAft>
+                            <a:buClrTx/>
+                            <a:buSzTx/>
+                            <a:buFontTx/>
+                            <a:buNone/>
+                            <a:tabLst/>
+                            <a:defRPr/>
+                          </a:pPr>
+                          <a14:m>
+                            <m:oMathPara xmlns:m="http://schemas.openxmlformats.org/officeDocument/2006/math">
+                              <m:oMathParaPr>
+                                <m:jc m:val="centerGroup"/>
+                              </m:oMathParaPr>
+                              <m:oMath xmlns:m="http://schemas.openxmlformats.org/officeDocument/2006/math">
+                                <m:r>
+                                  <a:rPr lang="en-US" b="0" i="1" dirty="0" smtClean="0">
+                                    <a:latin typeface="Cambria Math" panose="02040503050406030204" pitchFamily="18" charset="0"/>
+                                  </a:rPr>
+                                  <m:t>7.53</m:t>
+                                </m:r>
+                                <m:r>
+                                  <a:rPr lang="en-US" i="1" dirty="0" smtClean="0">
+                                    <a:latin typeface="Cambria Math" panose="02040503050406030204" pitchFamily="18" charset="0"/>
+                                  </a:rPr>
+                                  <m:t> [</m:t>
+                                </m:r>
+                                <m:r>
+                                  <a:rPr lang="en-US" i="1" dirty="0" err="1" smtClean="0">
+                                    <a:latin typeface="Cambria Math" panose="02040503050406030204" pitchFamily="18" charset="0"/>
+                                  </a:rPr>
+                                  <m:t>𝑛𝑆𝑒𝑐</m:t>
+                                </m:r>
+                                <m:r>
+                                  <a:rPr lang="en-US" i="1" dirty="0" smtClean="0">
+                                    <a:latin typeface="Cambria Math" panose="02040503050406030204" pitchFamily="18" charset="0"/>
+                                  </a:rPr>
+                                  <m:t>]</m:t>
+                                </m:r>
+                              </m:oMath>
+                            </m:oMathPara>
+                          </a14:m>
+                          <a:endParaRPr lang="en-US" dirty="0"/>
+                        </a:p>
+                      </a:txBody>
+                      <a:tcPr/>
+                    </a:tc>
+                    <a:tc>
+                      <a:txBody>
+                        <a:bodyPr/>
+                        <a:lstStyle/>
+                        <a:p>
+                          <a:pPr algn="ctr"/>
+                          <a14:m>
+                            <m:oMathPara xmlns:m="http://schemas.openxmlformats.org/officeDocument/2006/math">
+                              <m:oMathParaPr>
+                                <m:jc m:val="center"/>
+                              </m:oMathParaPr>
+                              <m:oMath xmlns:m="http://schemas.openxmlformats.org/officeDocument/2006/math">
+                                <m:r>
+                                  <a:rPr lang="en-US" b="0" i="1" dirty="0" smtClean="0">
+                                    <a:latin typeface="Cambria Math" panose="02040503050406030204" pitchFamily="18" charset="0"/>
+                                  </a:rPr>
+                                  <m:t>7.57</m:t>
+                                </m:r>
+                                <m:r>
+                                  <a:rPr lang="en-US" i="1" dirty="0" smtClean="0">
+                                    <a:latin typeface="Cambria Math" panose="02040503050406030204" pitchFamily="18" charset="0"/>
+                                  </a:rPr>
+                                  <m:t> [</m:t>
+                                </m:r>
+                                <m:r>
+                                  <a:rPr lang="en-US" i="1" dirty="0" err="1" smtClean="0">
+                                    <a:latin typeface="Cambria Math" panose="02040503050406030204" pitchFamily="18" charset="0"/>
+                                  </a:rPr>
+                                  <m:t>𝑛𝑆𝑒𝑐</m:t>
+                                </m:r>
+                                <m:r>
+                                  <a:rPr lang="en-US" i="1" dirty="0" smtClean="0">
+                                    <a:latin typeface="Cambria Math" panose="02040503050406030204" pitchFamily="18" charset="0"/>
+                                  </a:rPr>
+                                  <m:t>]</m:t>
+                                </m:r>
+                              </m:oMath>
+                            </m:oMathPara>
+                          </a14:m>
+                          <a:endParaRPr lang="en-US" dirty="0"/>
+                        </a:p>
+                      </a:txBody>
+                      <a:tcPr/>
+                    </a:tc>
+                    <a:tc>
+                      <a:txBody>
+                        <a:bodyPr/>
+                        <a:lstStyle/>
+                        <a:p>
+                          <a:pPr marL="0" marR="0" lvl="0" indent="0" algn="ctr" defTabSz="914400" rtl="0" eaLnBrk="1" fontAlgn="auto" latinLnBrk="0" hangingPunct="1">
+                            <a:lnSpc>
+                              <a:spcPct val="100000"/>
+                            </a:lnSpc>
+                            <a:spcBef>
+                              <a:spcPts val="0"/>
+                            </a:spcBef>
+                            <a:spcAft>
+                              <a:spcPts val="0"/>
+                            </a:spcAft>
+                            <a:buClrTx/>
+                            <a:buSzTx/>
+                            <a:buFontTx/>
+                            <a:buNone/>
+                            <a:tabLst/>
+                            <a:defRPr/>
+                          </a:pPr>
+                          <a14:m>
+                            <m:oMathPara xmlns:m="http://schemas.openxmlformats.org/officeDocument/2006/math">
+                              <m:oMathParaPr>
+                                <m:jc m:val="centerGroup"/>
+                              </m:oMathParaPr>
+                              <m:oMath xmlns:m="http://schemas.openxmlformats.org/officeDocument/2006/math">
+                                <m:r>
+                                  <a:rPr lang="en-US" b="0" i="1" dirty="0" smtClean="0">
+                                    <a:solidFill>
+                                      <a:srgbClr val="FF0000"/>
+                                    </a:solidFill>
+                                    <a:latin typeface="Cambria Math" panose="02040503050406030204" pitchFamily="18" charset="0"/>
+                                  </a:rPr>
+                                  <m:t>−</m:t>
+                                </m:r>
+                                <m:r>
+                                  <a:rPr lang="en-US" i="1" dirty="0" smtClean="0">
+                                    <a:solidFill>
+                                      <a:srgbClr val="FF0000"/>
+                                    </a:solidFill>
+                                    <a:latin typeface="Cambria Math" panose="02040503050406030204" pitchFamily="18" charset="0"/>
+                                  </a:rPr>
+                                  <m:t>0.528 [%]</m:t>
+                                </m:r>
+                              </m:oMath>
+                            </m:oMathPara>
+                          </a14:m>
+                          <a:endParaRPr lang="en-US" dirty="0">
+                            <a:solidFill>
+                              <a:srgbClr val="FF0000"/>
+                            </a:solidFill>
+                          </a:endParaRPr>
+                        </a:p>
+                      </a:txBody>
+                      <a:tcPr/>
+                    </a:tc>
+                    <a:tc>
+                      <a:txBody>
+                        <a:bodyPr/>
+                        <a:lstStyle/>
+                        <a:p>
+                          <a:pPr marL="0" marR="0" lvl="0" indent="0" algn="ctr" defTabSz="914400" rtl="0" eaLnBrk="1" fontAlgn="auto" latinLnBrk="0" hangingPunct="1">
+                            <a:lnSpc>
+                              <a:spcPct val="100000"/>
+                            </a:lnSpc>
+                            <a:spcBef>
+                              <a:spcPts val="0"/>
+                            </a:spcBef>
+                            <a:spcAft>
+                              <a:spcPts val="0"/>
+                            </a:spcAft>
+                            <a:buClrTx/>
+                            <a:buSzTx/>
+                            <a:buFontTx/>
+                            <a:buNone/>
+                            <a:tabLst/>
+                            <a:defRPr/>
+                          </a:pPr>
+                          <a:r>
+                            <a:rPr lang="en-US" b="0" i="0" dirty="0">
+                              <a:solidFill>
+                                <a:schemeClr val="tx1"/>
+                              </a:solidFill>
+                              <a:latin typeface="+mj-lt"/>
+                            </a:rPr>
+                            <a:t>0</a:t>
+                          </a:r>
+                          <a:r>
+                            <a:rPr lang="en-US" i="0" dirty="0">
+                              <a:solidFill>
+                                <a:schemeClr val="tx1"/>
+                              </a:solidFill>
+                              <a:latin typeface="+mj-lt"/>
+                            </a:rPr>
+                            <a:t>[%]</a:t>
+                          </a:r>
+                          <a:endParaRPr lang="en-US" dirty="0">
+                            <a:solidFill>
+                              <a:schemeClr val="tx1"/>
+                            </a:solidFill>
+                          </a:endParaRPr>
+                        </a:p>
+                      </a:txBody>
+                      <a:tcPr/>
+                    </a:tc>
+                    <a:extLst>
+                      <a:ext uri="{0D108BD9-81ED-4DB2-BD59-A6C34878D82A}">
+                        <a16:rowId xmlns:a16="http://schemas.microsoft.com/office/drawing/2014/main" val="1585810006"/>
+                      </a:ext>
+                    </a:extLst>
+                  </a:tr>
+                  <a:tr h="370840">
+                    <a:tc>
+                      <a:txBody>
+                        <a:bodyPr/>
+                        <a:lstStyle/>
+                        <a:p>
+                          <a:pPr algn="ctr"/>
+                          <a:r>
+                            <a:rPr lang="en-US" dirty="0"/>
+                            <a:t>Area</a:t>
+                          </a:r>
+                        </a:p>
+                      </a:txBody>
+                      <a:tcPr/>
+                    </a:tc>
+                    <a:tc>
+                      <a:txBody>
+                        <a:bodyPr/>
+                        <a:lstStyle/>
+                        <a:p>
+                          <a:pPr algn="ctr"/>
+                          <a14:m>
+                            <m:oMathPara xmlns:m="http://schemas.openxmlformats.org/officeDocument/2006/math">
+                              <m:oMathParaPr>
+                                <m:jc m:val="centerGroup"/>
+                              </m:oMathParaPr>
+                              <m:oMath xmlns:m="http://schemas.openxmlformats.org/officeDocument/2006/math">
+                                <m:r>
+                                  <a:rPr lang="en-US" b="0" i="1" smtClean="0">
+                                    <a:latin typeface="Cambria Math" panose="02040503050406030204" pitchFamily="18" charset="0"/>
+                                  </a:rPr>
+                                  <m:t>62,230</m:t>
+                                </m:r>
+                                <m:d>
+                                  <m:dPr>
+                                    <m:begChr m:val="["/>
+                                    <m:endChr m:val="]"/>
+                                    <m:ctrlPr>
+                                      <a:rPr lang="en-US" b="0" i="1" smtClean="0">
+                                        <a:latin typeface="Cambria Math" panose="02040503050406030204" pitchFamily="18" charset="0"/>
+                                      </a:rPr>
+                                    </m:ctrlPr>
+                                  </m:dPr>
+                                  <m:e>
+                                    <m:r>
+                                      <m:rPr>
+                                        <m:sty m:val="p"/>
+                                      </m:rPr>
+                                      <a:rPr lang="el-GR" b="0" i="1" smtClean="0">
+                                        <a:latin typeface="Cambria Math" panose="02040503050406030204" pitchFamily="18" charset="0"/>
+                                      </a:rPr>
+                                      <m:t>μ</m:t>
+                                    </m:r>
+                                    <m:sSup>
+                                      <m:sSupPr>
+                                        <m:ctrlPr>
+                                          <a:rPr lang="en-US" b="0" i="1" smtClean="0">
+                                            <a:latin typeface="Cambria Math" panose="02040503050406030204" pitchFamily="18" charset="0"/>
+                                          </a:rPr>
+                                        </m:ctrlPr>
+                                      </m:sSupPr>
+                                      <m:e>
+                                        <m:r>
+                                          <a:rPr lang="en-US" b="0" i="1" smtClean="0">
+                                            <a:latin typeface="Cambria Math" panose="02040503050406030204" pitchFamily="18" charset="0"/>
+                                          </a:rPr>
+                                          <m:t>𝑚</m:t>
+                                        </m:r>
+                                      </m:e>
+                                      <m:sup>
+                                        <m:r>
+                                          <a:rPr lang="en-US" b="0" i="1" smtClean="0">
+                                            <a:latin typeface="Cambria Math" panose="02040503050406030204" pitchFamily="18" charset="0"/>
+                                          </a:rPr>
+                                          <m:t>2</m:t>
+                                        </m:r>
+                                      </m:sup>
+                                    </m:sSup>
+                                  </m:e>
+                                </m:d>
+                              </m:oMath>
+                            </m:oMathPara>
+                          </a14:m>
+                          <a:endParaRPr lang="en-US" dirty="0"/>
+                        </a:p>
+                      </a:txBody>
+                      <a:tcPr/>
+                    </a:tc>
+                    <a:tc>
+                      <a:txBody>
+                        <a:bodyPr/>
+                        <a:lstStyle/>
+                        <a:p>
+                          <a:pPr algn="ctr"/>
+                          <a14:m>
+                            <m:oMathPara xmlns:m="http://schemas.openxmlformats.org/officeDocument/2006/math">
+                              <m:oMathParaPr>
+                                <m:jc m:val="centerGroup"/>
+                              </m:oMathParaPr>
+                              <m:oMath xmlns:m="http://schemas.openxmlformats.org/officeDocument/2006/math">
+                                <m:r>
+                                  <a:rPr lang="en-US" b="0" i="1" smtClean="0">
+                                    <a:latin typeface="Cambria Math" panose="02040503050406030204" pitchFamily="18" charset="0"/>
+                                  </a:rPr>
+                                  <m:t>246,131</m:t>
+                                </m:r>
+                                <m:d>
+                                  <m:dPr>
+                                    <m:begChr m:val="["/>
+                                    <m:endChr m:val="]"/>
+                                    <m:ctrlPr>
+                                      <a:rPr lang="en-US" b="0" i="1" smtClean="0">
+                                        <a:latin typeface="Cambria Math" panose="02040503050406030204" pitchFamily="18" charset="0"/>
+                                      </a:rPr>
+                                    </m:ctrlPr>
+                                  </m:dPr>
+                                  <m:e>
+                                    <m:r>
+                                      <m:rPr>
+                                        <m:sty m:val="p"/>
+                                      </m:rPr>
+                                      <a:rPr lang="el-GR" b="0" i="1" smtClean="0">
+                                        <a:latin typeface="Cambria Math" panose="02040503050406030204" pitchFamily="18" charset="0"/>
+                                      </a:rPr>
+                                      <m:t>μ</m:t>
+                                    </m:r>
+                                    <m:sSup>
+                                      <m:sSupPr>
+                                        <m:ctrlPr>
+                                          <a:rPr lang="en-US" b="0" i="1" smtClean="0">
+                                            <a:latin typeface="Cambria Math" panose="02040503050406030204" pitchFamily="18" charset="0"/>
+                                          </a:rPr>
+                                        </m:ctrlPr>
+                                      </m:sSupPr>
+                                      <m:e>
+                                        <m:r>
+                                          <a:rPr lang="en-US" b="0" i="1" smtClean="0">
+                                            <a:latin typeface="Cambria Math" panose="02040503050406030204" pitchFamily="18" charset="0"/>
+                                          </a:rPr>
+                                          <m:t>𝑚</m:t>
+                                        </m:r>
+                                      </m:e>
+                                      <m:sup>
+                                        <m:r>
+                                          <a:rPr lang="en-US" b="0" i="1" smtClean="0">
+                                            <a:latin typeface="Cambria Math" panose="02040503050406030204" pitchFamily="18" charset="0"/>
+                                          </a:rPr>
+                                          <m:t>2</m:t>
+                                        </m:r>
+                                      </m:sup>
+                                    </m:sSup>
+                                  </m:e>
+                                </m:d>
+                              </m:oMath>
+                            </m:oMathPara>
+                          </a14:m>
+                          <a:endParaRPr lang="en-US" dirty="0"/>
+                        </a:p>
+                      </a:txBody>
+                      <a:tcPr/>
+                    </a:tc>
+                    <a:tc>
+                      <a:txBody>
+                        <a:bodyPr/>
+                        <a:lstStyle/>
+                        <a:p>
+                          <a:pPr algn="ctr"/>
+                          <a14:m>
+                            <m:oMathPara xmlns:m="http://schemas.openxmlformats.org/officeDocument/2006/math">
+                              <m:oMathParaPr>
+                                <m:jc m:val="centerGroup"/>
+                              </m:oMathParaPr>
+                              <m:oMath xmlns:m="http://schemas.openxmlformats.org/officeDocument/2006/math">
+                                <m:r>
+                                  <a:rPr lang="en-US" b="0" i="1" smtClean="0">
+                                    <a:latin typeface="Cambria Math" panose="02040503050406030204" pitchFamily="18" charset="0"/>
+                                  </a:rPr>
+                                  <m:t>90,636</m:t>
+                                </m:r>
+                                <m:d>
+                                  <m:dPr>
+                                    <m:begChr m:val="["/>
+                                    <m:endChr m:val="]"/>
+                                    <m:ctrlPr>
+                                      <a:rPr lang="en-US" b="0" i="1" smtClean="0">
+                                        <a:latin typeface="Cambria Math" panose="02040503050406030204" pitchFamily="18" charset="0"/>
+                                      </a:rPr>
+                                    </m:ctrlPr>
+                                  </m:dPr>
+                                  <m:e>
+                                    <m:r>
+                                      <m:rPr>
+                                        <m:sty m:val="p"/>
+                                      </m:rPr>
+                                      <a:rPr lang="el-GR" b="0" i="1" smtClean="0">
+                                        <a:latin typeface="Cambria Math" panose="02040503050406030204" pitchFamily="18" charset="0"/>
+                                      </a:rPr>
+                                      <m:t>μ</m:t>
+                                    </m:r>
+                                    <m:sSup>
+                                      <m:sSupPr>
+                                        <m:ctrlPr>
+                                          <a:rPr lang="en-US" b="0" i="1" smtClean="0">
+                                            <a:latin typeface="Cambria Math" panose="02040503050406030204" pitchFamily="18" charset="0"/>
+                                          </a:rPr>
+                                        </m:ctrlPr>
+                                      </m:sSupPr>
+                                      <m:e>
+                                        <m:r>
+                                          <a:rPr lang="en-US" b="0" i="1" smtClean="0">
+                                            <a:latin typeface="Cambria Math" panose="02040503050406030204" pitchFamily="18" charset="0"/>
+                                          </a:rPr>
+                                          <m:t>𝑚</m:t>
+                                        </m:r>
+                                      </m:e>
+                                      <m:sup>
+                                        <m:r>
+                                          <a:rPr lang="en-US" b="0" i="1" smtClean="0">
+                                            <a:latin typeface="Cambria Math" panose="02040503050406030204" pitchFamily="18" charset="0"/>
+                                          </a:rPr>
+                                          <m:t>2</m:t>
+                                        </m:r>
+                                      </m:sup>
+                                    </m:sSup>
+                                  </m:e>
+                                </m:d>
+                              </m:oMath>
+                            </m:oMathPara>
+                          </a14:m>
+                          <a:endParaRPr lang="en-US" dirty="0"/>
+                        </a:p>
+                      </a:txBody>
+                      <a:tcPr/>
+                    </a:tc>
+                    <a:tc>
+                      <a:txBody>
+                        <a:bodyPr/>
+                        <a:lstStyle/>
+                        <a:p>
+                          <a:pPr algn="ctr"/>
+                          <a14:m>
+                            <m:oMathPara xmlns:m="http://schemas.openxmlformats.org/officeDocument/2006/math">
+                              <m:oMathParaPr>
+                                <m:jc m:val="centerGroup"/>
+                              </m:oMathParaPr>
+                              <m:oMath xmlns:m="http://schemas.openxmlformats.org/officeDocument/2006/math">
+                                <m:r>
+                                  <a:rPr lang="en-US" b="0" i="0" dirty="0" smtClean="0">
+                                    <a:solidFill>
+                                      <a:srgbClr val="FF0000"/>
+                                    </a:solidFill>
+                                    <a:latin typeface="Cambria Math" panose="02040503050406030204" pitchFamily="18" charset="0"/>
+                                  </a:rPr>
+                                  <m:t>−</m:t>
+                                </m:r>
+                                <m:r>
+                                  <a:rPr lang="en-US" i="1" dirty="0" smtClean="0">
+                                    <a:solidFill>
+                                      <a:srgbClr val="FF0000"/>
+                                    </a:solidFill>
+                                    <a:latin typeface="Cambria Math" panose="02040503050406030204" pitchFamily="18" charset="0"/>
+                                  </a:rPr>
+                                  <m:t>295.52 [%]</m:t>
+                                </m:r>
+                              </m:oMath>
+                            </m:oMathPara>
+                          </a14:m>
+                          <a:endParaRPr lang="en-US" dirty="0">
+                            <a:solidFill>
+                              <a:srgbClr val="FF0000"/>
+                            </a:solidFill>
+                          </a:endParaRPr>
+                        </a:p>
+                      </a:txBody>
+                      <a:tcPr/>
+                    </a:tc>
+                    <a:tc>
+                      <a:txBody>
+                        <a:bodyPr/>
+                        <a:lstStyle/>
+                        <a:p>
+                          <a:pPr marL="0" marR="0" lvl="0" indent="0" algn="ctr" defTabSz="914400" rtl="0" eaLnBrk="1" fontAlgn="auto" latinLnBrk="0" hangingPunct="1">
+                            <a:lnSpc>
+                              <a:spcPct val="100000"/>
+                            </a:lnSpc>
+                            <a:spcBef>
+                              <a:spcPts val="0"/>
+                            </a:spcBef>
+                            <a:spcAft>
+                              <a:spcPts val="0"/>
+                            </a:spcAft>
+                            <a:buClrTx/>
+                            <a:buSzTx/>
+                            <a:buFontTx/>
+                            <a:buNone/>
+                            <a:tabLst/>
+                            <a:defRPr/>
+                          </a:pPr>
+                          <a14:m>
+                            <m:oMathPara xmlns:m="http://schemas.openxmlformats.org/officeDocument/2006/math">
+                              <m:oMathParaPr>
+                                <m:jc m:val="centerGroup"/>
+                              </m:oMathParaPr>
+                              <m:oMath xmlns:m="http://schemas.openxmlformats.org/officeDocument/2006/math">
+                                <m:r>
+                                  <a:rPr lang="en-US" i="1" dirty="0" smtClean="0">
+                                    <a:solidFill>
+                                      <a:srgbClr val="FF0000"/>
+                                    </a:solidFill>
+                                    <a:latin typeface="Cambria Math" panose="02040503050406030204" pitchFamily="18" charset="0"/>
+                                  </a:rPr>
+                                  <m:t>−</m:t>
+                                </m:r>
+                                <m:r>
+                                  <a:rPr lang="en-US" b="0" i="1" dirty="0" smtClean="0">
+                                    <a:solidFill>
+                                      <a:srgbClr val="FF0000"/>
+                                    </a:solidFill>
+                                    <a:latin typeface="Cambria Math" panose="02040503050406030204" pitchFamily="18" charset="0"/>
+                                  </a:rPr>
+                                  <m:t>45</m:t>
+                                </m:r>
+                                <m:r>
+                                  <a:rPr lang="en-US" i="1" dirty="0" smtClean="0">
+                                    <a:solidFill>
+                                      <a:srgbClr val="FF0000"/>
+                                    </a:solidFill>
+                                    <a:latin typeface="Cambria Math" panose="02040503050406030204" pitchFamily="18" charset="0"/>
+                                  </a:rPr>
+                                  <m:t>.</m:t>
+                                </m:r>
+                                <m:r>
+                                  <a:rPr lang="en-US" b="0" i="1" dirty="0" smtClean="0">
+                                    <a:solidFill>
+                                      <a:srgbClr val="FF0000"/>
+                                    </a:solidFill>
+                                    <a:latin typeface="Cambria Math" panose="02040503050406030204" pitchFamily="18" charset="0"/>
+                                  </a:rPr>
+                                  <m:t>65</m:t>
+                                </m:r>
+                                <m:r>
+                                  <a:rPr lang="en-US" i="1" dirty="0" smtClean="0">
+                                    <a:solidFill>
+                                      <a:srgbClr val="FF0000"/>
+                                    </a:solidFill>
+                                    <a:latin typeface="Cambria Math" panose="02040503050406030204" pitchFamily="18" charset="0"/>
+                                  </a:rPr>
+                                  <m:t> [%]</m:t>
+                                </m:r>
+                              </m:oMath>
+                            </m:oMathPara>
+                          </a14:m>
+                          <a:endParaRPr lang="en-US" dirty="0">
+                            <a:solidFill>
+                              <a:srgbClr val="FF0000"/>
+                            </a:solidFill>
+                          </a:endParaRPr>
+                        </a:p>
+                      </a:txBody>
+                      <a:tcPr/>
+                    </a:tc>
+                    <a:extLst>
+                      <a:ext uri="{0D108BD9-81ED-4DB2-BD59-A6C34878D82A}">
+                        <a16:rowId xmlns:a16="http://schemas.microsoft.com/office/drawing/2014/main" val="2332414390"/>
+                      </a:ext>
+                    </a:extLst>
+                  </a:tr>
+                  <a:tr h="389255">
+                    <a:tc>
+                      <a:txBody>
+                        <a:bodyPr/>
+                        <a:lstStyle/>
+                        <a:p>
+                          <a:pPr algn="ctr"/>
+                          <a:r>
+                            <a:rPr lang="en-US" dirty="0"/>
+                            <a:t>Power</a:t>
+                          </a:r>
+                        </a:p>
+                      </a:txBody>
+                      <a:tcPr/>
+                    </a:tc>
+                    <a:tc>
+                      <a:txBody>
+                        <a:bodyPr/>
+                        <a:lstStyle/>
+                        <a:p>
+                          <a:pPr algn="ctr"/>
+                          <a14:m>
+                            <m:oMathPara xmlns:m="http://schemas.openxmlformats.org/officeDocument/2006/math">
+                              <m:oMathParaPr>
+                                <m:jc m:val="centerGroup"/>
+                              </m:oMathParaPr>
+                              <m:oMath xmlns:m="http://schemas.openxmlformats.org/officeDocument/2006/math">
+                                <m:r>
+                                  <a:rPr lang="en-US" b="0" i="1" smtClean="0">
+                                    <a:latin typeface="Cambria Math" panose="02040503050406030204" pitchFamily="18" charset="0"/>
+                                  </a:rPr>
+                                  <m:t>19.62</m:t>
+                                </m:r>
+                                <m:d>
+                                  <m:dPr>
+                                    <m:begChr m:val="["/>
+                                    <m:endChr m:val="]"/>
+                                    <m:ctrlPr>
+                                      <a:rPr lang="en-US" b="0" i="1" smtClean="0">
+                                        <a:latin typeface="Cambria Math" panose="02040503050406030204" pitchFamily="18" charset="0"/>
+                                      </a:rPr>
+                                    </m:ctrlPr>
+                                  </m:dPr>
+                                  <m:e>
+                                    <m:r>
+                                      <a:rPr lang="en-US" b="0" i="1" smtClean="0">
+                                        <a:latin typeface="Cambria Math" panose="02040503050406030204" pitchFamily="18" charset="0"/>
+                                      </a:rPr>
+                                      <m:t>𝑚𝑊</m:t>
+                                    </m:r>
+                                  </m:e>
+                                </m:d>
+                              </m:oMath>
+                            </m:oMathPara>
+                          </a14:m>
+                          <a:endParaRPr lang="en-US" dirty="0"/>
+                        </a:p>
+                      </a:txBody>
+                      <a:tcPr/>
+                    </a:tc>
+                    <a:tc>
+                      <a:txBody>
+                        <a:bodyPr/>
+                        <a:lstStyle/>
+                        <a:p>
+                          <a:pPr algn="ctr"/>
+                          <a14:m>
+                            <m:oMathPara xmlns:m="http://schemas.openxmlformats.org/officeDocument/2006/math">
+                              <m:oMathParaPr>
+                                <m:jc m:val="center"/>
+                              </m:oMathParaPr>
+                              <m:oMath xmlns:m="http://schemas.openxmlformats.org/officeDocument/2006/math">
+                                <m:r>
+                                  <a:rPr lang="en-US" b="0" i="1" smtClean="0">
+                                    <a:latin typeface="Cambria Math" panose="02040503050406030204" pitchFamily="18" charset="0"/>
+                                  </a:rPr>
+                                  <m:t>20.02</m:t>
+                                </m:r>
+                                <m:d>
+                                  <m:dPr>
+                                    <m:begChr m:val="["/>
+                                    <m:endChr m:val="]"/>
+                                    <m:ctrlPr>
+                                      <a:rPr lang="en-US" b="0" i="1" smtClean="0">
+                                        <a:latin typeface="Cambria Math" panose="02040503050406030204" pitchFamily="18" charset="0"/>
+                                      </a:rPr>
+                                    </m:ctrlPr>
+                                  </m:dPr>
+                                  <m:e>
+                                    <m:r>
+                                      <a:rPr lang="en-US" b="0" i="1" smtClean="0">
+                                        <a:latin typeface="Cambria Math" panose="02040503050406030204" pitchFamily="18" charset="0"/>
+                                      </a:rPr>
+                                      <m:t>𝑚𝑊</m:t>
+                                    </m:r>
+                                  </m:e>
+                                </m:d>
+                              </m:oMath>
+                            </m:oMathPara>
+                          </a14:m>
+                          <a:endParaRPr lang="en-US" dirty="0"/>
+                        </a:p>
+                      </a:txBody>
+                      <a:tcPr/>
+                    </a:tc>
+                    <a:tc>
+                      <a:txBody>
+                        <a:bodyPr/>
+                        <a:lstStyle/>
+                        <a:p>
+                          <a:pPr algn="ctr"/>
+                          <a14:m>
+                            <m:oMathPara xmlns:m="http://schemas.openxmlformats.org/officeDocument/2006/math">
+                              <m:oMathParaPr>
+                                <m:jc m:val="centerGroup"/>
+                              </m:oMathParaPr>
+                              <m:oMath xmlns:m="http://schemas.openxmlformats.org/officeDocument/2006/math">
+                                <m:r>
+                                  <a:rPr lang="en-US" b="0" i="1" smtClean="0">
+                                    <a:latin typeface="Cambria Math" panose="02040503050406030204" pitchFamily="18" charset="0"/>
+                                  </a:rPr>
+                                  <m:t>20.483</m:t>
+                                </m:r>
+                                <m:d>
+                                  <m:dPr>
+                                    <m:begChr m:val="["/>
+                                    <m:endChr m:val="]"/>
+                                    <m:ctrlPr>
+                                      <a:rPr lang="en-US" b="0" i="1" smtClean="0">
+                                        <a:latin typeface="Cambria Math" panose="02040503050406030204" pitchFamily="18" charset="0"/>
+                                      </a:rPr>
+                                    </m:ctrlPr>
+                                  </m:dPr>
+                                  <m:e>
+                                    <m:r>
+                                      <a:rPr lang="en-US" b="0" i="1" smtClean="0">
+                                        <a:latin typeface="Cambria Math" panose="02040503050406030204" pitchFamily="18" charset="0"/>
+                                      </a:rPr>
+                                      <m:t>𝑚𝑊</m:t>
+                                    </m:r>
+                                  </m:e>
+                                </m:d>
+                              </m:oMath>
+                            </m:oMathPara>
+                          </a14:m>
+                          <a:endParaRPr lang="en-US" dirty="0"/>
+                        </a:p>
+                      </a:txBody>
+                      <a:tcPr/>
+                    </a:tc>
+                    <a:tc>
+                      <a:txBody>
+                        <a:bodyPr/>
+                        <a:lstStyle/>
+                        <a:p>
+                          <a:pPr algn="ctr"/>
+                          <a14:m>
+                            <m:oMathPara xmlns:m="http://schemas.openxmlformats.org/officeDocument/2006/math">
+                              <m:oMathParaPr>
+                                <m:jc m:val="centerGroup"/>
+                              </m:oMathParaPr>
+                              <m:oMath xmlns:m="http://schemas.openxmlformats.org/officeDocument/2006/math">
+                                <m:r>
+                                  <a:rPr lang="en-US" b="0" i="1" dirty="0" smtClean="0">
+                                    <a:solidFill>
+                                      <a:srgbClr val="FF0000"/>
+                                    </a:solidFill>
+                                    <a:latin typeface="Cambria Math" panose="02040503050406030204" pitchFamily="18" charset="0"/>
+                                  </a:rPr>
+                                  <m:t>−</m:t>
+                                </m:r>
+                                <m:r>
+                                  <a:rPr lang="en-US" i="1" dirty="0" smtClean="0">
+                                    <a:solidFill>
+                                      <a:srgbClr val="FF0000"/>
+                                    </a:solidFill>
+                                    <a:latin typeface="Cambria Math" panose="02040503050406030204" pitchFamily="18" charset="0"/>
+                                  </a:rPr>
+                                  <m:t>2.039 [%]</m:t>
+                                </m:r>
+                              </m:oMath>
+                            </m:oMathPara>
+                          </a14:m>
+                          <a:endParaRPr lang="en-US" dirty="0">
+                            <a:solidFill>
+                              <a:srgbClr val="FF0000"/>
+                            </a:solidFill>
+                          </a:endParaRPr>
+                        </a:p>
+                      </a:txBody>
+                      <a:tcPr/>
+                    </a:tc>
+                    <a:tc>
+                      <a:txBody>
+                        <a:bodyPr/>
+                        <a:lstStyle/>
+                        <a:p>
+                          <a:pPr algn="ctr"/>
+                          <a14:m>
+                            <m:oMathPara xmlns:m="http://schemas.openxmlformats.org/officeDocument/2006/math">
+                              <m:oMathParaPr>
+                                <m:jc m:val="centerGroup"/>
+                              </m:oMathParaPr>
+                              <m:oMath xmlns:m="http://schemas.openxmlformats.org/officeDocument/2006/math">
+                                <m:r>
+                                  <a:rPr lang="en-US" i="1" dirty="0" smtClean="0">
+                                    <a:solidFill>
+                                      <a:srgbClr val="FF0000"/>
+                                    </a:solidFill>
+                                    <a:latin typeface="Cambria Math" panose="02040503050406030204" pitchFamily="18" charset="0"/>
+                                  </a:rPr>
+                                  <m:t>−4.4 [%]</m:t>
+                                </m:r>
+                              </m:oMath>
+                            </m:oMathPara>
+                          </a14:m>
+                          <a:endParaRPr lang="en-US" dirty="0">
+                            <a:solidFill>
+                              <a:srgbClr val="FF0000"/>
+                            </a:solidFill>
+                          </a:endParaRPr>
+                        </a:p>
+                      </a:txBody>
+                      <a:tcPr/>
+                    </a:tc>
+                    <a:extLst>
+                      <a:ext uri="{0D108BD9-81ED-4DB2-BD59-A6C34878D82A}">
+                        <a16:rowId xmlns:a16="http://schemas.microsoft.com/office/drawing/2014/main" val="960339406"/>
+                      </a:ext>
+                    </a:extLst>
+                  </a:tr>
+                  <a:tr h="370840">
+                    <a:tc>
+                      <a:txBody>
+                        <a:bodyPr/>
+                        <a:lstStyle/>
+                        <a:p>
+                          <a:pPr algn="ctr"/>
+                          <a:r>
+                            <a:rPr lang="en-US" dirty="0"/>
+                            <a:t>CoreMark</a:t>
+                          </a:r>
+                        </a:p>
+                      </a:txBody>
+                      <a:tcPr/>
+                    </a:tc>
+                    <a:tc>
+                      <a:txBody>
+                        <a:bodyPr/>
+                        <a:lstStyle/>
+                        <a:p>
+                          <a:pPr marL="0" marR="0" lvl="0" indent="0" algn="ctr" defTabSz="914400" rtl="0" eaLnBrk="1" fontAlgn="auto" latinLnBrk="0" hangingPunct="1">
+                            <a:lnSpc>
+                              <a:spcPct val="100000"/>
+                            </a:lnSpc>
+                            <a:spcBef>
+                              <a:spcPts val="0"/>
+                            </a:spcBef>
+                            <a:spcAft>
+                              <a:spcPts val="0"/>
+                            </a:spcAft>
+                            <a:buClrTx/>
+                            <a:buSzTx/>
+                            <a:buFontTx/>
+                            <a:buNone/>
+                            <a:tabLst/>
+                            <a:defRPr/>
+                          </a:pPr>
+                          <a14:m>
+                            <m:oMathPara xmlns:m="http://schemas.openxmlformats.org/officeDocument/2006/math">
+                              <m:oMathParaPr>
+                                <m:jc m:val="centerGroup"/>
+                              </m:oMathParaPr>
+                              <m:oMath xmlns:m="http://schemas.openxmlformats.org/officeDocument/2006/math">
+                                <m:r>
+                                  <a:rPr lang="en-US" b="0" i="1" smtClean="0">
+                                    <a:latin typeface="Cambria Math" panose="02040503050406030204" pitchFamily="18" charset="0"/>
+                                  </a:rPr>
+                                  <m:t>2.70567</m:t>
+                                </m:r>
+                              </m:oMath>
+                            </m:oMathPara>
+                          </a14:m>
+                          <a:endParaRPr lang="en-US" dirty="0"/>
+                        </a:p>
+                      </a:txBody>
+                      <a:tcPr/>
+                    </a:tc>
+                    <a:tc>
+                      <a:txBody>
+                        <a:bodyPr/>
+                        <a:lstStyle/>
+                        <a:p>
+                          <a:pPr marL="0" marR="0" lvl="0" indent="0" algn="ctr" defTabSz="914400" rtl="0" eaLnBrk="1" fontAlgn="auto" latinLnBrk="0" hangingPunct="1">
+                            <a:lnSpc>
+                              <a:spcPct val="100000"/>
+                            </a:lnSpc>
+                            <a:spcBef>
+                              <a:spcPts val="0"/>
+                            </a:spcBef>
+                            <a:spcAft>
+                              <a:spcPts val="0"/>
+                            </a:spcAft>
+                            <a:buClrTx/>
+                            <a:buSzTx/>
+                            <a:buFontTx/>
+                            <a:buNone/>
+                            <a:tabLst/>
+                            <a:defRPr/>
+                          </a:pPr>
+                          <a14:m>
+                            <m:oMathPara xmlns:m="http://schemas.openxmlformats.org/officeDocument/2006/math">
+                              <m:oMathParaPr>
+                                <m:jc m:val="centerGroup"/>
+                              </m:oMathParaPr>
+                              <m:oMath xmlns:m="http://schemas.openxmlformats.org/officeDocument/2006/math">
+                                <m:r>
+                                  <a:rPr lang="en-US" b="0" i="1" smtClean="0">
+                                    <a:latin typeface="Cambria Math" panose="02040503050406030204" pitchFamily="18" charset="0"/>
+                                  </a:rPr>
+                                  <m:t>2.70567</m:t>
+                                </m:r>
+                              </m:oMath>
+                            </m:oMathPara>
+                          </a14:m>
+                          <a:endParaRPr lang="en-US" dirty="0"/>
+                        </a:p>
+                      </a:txBody>
+                      <a:tcPr/>
+                    </a:tc>
+                    <a:tc>
+                      <a:txBody>
+                        <a:bodyPr/>
+                        <a:lstStyle/>
+                        <a:p>
+                          <a:pPr marL="0" marR="0" lvl="0" indent="0" algn="ctr" defTabSz="914400" rtl="0" eaLnBrk="1" fontAlgn="auto" latinLnBrk="0" hangingPunct="1">
+                            <a:lnSpc>
+                              <a:spcPct val="100000"/>
+                            </a:lnSpc>
+                            <a:spcBef>
+                              <a:spcPts val="0"/>
+                            </a:spcBef>
+                            <a:spcAft>
+                              <a:spcPts val="0"/>
+                            </a:spcAft>
+                            <a:buClrTx/>
+                            <a:buSzTx/>
+                            <a:buFontTx/>
+                            <a:buNone/>
+                            <a:tabLst/>
+                            <a:defRPr/>
+                          </a:pPr>
+                          <a14:m>
+                            <m:oMathPara xmlns:m="http://schemas.openxmlformats.org/officeDocument/2006/math">
+                              <m:oMathParaPr>
+                                <m:jc m:val="centerGroup"/>
+                              </m:oMathParaPr>
+                              <m:oMath xmlns:m="http://schemas.openxmlformats.org/officeDocument/2006/math">
+                                <m:r>
+                                  <a:rPr lang="en-US" b="0" i="1" smtClean="0">
+                                    <a:latin typeface="Cambria Math" panose="02040503050406030204" pitchFamily="18" charset="0"/>
+                                  </a:rPr>
+                                  <m:t>2.70567</m:t>
+                                </m:r>
+                              </m:oMath>
+                            </m:oMathPara>
+                          </a14:m>
+                          <a:endParaRPr lang="en-US" dirty="0"/>
+                        </a:p>
+                      </a:txBody>
+                      <a:tcPr/>
+                    </a:tc>
+                    <a:tc>
+                      <a:txBody>
+                        <a:bodyPr/>
+                        <a:lstStyle/>
+                        <a:p>
+                          <a:pPr marL="0" marR="0" lvl="0" indent="0" algn="ctr" defTabSz="914400" rtl="0" eaLnBrk="1" fontAlgn="auto" latinLnBrk="0" hangingPunct="1">
+                            <a:lnSpc>
+                              <a:spcPct val="100000"/>
+                            </a:lnSpc>
+                            <a:spcBef>
+                              <a:spcPts val="0"/>
+                            </a:spcBef>
+                            <a:spcAft>
+                              <a:spcPts val="0"/>
+                            </a:spcAft>
+                            <a:buClrTx/>
+                            <a:buSzTx/>
+                            <a:buFontTx/>
+                            <a:buNone/>
+                            <a:tabLst/>
+                            <a:defRPr/>
+                          </a:pPr>
+                          <a:r>
+                            <a:rPr lang="en-US" i="0" dirty="0">
+                              <a:latin typeface="+mj-lt"/>
+                            </a:rPr>
+                            <a:t>0 [%]</a:t>
+                          </a:r>
+                          <a:endParaRPr lang="en-US" dirty="0"/>
+                        </a:p>
+                      </a:txBody>
+                      <a:tcPr/>
+                    </a:tc>
+                    <a:tc>
+                      <a:txBody>
+                        <a:bodyPr/>
+                        <a:lstStyle/>
+                        <a:p>
+                          <a:pPr marL="0" marR="0" lvl="0" indent="0" algn="ctr" defTabSz="914400" rtl="0" eaLnBrk="1" fontAlgn="auto" latinLnBrk="0" hangingPunct="1">
+                            <a:lnSpc>
+                              <a:spcPct val="100000"/>
+                            </a:lnSpc>
+                            <a:spcBef>
+                              <a:spcPts val="0"/>
+                            </a:spcBef>
+                            <a:spcAft>
+                              <a:spcPts val="0"/>
+                            </a:spcAft>
+                            <a:buClrTx/>
+                            <a:buSzTx/>
+                            <a:buFontTx/>
+                            <a:buNone/>
+                            <a:tabLst/>
+                            <a:defRPr/>
+                          </a:pPr>
+                          <a:r>
+                            <a:rPr lang="en-US" b="0" i="0" dirty="0">
+                              <a:solidFill>
+                                <a:schemeClr val="tx1"/>
+                              </a:solidFill>
+                              <a:latin typeface="+mj-lt"/>
+                            </a:rPr>
+                            <a:t>0</a:t>
+                          </a:r>
+                          <a:r>
+                            <a:rPr lang="en-US" i="0" dirty="0">
+                              <a:solidFill>
+                                <a:schemeClr val="tx1"/>
+                              </a:solidFill>
+                              <a:latin typeface="+mj-lt"/>
+                            </a:rPr>
+                            <a:t>[%]</a:t>
+                          </a:r>
+                          <a:endParaRPr lang="en-US" dirty="0">
+                            <a:solidFill>
+                              <a:schemeClr val="tx1"/>
+                            </a:solidFill>
+                          </a:endParaRPr>
+                        </a:p>
+                      </a:txBody>
+                      <a:tcPr/>
+                    </a:tc>
+                    <a:extLst>
+                      <a:ext uri="{0D108BD9-81ED-4DB2-BD59-A6C34878D82A}">
+                        <a16:rowId xmlns:a16="http://schemas.microsoft.com/office/drawing/2014/main" val="3899334101"/>
+                      </a:ext>
+                    </a:extLst>
+                  </a:tr>
+                  <a:tr h="370840">
+                    <a:tc>
+                      <a:txBody>
+                        <a:bodyPr/>
+                        <a:lstStyle/>
+                        <a:p>
+                          <a:pPr algn="ctr"/>
+                          <a:r>
+                            <a:rPr lang="en-US" dirty="0"/>
+                            <a:t>AES cycles</a:t>
+                          </a:r>
+                        </a:p>
+                      </a:txBody>
+                      <a:tcPr/>
+                    </a:tc>
+                    <a:tc>
+                      <a:txBody>
+                        <a:bodyPr/>
+                        <a:lstStyle/>
+                        <a:p>
+                          <a:pPr algn="ctr"/>
+                          <a14:m>
+                            <m:oMathPara xmlns:m="http://schemas.openxmlformats.org/officeDocument/2006/math">
+                              <m:oMathParaPr>
+                                <m:jc m:val="centerGroup"/>
+                              </m:oMathParaPr>
+                              <m:oMath xmlns:m="http://schemas.openxmlformats.org/officeDocument/2006/math">
+                                <m:r>
+                                  <a:rPr lang="en-US" i="1" dirty="0" smtClean="0">
+                                    <a:latin typeface="Cambria Math" panose="02040503050406030204" pitchFamily="18" charset="0"/>
+                                  </a:rPr>
+                                  <m:t>32820 [</m:t>
+                                </m:r>
+                                <m:r>
+                                  <a:rPr lang="en-US" i="1" dirty="0" smtClean="0">
+                                    <a:latin typeface="Cambria Math" panose="02040503050406030204" pitchFamily="18" charset="0"/>
+                                  </a:rPr>
+                                  <m:t>𝐶𝑦𝑐𝑙𝑒𝑠</m:t>
+                                </m:r>
+                                <m:r>
+                                  <a:rPr lang="en-US" i="1" dirty="0" smtClean="0">
+                                    <a:latin typeface="Cambria Math" panose="02040503050406030204" pitchFamily="18" charset="0"/>
+                                  </a:rPr>
+                                  <m:t>]</m:t>
+                                </m:r>
+                              </m:oMath>
+                            </m:oMathPara>
+                          </a14:m>
+                          <a:endParaRPr lang="en-US" dirty="0"/>
+                        </a:p>
+                      </a:txBody>
+                      <a:tcPr/>
+                    </a:tc>
+                    <a:tc>
+                      <a:txBody>
+                        <a:bodyPr/>
+                        <a:lstStyle/>
+                        <a:p>
+                          <a:pPr marL="0" marR="0" lvl="0" indent="0" algn="ctr" defTabSz="914400" rtl="0" eaLnBrk="1" fontAlgn="auto" latinLnBrk="0" hangingPunct="1">
+                            <a:lnSpc>
+                              <a:spcPct val="100000"/>
+                            </a:lnSpc>
+                            <a:spcBef>
+                              <a:spcPts val="0"/>
+                            </a:spcBef>
+                            <a:spcAft>
+                              <a:spcPts val="0"/>
+                            </a:spcAft>
+                            <a:buClrTx/>
+                            <a:buSzTx/>
+                            <a:buFontTx/>
+                            <a:buNone/>
+                            <a:tabLst/>
+                            <a:defRPr/>
+                          </a:pPr>
+                          <a14:m>
+                            <m:oMathPara xmlns:m="http://schemas.openxmlformats.org/officeDocument/2006/math">
+                              <m:oMathParaPr>
+                                <m:jc m:val="centerGroup"/>
+                              </m:oMathParaPr>
+                              <m:oMath xmlns:m="http://schemas.openxmlformats.org/officeDocument/2006/math">
+                                <m:r>
+                                  <a:rPr lang="en-US" i="1" dirty="0" smtClean="0">
+                                    <a:latin typeface="Cambria Math" panose="02040503050406030204" pitchFamily="18" charset="0"/>
+                                  </a:rPr>
+                                  <m:t>5370 [</m:t>
+                                </m:r>
+                                <m:r>
+                                  <a:rPr lang="en-US" i="1" dirty="0" smtClean="0">
+                                    <a:latin typeface="Cambria Math" panose="02040503050406030204" pitchFamily="18" charset="0"/>
+                                  </a:rPr>
+                                  <m:t>𝐶𝑦𝑐𝑙𝑒𝑠</m:t>
+                                </m:r>
+                                <m:r>
+                                  <a:rPr lang="en-US" i="1" dirty="0" smtClean="0">
+                                    <a:latin typeface="Cambria Math" panose="02040503050406030204" pitchFamily="18" charset="0"/>
+                                  </a:rPr>
+                                  <m:t>]</m:t>
+                                </m:r>
+                              </m:oMath>
+                            </m:oMathPara>
+                          </a14:m>
+                          <a:endParaRPr lang="en-US" dirty="0"/>
+                        </a:p>
+                      </a:txBody>
+                      <a:tcPr/>
+                    </a:tc>
+                    <a:tc>
+                      <a:txBody>
+                        <a:bodyPr/>
+                        <a:lstStyle/>
+                        <a:p>
+                          <a:pPr algn="ctr"/>
+                          <a14:m>
+                            <m:oMathPara xmlns:m="http://schemas.openxmlformats.org/officeDocument/2006/math">
+                              <m:oMathParaPr>
+                                <m:jc m:val="centerGroup"/>
+                              </m:oMathParaPr>
+                              <m:oMath xmlns:m="http://schemas.openxmlformats.org/officeDocument/2006/math">
+                                <m:r>
+                                  <a:rPr lang="en-US" i="1" dirty="0" smtClean="0">
+                                    <a:latin typeface="Cambria Math" panose="02040503050406030204" pitchFamily="18" charset="0"/>
+                                  </a:rPr>
+                                  <m:t>5</m:t>
+                                </m:r>
+                                <m:r>
+                                  <a:rPr lang="en-US" b="0" i="1" dirty="0" smtClean="0">
+                                    <a:latin typeface="Cambria Math" panose="02040503050406030204" pitchFamily="18" charset="0"/>
+                                  </a:rPr>
+                                  <m:t>381</m:t>
+                                </m:r>
+                                <m:r>
+                                  <a:rPr lang="en-US" i="1" dirty="0" smtClean="0">
+                                    <a:latin typeface="Cambria Math" panose="02040503050406030204" pitchFamily="18" charset="0"/>
+                                  </a:rPr>
+                                  <m:t> [</m:t>
+                                </m:r>
+                                <m:r>
+                                  <a:rPr lang="en-US" i="1" dirty="0" smtClean="0">
+                                    <a:latin typeface="Cambria Math" panose="02040503050406030204" pitchFamily="18" charset="0"/>
+                                  </a:rPr>
+                                  <m:t>𝐶𝑦𝑐𝑙𝑒𝑠</m:t>
+                                </m:r>
+                                <m:r>
+                                  <a:rPr lang="en-US" i="1" dirty="0" smtClean="0">
+                                    <a:latin typeface="Cambria Math" panose="02040503050406030204" pitchFamily="18" charset="0"/>
+                                  </a:rPr>
+                                  <m:t>]</m:t>
+                                </m:r>
+                              </m:oMath>
+                            </m:oMathPara>
+                          </a14:m>
+                          <a:endParaRPr lang="en-US" dirty="0"/>
+                        </a:p>
+                      </a:txBody>
+                      <a:tcPr/>
+                    </a:tc>
+                    <a:tc>
+                      <a:txBody>
+                        <a:bodyPr/>
+                        <a:lstStyle/>
+                        <a:p>
+                          <a:pPr marL="0" marR="0" lvl="0" indent="0" algn="ctr" defTabSz="914400" rtl="0" eaLnBrk="1" fontAlgn="auto" latinLnBrk="0" hangingPunct="1">
+                            <a:lnSpc>
+                              <a:spcPct val="100000"/>
+                            </a:lnSpc>
+                            <a:spcBef>
+                              <a:spcPts val="0"/>
+                            </a:spcBef>
+                            <a:spcAft>
+                              <a:spcPts val="0"/>
+                            </a:spcAft>
+                            <a:buClrTx/>
+                            <a:buSzTx/>
+                            <a:buFontTx/>
+                            <a:buNone/>
+                            <a:tabLst/>
+                            <a:defRPr/>
+                          </a:pPr>
+                          <a14:m>
+                            <m:oMathPara xmlns:m="http://schemas.openxmlformats.org/officeDocument/2006/math">
+                              <m:oMathParaPr>
+                                <m:jc m:val="centerGroup"/>
+                              </m:oMathParaPr>
+                              <m:oMath xmlns:m="http://schemas.openxmlformats.org/officeDocument/2006/math">
+                                <m:r>
+                                  <a:rPr lang="en-US" i="1" dirty="0" smtClean="0">
+                                    <a:solidFill>
+                                      <a:srgbClr val="009900"/>
+                                    </a:solidFill>
+                                    <a:latin typeface="Cambria Math" panose="02040503050406030204" pitchFamily="18" charset="0"/>
+                                  </a:rPr>
+                                  <m:t>511 [%]</m:t>
+                                </m:r>
+                              </m:oMath>
+                            </m:oMathPara>
+                          </a14:m>
+                          <a:endParaRPr lang="en-US" dirty="0">
+                            <a:solidFill>
+                              <a:srgbClr val="009900"/>
+                            </a:solidFill>
+                          </a:endParaRPr>
+                        </a:p>
+                      </a:txBody>
+                      <a:tcPr/>
+                    </a:tc>
+                    <a:tc>
+                      <a:txBody>
+                        <a:bodyPr/>
+                        <a:lstStyle/>
+                        <a:p>
+                          <a:pPr marL="0" marR="0" lvl="0" indent="0" algn="ctr" defTabSz="914400" rtl="0" eaLnBrk="1" fontAlgn="auto" latinLnBrk="0" hangingPunct="1">
+                            <a:lnSpc>
+                              <a:spcPct val="100000"/>
+                            </a:lnSpc>
+                            <a:spcBef>
+                              <a:spcPts val="0"/>
+                            </a:spcBef>
+                            <a:spcAft>
+                              <a:spcPts val="0"/>
+                            </a:spcAft>
+                            <a:buClrTx/>
+                            <a:buSzTx/>
+                            <a:buFontTx/>
+                            <a:buNone/>
+                            <a:tabLst/>
+                            <a:defRPr/>
+                          </a:pPr>
+                          <a14:m>
+                            <m:oMathPara xmlns:m="http://schemas.openxmlformats.org/officeDocument/2006/math">
+                              <m:oMathParaPr>
+                                <m:jc m:val="centerGroup"/>
+                              </m:oMathParaPr>
+                              <m:oMath xmlns:m="http://schemas.openxmlformats.org/officeDocument/2006/math">
+                                <m:r>
+                                  <a:rPr lang="en-US" i="1" dirty="0" smtClean="0">
+                                    <a:solidFill>
+                                      <a:srgbClr val="009900"/>
+                                    </a:solidFill>
+                                    <a:latin typeface="Cambria Math" panose="02040503050406030204" pitchFamily="18" charset="0"/>
+                                  </a:rPr>
+                                  <m:t>509.9 [%]</m:t>
+                                </m:r>
+                              </m:oMath>
+                            </m:oMathPara>
+                          </a14:m>
+                          <a:endParaRPr lang="en-US" dirty="0">
+                            <a:solidFill>
+                              <a:srgbClr val="009900"/>
+                            </a:solidFill>
+                          </a:endParaRPr>
+                        </a:p>
+                      </a:txBody>
+                      <a:tcPr/>
+                    </a:tc>
+                    <a:extLst>
+                      <a:ext uri="{0D108BD9-81ED-4DB2-BD59-A6C34878D82A}">
+                        <a16:rowId xmlns:a16="http://schemas.microsoft.com/office/drawing/2014/main" val="2216333966"/>
+                      </a:ext>
+                    </a:extLst>
+                  </a:tr>
+                </a:tbl>
+              </a:graphicData>
+            </a:graphic>
+          </p:graphicFrame>
+        </mc:Choice>
+        <mc:Fallback>
+          <p:graphicFrame>
+            <p:nvGraphicFramePr>
+              <p:cNvPr id="3" name="Table 12">
+                <a:extLst>
+                  <a:ext uri="{FF2B5EF4-FFF2-40B4-BE49-F238E27FC236}">
+                    <a16:creationId xmlns:a16="http://schemas.microsoft.com/office/drawing/2014/main" id="{D716BD18-225F-44CD-AEAD-AC23EC995D47}"/>
+                  </a:ext>
+                </a:extLst>
+              </p:cNvPr>
+              <p:cNvGraphicFramePr>
+                <a:graphicFrameLocks noGrp="1"/>
+              </p:cNvGraphicFramePr>
+              <p:nvPr>
+                <p:extLst>
+                  <p:ext uri="{D42A27DB-BD31-4B8C-83A1-F6EECF244321}">
+                    <p14:modId xmlns:p14="http://schemas.microsoft.com/office/powerpoint/2010/main" val="1513182440"/>
+                  </p:ext>
+                </p:extLst>
+              </p:nvPr>
+            </p:nvGraphicFramePr>
+            <p:xfrm>
+              <a:off x="509588" y="2126932"/>
+              <a:ext cx="11172824" cy="2604135"/>
+            </p:xfrm>
+            <a:graphic>
+              <a:graphicData uri="http://schemas.openxmlformats.org/drawingml/2006/table">
+                <a:tbl>
+                  <a:tblPr firstRow="1" bandRow="1">
+                    <a:tableStyleId>{5C22544A-7EE6-4342-B048-85BDC9FD1C3A}</a:tableStyleId>
+                  </a:tblPr>
+                  <a:tblGrid>
+                    <a:gridCol w="1557386">
+                      <a:extLst>
+                        <a:ext uri="{9D8B030D-6E8A-4147-A177-3AD203B41FA5}">
+                          <a16:colId xmlns:a16="http://schemas.microsoft.com/office/drawing/2014/main" val="335642061"/>
+                        </a:ext>
+                      </a:extLst>
+                    </a:gridCol>
+                    <a:gridCol w="2023157">
+                      <a:extLst>
+                        <a:ext uri="{9D8B030D-6E8A-4147-A177-3AD203B41FA5}">
+                          <a16:colId xmlns:a16="http://schemas.microsoft.com/office/drawing/2014/main" val="3017032101"/>
+                        </a:ext>
+                      </a:extLst>
+                    </a:gridCol>
+                    <a:gridCol w="2337529">
+                      <a:extLst>
+                        <a:ext uri="{9D8B030D-6E8A-4147-A177-3AD203B41FA5}">
+                          <a16:colId xmlns:a16="http://schemas.microsoft.com/office/drawing/2014/main" val="3105117892"/>
+                        </a:ext>
+                      </a:extLst>
+                    </a:gridCol>
+                    <a:gridCol w="2242986">
+                      <a:extLst>
+                        <a:ext uri="{9D8B030D-6E8A-4147-A177-3AD203B41FA5}">
+                          <a16:colId xmlns:a16="http://schemas.microsoft.com/office/drawing/2014/main" val="27776508"/>
+                        </a:ext>
+                      </a:extLst>
+                    </a:gridCol>
+                    <a:gridCol w="1518073">
+                      <a:extLst>
+                        <a:ext uri="{9D8B030D-6E8A-4147-A177-3AD203B41FA5}">
+                          <a16:colId xmlns:a16="http://schemas.microsoft.com/office/drawing/2014/main" val="3859356347"/>
+                        </a:ext>
+                      </a:extLst>
+                    </a:gridCol>
+                    <a:gridCol w="1493693">
+                      <a:extLst>
+                        <a:ext uri="{9D8B030D-6E8A-4147-A177-3AD203B41FA5}">
+                          <a16:colId xmlns:a16="http://schemas.microsoft.com/office/drawing/2014/main" val="1607252144"/>
+                        </a:ext>
+                      </a:extLst>
+                    </a:gridCol>
+                  </a:tblGrid>
+                  <a:tr h="365760">
+                    <a:tc rowSpan="2">
+                      <a:txBody>
+                        <a:bodyPr/>
+                        <a:lstStyle/>
+                        <a:p>
+                          <a:pPr algn="ctr"/>
+                          <a:endParaRPr lang="en-US" dirty="0"/>
+                        </a:p>
+                      </a:txBody>
+                      <a:tcPr/>
+                    </a:tc>
+                    <a:tc rowSpan="2">
+                      <a:txBody>
+                        <a:bodyPr/>
+                        <a:lstStyle/>
+                        <a:p>
+                          <a:pPr algn="ctr"/>
+                          <a:r>
+                            <a:rPr lang="en-US" dirty="0" err="1"/>
+                            <a:t>GenPro</a:t>
+                          </a:r>
+                          <a:r>
+                            <a:rPr lang="en-US" dirty="0"/>
+                            <a:t> </a:t>
+                          </a:r>
+                          <a:r>
+                            <a:rPr lang="en-US" dirty="0" err="1"/>
+                            <a:t>PULPenix</a:t>
+                          </a:r>
+                          <a:endParaRPr lang="en-US" dirty="0"/>
+                        </a:p>
+                      </a:txBody>
+                      <a:tcPr/>
+                    </a:tc>
+                    <a:tc rowSpan="2">
+                      <a:txBody>
+                        <a:bodyPr/>
+                        <a:lstStyle/>
+                        <a:p>
+                          <a:pPr algn="ctr"/>
+                          <a:r>
+                            <a:rPr lang="en-US" dirty="0" err="1"/>
+                            <a:t>PULPenix</a:t>
+                          </a:r>
+                          <a:r>
+                            <a:rPr lang="en-US" dirty="0"/>
+                            <a:t> AES Comb</a:t>
+                          </a:r>
+                        </a:p>
+                      </a:txBody>
+                      <a:tcPr/>
+                    </a:tc>
+                    <a:tc rowSpan="2">
+                      <a:txBody>
+                        <a:bodyPr/>
+                        <a:lstStyle/>
+                        <a:p>
+                          <a:pPr marL="0" marR="0" lvl="0" indent="0" algn="ctr" defTabSz="914400" rtl="0" eaLnBrk="1" fontAlgn="auto" latinLnBrk="0" hangingPunct="1">
+                            <a:lnSpc>
+                              <a:spcPct val="100000"/>
+                            </a:lnSpc>
+                            <a:spcBef>
+                              <a:spcPts val="0"/>
+                            </a:spcBef>
+                            <a:spcAft>
+                              <a:spcPts val="0"/>
+                            </a:spcAft>
+                            <a:buClrTx/>
+                            <a:buSzTx/>
+                            <a:buFontTx/>
+                            <a:buNone/>
+                            <a:tabLst/>
+                            <a:defRPr/>
+                          </a:pPr>
+                          <a:r>
+                            <a:rPr lang="en-US" dirty="0" err="1"/>
+                            <a:t>PULPenix</a:t>
+                          </a:r>
+                          <a:r>
+                            <a:rPr lang="en-US" dirty="0"/>
+                            <a:t> AES Sync</a:t>
+                          </a:r>
+                        </a:p>
+                        <a:p>
+                          <a:pPr algn="ctr"/>
+                          <a:endParaRPr lang="en-US" dirty="0"/>
+                        </a:p>
+                      </a:txBody>
+                      <a:tcPr/>
+                    </a:tc>
+                    <a:tc gridSpan="2">
+                      <a:txBody>
+                        <a:bodyPr/>
+                        <a:lstStyle/>
+                        <a:p>
+                          <a:pPr algn="ctr"/>
+                          <a:r>
+                            <a:rPr lang="en-US" dirty="0"/>
+                            <a:t>Improvement</a:t>
+                          </a:r>
+                        </a:p>
+                      </a:txBody>
+                      <a:tcPr/>
+                    </a:tc>
+                    <a:tc hMerge="1">
+                      <a:txBody>
+                        <a:bodyPr/>
+                        <a:lstStyle/>
+                        <a:p>
+                          <a:endParaRPr lang="en-US"/>
+                        </a:p>
+                      </a:txBody>
+                      <a:tcPr/>
+                    </a:tc>
+                    <a:extLst>
+                      <a:ext uri="{0D108BD9-81ED-4DB2-BD59-A6C34878D82A}">
+                        <a16:rowId xmlns:a16="http://schemas.microsoft.com/office/drawing/2014/main" val="2978682260"/>
+                      </a:ext>
+                    </a:extLst>
+                  </a:tr>
+                  <a:tr h="365760">
+                    <a:tc vMerge="1">
+                      <a:txBody>
+                        <a:bodyPr/>
+                        <a:lstStyle/>
+                        <a:p>
+                          <a:endParaRPr lang="en-US"/>
+                        </a:p>
+                      </a:txBody>
+                      <a:tcPr/>
+                    </a:tc>
+                    <a:tc vMerge="1">
+                      <a:txBody>
+                        <a:bodyPr/>
+                        <a:lstStyle/>
+                        <a:p>
+                          <a:endParaRPr lang="en-US"/>
+                        </a:p>
+                      </a:txBody>
+                      <a:tcPr/>
+                    </a:tc>
+                    <a:tc vMerge="1">
+                      <a:txBody>
+                        <a:bodyPr/>
+                        <a:lstStyle/>
+                        <a:p>
+                          <a:endParaRPr lang="en-US"/>
+                        </a:p>
+                      </a:txBody>
+                      <a:tcPr/>
+                    </a:tc>
+                    <a:tc vMerge="1">
+                      <a:txBody>
+                        <a:bodyPr/>
+                        <a:lstStyle/>
+                        <a:p>
+                          <a:endParaRPr lang="en-US"/>
+                        </a:p>
+                      </a:txBody>
+                      <a:tcPr/>
+                    </a:tc>
+                    <a:tc>
+                      <a:txBody>
+                        <a:bodyPr/>
+                        <a:lstStyle/>
+                        <a:p>
+                          <a:pPr algn="ctr"/>
+                          <a:r>
+                            <a:rPr lang="en-US" dirty="0"/>
+                            <a:t>AES Comb</a:t>
+                          </a:r>
+                        </a:p>
+                      </a:txBody>
+                      <a:tcPr/>
+                    </a:tc>
+                    <a:tc>
+                      <a:txBody>
+                        <a:bodyPr/>
+                        <a:lstStyle/>
+                        <a:p>
+                          <a:pPr algn="ctr"/>
+                          <a:r>
+                            <a:rPr lang="en-US" dirty="0"/>
+                            <a:t>AES Sync</a:t>
+                          </a:r>
+                        </a:p>
+                      </a:txBody>
+                      <a:tcPr/>
+                    </a:tc>
+                    <a:extLst>
+                      <a:ext uri="{0D108BD9-81ED-4DB2-BD59-A6C34878D82A}">
+                        <a16:rowId xmlns:a16="http://schemas.microsoft.com/office/drawing/2014/main" val="3870342285"/>
+                      </a:ext>
+                    </a:extLst>
+                  </a:tr>
+                  <a:tr h="370840">
+                    <a:tc>
+                      <a:txBody>
+                        <a:bodyPr/>
+                        <a:lstStyle/>
+                        <a:p>
+                          <a:pPr algn="ctr"/>
+                          <a:r>
+                            <a:rPr lang="en-US" dirty="0"/>
+                            <a:t>Timing (slack)</a:t>
+                          </a:r>
+                        </a:p>
+                      </a:txBody>
+                      <a:tcPr/>
+                    </a:tc>
+                    <a:tc>
+                      <a:txBody>
+                        <a:bodyPr/>
+                        <a:lstStyle/>
+                        <a:p>
+                          <a:endParaRPr lang="en-US"/>
+                        </a:p>
+                      </a:txBody>
+                      <a:tcPr>
+                        <a:blipFill>
+                          <a:blip r:embed="rId3"/>
+                          <a:stretch>
+                            <a:fillRect l="-77410" t="-206557" r="-376506" b="-427869"/>
+                          </a:stretch>
+                        </a:blipFill>
+                      </a:tcPr>
+                    </a:tc>
+                    <a:tc>
+                      <a:txBody>
+                        <a:bodyPr/>
+                        <a:lstStyle/>
+                        <a:p>
+                          <a:endParaRPr lang="en-US"/>
+                        </a:p>
+                      </a:txBody>
+                      <a:tcPr>
+                        <a:blipFill>
+                          <a:blip r:embed="rId3"/>
+                          <a:stretch>
+                            <a:fillRect l="-153786" t="-206557" r="-226371" b="-427869"/>
+                          </a:stretch>
+                        </a:blipFill>
+                      </a:tcPr>
+                    </a:tc>
+                    <a:tc>
+                      <a:txBody>
+                        <a:bodyPr/>
+                        <a:lstStyle/>
+                        <a:p>
+                          <a:endParaRPr lang="en-US"/>
+                        </a:p>
+                      </a:txBody>
+                      <a:tcPr>
+                        <a:blipFill>
+                          <a:blip r:embed="rId3"/>
+                          <a:stretch>
+                            <a:fillRect l="-263415" t="-206557" r="-134959" b="-427869"/>
+                          </a:stretch>
+                        </a:blipFill>
+                      </a:tcPr>
+                    </a:tc>
+                    <a:tc>
+                      <a:txBody>
+                        <a:bodyPr/>
+                        <a:lstStyle/>
+                        <a:p>
+                          <a:endParaRPr lang="en-US"/>
+                        </a:p>
+                      </a:txBody>
+                      <a:tcPr>
+                        <a:blipFill>
+                          <a:blip r:embed="rId3"/>
+                          <a:stretch>
+                            <a:fillRect l="-538554" t="-206557" r="-100000" b="-427869"/>
+                          </a:stretch>
+                        </a:blipFill>
+                      </a:tcPr>
+                    </a:tc>
+                    <a:tc>
+                      <a:txBody>
+                        <a:bodyPr/>
+                        <a:lstStyle/>
+                        <a:p>
+                          <a:pPr marL="0" marR="0" lvl="0" indent="0" algn="ctr" defTabSz="914400" rtl="0" eaLnBrk="1" fontAlgn="auto" latinLnBrk="0" hangingPunct="1">
+                            <a:lnSpc>
+                              <a:spcPct val="100000"/>
+                            </a:lnSpc>
+                            <a:spcBef>
+                              <a:spcPts val="0"/>
+                            </a:spcBef>
+                            <a:spcAft>
+                              <a:spcPts val="0"/>
+                            </a:spcAft>
+                            <a:buClrTx/>
+                            <a:buSzTx/>
+                            <a:buFontTx/>
+                            <a:buNone/>
+                            <a:tabLst/>
+                            <a:defRPr/>
+                          </a:pPr>
+                          <a:r>
+                            <a:rPr lang="en-US" b="0" i="0" dirty="0">
+                              <a:solidFill>
+                                <a:schemeClr val="tx1"/>
+                              </a:solidFill>
+                              <a:latin typeface="+mj-lt"/>
+                            </a:rPr>
+                            <a:t>0</a:t>
+                          </a:r>
+                          <a:r>
+                            <a:rPr lang="en-US" i="0" dirty="0">
+                              <a:solidFill>
+                                <a:schemeClr val="tx1"/>
+                              </a:solidFill>
+                              <a:latin typeface="+mj-lt"/>
+                            </a:rPr>
+                            <a:t>[%]</a:t>
+                          </a:r>
+                          <a:endParaRPr lang="en-US" dirty="0">
+                            <a:solidFill>
+                              <a:schemeClr val="tx1"/>
+                            </a:solidFill>
+                          </a:endParaRPr>
+                        </a:p>
+                      </a:txBody>
+                      <a:tcPr/>
+                    </a:tc>
+                    <a:extLst>
+                      <a:ext uri="{0D108BD9-81ED-4DB2-BD59-A6C34878D82A}">
+                        <a16:rowId xmlns:a16="http://schemas.microsoft.com/office/drawing/2014/main" val="1585810006"/>
+                      </a:ext>
+                    </a:extLst>
+                  </a:tr>
+                  <a:tr h="370840">
+                    <a:tc>
+                      <a:txBody>
+                        <a:bodyPr/>
+                        <a:lstStyle/>
+                        <a:p>
+                          <a:pPr algn="ctr"/>
+                          <a:r>
+                            <a:rPr lang="en-US" dirty="0"/>
+                            <a:t>Area</a:t>
+                          </a:r>
+                        </a:p>
+                      </a:txBody>
+                      <a:tcPr/>
+                    </a:tc>
+                    <a:tc>
+                      <a:txBody>
+                        <a:bodyPr/>
+                        <a:lstStyle/>
+                        <a:p>
+                          <a:endParaRPr lang="en-US"/>
+                        </a:p>
+                      </a:txBody>
+                      <a:tcPr>
+                        <a:blipFill>
+                          <a:blip r:embed="rId3"/>
+                          <a:stretch>
+                            <a:fillRect l="-77410" t="-306557" r="-376506" b="-327869"/>
+                          </a:stretch>
+                        </a:blipFill>
+                      </a:tcPr>
+                    </a:tc>
+                    <a:tc>
+                      <a:txBody>
+                        <a:bodyPr/>
+                        <a:lstStyle/>
+                        <a:p>
+                          <a:endParaRPr lang="en-US"/>
+                        </a:p>
+                      </a:txBody>
+                      <a:tcPr>
+                        <a:blipFill>
+                          <a:blip r:embed="rId3"/>
+                          <a:stretch>
+                            <a:fillRect l="-153786" t="-306557" r="-226371" b="-327869"/>
+                          </a:stretch>
+                        </a:blipFill>
+                      </a:tcPr>
+                    </a:tc>
+                    <a:tc>
+                      <a:txBody>
+                        <a:bodyPr/>
+                        <a:lstStyle/>
+                        <a:p>
+                          <a:endParaRPr lang="en-US"/>
+                        </a:p>
+                      </a:txBody>
+                      <a:tcPr>
+                        <a:blipFill>
+                          <a:blip r:embed="rId3"/>
+                          <a:stretch>
+                            <a:fillRect l="-263415" t="-306557" r="-134959" b="-327869"/>
+                          </a:stretch>
+                        </a:blipFill>
+                      </a:tcPr>
+                    </a:tc>
+                    <a:tc>
+                      <a:txBody>
+                        <a:bodyPr/>
+                        <a:lstStyle/>
+                        <a:p>
+                          <a:endParaRPr lang="en-US"/>
+                        </a:p>
+                      </a:txBody>
+                      <a:tcPr>
+                        <a:blipFill>
+                          <a:blip r:embed="rId3"/>
+                          <a:stretch>
+                            <a:fillRect l="-538554" t="-306557" r="-100000" b="-327869"/>
+                          </a:stretch>
+                        </a:blipFill>
+                      </a:tcPr>
+                    </a:tc>
+                    <a:tc>
+                      <a:txBody>
+                        <a:bodyPr/>
+                        <a:lstStyle/>
+                        <a:p>
+                          <a:endParaRPr lang="en-US"/>
+                        </a:p>
+                      </a:txBody>
+                      <a:tcPr>
+                        <a:blipFill>
+                          <a:blip r:embed="rId3"/>
+                          <a:stretch>
+                            <a:fillRect l="-648980" t="-306557" r="-1633" b="-327869"/>
+                          </a:stretch>
+                        </a:blipFill>
+                      </a:tcPr>
+                    </a:tc>
+                    <a:extLst>
+                      <a:ext uri="{0D108BD9-81ED-4DB2-BD59-A6C34878D82A}">
+                        <a16:rowId xmlns:a16="http://schemas.microsoft.com/office/drawing/2014/main" val="2332414390"/>
+                      </a:ext>
+                    </a:extLst>
+                  </a:tr>
+                  <a:tr h="389255">
+                    <a:tc>
+                      <a:txBody>
+                        <a:bodyPr/>
+                        <a:lstStyle/>
+                        <a:p>
+                          <a:pPr algn="ctr"/>
+                          <a:r>
+                            <a:rPr lang="en-US" dirty="0"/>
+                            <a:t>Power</a:t>
+                          </a:r>
+                        </a:p>
+                      </a:txBody>
+                      <a:tcPr/>
+                    </a:tc>
+                    <a:tc>
+                      <a:txBody>
+                        <a:bodyPr/>
+                        <a:lstStyle/>
+                        <a:p>
+                          <a:endParaRPr lang="en-US"/>
+                        </a:p>
+                      </a:txBody>
+                      <a:tcPr>
+                        <a:blipFill>
+                          <a:blip r:embed="rId3"/>
+                          <a:stretch>
+                            <a:fillRect l="-77410" t="-387500" r="-376506" b="-212500"/>
+                          </a:stretch>
+                        </a:blipFill>
+                      </a:tcPr>
+                    </a:tc>
+                    <a:tc>
+                      <a:txBody>
+                        <a:bodyPr/>
+                        <a:lstStyle/>
+                        <a:p>
+                          <a:endParaRPr lang="en-US"/>
+                        </a:p>
+                      </a:txBody>
+                      <a:tcPr>
+                        <a:blipFill>
+                          <a:blip r:embed="rId3"/>
+                          <a:stretch>
+                            <a:fillRect l="-153786" t="-387500" r="-226371" b="-212500"/>
+                          </a:stretch>
+                        </a:blipFill>
+                      </a:tcPr>
+                    </a:tc>
+                    <a:tc>
+                      <a:txBody>
+                        <a:bodyPr/>
+                        <a:lstStyle/>
+                        <a:p>
+                          <a:endParaRPr lang="en-US"/>
+                        </a:p>
+                      </a:txBody>
+                      <a:tcPr>
+                        <a:blipFill>
+                          <a:blip r:embed="rId3"/>
+                          <a:stretch>
+                            <a:fillRect l="-263415" t="-387500" r="-134959" b="-212500"/>
+                          </a:stretch>
+                        </a:blipFill>
+                      </a:tcPr>
+                    </a:tc>
+                    <a:tc>
+                      <a:txBody>
+                        <a:bodyPr/>
+                        <a:lstStyle/>
+                        <a:p>
+                          <a:endParaRPr lang="en-US"/>
+                        </a:p>
+                      </a:txBody>
+                      <a:tcPr>
+                        <a:blipFill>
+                          <a:blip r:embed="rId3"/>
+                          <a:stretch>
+                            <a:fillRect l="-538554" t="-387500" r="-100000" b="-212500"/>
+                          </a:stretch>
+                        </a:blipFill>
+                      </a:tcPr>
+                    </a:tc>
+                    <a:tc>
+                      <a:txBody>
+                        <a:bodyPr/>
+                        <a:lstStyle/>
+                        <a:p>
+                          <a:endParaRPr lang="en-US"/>
+                        </a:p>
+                      </a:txBody>
+                      <a:tcPr>
+                        <a:blipFill>
+                          <a:blip r:embed="rId3"/>
+                          <a:stretch>
+                            <a:fillRect l="-648980" t="-387500" r="-1633" b="-212500"/>
+                          </a:stretch>
+                        </a:blipFill>
+                      </a:tcPr>
+                    </a:tc>
+                    <a:extLst>
+                      <a:ext uri="{0D108BD9-81ED-4DB2-BD59-A6C34878D82A}">
+                        <a16:rowId xmlns:a16="http://schemas.microsoft.com/office/drawing/2014/main" val="960339406"/>
+                      </a:ext>
+                    </a:extLst>
+                  </a:tr>
+                  <a:tr h="370840">
+                    <a:tc>
+                      <a:txBody>
+                        <a:bodyPr/>
+                        <a:lstStyle/>
+                        <a:p>
+                          <a:pPr algn="ctr"/>
+                          <a:r>
+                            <a:rPr lang="en-US" dirty="0"/>
+                            <a:t>CoreMark</a:t>
+                          </a:r>
+                        </a:p>
+                      </a:txBody>
+                      <a:tcPr/>
+                    </a:tc>
+                    <a:tc>
+                      <a:txBody>
+                        <a:bodyPr/>
+                        <a:lstStyle/>
+                        <a:p>
+                          <a:endParaRPr lang="en-US"/>
+                        </a:p>
+                      </a:txBody>
+                      <a:tcPr>
+                        <a:blipFill>
+                          <a:blip r:embed="rId3"/>
+                          <a:stretch>
+                            <a:fillRect l="-77410" t="-511475" r="-376506" b="-122951"/>
+                          </a:stretch>
+                        </a:blipFill>
+                      </a:tcPr>
+                    </a:tc>
+                    <a:tc>
+                      <a:txBody>
+                        <a:bodyPr/>
+                        <a:lstStyle/>
+                        <a:p>
+                          <a:endParaRPr lang="en-US"/>
+                        </a:p>
+                      </a:txBody>
+                      <a:tcPr>
+                        <a:blipFill>
+                          <a:blip r:embed="rId3"/>
+                          <a:stretch>
+                            <a:fillRect l="-153786" t="-511475" r="-226371" b="-122951"/>
+                          </a:stretch>
+                        </a:blipFill>
+                      </a:tcPr>
+                    </a:tc>
+                    <a:tc>
+                      <a:txBody>
+                        <a:bodyPr/>
+                        <a:lstStyle/>
+                        <a:p>
+                          <a:endParaRPr lang="en-US"/>
+                        </a:p>
+                      </a:txBody>
+                      <a:tcPr>
+                        <a:blipFill>
+                          <a:blip r:embed="rId3"/>
+                          <a:stretch>
+                            <a:fillRect l="-263415" t="-511475" r="-134959" b="-122951"/>
+                          </a:stretch>
+                        </a:blipFill>
+                      </a:tcPr>
+                    </a:tc>
+                    <a:tc>
+                      <a:txBody>
+                        <a:bodyPr/>
+                        <a:lstStyle/>
+                        <a:p>
+                          <a:pPr marL="0" marR="0" lvl="0" indent="0" algn="ctr" defTabSz="914400" rtl="0" eaLnBrk="1" fontAlgn="auto" latinLnBrk="0" hangingPunct="1">
+                            <a:lnSpc>
+                              <a:spcPct val="100000"/>
+                            </a:lnSpc>
+                            <a:spcBef>
+                              <a:spcPts val="0"/>
+                            </a:spcBef>
+                            <a:spcAft>
+                              <a:spcPts val="0"/>
+                            </a:spcAft>
+                            <a:buClrTx/>
+                            <a:buSzTx/>
+                            <a:buFontTx/>
+                            <a:buNone/>
+                            <a:tabLst/>
+                            <a:defRPr/>
+                          </a:pPr>
+                          <a:r>
+                            <a:rPr lang="en-US" i="0" dirty="0">
+                              <a:latin typeface="+mj-lt"/>
+                            </a:rPr>
+                            <a:t>0 [%]</a:t>
+                          </a:r>
+                          <a:endParaRPr lang="en-US" dirty="0"/>
+                        </a:p>
+                      </a:txBody>
+                      <a:tcPr/>
+                    </a:tc>
+                    <a:tc>
+                      <a:txBody>
+                        <a:bodyPr/>
+                        <a:lstStyle/>
+                        <a:p>
+                          <a:pPr marL="0" marR="0" lvl="0" indent="0" algn="ctr" defTabSz="914400" rtl="0" eaLnBrk="1" fontAlgn="auto" latinLnBrk="0" hangingPunct="1">
+                            <a:lnSpc>
+                              <a:spcPct val="100000"/>
+                            </a:lnSpc>
+                            <a:spcBef>
+                              <a:spcPts val="0"/>
+                            </a:spcBef>
+                            <a:spcAft>
+                              <a:spcPts val="0"/>
+                            </a:spcAft>
+                            <a:buClrTx/>
+                            <a:buSzTx/>
+                            <a:buFontTx/>
+                            <a:buNone/>
+                            <a:tabLst/>
+                            <a:defRPr/>
+                          </a:pPr>
+                          <a:r>
+                            <a:rPr lang="en-US" b="0" i="0" dirty="0">
+                              <a:solidFill>
+                                <a:schemeClr val="tx1"/>
+                              </a:solidFill>
+                              <a:latin typeface="+mj-lt"/>
+                            </a:rPr>
+                            <a:t>0</a:t>
+                          </a:r>
+                          <a:r>
+                            <a:rPr lang="en-US" i="0" dirty="0">
+                              <a:solidFill>
+                                <a:schemeClr val="tx1"/>
+                              </a:solidFill>
+                              <a:latin typeface="+mj-lt"/>
+                            </a:rPr>
+                            <a:t>[%]</a:t>
+                          </a:r>
+                          <a:endParaRPr lang="en-US" dirty="0">
+                            <a:solidFill>
+                              <a:schemeClr val="tx1"/>
+                            </a:solidFill>
+                          </a:endParaRPr>
+                        </a:p>
+                      </a:txBody>
+                      <a:tcPr/>
+                    </a:tc>
+                    <a:extLst>
+                      <a:ext uri="{0D108BD9-81ED-4DB2-BD59-A6C34878D82A}">
+                        <a16:rowId xmlns:a16="http://schemas.microsoft.com/office/drawing/2014/main" val="3899334101"/>
+                      </a:ext>
+                    </a:extLst>
+                  </a:tr>
+                  <a:tr h="370840">
+                    <a:tc>
+                      <a:txBody>
+                        <a:bodyPr/>
+                        <a:lstStyle/>
+                        <a:p>
+                          <a:pPr algn="ctr"/>
+                          <a:r>
+                            <a:rPr lang="en-US" dirty="0"/>
+                            <a:t>AES cycles</a:t>
+                          </a:r>
+                        </a:p>
+                      </a:txBody>
+                      <a:tcPr/>
+                    </a:tc>
+                    <a:tc>
+                      <a:txBody>
+                        <a:bodyPr/>
+                        <a:lstStyle/>
+                        <a:p>
+                          <a:endParaRPr lang="en-US"/>
+                        </a:p>
+                      </a:txBody>
+                      <a:tcPr>
+                        <a:blipFill>
+                          <a:blip r:embed="rId3"/>
+                          <a:stretch>
+                            <a:fillRect l="-77410" t="-611475" r="-376506" b="-22951"/>
+                          </a:stretch>
+                        </a:blipFill>
+                      </a:tcPr>
+                    </a:tc>
+                    <a:tc>
+                      <a:txBody>
+                        <a:bodyPr/>
+                        <a:lstStyle/>
+                        <a:p>
+                          <a:endParaRPr lang="en-US"/>
+                        </a:p>
+                      </a:txBody>
+                      <a:tcPr>
+                        <a:blipFill>
+                          <a:blip r:embed="rId3"/>
+                          <a:stretch>
+                            <a:fillRect l="-153786" t="-611475" r="-226371" b="-22951"/>
+                          </a:stretch>
+                        </a:blipFill>
+                      </a:tcPr>
+                    </a:tc>
+                    <a:tc>
+                      <a:txBody>
+                        <a:bodyPr/>
+                        <a:lstStyle/>
+                        <a:p>
+                          <a:endParaRPr lang="en-US"/>
+                        </a:p>
+                      </a:txBody>
+                      <a:tcPr>
+                        <a:blipFill>
+                          <a:blip r:embed="rId3"/>
+                          <a:stretch>
+                            <a:fillRect l="-263415" t="-611475" r="-134959" b="-22951"/>
+                          </a:stretch>
+                        </a:blipFill>
+                      </a:tcPr>
+                    </a:tc>
+                    <a:tc>
+                      <a:txBody>
+                        <a:bodyPr/>
+                        <a:lstStyle/>
+                        <a:p>
+                          <a:endParaRPr lang="en-US"/>
+                        </a:p>
+                      </a:txBody>
+                      <a:tcPr>
+                        <a:blipFill>
+                          <a:blip r:embed="rId3"/>
+                          <a:stretch>
+                            <a:fillRect l="-538554" t="-611475" r="-100000" b="-22951"/>
+                          </a:stretch>
+                        </a:blipFill>
+                      </a:tcPr>
+                    </a:tc>
+                    <a:tc>
+                      <a:txBody>
+                        <a:bodyPr/>
+                        <a:lstStyle/>
+                        <a:p>
+                          <a:endParaRPr lang="en-US"/>
+                        </a:p>
+                      </a:txBody>
+                      <a:tcPr>
+                        <a:blipFill>
+                          <a:blip r:embed="rId3"/>
+                          <a:stretch>
+                            <a:fillRect l="-648980" t="-611475" r="-1633" b="-22951"/>
+                          </a:stretch>
+                        </a:blipFill>
+                      </a:tcPr>
+                    </a:tc>
+                    <a:extLst>
+                      <a:ext uri="{0D108BD9-81ED-4DB2-BD59-A6C34878D82A}">
+                        <a16:rowId xmlns:a16="http://schemas.microsoft.com/office/drawing/2014/main" val="2216333966"/>
+                      </a:ext>
+                    </a:extLst>
+                  </a:tr>
+                </a:tbl>
+              </a:graphicData>
+            </a:graphic>
+          </p:graphicFrame>
+        </mc:Fallback>
+      </mc:AlternateContent>
+      <p:sp>
+        <p:nvSpPr>
+          <p:cNvPr id="4" name="TextBox 3">
+            <a:extLst>
+              <a:ext uri="{FF2B5EF4-FFF2-40B4-BE49-F238E27FC236}">
+                <a16:creationId xmlns:a16="http://schemas.microsoft.com/office/drawing/2014/main" id="{4E07A4FE-C15B-44FB-BD86-1A81D8FFFA5A}"/>
+              </a:ext>
+            </a:extLst>
+          </p:cNvPr>
+          <p:cNvSpPr txBox="1"/>
+          <p:nvPr/>
+        </p:nvSpPr>
+        <p:spPr>
+          <a:xfrm>
+            <a:off x="4061460" y="972014"/>
+            <a:ext cx="4069080" cy="523220"/>
+          </a:xfrm>
+          <a:prstGeom prst="rect">
+            <a:avLst/>
+          </a:prstGeom>
+          <a:noFill/>
+        </p:spPr>
+        <p:txBody>
+          <a:bodyPr wrap="square" rtlCol="0">
+            <a:spAutoFit/>
+          </a:bodyPr>
+          <a:lstStyle/>
+          <a:p>
+            <a:pPr algn="ctr"/>
+            <a:r>
+              <a:rPr lang="en-US" sz="2800" b="1" u="sng" dirty="0"/>
+              <a:t>New results</a:t>
+            </a:r>
+            <a:endParaRPr lang="en-US" b="1" u="sng" dirty="0"/>
+          </a:p>
+        </p:txBody>
+      </p:sp>
+    </p:spTree>
+    <p:extLst>
+      <p:ext uri="{BB962C8B-B14F-4D97-AF65-F5344CB8AC3E}">
+        <p14:creationId xmlns:p14="http://schemas.microsoft.com/office/powerpoint/2010/main" val="902099443"/>
+      </p:ext>
+    </p:extLst>
+  </p:cSld>
+  <p:clrMapOvr>
+    <a:masterClrMapping/>
+  </p:clrMapOvr>
+</p:sld>
+</file>
+
+<file path=ppt/slides/slide27.xml><?xml version="1.0" encoding="utf-8"?>
 <p:sld xmlns:a="http://schemas.openxmlformats.org/drawingml/2006/main" xmlns:r="http://schemas.openxmlformats.org/officeDocument/2006/relationships" xmlns:p="http://schemas.openxmlformats.org/presentationml/2006/main">
   <p:cSld>
     <p:spTree>
@@ -20847,7 +23622,7 @@
           <a:p>
             <a:fld id="{FA14CE62-B6AF-475A-BB26-7E2CBB4B5225}" type="slidenum">
               <a:rPr lang="en-IL" smtClean="0"/>
-              <a:t>25</a:t>
+              <a:t>27</a:t>
             </a:fld>
             <a:endParaRPr lang="en-IL"/>
           </a:p>
@@ -20866,7 +23641,7 @@
 </p:sld>
 </file>
 
-<file path=ppt/slides/slide26.xml><?xml version="1.0" encoding="utf-8"?>
+<file path=ppt/slides/slide28.xml><?xml version="1.0" encoding="utf-8"?>
 <p:sld xmlns:a="http://schemas.openxmlformats.org/drawingml/2006/main" xmlns:r="http://schemas.openxmlformats.org/officeDocument/2006/relationships" xmlns:p="http://schemas.openxmlformats.org/presentationml/2006/main">
   <p:cSld>
     <p:spTree>
@@ -21008,7 +23783,7 @@
           <a:p>
             <a:fld id="{FA14CE62-B6AF-475A-BB26-7E2CBB4B5225}" type="slidenum">
               <a:rPr lang="en-IL" smtClean="0"/>
-              <a:t>26</a:t>
+              <a:t>28</a:t>
             </a:fld>
             <a:endParaRPr lang="en-IL"/>
           </a:p>
@@ -21027,7 +23802,7 @@
 </p:sld>
 </file>
 
-<file path=ppt/slides/slide27.xml><?xml version="1.0" encoding="utf-8"?>
+<file path=ppt/slides/slide29.xml><?xml version="1.0" encoding="utf-8"?>
 <p:sld xmlns:a="http://schemas.openxmlformats.org/drawingml/2006/main" xmlns:r="http://schemas.openxmlformats.org/officeDocument/2006/relationships" xmlns:p="http://schemas.openxmlformats.org/presentationml/2006/main">
   <p:cSld>
     <p:spTree>
@@ -21427,7 +24202,7 @@
           <a:p>
             <a:fld id="{FA14CE62-B6AF-475A-BB26-7E2CBB4B5225}" type="slidenum">
               <a:rPr lang="en-IL" smtClean="0"/>
-              <a:t>27</a:t>
+              <a:t>29</a:t>
             </a:fld>
             <a:endParaRPr lang="en-IL"/>
           </a:p>
@@ -21437,301 +24212,6 @@
     <p:extLst>
       <p:ext uri="{BB962C8B-B14F-4D97-AF65-F5344CB8AC3E}">
         <p14:creationId xmlns:p14="http://schemas.microsoft.com/office/powerpoint/2010/main" val="450871487"/>
-      </p:ext>
-    </p:extLst>
-  </p:cSld>
-  <p:clrMapOvr>
-    <a:masterClrMapping/>
-  </p:clrMapOvr>
-</p:sld>
-</file>
-
-<file path=ppt/slides/slide28.xml><?xml version="1.0" encoding="utf-8"?>
-<p:sld xmlns:a="http://schemas.openxmlformats.org/drawingml/2006/main" xmlns:r="http://schemas.openxmlformats.org/officeDocument/2006/relationships" xmlns:p="http://schemas.openxmlformats.org/presentationml/2006/main">
-  <p:cSld>
-    <p:spTree>
-      <p:nvGrpSpPr>
-        <p:cNvPr id="1" name=""/>
-        <p:cNvGrpSpPr/>
-        <p:nvPr/>
-      </p:nvGrpSpPr>
-      <p:grpSpPr>
-        <a:xfrm>
-          <a:off x="0" y="0"/>
-          <a:ext cx="0" cy="0"/>
-          <a:chOff x="0" y="0"/>
-          <a:chExt cx="0" cy="0"/>
-        </a:xfrm>
-      </p:grpSpPr>
-      <p:pic>
-        <p:nvPicPr>
-          <p:cNvPr id="3" name="Picture 2">
-            <a:extLst>
-              <a:ext uri="{FF2B5EF4-FFF2-40B4-BE49-F238E27FC236}">
-                <a16:creationId xmlns:a16="http://schemas.microsoft.com/office/drawing/2014/main" id="{F48D2B61-457F-41F1-A181-FC0E849CBAF3}"/>
-              </a:ext>
-            </a:extLst>
-          </p:cNvPr>
-          <p:cNvPicPr>
-            <a:picLocks noChangeAspect="1"/>
-          </p:cNvPicPr>
-          <p:nvPr/>
-        </p:nvPicPr>
-        <p:blipFill>
-          <a:blip r:embed="rId3"/>
-          <a:stretch>
-            <a:fillRect/>
-          </a:stretch>
-        </p:blipFill>
-        <p:spPr>
-          <a:xfrm>
-            <a:off x="2814826" y="2372498"/>
-            <a:ext cx="6562345" cy="2410373"/>
-          </a:xfrm>
-          <a:prstGeom prst="rect">
-            <a:avLst/>
-          </a:prstGeom>
-        </p:spPr>
-      </p:pic>
-      <p:sp>
-        <p:nvSpPr>
-          <p:cNvPr id="4" name="TextBox 3">
-            <a:extLst>
-              <a:ext uri="{FF2B5EF4-FFF2-40B4-BE49-F238E27FC236}">
-                <a16:creationId xmlns:a16="http://schemas.microsoft.com/office/drawing/2014/main" id="{E2344A50-6236-4EEE-9966-E49EFC663AE2}"/>
-              </a:ext>
-            </a:extLst>
-          </p:cNvPr>
-          <p:cNvSpPr txBox="1"/>
-          <p:nvPr/>
-        </p:nvSpPr>
-        <p:spPr>
-          <a:xfrm>
-            <a:off x="4061459" y="596028"/>
-            <a:ext cx="4069080" cy="523220"/>
-          </a:xfrm>
-          <a:prstGeom prst="rect">
-            <a:avLst/>
-          </a:prstGeom>
-          <a:noFill/>
-        </p:spPr>
-        <p:txBody>
-          <a:bodyPr wrap="square" rtlCol="0">
-            <a:spAutoFit/>
-          </a:bodyPr>
-          <a:lstStyle/>
-          <a:p>
-            <a:pPr algn="ctr"/>
-            <a:r>
-              <a:rPr lang="en-US" sz="2800" dirty="0"/>
-              <a:t>Python’s </a:t>
-            </a:r>
-            <a:r>
-              <a:rPr lang="en-US" sz="2800" dirty="0" err="1"/>
-              <a:t>ctypes</a:t>
-            </a:r>
-            <a:endParaRPr lang="en-US" dirty="0"/>
-          </a:p>
-        </p:txBody>
-      </p:sp>
-      <p:sp>
-        <p:nvSpPr>
-          <p:cNvPr id="6" name="Slide Number Placeholder 5">
-            <a:extLst>
-              <a:ext uri="{FF2B5EF4-FFF2-40B4-BE49-F238E27FC236}">
-                <a16:creationId xmlns:a16="http://schemas.microsoft.com/office/drawing/2014/main" id="{3F396C73-FCDC-4B83-A056-B88F5A65EE16}"/>
-              </a:ext>
-            </a:extLst>
-          </p:cNvPr>
-          <p:cNvSpPr>
-            <a:spLocks noGrp="1"/>
-          </p:cNvSpPr>
-          <p:nvPr>
-            <p:ph type="sldNum" sz="quarter" idx="12"/>
-          </p:nvPr>
-        </p:nvSpPr>
-        <p:spPr>
-          <a:xfrm>
-            <a:off x="9448800" y="6492875"/>
-            <a:ext cx="2743200" cy="365125"/>
-          </a:xfrm>
-        </p:spPr>
-        <p:txBody>
-          <a:bodyPr/>
-          <a:lstStyle/>
-          <a:p>
-            <a:fld id="{FA14CE62-B6AF-475A-BB26-7E2CBB4B5225}" type="slidenum">
-              <a:rPr lang="en-IL" smtClean="0"/>
-              <a:t>28</a:t>
-            </a:fld>
-            <a:endParaRPr lang="en-IL"/>
-          </a:p>
-        </p:txBody>
-      </p:sp>
-    </p:spTree>
-    <p:extLst>
-      <p:ext uri="{BB962C8B-B14F-4D97-AF65-F5344CB8AC3E}">
-        <p14:creationId xmlns:p14="http://schemas.microsoft.com/office/powerpoint/2010/main" val="1892299969"/>
-      </p:ext>
-    </p:extLst>
-  </p:cSld>
-  <p:clrMapOvr>
-    <a:masterClrMapping/>
-  </p:clrMapOvr>
-</p:sld>
-</file>
-
-<file path=ppt/slides/slide29.xml><?xml version="1.0" encoding="utf-8"?>
-<p:sld xmlns:a="http://schemas.openxmlformats.org/drawingml/2006/main" xmlns:r="http://schemas.openxmlformats.org/officeDocument/2006/relationships" xmlns:p="http://schemas.openxmlformats.org/presentationml/2006/main">
-  <p:cSld>
-    <p:spTree>
-      <p:nvGrpSpPr>
-        <p:cNvPr id="1" name=""/>
-        <p:cNvGrpSpPr/>
-        <p:nvPr/>
-      </p:nvGrpSpPr>
-      <p:grpSpPr>
-        <a:xfrm>
-          <a:off x="0" y="0"/>
-          <a:ext cx="0" cy="0"/>
-          <a:chOff x="0" y="0"/>
-          <a:chExt cx="0" cy="0"/>
-        </a:xfrm>
-      </p:grpSpPr>
-      <p:pic>
-        <p:nvPicPr>
-          <p:cNvPr id="3" name="Picture 2">
-            <a:extLst>
-              <a:ext uri="{FF2B5EF4-FFF2-40B4-BE49-F238E27FC236}">
-                <a16:creationId xmlns:a16="http://schemas.microsoft.com/office/drawing/2014/main" id="{F6DB9B7E-C6EF-466E-9F2F-9821EA5ECBEE}"/>
-              </a:ext>
-            </a:extLst>
-          </p:cNvPr>
-          <p:cNvPicPr>
-            <a:picLocks noChangeAspect="1"/>
-          </p:cNvPicPr>
-          <p:nvPr/>
-        </p:nvPicPr>
-        <p:blipFill rotWithShape="1">
-          <a:blip r:embed="rId3"/>
-          <a:srcRect b="48531"/>
-          <a:stretch/>
-        </p:blipFill>
-        <p:spPr>
-          <a:xfrm>
-            <a:off x="7044625" y="2114351"/>
-            <a:ext cx="3131949" cy="3403821"/>
-          </a:xfrm>
-          <a:prstGeom prst="rect">
-            <a:avLst/>
-          </a:prstGeom>
-        </p:spPr>
-      </p:pic>
-      <p:sp>
-        <p:nvSpPr>
-          <p:cNvPr id="4" name="TextBox 3">
-            <a:extLst>
-              <a:ext uri="{FF2B5EF4-FFF2-40B4-BE49-F238E27FC236}">
-                <a16:creationId xmlns:a16="http://schemas.microsoft.com/office/drawing/2014/main" id="{7D1CEF0F-E068-4EA4-9970-44C4DF06902C}"/>
-              </a:ext>
-            </a:extLst>
-          </p:cNvPr>
-          <p:cNvSpPr txBox="1"/>
-          <p:nvPr/>
-        </p:nvSpPr>
-        <p:spPr>
-          <a:xfrm>
-            <a:off x="4061459" y="596028"/>
-            <a:ext cx="4069080" cy="523220"/>
-          </a:xfrm>
-          <a:prstGeom prst="rect">
-            <a:avLst/>
-          </a:prstGeom>
-          <a:noFill/>
-        </p:spPr>
-        <p:txBody>
-          <a:bodyPr wrap="square" rtlCol="0">
-            <a:spAutoFit/>
-          </a:bodyPr>
-          <a:lstStyle/>
-          <a:p>
-            <a:pPr algn="ctr"/>
-            <a:r>
-              <a:rPr lang="en-US" sz="2800" dirty="0"/>
-              <a:t>Dictionaries</a:t>
-            </a:r>
-            <a:endParaRPr lang="en-US" dirty="0"/>
-          </a:p>
-        </p:txBody>
-      </p:sp>
-      <p:pic>
-        <p:nvPicPr>
-          <p:cNvPr id="5" name="Picture 4">
-            <a:extLst>
-              <a:ext uri="{FF2B5EF4-FFF2-40B4-BE49-F238E27FC236}">
-                <a16:creationId xmlns:a16="http://schemas.microsoft.com/office/drawing/2014/main" id="{5693A012-FBB2-4D52-86A3-D1E58918AB21}"/>
-              </a:ext>
-            </a:extLst>
-          </p:cNvPr>
-          <p:cNvPicPr>
-            <a:picLocks noChangeAspect="1"/>
-          </p:cNvPicPr>
-          <p:nvPr/>
-        </p:nvPicPr>
-        <p:blipFill>
-          <a:blip r:embed="rId4"/>
-          <a:stretch>
-            <a:fillRect/>
-          </a:stretch>
-        </p:blipFill>
-        <p:spPr>
-          <a:xfrm>
-            <a:off x="1842953" y="3059357"/>
-            <a:ext cx="3304423" cy="1296830"/>
-          </a:xfrm>
-          <a:prstGeom prst="rect">
-            <a:avLst/>
-          </a:prstGeom>
-        </p:spPr>
-      </p:pic>
-      <p:sp>
-        <p:nvSpPr>
-          <p:cNvPr id="7" name="Slide Number Placeholder 6">
-            <a:extLst>
-              <a:ext uri="{FF2B5EF4-FFF2-40B4-BE49-F238E27FC236}">
-                <a16:creationId xmlns:a16="http://schemas.microsoft.com/office/drawing/2014/main" id="{547BD752-2B88-4378-9812-400D5324AA1C}"/>
-              </a:ext>
-            </a:extLst>
-          </p:cNvPr>
-          <p:cNvSpPr>
-            <a:spLocks noGrp="1"/>
-          </p:cNvSpPr>
-          <p:nvPr>
-            <p:ph type="sldNum" sz="quarter" idx="12"/>
-          </p:nvPr>
-        </p:nvSpPr>
-        <p:spPr>
-          <a:xfrm>
-            <a:off x="9448800" y="6492875"/>
-            <a:ext cx="2743200" cy="365125"/>
-          </a:xfrm>
-        </p:spPr>
-        <p:txBody>
-          <a:bodyPr/>
-          <a:lstStyle/>
-          <a:p>
-            <a:fld id="{FA14CE62-B6AF-475A-BB26-7E2CBB4B5225}" type="slidenum">
-              <a:rPr lang="en-IL" smtClean="0"/>
-              <a:t>29</a:t>
-            </a:fld>
-            <a:endParaRPr lang="en-IL"/>
-          </a:p>
-        </p:txBody>
-      </p:sp>
-    </p:spTree>
-    <p:extLst>
-      <p:ext uri="{BB962C8B-B14F-4D97-AF65-F5344CB8AC3E}">
-        <p14:creationId xmlns:p14="http://schemas.microsoft.com/office/powerpoint/2010/main" val="30149730"/>
       </p:ext>
     </p:extLst>
   </p:cSld>
@@ -22193,12 +24673,42 @@
           <a:chExt cx="0" cy="0"/>
         </a:xfrm>
       </p:grpSpPr>
-      <p:sp>
-        <p:nvSpPr>
-          <p:cNvPr id="3" name="TextBox 2">
+      <p:pic>
+        <p:nvPicPr>
+          <p:cNvPr id="3" name="Picture 2">
             <a:extLst>
               <a:ext uri="{FF2B5EF4-FFF2-40B4-BE49-F238E27FC236}">
-                <a16:creationId xmlns:a16="http://schemas.microsoft.com/office/drawing/2014/main" id="{FDB65FD9-E549-44FA-BA0B-72B538F7F0FC}"/>
+                <a16:creationId xmlns:a16="http://schemas.microsoft.com/office/drawing/2014/main" id="{F48D2B61-457F-41F1-A181-FC0E849CBAF3}"/>
+              </a:ext>
+            </a:extLst>
+          </p:cNvPr>
+          <p:cNvPicPr>
+            <a:picLocks noChangeAspect="1"/>
+          </p:cNvPicPr>
+          <p:nvPr/>
+        </p:nvPicPr>
+        <p:blipFill>
+          <a:blip r:embed="rId3"/>
+          <a:stretch>
+            <a:fillRect/>
+          </a:stretch>
+        </p:blipFill>
+        <p:spPr>
+          <a:xfrm>
+            <a:off x="2814826" y="2372498"/>
+            <a:ext cx="6562345" cy="2410373"/>
+          </a:xfrm>
+          <a:prstGeom prst="rect">
+            <a:avLst/>
+          </a:prstGeom>
+        </p:spPr>
+      </p:pic>
+      <p:sp>
+        <p:nvSpPr>
+          <p:cNvPr id="4" name="TextBox 3">
+            <a:extLst>
+              <a:ext uri="{FF2B5EF4-FFF2-40B4-BE49-F238E27FC236}">
+                <a16:creationId xmlns:a16="http://schemas.microsoft.com/office/drawing/2014/main" id="{E2344A50-6236-4EEE-9966-E49EFC663AE2}"/>
               </a:ext>
             </a:extLst>
           </p:cNvPr>
@@ -22224,78 +24734,22 @@
             <a:pPr algn="ctr"/>
             <a:r>
               <a:rPr lang="en-US" sz="2800" dirty="0"/>
-              <a:t>Instruction assignment</a:t>
+              <a:t>Python’s </a:t>
+            </a:r>
+            <a:r>
+              <a:rPr lang="en-US" sz="2800" dirty="0" err="1"/>
+              <a:t>ctypes</a:t>
             </a:r>
             <a:endParaRPr lang="en-US" dirty="0"/>
           </a:p>
         </p:txBody>
       </p:sp>
-      <p:pic>
-        <p:nvPicPr>
-          <p:cNvPr id="4" name="Picture 3">
+      <p:sp>
+        <p:nvSpPr>
+          <p:cNvPr id="6" name="Slide Number Placeholder 5">
             <a:extLst>
               <a:ext uri="{FF2B5EF4-FFF2-40B4-BE49-F238E27FC236}">
-                <a16:creationId xmlns:a16="http://schemas.microsoft.com/office/drawing/2014/main" id="{2B364358-4247-4668-8F2D-9AF6A9BEA76A}"/>
-              </a:ext>
-            </a:extLst>
-          </p:cNvPr>
-          <p:cNvPicPr>
-            <a:picLocks noChangeAspect="1"/>
-          </p:cNvPicPr>
-          <p:nvPr/>
-        </p:nvPicPr>
-        <p:blipFill>
-          <a:blip r:embed="rId3"/>
-          <a:stretch>
-            <a:fillRect/>
-          </a:stretch>
-        </p:blipFill>
-        <p:spPr>
-          <a:xfrm>
-            <a:off x="4288416" y="1853943"/>
-            <a:ext cx="3615161" cy="1714542"/>
-          </a:xfrm>
-          <a:prstGeom prst="rect">
-            <a:avLst/>
-          </a:prstGeom>
-        </p:spPr>
-      </p:pic>
-      <p:pic>
-        <p:nvPicPr>
-          <p:cNvPr id="5" name="Picture 4">
-            <a:extLst>
-              <a:ext uri="{FF2B5EF4-FFF2-40B4-BE49-F238E27FC236}">
-                <a16:creationId xmlns:a16="http://schemas.microsoft.com/office/drawing/2014/main" id="{FFC05640-42A9-44FA-92D5-F8DD7DF7776B}"/>
-              </a:ext>
-            </a:extLst>
-          </p:cNvPr>
-          <p:cNvPicPr>
-            <a:picLocks noChangeAspect="1"/>
-          </p:cNvPicPr>
-          <p:nvPr/>
-        </p:nvPicPr>
-        <p:blipFill>
-          <a:blip r:embed="rId4"/>
-          <a:stretch>
-            <a:fillRect/>
-          </a:stretch>
-        </p:blipFill>
-        <p:spPr>
-          <a:xfrm>
-            <a:off x="2568503" y="4749812"/>
-            <a:ext cx="7054993" cy="787459"/>
-          </a:xfrm>
-          <a:prstGeom prst="rect">
-            <a:avLst/>
-          </a:prstGeom>
-        </p:spPr>
-      </p:pic>
-      <p:sp>
-        <p:nvSpPr>
-          <p:cNvPr id="7" name="Slide Number Placeholder 6">
-            <a:extLst>
-              <a:ext uri="{FF2B5EF4-FFF2-40B4-BE49-F238E27FC236}">
-                <a16:creationId xmlns:a16="http://schemas.microsoft.com/office/drawing/2014/main" id="{C580D386-60DD-4D78-8F1F-CB02677F3CE0}"/>
+                <a16:creationId xmlns:a16="http://schemas.microsoft.com/office/drawing/2014/main" id="{3F396C73-FCDC-4B83-A056-B88F5A65EE16}"/>
               </a:ext>
             </a:extLst>
           </p:cNvPr>
@@ -22320,14 +24774,14 @@
               <a:rPr lang="en-IL" smtClean="0"/>
               <a:t>30</a:t>
             </a:fld>
-            <a:endParaRPr lang="en-IL" dirty="0"/>
+            <a:endParaRPr lang="en-IL"/>
           </a:p>
         </p:txBody>
       </p:sp>
     </p:spTree>
     <p:extLst>
       <p:ext uri="{BB962C8B-B14F-4D97-AF65-F5344CB8AC3E}">
-        <p14:creationId xmlns:p14="http://schemas.microsoft.com/office/powerpoint/2010/main" val="4220235386"/>
+        <p14:creationId xmlns:p14="http://schemas.microsoft.com/office/powerpoint/2010/main" val="1892299969"/>
       </p:ext>
     </p:extLst>
   </p:cSld>
@@ -22354,6 +24808,327 @@
           <a:chExt cx="0" cy="0"/>
         </a:xfrm>
       </p:grpSpPr>
+      <p:pic>
+        <p:nvPicPr>
+          <p:cNvPr id="3" name="Picture 2">
+            <a:extLst>
+              <a:ext uri="{FF2B5EF4-FFF2-40B4-BE49-F238E27FC236}">
+                <a16:creationId xmlns:a16="http://schemas.microsoft.com/office/drawing/2014/main" id="{F6DB9B7E-C6EF-466E-9F2F-9821EA5ECBEE}"/>
+              </a:ext>
+            </a:extLst>
+          </p:cNvPr>
+          <p:cNvPicPr>
+            <a:picLocks noChangeAspect="1"/>
+          </p:cNvPicPr>
+          <p:nvPr/>
+        </p:nvPicPr>
+        <p:blipFill rotWithShape="1">
+          <a:blip r:embed="rId3"/>
+          <a:srcRect b="48531"/>
+          <a:stretch/>
+        </p:blipFill>
+        <p:spPr>
+          <a:xfrm>
+            <a:off x="7044625" y="2114351"/>
+            <a:ext cx="3131949" cy="3403821"/>
+          </a:xfrm>
+          <a:prstGeom prst="rect">
+            <a:avLst/>
+          </a:prstGeom>
+        </p:spPr>
+      </p:pic>
+      <p:sp>
+        <p:nvSpPr>
+          <p:cNvPr id="4" name="TextBox 3">
+            <a:extLst>
+              <a:ext uri="{FF2B5EF4-FFF2-40B4-BE49-F238E27FC236}">
+                <a16:creationId xmlns:a16="http://schemas.microsoft.com/office/drawing/2014/main" id="{7D1CEF0F-E068-4EA4-9970-44C4DF06902C}"/>
+              </a:ext>
+            </a:extLst>
+          </p:cNvPr>
+          <p:cNvSpPr txBox="1"/>
+          <p:nvPr/>
+        </p:nvSpPr>
+        <p:spPr>
+          <a:xfrm>
+            <a:off x="4061459" y="596028"/>
+            <a:ext cx="4069080" cy="523220"/>
+          </a:xfrm>
+          <a:prstGeom prst="rect">
+            <a:avLst/>
+          </a:prstGeom>
+          <a:noFill/>
+        </p:spPr>
+        <p:txBody>
+          <a:bodyPr wrap="square" rtlCol="0">
+            <a:spAutoFit/>
+          </a:bodyPr>
+          <a:lstStyle/>
+          <a:p>
+            <a:pPr algn="ctr"/>
+            <a:r>
+              <a:rPr lang="en-US" sz="2800" dirty="0"/>
+              <a:t>Dictionaries</a:t>
+            </a:r>
+            <a:endParaRPr lang="en-US" dirty="0"/>
+          </a:p>
+        </p:txBody>
+      </p:sp>
+      <p:pic>
+        <p:nvPicPr>
+          <p:cNvPr id="5" name="Picture 4">
+            <a:extLst>
+              <a:ext uri="{FF2B5EF4-FFF2-40B4-BE49-F238E27FC236}">
+                <a16:creationId xmlns:a16="http://schemas.microsoft.com/office/drawing/2014/main" id="{5693A012-FBB2-4D52-86A3-D1E58918AB21}"/>
+              </a:ext>
+            </a:extLst>
+          </p:cNvPr>
+          <p:cNvPicPr>
+            <a:picLocks noChangeAspect="1"/>
+          </p:cNvPicPr>
+          <p:nvPr/>
+        </p:nvPicPr>
+        <p:blipFill>
+          <a:blip r:embed="rId4"/>
+          <a:stretch>
+            <a:fillRect/>
+          </a:stretch>
+        </p:blipFill>
+        <p:spPr>
+          <a:xfrm>
+            <a:off x="1842953" y="3059357"/>
+            <a:ext cx="3304423" cy="1296830"/>
+          </a:xfrm>
+          <a:prstGeom prst="rect">
+            <a:avLst/>
+          </a:prstGeom>
+        </p:spPr>
+      </p:pic>
+      <p:sp>
+        <p:nvSpPr>
+          <p:cNvPr id="7" name="Slide Number Placeholder 6">
+            <a:extLst>
+              <a:ext uri="{FF2B5EF4-FFF2-40B4-BE49-F238E27FC236}">
+                <a16:creationId xmlns:a16="http://schemas.microsoft.com/office/drawing/2014/main" id="{547BD752-2B88-4378-9812-400D5324AA1C}"/>
+              </a:ext>
+            </a:extLst>
+          </p:cNvPr>
+          <p:cNvSpPr>
+            <a:spLocks noGrp="1"/>
+          </p:cNvSpPr>
+          <p:nvPr>
+            <p:ph type="sldNum" sz="quarter" idx="12"/>
+          </p:nvPr>
+        </p:nvSpPr>
+        <p:spPr>
+          <a:xfrm>
+            <a:off x="9448800" y="6492875"/>
+            <a:ext cx="2743200" cy="365125"/>
+          </a:xfrm>
+        </p:spPr>
+        <p:txBody>
+          <a:bodyPr/>
+          <a:lstStyle/>
+          <a:p>
+            <a:fld id="{FA14CE62-B6AF-475A-BB26-7E2CBB4B5225}" type="slidenum">
+              <a:rPr lang="en-IL" smtClean="0"/>
+              <a:t>31</a:t>
+            </a:fld>
+            <a:endParaRPr lang="en-IL"/>
+          </a:p>
+        </p:txBody>
+      </p:sp>
+    </p:spTree>
+    <p:extLst>
+      <p:ext uri="{BB962C8B-B14F-4D97-AF65-F5344CB8AC3E}">
+        <p14:creationId xmlns:p14="http://schemas.microsoft.com/office/powerpoint/2010/main" val="30149730"/>
+      </p:ext>
+    </p:extLst>
+  </p:cSld>
+  <p:clrMapOvr>
+    <a:masterClrMapping/>
+  </p:clrMapOvr>
+</p:sld>
+</file>
+
+<file path=ppt/slides/slide32.xml><?xml version="1.0" encoding="utf-8"?>
+<p:sld xmlns:a="http://schemas.openxmlformats.org/drawingml/2006/main" xmlns:r="http://schemas.openxmlformats.org/officeDocument/2006/relationships" xmlns:p="http://schemas.openxmlformats.org/presentationml/2006/main">
+  <p:cSld>
+    <p:spTree>
+      <p:nvGrpSpPr>
+        <p:cNvPr id="1" name=""/>
+        <p:cNvGrpSpPr/>
+        <p:nvPr/>
+      </p:nvGrpSpPr>
+      <p:grpSpPr>
+        <a:xfrm>
+          <a:off x="0" y="0"/>
+          <a:ext cx="0" cy="0"/>
+          <a:chOff x="0" y="0"/>
+          <a:chExt cx="0" cy="0"/>
+        </a:xfrm>
+      </p:grpSpPr>
+      <p:sp>
+        <p:nvSpPr>
+          <p:cNvPr id="3" name="TextBox 2">
+            <a:extLst>
+              <a:ext uri="{FF2B5EF4-FFF2-40B4-BE49-F238E27FC236}">
+                <a16:creationId xmlns:a16="http://schemas.microsoft.com/office/drawing/2014/main" id="{FDB65FD9-E549-44FA-BA0B-72B538F7F0FC}"/>
+              </a:ext>
+            </a:extLst>
+          </p:cNvPr>
+          <p:cNvSpPr txBox="1"/>
+          <p:nvPr/>
+        </p:nvSpPr>
+        <p:spPr>
+          <a:xfrm>
+            <a:off x="4061459" y="596028"/>
+            <a:ext cx="4069080" cy="523220"/>
+          </a:xfrm>
+          <a:prstGeom prst="rect">
+            <a:avLst/>
+          </a:prstGeom>
+          <a:noFill/>
+        </p:spPr>
+        <p:txBody>
+          <a:bodyPr wrap="square" rtlCol="0">
+            <a:spAutoFit/>
+          </a:bodyPr>
+          <a:lstStyle/>
+          <a:p>
+            <a:pPr algn="ctr"/>
+            <a:r>
+              <a:rPr lang="en-US" sz="2800" dirty="0"/>
+              <a:t>Instruction assignment</a:t>
+            </a:r>
+            <a:endParaRPr lang="en-US" dirty="0"/>
+          </a:p>
+        </p:txBody>
+      </p:sp>
+      <p:pic>
+        <p:nvPicPr>
+          <p:cNvPr id="4" name="Picture 3">
+            <a:extLst>
+              <a:ext uri="{FF2B5EF4-FFF2-40B4-BE49-F238E27FC236}">
+                <a16:creationId xmlns:a16="http://schemas.microsoft.com/office/drawing/2014/main" id="{2B364358-4247-4668-8F2D-9AF6A9BEA76A}"/>
+              </a:ext>
+            </a:extLst>
+          </p:cNvPr>
+          <p:cNvPicPr>
+            <a:picLocks noChangeAspect="1"/>
+          </p:cNvPicPr>
+          <p:nvPr/>
+        </p:nvPicPr>
+        <p:blipFill>
+          <a:blip r:embed="rId3"/>
+          <a:stretch>
+            <a:fillRect/>
+          </a:stretch>
+        </p:blipFill>
+        <p:spPr>
+          <a:xfrm>
+            <a:off x="4288416" y="1853943"/>
+            <a:ext cx="3615161" cy="1714542"/>
+          </a:xfrm>
+          <a:prstGeom prst="rect">
+            <a:avLst/>
+          </a:prstGeom>
+        </p:spPr>
+      </p:pic>
+      <p:pic>
+        <p:nvPicPr>
+          <p:cNvPr id="5" name="Picture 4">
+            <a:extLst>
+              <a:ext uri="{FF2B5EF4-FFF2-40B4-BE49-F238E27FC236}">
+                <a16:creationId xmlns:a16="http://schemas.microsoft.com/office/drawing/2014/main" id="{FFC05640-42A9-44FA-92D5-F8DD7DF7776B}"/>
+              </a:ext>
+            </a:extLst>
+          </p:cNvPr>
+          <p:cNvPicPr>
+            <a:picLocks noChangeAspect="1"/>
+          </p:cNvPicPr>
+          <p:nvPr/>
+        </p:nvPicPr>
+        <p:blipFill>
+          <a:blip r:embed="rId4"/>
+          <a:stretch>
+            <a:fillRect/>
+          </a:stretch>
+        </p:blipFill>
+        <p:spPr>
+          <a:xfrm>
+            <a:off x="2568503" y="4749812"/>
+            <a:ext cx="7054993" cy="787459"/>
+          </a:xfrm>
+          <a:prstGeom prst="rect">
+            <a:avLst/>
+          </a:prstGeom>
+        </p:spPr>
+      </p:pic>
+      <p:sp>
+        <p:nvSpPr>
+          <p:cNvPr id="7" name="Slide Number Placeholder 6">
+            <a:extLst>
+              <a:ext uri="{FF2B5EF4-FFF2-40B4-BE49-F238E27FC236}">
+                <a16:creationId xmlns:a16="http://schemas.microsoft.com/office/drawing/2014/main" id="{C580D386-60DD-4D78-8F1F-CB02677F3CE0}"/>
+              </a:ext>
+            </a:extLst>
+          </p:cNvPr>
+          <p:cNvSpPr>
+            <a:spLocks noGrp="1"/>
+          </p:cNvSpPr>
+          <p:nvPr>
+            <p:ph type="sldNum" sz="quarter" idx="12"/>
+          </p:nvPr>
+        </p:nvSpPr>
+        <p:spPr>
+          <a:xfrm>
+            <a:off x="9448800" y="6492875"/>
+            <a:ext cx="2743200" cy="365125"/>
+          </a:xfrm>
+        </p:spPr>
+        <p:txBody>
+          <a:bodyPr/>
+          <a:lstStyle/>
+          <a:p>
+            <a:fld id="{FA14CE62-B6AF-475A-BB26-7E2CBB4B5225}" type="slidenum">
+              <a:rPr lang="en-IL" smtClean="0"/>
+              <a:t>32</a:t>
+            </a:fld>
+            <a:endParaRPr lang="en-IL" dirty="0"/>
+          </a:p>
+        </p:txBody>
+      </p:sp>
+    </p:spTree>
+    <p:extLst>
+      <p:ext uri="{BB962C8B-B14F-4D97-AF65-F5344CB8AC3E}">
+        <p14:creationId xmlns:p14="http://schemas.microsoft.com/office/powerpoint/2010/main" val="4220235386"/>
+      </p:ext>
+    </p:extLst>
+  </p:cSld>
+  <p:clrMapOvr>
+    <a:masterClrMapping/>
+  </p:clrMapOvr>
+</p:sld>
+</file>
+
+<file path=ppt/slides/slide33.xml><?xml version="1.0" encoding="utf-8"?>
+<p:sld xmlns:a="http://schemas.openxmlformats.org/drawingml/2006/main" xmlns:r="http://schemas.openxmlformats.org/officeDocument/2006/relationships" xmlns:p="http://schemas.openxmlformats.org/presentationml/2006/main">
+  <p:cSld>
+    <p:spTree>
+      <p:nvGrpSpPr>
+        <p:cNvPr id="1" name=""/>
+        <p:cNvGrpSpPr/>
+        <p:nvPr/>
+      </p:nvGrpSpPr>
+      <p:grpSpPr>
+        <a:xfrm>
+          <a:off x="0" y="0"/>
+          <a:ext cx="0" cy="0"/>
+          <a:chOff x="0" y="0"/>
+          <a:chExt cx="0" cy="0"/>
+        </a:xfrm>
+      </p:grpSpPr>
       <p:sp>
         <p:nvSpPr>
           <p:cNvPr id="2" name="TextBox 1">
@@ -22449,7 +25224,7 @@
           <a:p>
             <a:fld id="{FA14CE62-B6AF-475A-BB26-7E2CBB4B5225}" type="slidenum">
               <a:rPr lang="en-IL" smtClean="0"/>
-              <a:t>31</a:t>
+              <a:t>33</a:t>
             </a:fld>
             <a:endParaRPr lang="en-IL" dirty="0"/>
           </a:p>
@@ -22468,7 +25243,7 @@
 </p:sld>
 </file>
 
-<file path=ppt/slides/slide32.xml><?xml version="1.0" encoding="utf-8"?>
+<file path=ppt/slides/slide34.xml><?xml version="1.0" encoding="utf-8"?>
 <p:sld xmlns:a="http://schemas.openxmlformats.org/drawingml/2006/main" xmlns:r="http://schemas.openxmlformats.org/officeDocument/2006/relationships" xmlns:p="http://schemas.openxmlformats.org/presentationml/2006/main">
   <p:cSld>
     <p:spTree>
@@ -22796,7 +25571,7 @@
           <a:p>
             <a:fld id="{FA14CE62-B6AF-475A-BB26-7E2CBB4B5225}" type="slidenum">
               <a:rPr lang="en-IL" smtClean="0"/>
-              <a:t>32</a:t>
+              <a:t>34</a:t>
             </a:fld>
             <a:endParaRPr lang="en-IL" dirty="0"/>
           </a:p>
@@ -22815,7 +25590,7 @@
 </p:sld>
 </file>
 
-<file path=ppt/slides/slide33.xml><?xml version="1.0" encoding="utf-8"?>
+<file path=ppt/slides/slide35.xml><?xml version="1.0" encoding="utf-8"?>
 <p:sld xmlns:a="http://schemas.openxmlformats.org/drawingml/2006/main" xmlns:r="http://schemas.openxmlformats.org/officeDocument/2006/relationships" xmlns:p="http://schemas.openxmlformats.org/presentationml/2006/main">
   <p:cSld>
     <p:spTree>
@@ -23879,7 +26654,7 @@
           <a:p>
             <a:fld id="{FA14CE62-B6AF-475A-BB26-7E2CBB4B5225}" type="slidenum">
               <a:rPr lang="en-IL" smtClean="0"/>
-              <a:t>33</a:t>
+              <a:t>35</a:t>
             </a:fld>
             <a:endParaRPr lang="en-IL" dirty="0"/>
           </a:p>
@@ -23898,7 +26673,7 @@
 </p:sld>
 </file>
 
-<file path=ppt/slides/slide34.xml><?xml version="1.0" encoding="utf-8"?>
+<file path=ppt/slides/slide36.xml><?xml version="1.0" encoding="utf-8"?>
 <p:sld xmlns:a="http://schemas.openxmlformats.org/drawingml/2006/main" xmlns:r="http://schemas.openxmlformats.org/officeDocument/2006/relationships" xmlns:p="http://schemas.openxmlformats.org/presentationml/2006/main">
   <p:cSld>
     <p:bg>
@@ -23994,7 +26769,7 @@
           <a:p>
             <a:fld id="{FA14CE62-B6AF-475A-BB26-7E2CBB4B5225}" type="slidenum">
               <a:rPr lang="en-IL" smtClean="0"/>
-              <a:t>34</a:t>
+              <a:t>36</a:t>
             </a:fld>
             <a:endParaRPr lang="en-IL"/>
           </a:p>
@@ -24013,7 +26788,7 @@
 </p:sld>
 </file>
 
-<file path=ppt/slides/slide35.xml><?xml version="1.0" encoding="utf-8"?>
+<file path=ppt/slides/slide37.xml><?xml version="1.0" encoding="utf-8"?>
 <p:sld xmlns:a="http://schemas.openxmlformats.org/drawingml/2006/main" xmlns:r="http://schemas.openxmlformats.org/officeDocument/2006/relationships" xmlns:p="http://schemas.openxmlformats.org/presentationml/2006/main">
   <p:cSld>
     <p:bg>
@@ -24109,7 +26884,7 @@
           <a:p>
             <a:fld id="{FA14CE62-B6AF-475A-BB26-7E2CBB4B5225}" type="slidenum">
               <a:rPr lang="en-IL" smtClean="0"/>
-              <a:t>35</a:t>
+              <a:t>37</a:t>
             </a:fld>
             <a:endParaRPr lang="en-IL" dirty="0"/>
           </a:p>

--- a/David and Dolev - Final Presentation5.pptx
+++ b/David and Dolev - Final Presentation5.pptx
@@ -5,10 +5,10 @@
     <p:sldMasterId id="2147483648" r:id="rId1"/>
   </p:sldMasterIdLst>
   <p:notesMasterIdLst>
-    <p:notesMasterId r:id="rId39"/>
+    <p:notesMasterId r:id="rId38"/>
   </p:notesMasterIdLst>
   <p:handoutMasterIdLst>
-    <p:handoutMasterId r:id="rId40"/>
+    <p:handoutMasterId r:id="rId39"/>
   </p:handoutMasterIdLst>
   <p:sldIdLst>
     <p:sldId id="256" r:id="rId2"/>
@@ -36,18 +36,17 @@
     <p:sldId id="285" r:id="rId24"/>
     <p:sldId id="297" r:id="rId25"/>
     <p:sldId id="282" r:id="rId26"/>
-    <p:sldId id="298" r:id="rId27"/>
-    <p:sldId id="293" r:id="rId28"/>
-    <p:sldId id="294" r:id="rId29"/>
-    <p:sldId id="289" r:id="rId30"/>
-    <p:sldId id="290" r:id="rId31"/>
-    <p:sldId id="291" r:id="rId32"/>
-    <p:sldId id="292" r:id="rId33"/>
-    <p:sldId id="288" r:id="rId34"/>
-    <p:sldId id="276" r:id="rId35"/>
-    <p:sldId id="287" r:id="rId36"/>
-    <p:sldId id="295" r:id="rId37"/>
-    <p:sldId id="296" r:id="rId38"/>
+    <p:sldId id="293" r:id="rId27"/>
+    <p:sldId id="294" r:id="rId28"/>
+    <p:sldId id="289" r:id="rId29"/>
+    <p:sldId id="290" r:id="rId30"/>
+    <p:sldId id="291" r:id="rId31"/>
+    <p:sldId id="292" r:id="rId32"/>
+    <p:sldId id="288" r:id="rId33"/>
+    <p:sldId id="276" r:id="rId34"/>
+    <p:sldId id="287" r:id="rId35"/>
+    <p:sldId id="295" r:id="rId36"/>
+    <p:sldId id="296" r:id="rId37"/>
   </p:sldIdLst>
   <p:sldSz cx="12192000" cy="6858000"/>
   <p:notesSz cx="6858000" cy="9144000"/>
@@ -180,7 +179,6 @@
             <p14:sldId id="285"/>
             <p14:sldId id="297"/>
             <p14:sldId id="282"/>
-            <p14:sldId id="298"/>
             <p14:sldId id="293"/>
             <p14:sldId id="294"/>
             <p14:sldId id="289"/>
@@ -1321,7 +1319,7 @@
             </a:r>
             <a:r>
               <a:rPr lang="he-IL" dirty="0"/>
-              <a:t>, והרצנו סימולציות מלאות, והשוואנו את התוצאות למימוש ב- </a:t>
+              <a:t>, הרצנו סימולציות מלאות, והשוונו את התוצאות למימוש ב- </a:t>
             </a:r>
             <a:r>
               <a:rPr lang="en-US" dirty="0"/>
@@ -1452,7 +1450,7 @@
             </a:r>
             <a:r>
               <a:rPr lang="he-IL" dirty="0"/>
-              <a:t> את המפתח, את המידע שרוצים להצפין  ואת הכתובת אליה יכתב המידע המוצפן, ושומרת אותו </a:t>
+              <a:t> את המפתח, את המידע שרוצים להצפין  ואת הכתובת אליה יכתב המידע המוצפן, ושומרת אותו ב </a:t>
             </a:r>
             <a:r>
               <a:rPr lang="en-US" dirty="0"/>
@@ -1460,7 +1458,7 @@
             </a:r>
             <a:r>
               <a:rPr lang="he-IL" dirty="0"/>
-              <a:t> יעודי שהוספנו, לאחר שהמשתמש מאחסן את המידע והמפתח הוא מבצע את פקוד ההצפנה, המידע והמפתח עוברים למודול </a:t>
+              <a:t> ייעודי שהוספנו. לאחר שהמשתמש מאחסן את המידע והמפתח הוא מבצע את פקודת ההצפנה, המידע והמפתח עוברים למודול </a:t>
             </a:r>
             <a:r>
               <a:rPr lang="en-US" dirty="0"/>
@@ -1476,15 +1474,23 @@
             </a:r>
             <a:r>
               <a:rPr lang="he-IL" dirty="0"/>
-              <a:t> שם משהים את ה- </a:t>
-            </a:r>
-            <a:r>
-              <a:rPr lang="en-US" dirty="0"/>
+              <a:t> </a:t>
+            </a:r>
+            <a:r>
+              <a:rPr lang="he-IL" strike="sngStrike" dirty="0"/>
+              <a:t>שם משהים את ה- </a:t>
+            </a:r>
+            <a:r>
+              <a:rPr lang="en-US" strike="sngStrike" dirty="0"/>
               <a:t>PIPE</a:t>
             </a:r>
             <a:r>
+              <a:rPr lang="he-IL" strike="sngStrike" dirty="0"/>
+              <a:t> ו</a:t>
+            </a:r>
+            <a:r>
               <a:rPr lang="he-IL" dirty="0"/>
-              <a:t> ומבצעים 4 כתיבות לזיכרון של המידע המוצפן בכתובת הרצויה.</a:t>
+              <a:t>מבצעים 4 כתיבות לזיכרון של המידע המוצפן בכתובת הרצויה.</a:t>
             </a:r>
             <a:endParaRPr lang="en-US" dirty="0"/>
           </a:p>
@@ -1572,102 +1578,134 @@
           <a:p>
             <a:pPr algn="r" rtl="1"/>
             <a:r>
-              <a:rPr lang="he-IL"/>
+              <a:rPr lang="he-IL" dirty="0"/>
               <a:t>השלב הבא היה בחירת </a:t>
             </a:r>
             <a:r>
-              <a:rPr lang="en-US"/>
+              <a:rPr lang="en-US" dirty="0"/>
               <a:t>OPCODE</a:t>
             </a:r>
             <a:r>
-              <a:rPr lang="he-IL"/>
+              <a:rPr lang="he-IL" dirty="0"/>
               <a:t> לפקודות ה-</a:t>
             </a:r>
             <a:r>
-              <a:rPr lang="en-US"/>
+              <a:rPr lang="en-US" dirty="0"/>
               <a:t>AES</a:t>
             </a:r>
             <a:r>
-              <a:rPr lang="he-IL"/>
+              <a:rPr lang="he-IL" dirty="0"/>
               <a:t>, ומבנה פקודת ה-</a:t>
             </a:r>
             <a:r>
-              <a:rPr lang="en-US"/>
+              <a:rPr lang="en-US" dirty="0"/>
               <a:t>AES</a:t>
             </a:r>
             <a:r>
-              <a:rPr lang="he-IL"/>
+              <a:rPr lang="he-IL" dirty="0"/>
               <a:t>.</a:t>
             </a:r>
           </a:p>
           <a:p>
             <a:pPr algn="r" rtl="1"/>
             <a:r>
-              <a:rPr lang="he-IL"/>
-              <a:t>אנו התמשנו ב-32</a:t>
-            </a:r>
-            <a:r>
-              <a:rPr lang="en-US"/>
+              <a:rPr lang="he-IL" dirty="0"/>
+              <a:t>אנו השתמשנו ב-32</a:t>
+            </a:r>
+            <a:r>
+              <a:rPr lang="en-US" dirty="0"/>
               <a:t>OP</a:t>
             </a:r>
             <a:r>
-              <a:rPr lang="he-IL"/>
-              <a:t>  מכיוון שהוא לא בשימוש ב-</a:t>
-            </a:r>
-            <a:r>
-              <a:rPr lang="en-US"/>
+              <a:rPr lang="he-IL" dirty="0"/>
+              <a:t> (באדום) מכיוון שהוא לא בשימוש ב-</a:t>
+            </a:r>
+            <a:r>
+              <a:rPr lang="en-US" dirty="0"/>
               <a:t>PULPENIX</a:t>
             </a:r>
             <a:r>
-              <a:rPr lang="he-IL"/>
+              <a:rPr lang="he-IL" dirty="0"/>
               <a:t>, </a:t>
             </a:r>
           </a:p>
           <a:p>
             <a:pPr algn="r" rtl="1"/>
             <a:r>
-              <a:rPr lang="he-IL"/>
+              <a:rPr lang="he-IL" dirty="0"/>
               <a:t>מבנה הפקודה שלנו דומה לשל </a:t>
             </a:r>
             <a:r>
-              <a:rPr lang="en-US"/>
+              <a:rPr lang="en-US" dirty="0"/>
               <a:t>R TYPE</a:t>
             </a:r>
             <a:r>
-              <a:rPr lang="he-IL"/>
-              <a:t>, רגיסטר מטרה (</a:t>
-            </a:r>
-            <a:r>
-              <a:rPr lang="en-US"/>
+              <a:rPr lang="he-IL" dirty="0"/>
+              <a:t>:</a:t>
+            </a:r>
+          </a:p>
+          <a:p>
+            <a:pPr algn="r" rtl="1"/>
+            <a:r>
+              <a:rPr lang="he-IL" dirty="0"/>
+              <a:t>רגיסטר יעד (</a:t>
+            </a:r>
+            <a:r>
+              <a:rPr lang="en-US" dirty="0"/>
               <a:t>AES</a:t>
             </a:r>
             <a:r>
-              <a:rPr lang="he-IL"/>
-              <a:t>), רגיסטר יעד (</a:t>
-            </a:r>
-            <a:r>
-              <a:rPr lang="en-US"/>
+              <a:rPr lang="he-IL" dirty="0"/>
+              <a:t>) בתכלת</a:t>
+            </a:r>
+          </a:p>
+          <a:p>
+            <a:pPr algn="r" rtl="1"/>
+            <a:r>
+              <a:rPr lang="he-IL" dirty="0"/>
+              <a:t>רגיסטר מקור (</a:t>
+            </a:r>
+            <a:r>
+              <a:rPr lang="en-US" dirty="0"/>
               <a:t>RISCV</a:t>
             </a:r>
             <a:r>
-              <a:rPr lang="he-IL"/>
-              <a:t>) ,ופונקצית </a:t>
-            </a:r>
-            <a:r>
-              <a:rPr lang="en-US"/>
+              <a:rPr lang="he-IL" dirty="0"/>
+              <a:t>) בירוק</a:t>
+            </a:r>
+          </a:p>
+          <a:p>
+            <a:pPr algn="r" rtl="1"/>
+            <a:r>
+              <a:rPr lang="he-IL" dirty="0" err="1"/>
+              <a:t>פונקצית</a:t>
+            </a:r>
+            <a:r>
+              <a:rPr lang="he-IL" dirty="0"/>
+              <a:t> </a:t>
+            </a:r>
+            <a:r>
+              <a:rPr lang="en-US" dirty="0"/>
               <a:t>AES</a:t>
             </a:r>
             <a:r>
-              <a:rPr lang="he-IL"/>
+              <a:rPr lang="he-IL" dirty="0"/>
               <a:t> (</a:t>
             </a:r>
             <a:r>
-              <a:rPr lang="en-US"/>
+              <a:rPr lang="en-US" dirty="0"/>
               <a:t>FUNCT</a:t>
             </a:r>
             <a:r>
-              <a:rPr lang="he-IL"/>
-              <a:t>3), שאר הביטים לא בשימוש.</a:t>
+              <a:rPr lang="he-IL" dirty="0"/>
+              <a:t>3) בכתום</a:t>
+            </a:r>
+          </a:p>
+          <a:p>
+            <a:pPr algn="r" rtl="1"/>
+            <a:r>
+              <a:rPr lang="he-IL" dirty="0"/>
+              <a:t>שאר הביטים לא בשימוש  - בכחול כהה</a:t>
             </a:r>
             <a:endParaRPr lang="en-US" dirty="0"/>
           </a:p>
@@ -1756,7 +1794,7 @@
             <a:pPr algn="r" rtl="1"/>
             <a:r>
               <a:rPr lang="he-IL" dirty="0"/>
-              <a:t>אנחנו השתמשנו מימוש </a:t>
+              <a:t>בשלב הראשון השתמשנו במימוש </a:t>
             </a:r>
             <a:r>
               <a:rPr lang="he-IL" dirty="0" err="1"/>
@@ -1792,6 +1830,20 @@
             <a:r>
               <a:rPr lang="he-IL" dirty="0"/>
               <a:t>וסבב אחרון ללא ערבול עמודות</a:t>
+            </a:r>
+          </a:p>
+          <a:p>
+            <a:pPr algn="r" rtl="1"/>
+            <a:r>
+              <a:rPr lang="he-IL" dirty="0"/>
+              <a:t>יתרון משמעותי של מימוש זה הוא שההצפנה לוקחת מספר מחזורי שעון נמוך.</a:t>
+            </a:r>
+          </a:p>
+          <a:p>
+            <a:pPr algn="r" rtl="1"/>
+            <a:r>
+              <a:rPr lang="he-IL" dirty="0"/>
+              <a:t>חיסרון משמעותי של מימוש זה הוא בשטח אותו הוא תופס, מכיוון שכל סבב תופס שטח משלו.</a:t>
             </a:r>
             <a:endParaRPr lang="en-US" dirty="0"/>
           </a:p>
@@ -1879,99 +1931,61 @@
           <a:p>
             <a:pPr algn="r" rtl="1"/>
             <a:r>
-              <a:rPr lang="he-IL"/>
-              <a:t>מבנה הרגיסטר פייל שבנינו עבור ה-</a:t>
-            </a:r>
-            <a:r>
-              <a:rPr lang="en-US"/>
+              <a:rPr lang="he-IL" dirty="0"/>
+              <a:t>בשלב השני השתמשנו במימוש סינכרוני של </a:t>
+            </a:r>
+            <a:r>
+              <a:rPr lang="en-US" dirty="0"/>
               <a:t>AES</a:t>
             </a:r>
             <a:r>
-              <a:rPr lang="he-IL"/>
-              <a:t> הינו בעל 4 רגיסטרי </a:t>
-            </a:r>
-            <a:r>
-              <a:rPr lang="en-US"/>
-              <a:t>KEY</a:t>
-            </a:r>
-            <a:r>
-              <a:rPr lang="he-IL"/>
-              <a:t>, 4 רגיסטרי </a:t>
-            </a:r>
-            <a:r>
-              <a:rPr lang="en-US"/>
-              <a:t>DATA</a:t>
-            </a:r>
-            <a:r>
-              <a:rPr lang="he-IL"/>
-              <a:t>, ורגיסטר </a:t>
-            </a:r>
-            <a:r>
-              <a:rPr lang="en-US"/>
-              <a:t>WB</a:t>
-            </a:r>
-            <a:endParaRPr lang="he-IL"/>
+              <a:rPr lang="he-IL" dirty="0"/>
+              <a:t> ב-</a:t>
+            </a:r>
+            <a:r>
+              <a:rPr lang="en-US" dirty="0"/>
+              <a:t>SV</a:t>
+            </a:r>
+            <a:endParaRPr lang="he-IL" dirty="0"/>
           </a:p>
           <a:p>
             <a:pPr algn="r" rtl="1"/>
             <a:r>
-              <a:rPr lang="he-IL"/>
-              <a:t>בנוסף נכנסים לרגיסטר פייל</a:t>
-            </a:r>
-            <a:r>
-              <a:rPr lang="en-US"/>
-              <a:t> </a:t>
-            </a:r>
-            <a:r>
-              <a:rPr lang="he-IL"/>
-              <a:t> ומספר אותות נוספים הנחוצים לנו</a:t>
+              <a:rPr lang="he-IL" dirty="0"/>
+              <a:t>כולל 9 סבבים מלאים</a:t>
             </a:r>
           </a:p>
           <a:p>
             <a:pPr algn="r" rtl="1"/>
             <a:r>
-              <a:rPr lang="he-IL" strike="sngStrike"/>
-              <a:t>אותות כתיבה, כתובת לכתיבה, מידע לכתיבה, פונקציית ה-</a:t>
-            </a:r>
-            <a:r>
-              <a:rPr lang="en-US" strike="sngStrike"/>
-              <a:t>AES</a:t>
-            </a:r>
-            <a:r>
-              <a:rPr lang="he-IL" strike="sngStrike"/>
-              <a:t>, אות התחלת הצפנה,</a:t>
+              <a:rPr lang="he-IL" dirty="0"/>
+              <a:t>וסבב אחרון ללא ערבול עמודות</a:t>
             </a:r>
           </a:p>
           <a:p>
             <a:pPr algn="r" rtl="1"/>
             <a:r>
-              <a:rPr lang="he-IL"/>
-              <a:t>היציאות מהרגיסטר הן 4 רגיסטרי </a:t>
-            </a:r>
-            <a:r>
-              <a:rPr lang="en-US"/>
-              <a:t>KEY</a:t>
-            </a:r>
-            <a:r>
-              <a:rPr lang="he-IL"/>
-              <a:t>, 4 רגיסטרי </a:t>
-            </a:r>
-            <a:r>
-              <a:rPr lang="en-US"/>
-              <a:t>DATA</a:t>
-            </a:r>
-            <a:r>
-              <a:rPr lang="he-IL"/>
-              <a:t>, רגיסטר </a:t>
-            </a:r>
-            <a:r>
-              <a:rPr lang="en-US"/>
-              <a:t>WB</a:t>
-            </a:r>
-            <a:r>
-              <a:rPr lang="he-IL"/>
-              <a:t> ואות התחלת הצפנה</a:t>
-            </a:r>
+              <a:rPr lang="he-IL" dirty="0"/>
+              <a:t>יתרון משמעותי במימוש זה הוא השטח אותו הוא תופס לעומת המימוש </a:t>
+            </a:r>
+            <a:r>
+              <a:rPr lang="he-IL" dirty="0" err="1"/>
+              <a:t>הקומבינטורי</a:t>
+            </a:r>
+            <a:r>
+              <a:rPr lang="he-IL" dirty="0"/>
+              <a:t>, והזמן של המסלול הקריטי.</a:t>
+            </a:r>
+          </a:p>
+          <a:p>
+            <a:pPr algn="r" rtl="1"/>
+            <a:r>
+              <a:rPr lang="he-IL" dirty="0"/>
+              <a:t>חיסרון משמעותי של מימוש זה הוא שההצפנה לוקחת יותר מחזורי שעון.</a:t>
+            </a:r>
+            <a:endParaRPr lang="en-US" dirty="0"/>
+          </a:p>
+          <a:p>
             <a:endParaRPr lang="en-US" dirty="0"/>
           </a:p>
         </p:txBody>
@@ -1993,7 +2007,7 @@
           <a:p>
             <a:fld id="{FFE9FAFC-D191-4543-8F0A-0BA7C7185E85}" type="slidenum">
               <a:rPr lang="en-IL" smtClean="0"/>
-              <a:t>18</a:t>
+              <a:t>17</a:t>
             </a:fld>
             <a:endParaRPr lang="en-IL"/>
           </a:p>
@@ -2002,7 +2016,7 @@
     </p:spTree>
     <p:extLst>
       <p:ext uri="{BB962C8B-B14F-4D97-AF65-F5344CB8AC3E}">
-        <p14:creationId xmlns:p14="http://schemas.microsoft.com/office/powerpoint/2010/main" val="3668527701"/>
+        <p14:creationId xmlns:p14="http://schemas.microsoft.com/office/powerpoint/2010/main" val="3435589732"/>
       </p:ext>
     </p:extLst>
   </p:cSld>
@@ -2059,62 +2073,141 @@
             <a:pPr algn="r" rtl="1"/>
             <a:r>
               <a:rPr lang="he-IL" dirty="0"/>
-              <a:t>ארכיטקטורת </a:t>
+              <a:t>מבנה הרגיסטר </a:t>
+            </a:r>
+            <a:r>
+              <a:rPr lang="he-IL" dirty="0" err="1"/>
+              <a:t>פייל</a:t>
+            </a:r>
+            <a:r>
+              <a:rPr lang="he-IL" dirty="0"/>
+              <a:t> שבנינו עבור ה-</a:t>
             </a:r>
             <a:r>
               <a:rPr lang="en-US" dirty="0"/>
-              <a:t>AES WB</a:t>
+              <a:t>AES</a:t>
             </a:r>
             <a:r>
               <a:rPr lang="he-IL" dirty="0"/>
-              <a:t> מודול, מקבלים 128 ביטים של מידע מוצפן, את הכתובת אליה אנו רוצים לכתוב את המידע ואת האות </a:t>
-            </a:r>
-            <a:r>
-              <a:rPr lang="en-US" dirty="0" err="1"/>
-              <a:t>aes_start</a:t>
+              <a:t> הינו בעל 4 </a:t>
+            </a:r>
+            <a:r>
+              <a:rPr lang="he-IL" dirty="0" err="1"/>
+              <a:t>רגיסטרי</a:t>
             </a:r>
             <a:r>
               <a:rPr lang="he-IL" dirty="0"/>
-              <a:t> שעולה כאשר המידע המוצפן מוכן.</a:t>
-            </a:r>
+              <a:t> </a:t>
+            </a:r>
+            <a:r>
+              <a:rPr lang="en-US" dirty="0"/>
+              <a:t>KEY</a:t>
+            </a:r>
+            <a:r>
+              <a:rPr lang="he-IL" dirty="0"/>
+              <a:t>, 4 </a:t>
+            </a:r>
+            <a:r>
+              <a:rPr lang="he-IL" dirty="0" err="1"/>
+              <a:t>רגיסטרי</a:t>
+            </a:r>
+            <a:r>
+              <a:rPr lang="he-IL" dirty="0"/>
+              <a:t> </a:t>
+            </a:r>
+            <a:r>
+              <a:rPr lang="en-US" dirty="0"/>
+              <a:t>DATA</a:t>
+            </a:r>
+            <a:r>
+              <a:rPr lang="he-IL" dirty="0"/>
+              <a:t>, ורגיסטר </a:t>
+            </a:r>
+            <a:r>
+              <a:rPr lang="en-US" dirty="0"/>
+              <a:t>WB</a:t>
+            </a:r>
+            <a:endParaRPr lang="he-IL" dirty="0"/>
           </a:p>
           <a:p>
             <a:pPr algn="r" rtl="1"/>
             <a:r>
               <a:rPr lang="he-IL" dirty="0"/>
-              <a:t>ביציאה אנו מוציאים אות </a:t>
+              <a:t>בנוסף נכנסים לרגיסטר </a:t>
+            </a:r>
+            <a:r>
+              <a:rPr lang="he-IL" dirty="0" err="1"/>
+              <a:t>פייל</a:t>
             </a:r>
             <a:r>
               <a:rPr lang="en-US" dirty="0"/>
-              <a:t>HALT</a:t>
+              <a:t> </a:t>
             </a:r>
             <a:r>
               <a:rPr lang="he-IL" dirty="0"/>
-              <a:t> שעוצר את ה</a:t>
+              <a:t> מספר אותות נוספים הנחוצים לנו</a:t>
+            </a:r>
+          </a:p>
+          <a:p>
+            <a:pPr algn="r" rtl="1"/>
+            <a:r>
+              <a:rPr lang="he-IL" strike="sngStrike" dirty="0"/>
+              <a:t>אותות כתיבה, כתובת לכתיבה, מידע לכתיבה, פונקציית ה-</a:t>
+            </a:r>
+            <a:r>
+              <a:rPr lang="en-US" strike="sngStrike" dirty="0"/>
+              <a:t>AES</a:t>
+            </a:r>
+            <a:r>
+              <a:rPr lang="he-IL" strike="sngStrike" dirty="0"/>
+              <a:t>, אות התחלת הצפנה,</a:t>
+            </a:r>
+          </a:p>
+          <a:p>
+            <a:pPr algn="r" rtl="1"/>
+            <a:r>
+              <a:rPr lang="he-IL" dirty="0"/>
+              <a:t>היציאות מהרגיסטר הן 4 </a:t>
+            </a:r>
+            <a:r>
+              <a:rPr lang="he-IL" dirty="0" err="1"/>
+              <a:t>רגיסטרי</a:t>
+            </a:r>
+            <a:r>
+              <a:rPr lang="he-IL" dirty="0"/>
+              <a:t> </a:t>
             </a:r>
             <a:r>
               <a:rPr lang="en-US" dirty="0"/>
-              <a:t>PIPE</a:t>
+              <a:t>KEY</a:t>
             </a:r>
             <a:r>
               <a:rPr lang="he-IL" dirty="0"/>
-              <a:t>, אות </a:t>
-            </a:r>
-            <a:r>
-              <a:rPr lang="en-US" dirty="0" err="1"/>
-              <a:t>Wr_en</a:t>
+              <a:t>, 4 </a:t>
+            </a:r>
+            <a:r>
+              <a:rPr lang="he-IL" dirty="0" err="1"/>
+              <a:t>רגיסטרי</a:t>
             </a:r>
             <a:r>
               <a:rPr lang="he-IL" dirty="0"/>
-              <a:t> שמתחבר ל- </a:t>
+              <a:t> </a:t>
             </a:r>
             <a:r>
               <a:rPr lang="en-US" dirty="0"/>
-              <a:t>LSU</a:t>
+              <a:t>DATA</a:t>
             </a:r>
             <a:r>
               <a:rPr lang="he-IL" dirty="0"/>
-              <a:t> ומאפשר כתיבה לזיכרון. ו4 איטרציות של מידע מוצפן וכתובות סמוכות לכתוב אליהן.</a:t>
+              <a:t>, רגיסטר </a:t>
+            </a:r>
+            <a:r>
+              <a:rPr lang="en-US" dirty="0"/>
+              <a:t>WB</a:t>
+            </a:r>
+            <a:r>
+              <a:rPr lang="he-IL" dirty="0"/>
+              <a:t> ואות התחלת הצפנה</a:t>
             </a:r>
             <a:endParaRPr lang="en-US" dirty="0"/>
           </a:p>
@@ -2137,7 +2230,7 @@
           <a:p>
             <a:fld id="{FFE9FAFC-D191-4543-8F0A-0BA7C7185E85}" type="slidenum">
               <a:rPr lang="en-IL" smtClean="0"/>
-              <a:t>19</a:t>
+              <a:t>18</a:t>
             </a:fld>
             <a:endParaRPr lang="en-IL"/>
           </a:p>
@@ -2146,7 +2239,7 @@
     </p:spTree>
     <p:extLst>
       <p:ext uri="{BB962C8B-B14F-4D97-AF65-F5344CB8AC3E}">
-        <p14:creationId xmlns:p14="http://schemas.microsoft.com/office/powerpoint/2010/main" val="1800512263"/>
+        <p14:creationId xmlns:p14="http://schemas.microsoft.com/office/powerpoint/2010/main" val="3668527701"/>
       </p:ext>
     </p:extLst>
   </p:cSld>
@@ -2203,54 +2296,54 @@
             <a:pPr algn="r" rtl="1"/>
             <a:r>
               <a:rPr lang="he-IL" dirty="0"/>
-              <a:t>את ה- </a:t>
+              <a:t>ארכיטקטורת </a:t>
             </a:r>
             <a:r>
               <a:rPr lang="en-US" dirty="0"/>
-              <a:t>WB</a:t>
+              <a:t>AES WB</a:t>
             </a:r>
             <a:r>
               <a:rPr lang="he-IL" dirty="0"/>
-              <a:t> מודול מימשנו בעזרת מכונת מצבים, מתחילים במצב </a:t>
+              <a:t>, מקבלים 128 ביטים של מידע מוצפן, את הכתובת אליה אנו רוצים לכתוב את המידע, ואת האות </a:t>
+            </a:r>
+            <a:r>
+              <a:rPr lang="en-US" dirty="0" err="1"/>
+              <a:t>aes_start</a:t>
+            </a:r>
+            <a:r>
+              <a:rPr lang="he-IL" dirty="0"/>
+              <a:t> שעולה כאשר המידע המוצפן מוכן.</a:t>
+            </a:r>
+          </a:p>
+          <a:p>
+            <a:pPr algn="r" rtl="1"/>
+            <a:r>
+              <a:rPr lang="he-IL" dirty="0"/>
+              <a:t>ביציאה אנו מוציאים מידע מוצפן לכתיבה, כתובת לכתיבה, אות </a:t>
             </a:r>
             <a:r>
               <a:rPr lang="en-US" dirty="0"/>
-              <a:t>IDLE</a:t>
+              <a:t>HALT</a:t>
             </a:r>
             <a:r>
               <a:rPr lang="he-IL" dirty="0"/>
-              <a:t>, כאשר מגיע </a:t>
+              <a:t> שעוצר את ה</a:t>
+            </a:r>
+            <a:r>
+              <a:rPr lang="en-US" dirty="0"/>
+              <a:t>PIPE</a:t>
+            </a:r>
+            <a:r>
+              <a:rPr lang="he-IL" dirty="0"/>
+              <a:t> ואות </a:t>
             </a:r>
             <a:r>
               <a:rPr lang="en-US" dirty="0" err="1"/>
-              <a:t>AES_start</a:t>
+              <a:t>Wr_en</a:t>
             </a:r>
             <a:r>
               <a:rPr lang="he-IL" dirty="0"/>
-              <a:t> אנו עוברים למצב </a:t>
-            </a:r>
-            <a:r>
-              <a:rPr lang="en-US" dirty="0"/>
-              <a:t>WRITE</a:t>
-            </a:r>
-            <a:r>
-              <a:rPr lang="he-IL" dirty="0"/>
-              <a:t>,.</a:t>
-            </a:r>
-          </a:p>
-          <a:p>
-            <a:pPr algn="r" rtl="1"/>
-            <a:r>
-              <a:rPr lang="he-IL" dirty="0"/>
-              <a:t>במצב </a:t>
-            </a:r>
-            <a:r>
-              <a:rPr lang="en-US" dirty="0"/>
-              <a:t>WRITE</a:t>
-            </a:r>
-            <a:r>
-              <a:rPr lang="he-IL" dirty="0"/>
-              <a:t> המידע לכתיבה מתעדכן לרגיסטר אותו אנו רוצים לכתוב, והרגיסטר נשלח לכתיבה במודול ה-</a:t>
+              <a:t> שמתחבר ל- </a:t>
             </a:r>
             <a:r>
               <a:rPr lang="en-US" dirty="0"/>
@@ -2258,47 +2351,24 @@
             </a:r>
             <a:r>
               <a:rPr lang="he-IL" dirty="0"/>
-              <a:t>, ועוברים למצב </a:t>
+              <a:t> ומאפשר כתיבה לזיכרון.</a:t>
+            </a:r>
+          </a:p>
+          <a:p>
+            <a:pPr algn="r" rtl="1"/>
+            <a:r>
+              <a:rPr lang="he-IL" dirty="0"/>
+              <a:t>המידע עובר ל-</a:t>
             </a:r>
             <a:r>
               <a:rPr lang="en-US" dirty="0"/>
-              <a:t>WAIT</a:t>
+              <a:t>LSU</a:t>
             </a:r>
             <a:r>
               <a:rPr lang="he-IL" dirty="0"/>
-              <a:t> </a:t>
-            </a:r>
-          </a:p>
-          <a:p>
-            <a:pPr algn="r" rtl="1"/>
-            <a:r>
-              <a:rPr lang="he-IL" dirty="0"/>
-              <a:t>במצב </a:t>
-            </a:r>
-            <a:r>
-              <a:rPr lang="en-US" dirty="0"/>
-              <a:t>WAIT</a:t>
-            </a:r>
-            <a:r>
-              <a:rPr lang="he-IL" dirty="0"/>
-              <a:t> אנו ממתינים 6 מחזורים עד שהמידע נכתב לזיכרון, ולאחר מכן חוזרים למצב </a:t>
-            </a:r>
-            <a:r>
-              <a:rPr lang="en-US" dirty="0"/>
-              <a:t>WRITE</a:t>
-            </a:r>
-            <a:r>
-              <a:rPr lang="he-IL" dirty="0"/>
-              <a:t> על מנת לכתוב את הרגיסטר הבא, או למצב </a:t>
-            </a:r>
-            <a:r>
-              <a:rPr lang="en-US" dirty="0"/>
-              <a:t>IDLE</a:t>
-            </a:r>
-            <a:r>
-              <a:rPr lang="he-IL" dirty="0"/>
-              <a:t> (לאחר כתיבת הרגיסטר הרביעי)</a:t>
-            </a:r>
+              <a:t> ב-4 איטרציות של מידע מוצפן לכתובות סמוכות לכתוב אליהן.</a:t>
+            </a:r>
+            <a:endParaRPr lang="en-US" dirty="0"/>
           </a:p>
         </p:txBody>
       </p:sp>
@@ -2319,7 +2389,7 @@
           <a:p>
             <a:fld id="{FFE9FAFC-D191-4543-8F0A-0BA7C7185E85}" type="slidenum">
               <a:rPr lang="en-IL" smtClean="0"/>
-              <a:t>20</a:t>
+              <a:t>19</a:t>
             </a:fld>
             <a:endParaRPr lang="en-IL"/>
           </a:p>
@@ -2328,7 +2398,7 @@
     </p:spTree>
     <p:extLst>
       <p:ext uri="{BB962C8B-B14F-4D97-AF65-F5344CB8AC3E}">
-        <p14:creationId xmlns:p14="http://schemas.microsoft.com/office/powerpoint/2010/main" val="3507276691"/>
+        <p14:creationId xmlns:p14="http://schemas.microsoft.com/office/powerpoint/2010/main" val="1800512263"/>
       </p:ext>
     </p:extLst>
   </p:cSld>
@@ -2385,7 +2455,7 @@
             <a:pPr algn="r" rtl="1"/>
             <a:r>
               <a:rPr lang="he-IL" dirty="0"/>
-              <a:t>בימינו, יש שימוש נרחב בחיישינים, שעם השנים רק הולך ומתרחב. </a:t>
+              <a:t>בימינו, יש שימוש נרחב בחיישנים, שעם השנים רק הולך ומתרחב. </a:t>
             </a:r>
           </a:p>
           <a:p>
@@ -2422,7 +2492,7 @@
             </a:r>
             <a:r>
               <a:rPr lang="he-IL" dirty="0"/>
-              <a:t>, שנוכל למקם בצמוד לחיישן ובכך לשלוח ליחידת עיבוד המידע רק מידע שעבר הצפנה.</a:t>
+              <a:t>, שנוכל למקם בצמוד לחיישן ובכך לשלוח רק מידע שעבר עיבוד ראשוני והצפנה.</a:t>
             </a:r>
           </a:p>
           <a:p>
@@ -2536,50 +2606,103 @@
           <a:p>
             <a:pPr algn="r" rtl="1"/>
             <a:r>
-              <a:rPr lang="he-IL" dirty="0" err="1"/>
-              <a:t>דוגמאת</a:t>
-            </a:r>
-            <a:r>
               <a:rPr lang="he-IL" dirty="0"/>
-              <a:t> סימולציה של כתיבת מידע לרגיסטר </a:t>
-            </a:r>
-            <a:r>
-              <a:rPr lang="he-IL" dirty="0" err="1"/>
-              <a:t>פייל</a:t>
+              <a:t>את ה- </a:t>
+            </a:r>
+            <a:r>
+              <a:rPr lang="en-US" dirty="0"/>
+              <a:t>WB</a:t>
             </a:r>
             <a:r>
               <a:rPr lang="he-IL" dirty="0"/>
-              <a:t> </a:t>
+              <a:t> מודול מימשנו בעזרת מכונת מצבים, מתחילים במצב </a:t>
             </a:r>
             <a:r>
               <a:rPr lang="en-US" dirty="0"/>
-              <a:t>AES</a:t>
-            </a:r>
-            <a:endParaRPr lang="he-IL" dirty="0"/>
+              <a:t>IDLE</a:t>
+            </a:r>
+            <a:r>
+              <a:rPr lang="he-IL" dirty="0"/>
+              <a:t>, כאשר מגיע </a:t>
+            </a:r>
+            <a:r>
+              <a:rPr lang="en-US" dirty="0" err="1"/>
+              <a:t>AES_start</a:t>
+            </a:r>
+            <a:r>
+              <a:rPr lang="he-IL" dirty="0"/>
+              <a:t> אנו עוברים למצב </a:t>
+            </a:r>
+            <a:r>
+              <a:rPr lang="en-US" dirty="0"/>
+              <a:t>WRITE</a:t>
+            </a:r>
+            <a:r>
+              <a:rPr lang="he-IL" dirty="0"/>
+              <a:t>.</a:t>
+            </a:r>
           </a:p>
           <a:p>
             <a:pPr algn="r" rtl="1"/>
             <a:r>
               <a:rPr lang="he-IL" dirty="0"/>
-              <a:t>ניתן לראות שרצינו לכתוב </a:t>
+              <a:t>במצב </a:t>
             </a:r>
             <a:r>
               <a:rPr lang="en-US" dirty="0"/>
-              <a:t>DEADBEEF</a:t>
+              <a:t>WRITE</a:t>
             </a:r>
             <a:r>
               <a:rPr lang="he-IL" dirty="0"/>
-              <a:t> לרגיסטר אחד ו- </a:t>
+              <a:t> המידע לכתיבה מתעדכן לרגיסטר אותו אנו רוצים לכתוב, והרגיסטר נשלח לכתיבה במודול ה-</a:t>
             </a:r>
             <a:r>
               <a:rPr lang="en-US" dirty="0"/>
-              <a:t>DEAFBABE</a:t>
+              <a:t>LSU</a:t>
             </a:r>
             <a:r>
               <a:rPr lang="he-IL" dirty="0"/>
-              <a:t> לרגיסטר שני, והכתיבה התבצעה בהצלחה</a:t>
-            </a:r>
-            <a:endParaRPr lang="en-US" dirty="0"/>
+              <a:t>, ועוברים למצב </a:t>
+            </a:r>
+            <a:r>
+              <a:rPr lang="en-US" dirty="0"/>
+              <a:t>WAIT</a:t>
+            </a:r>
+            <a:r>
+              <a:rPr lang="he-IL" dirty="0"/>
+              <a:t>. </a:t>
+            </a:r>
+          </a:p>
+          <a:p>
+            <a:pPr algn="r" rtl="1"/>
+            <a:r>
+              <a:rPr lang="he-IL" dirty="0"/>
+              <a:t>במצב </a:t>
+            </a:r>
+            <a:r>
+              <a:rPr lang="en-US" dirty="0"/>
+              <a:t>WAIT</a:t>
+            </a:r>
+            <a:r>
+              <a:rPr lang="he-IL" dirty="0"/>
+              <a:t> אנו ממתינים 6 מחזורים עד שהמידע נכתב לזיכרון, ולאחר מכן חוזרים למצב </a:t>
+            </a:r>
+            <a:r>
+              <a:rPr lang="en-US" dirty="0"/>
+              <a:t>WRITE</a:t>
+            </a:r>
+            <a:r>
+              <a:rPr lang="he-IL" dirty="0"/>
+              <a:t> על מנת לכתוב את הרגיסטר הבא, או למצב </a:t>
+            </a:r>
+            <a:r>
+              <a:rPr lang="en-US" dirty="0"/>
+              <a:t>IDLE</a:t>
+            </a:r>
+            <a:r>
+              <a:rPr lang="he-IL" dirty="0"/>
+              <a:t> (לאחר כתיבת הרגיסטר הרביעי).</a:t>
+            </a:r>
           </a:p>
         </p:txBody>
       </p:sp>
@@ -2600,7 +2723,7 @@
           <a:p>
             <a:fld id="{FFE9FAFC-D191-4543-8F0A-0BA7C7185E85}" type="slidenum">
               <a:rPr lang="en-IL" smtClean="0"/>
-              <a:t>21</a:t>
+              <a:t>20</a:t>
             </a:fld>
             <a:endParaRPr lang="en-IL"/>
           </a:p>
@@ -2609,7 +2732,7 @@
     </p:spTree>
     <p:extLst>
       <p:ext uri="{BB962C8B-B14F-4D97-AF65-F5344CB8AC3E}">
-        <p14:creationId xmlns:p14="http://schemas.microsoft.com/office/powerpoint/2010/main" val="4129839476"/>
+        <p14:creationId xmlns:p14="http://schemas.microsoft.com/office/powerpoint/2010/main" val="3507276691"/>
       </p:ext>
     </p:extLst>
   </p:cSld>
@@ -2666,22 +2789,50 @@
             <a:pPr algn="r" rtl="1"/>
             <a:r>
               <a:rPr lang="he-IL" dirty="0"/>
-              <a:t>דוגמא לסימולציה של מאיץ ה-</a:t>
+              <a:t>כעת נציג סימולציות אותן הרצנו במהלך הפרויקט. </a:t>
+            </a:r>
+          </a:p>
+          <a:p>
+            <a:pPr algn="r" rtl="1"/>
+            <a:r>
+              <a:rPr lang="he-IL" dirty="0"/>
+              <a:t>סימולציה ראשונה הינה של כתיבת מידע לרגיסטר </a:t>
+            </a:r>
+            <a:r>
+              <a:rPr lang="he-IL" dirty="0" err="1"/>
+              <a:t>פייל</a:t>
+            </a:r>
+            <a:r>
+              <a:rPr lang="he-IL" dirty="0"/>
+              <a:t> </a:t>
             </a:r>
             <a:r>
               <a:rPr lang="en-US" dirty="0"/>
               <a:t>AES</a:t>
             </a:r>
+            <a:endParaRPr lang="he-IL" dirty="0"/>
+          </a:p>
+          <a:p>
+            <a:pPr algn="r" rtl="1"/>
             <a:r>
               <a:rPr lang="he-IL" dirty="0"/>
-              <a:t>, ניתן לראות את תוצאת ההצפנה של המידע שטענו בסימולציה קודמת.</a:t>
-            </a:r>
-          </a:p>
-          <a:p>
-            <a:pPr algn="r" rtl="1"/>
+              <a:t>ניתן לראות שרצינו לכתוב </a:t>
+            </a:r>
+            <a:r>
+              <a:rPr lang="en-US" dirty="0"/>
+              <a:t>DEADBEEF</a:t>
+            </a:r>
             <a:r>
               <a:rPr lang="he-IL" dirty="0"/>
-              <a:t>וידאנו שתוצאת ההצפנה שקיבלנו הינה נכונה בעזרת אלגוריתמים מהאינטרנט (בשלב זה)</a:t>
+              <a:t> לרגיסטר אחד ו- </a:t>
+            </a:r>
+            <a:r>
+              <a:rPr lang="en-US" dirty="0"/>
+              <a:t>DEAFBABE</a:t>
+            </a:r>
+            <a:r>
+              <a:rPr lang="he-IL" dirty="0"/>
+              <a:t> לרגיסטר שני, והכתיבה התבצעה בהצלחה</a:t>
             </a:r>
             <a:endParaRPr lang="en-US" dirty="0"/>
           </a:p>
@@ -2704,7 +2855,7 @@
           <a:p>
             <a:fld id="{FFE9FAFC-D191-4543-8F0A-0BA7C7185E85}" type="slidenum">
               <a:rPr lang="en-IL" smtClean="0"/>
-              <a:t>22</a:t>
+              <a:t>21</a:t>
             </a:fld>
             <a:endParaRPr lang="en-IL"/>
           </a:p>
@@ -2713,7 +2864,7 @@
     </p:spTree>
     <p:extLst>
       <p:ext uri="{BB962C8B-B14F-4D97-AF65-F5344CB8AC3E}">
-        <p14:creationId xmlns:p14="http://schemas.microsoft.com/office/powerpoint/2010/main" val="3396614884"/>
+        <p14:creationId xmlns:p14="http://schemas.microsoft.com/office/powerpoint/2010/main" val="4129839476"/>
       </p:ext>
     </p:extLst>
   </p:cSld>
@@ -2770,7 +2921,38 @@
             <a:pPr algn="r" rtl="1"/>
             <a:r>
               <a:rPr lang="he-IL" dirty="0"/>
-              <a:t>דוגמא לסימולציה של מודול הכתיבה, ניתן לראות את התקדמות הכתובת לכתיבה בצהוב (4+ בכל שלב), ואת התחלפות המידע לכתיבה באדום בהתאם לרגיסטר אותו אנו רוצים לכתוב.</a:t>
+              <a:t>דוגמא לסימולציה של מאיץ ה-</a:t>
+            </a:r>
+            <a:r>
+              <a:rPr lang="en-US" dirty="0"/>
+              <a:t>AES</a:t>
+            </a:r>
+            <a:r>
+              <a:rPr lang="he-IL" dirty="0"/>
+              <a:t>, ניתן לראות את תוצאת ההצפנה של המידע שטענו בסימולציה קודמת.</a:t>
+            </a:r>
+          </a:p>
+          <a:p>
+            <a:pPr algn="r" rtl="1"/>
+            <a:r>
+              <a:rPr lang="he-IL" dirty="0"/>
+              <a:t>וידאנו שתוצאת ההצפנה שקיבלנו הינה נכונה בעזרת מאיץ </a:t>
+            </a:r>
+            <a:r>
+              <a:rPr lang="en-US" dirty="0"/>
+              <a:t>AES</a:t>
+            </a:r>
+            <a:r>
+              <a:rPr lang="he-IL" dirty="0"/>
+              <a:t> הממומש </a:t>
+            </a:r>
+            <a:r>
+              <a:rPr lang="he-IL" dirty="0" err="1"/>
+              <a:t>בפייטון</a:t>
+            </a:r>
+            <a:r>
+              <a:rPr lang="he-IL" dirty="0"/>
+              <a:t>.</a:t>
             </a:r>
             <a:endParaRPr lang="en-US" dirty="0"/>
           </a:p>
@@ -2793,7 +2975,7 @@
           <a:p>
             <a:fld id="{FFE9FAFC-D191-4543-8F0A-0BA7C7185E85}" type="slidenum">
               <a:rPr lang="en-IL" smtClean="0"/>
-              <a:t>23</a:t>
+              <a:t>22</a:t>
             </a:fld>
             <a:endParaRPr lang="en-IL"/>
           </a:p>
@@ -2802,7 +2984,7 @@
     </p:spTree>
     <p:extLst>
       <p:ext uri="{BB962C8B-B14F-4D97-AF65-F5344CB8AC3E}">
-        <p14:creationId xmlns:p14="http://schemas.microsoft.com/office/powerpoint/2010/main" val="1594073012"/>
+        <p14:creationId xmlns:p14="http://schemas.microsoft.com/office/powerpoint/2010/main" val="3396614884"/>
       </p:ext>
     </p:extLst>
   </p:cSld>
@@ -2859,28 +3041,9 @@
             <a:pPr algn="r" rtl="1"/>
             <a:r>
               <a:rPr lang="he-IL" dirty="0"/>
-              <a:t>ניתן לראות שהביצועים מבחינת צריכת הספק ואורך מסלול קריטי בקושי השתנו, בעוד צריכת המקום עלתה פי ארבע.</a:t>
-            </a:r>
-          </a:p>
-          <a:p>
-            <a:pPr algn="r" rtl="1"/>
-            <a:r>
-              <a:rPr lang="he-IL" dirty="0"/>
-              <a:t>אנו עשינו שימוש במאיץ </a:t>
-            </a:r>
-            <a:r>
-              <a:rPr lang="he-IL" dirty="0" err="1"/>
-              <a:t>קומבינטורי</a:t>
-            </a:r>
-            <a:r>
-              <a:rPr lang="he-IL" dirty="0"/>
-              <a:t>, בעוד שימוש במאיץ סינכרוני יכול להקטין את השטח, </a:t>
-            </a:r>
-            <a:r>
-              <a:rPr lang="he-IL" strike="sngStrike" dirty="0"/>
-              <a:t>אך לעלות בהספק ובזמן.</a:t>
-            </a:r>
-            <a:endParaRPr lang="en-US" strike="sngStrike" dirty="0"/>
+              <a:t>דוגמא לסימולציה של מודול הכתיבה, ניתן לראות את התקדמות הכתובת לכתיבה בצהוב (4+ בכל שלב), ואת התחלפות המידע לכתיבה באדום בהתאם לרגיסטר אותו אנו רוצים לכתוב.</a:t>
+            </a:r>
+            <a:endParaRPr lang="en-US" dirty="0"/>
           </a:p>
         </p:txBody>
       </p:sp>
@@ -2901,7 +3064,7 @@
           <a:p>
             <a:fld id="{FFE9FAFC-D191-4543-8F0A-0BA7C7185E85}" type="slidenum">
               <a:rPr lang="en-IL" smtClean="0"/>
-              <a:t>25</a:t>
+              <a:t>23</a:t>
             </a:fld>
             <a:endParaRPr lang="en-IL"/>
           </a:p>
@@ -2910,7 +3073,7 @@
     </p:spTree>
     <p:extLst>
       <p:ext uri="{BB962C8B-B14F-4D97-AF65-F5344CB8AC3E}">
-        <p14:creationId xmlns:p14="http://schemas.microsoft.com/office/powerpoint/2010/main" val="1779939119"/>
+        <p14:creationId xmlns:p14="http://schemas.microsoft.com/office/powerpoint/2010/main" val="1594073012"/>
       </p:ext>
     </p:extLst>
   </p:cSld>
@@ -2964,6 +3127,66 @@
           <a:bodyPr/>
           <a:lstStyle/>
           <a:p>
+            <a:pPr algn="r" rtl="1"/>
+            <a:r>
+              <a:rPr lang="he-IL" dirty="0"/>
+              <a:t>לאחר הסימולציות למודולים השונים והטמעת המאיץ במעבד, ביצענו </a:t>
+            </a:r>
+            <a:r>
+              <a:rPr lang="en-US" dirty="0"/>
+              <a:t>conformity check</a:t>
+            </a:r>
+            <a:r>
+              <a:rPr lang="he-IL" dirty="0"/>
+              <a:t> הכלל הרצה של אותו מידע עם אותו מפתח על מאיץ הממומש </a:t>
+            </a:r>
+            <a:r>
+              <a:rPr lang="he-IL" dirty="0" err="1"/>
+              <a:t>בפייטון</a:t>
+            </a:r>
+            <a:r>
+              <a:rPr lang="he-IL" dirty="0"/>
+              <a:t>, על קוד </a:t>
+            </a:r>
+            <a:r>
+              <a:rPr lang="en-US" dirty="0"/>
+              <a:t>C</a:t>
+            </a:r>
+            <a:r>
+              <a:rPr lang="he-IL" dirty="0"/>
+              <a:t> שמקומפל לריצה על </a:t>
+            </a:r>
+            <a:r>
+              <a:rPr lang="en-US" dirty="0"/>
+              <a:t>RISCV</a:t>
+            </a:r>
+            <a:r>
+              <a:rPr lang="he-IL" dirty="0"/>
+              <a:t>, ועל המאיץ </a:t>
+            </a:r>
+            <a:r>
+              <a:rPr lang="en-US" dirty="0"/>
+              <a:t>AES</a:t>
+            </a:r>
+            <a:r>
+              <a:rPr lang="he-IL" dirty="0"/>
+              <a:t> שבנינו על </a:t>
+            </a:r>
+            <a:r>
+              <a:rPr lang="en-US" dirty="0"/>
+              <a:t>RISCV</a:t>
+            </a:r>
+            <a:r>
+              <a:rPr lang="he-IL" dirty="0"/>
+              <a:t>.</a:t>
+            </a:r>
+          </a:p>
+          <a:p>
+            <a:pPr algn="r" rtl="1"/>
+            <a:r>
+              <a:rPr lang="he-IL" dirty="0"/>
+              <a:t>המטרה של בדיקה זו הייתה וידוא של נכונות המאיץ שבנינו.</a:t>
+            </a:r>
             <a:endParaRPr lang="en-US" dirty="0"/>
           </a:p>
         </p:txBody>
@@ -2985,7 +3208,7 @@
           <a:p>
             <a:fld id="{FFE9FAFC-D191-4543-8F0A-0BA7C7185E85}" type="slidenum">
               <a:rPr lang="en-IL" smtClean="0"/>
-              <a:t>26</a:t>
+              <a:t>24</a:t>
             </a:fld>
             <a:endParaRPr lang="en-IL"/>
           </a:p>
@@ -2994,7 +3217,7 @@
     </p:spTree>
     <p:extLst>
       <p:ext uri="{BB962C8B-B14F-4D97-AF65-F5344CB8AC3E}">
-        <p14:creationId xmlns:p14="http://schemas.microsoft.com/office/powerpoint/2010/main" val="1245787893"/>
+        <p14:creationId xmlns:p14="http://schemas.microsoft.com/office/powerpoint/2010/main" val="1252401057"/>
       </p:ext>
     </p:extLst>
   </p:cSld>
@@ -3051,79 +3274,51 @@
             <a:pPr algn="r" rtl="1"/>
             <a:r>
               <a:rPr lang="he-IL" dirty="0"/>
-              <a:t>כשהתחלנו את הפרויקט, שלב </a:t>
+              <a:t>ניתן לראות שבמימוש </a:t>
             </a:r>
             <a:r>
               <a:rPr lang="he-IL" dirty="0" err="1"/>
-              <a:t>הסינטזה</a:t>
+              <a:t>הקומבינטורי</a:t>
             </a:r>
             <a:r>
               <a:rPr lang="he-IL" dirty="0"/>
-              <a:t> היה אורך ומייגע, וכשעברנו לעבוד מהבית הרצת </a:t>
+              <a:t> הביצועים מבחינת צריכת הספק ליחידת שטח ואורך מסלול קריטי בקושי השתנו, בעוד צריכת המקום עלתה פי ארבע.</a:t>
+            </a:r>
+          </a:p>
+          <a:p>
+            <a:pPr marL="0" marR="0" lvl="0" indent="0" algn="r" defTabSz="914400" rtl="1" eaLnBrk="1" fontAlgn="auto" latinLnBrk="0" hangingPunct="1">
+              <a:lnSpc>
+                <a:spcPct val="100000"/>
+              </a:lnSpc>
+              <a:spcBef>
+                <a:spcPts val="0"/>
+              </a:spcBef>
+              <a:spcAft>
+                <a:spcPts val="0"/>
+              </a:spcAft>
+              <a:buClrTx/>
+              <a:buSzTx/>
+              <a:buFontTx/>
+              <a:buNone/>
+              <a:tabLst/>
+              <a:defRPr/>
+            </a:pPr>
+            <a:r>
+              <a:rPr lang="he-IL" dirty="0"/>
+              <a:t>ניתן לראות שבמימוש הסינכרוני הביצועים מבחינת צריכת הספק ליחידת שטח בקושי השתנה, אורך מסלול קריטי לא השתנה , בעוד צריכת המקום עלתה פי 1.5, זאת אומרת שיפור משמעותי מבחינת צריכת מקום לעומת מימוש </a:t>
             </a:r>
             <a:r>
               <a:rPr lang="he-IL" dirty="0" err="1"/>
-              <a:t>סינטזה</a:t>
+              <a:t>קומבינטורי</a:t>
             </a:r>
             <a:r>
               <a:rPr lang="he-IL" dirty="0"/>
-              <a:t> הפכה לשלב בלתי נסבל (מבחינת איטיות ה-</a:t>
-            </a:r>
-            <a:r>
-              <a:rPr lang="en-US" dirty="0"/>
-              <a:t>GUI</a:t>
-            </a:r>
-            <a:r>
-              <a:rPr lang="he-IL" dirty="0"/>
-              <a:t>).</a:t>
+              <a:t>.</a:t>
             </a:r>
           </a:p>
           <a:p>
             <a:pPr algn="r" rtl="1"/>
-            <a:r>
-              <a:rPr lang="he-IL" dirty="0"/>
-              <a:t>לכן החלטנו לבנות סקריפט שיאפשר לנו להריץ </a:t>
-            </a:r>
-            <a:r>
-              <a:rPr lang="he-IL" dirty="0" err="1"/>
-              <a:t>סינטזה</a:t>
-            </a:r>
-            <a:r>
-              <a:rPr lang="he-IL" dirty="0"/>
-              <a:t> בצורה פשוטה ומהירה, וללא פתיחה של </a:t>
-            </a:r>
-            <a:r>
-              <a:rPr lang="en-US" dirty="0"/>
-              <a:t>GUI</a:t>
-            </a:r>
-            <a:r>
-              <a:rPr lang="he-IL" dirty="0"/>
-              <a:t> איטי ומסורבל.</a:t>
-            </a:r>
-          </a:p>
-          <a:p>
-            <a:pPr algn="r" rtl="1"/>
-            <a:r>
-              <a:rPr lang="he-IL" dirty="0"/>
-              <a:t>עם הסקריפט שבנינו קל מאוד להריץ </a:t>
-            </a:r>
-            <a:r>
-              <a:rPr lang="he-IL" dirty="0" err="1"/>
-              <a:t>סינטזה</a:t>
-            </a:r>
-            <a:r>
-              <a:rPr lang="he-IL" dirty="0"/>
-              <a:t>, וגם הוספת קבצים </a:t>
-            </a:r>
-            <a:r>
-              <a:rPr lang="he-IL" dirty="0" err="1"/>
-              <a:t>לסינטזה</a:t>
-            </a:r>
-            <a:r>
-              <a:rPr lang="he-IL" dirty="0"/>
-              <a:t> מתבצעת בצורה פשוטה.</a:t>
-            </a:r>
-            <a:endParaRPr lang="en-US" dirty="0"/>
+            <a:endParaRPr lang="he-IL" dirty="0"/>
           </a:p>
         </p:txBody>
       </p:sp>
@@ -3144,7 +3339,7 @@
           <a:p>
             <a:fld id="{FFE9FAFC-D191-4543-8F0A-0BA7C7185E85}" type="slidenum">
               <a:rPr lang="en-IL" smtClean="0"/>
-              <a:t>27</a:t>
+              <a:t>25</a:t>
             </a:fld>
             <a:endParaRPr lang="en-IL"/>
           </a:p>
@@ -3153,7 +3348,7 @@
     </p:spTree>
     <p:extLst>
       <p:ext uri="{BB962C8B-B14F-4D97-AF65-F5344CB8AC3E}">
-        <p14:creationId xmlns:p14="http://schemas.microsoft.com/office/powerpoint/2010/main" val="1191170777"/>
+        <p14:creationId xmlns:p14="http://schemas.microsoft.com/office/powerpoint/2010/main" val="1779939119"/>
       </p:ext>
     </p:extLst>
   </p:cSld>
@@ -3210,23 +3405,77 @@
             <a:pPr algn="r" rtl="1"/>
             <a:r>
               <a:rPr lang="he-IL" dirty="0"/>
-              <a:t>סקריפט עליון מתאר את הפקודות שאנו רוצים להריץ על ה-</a:t>
+              <a:t>במהלך הפרויקט הבנו שמעבר לביצוע </a:t>
+            </a:r>
+            <a:r>
+              <a:rPr lang="he-IL" dirty="0" err="1"/>
+              <a:t>סינטזה</a:t>
+            </a:r>
+            <a:r>
+              <a:rPr lang="he-IL" dirty="0"/>
+              <a:t> מ-</a:t>
             </a:r>
             <a:r>
               <a:rPr lang="en-US" dirty="0"/>
-              <a:t>DC</a:t>
+              <a:t>command line</a:t>
             </a:r>
             <a:r>
               <a:rPr lang="he-IL" dirty="0"/>
-              <a:t>_</a:t>
+              <a:t> לעומת </a:t>
+            </a:r>
+            <a:r>
+              <a:rPr lang="he-IL" dirty="0" err="1"/>
+              <a:t>סינטזה</a:t>
+            </a:r>
+            <a:r>
+              <a:rPr lang="he-IL" dirty="0"/>
+              <a:t> דרך ה-</a:t>
+            </a:r>
+            <a:r>
+              <a:rPr lang="en-US" dirty="0" err="1"/>
+              <a:t>gui</a:t>
+            </a:r>
+            <a:r>
+              <a:rPr lang="he-IL" dirty="0"/>
+              <a:t> יכול להיות נוח ומהיר יותר (במיוחד בעבודה מהבית).</a:t>
+            </a:r>
+          </a:p>
+          <a:p>
+            <a:pPr algn="r" rtl="1"/>
+            <a:r>
+              <a:rPr lang="he-IL" dirty="0"/>
+              <a:t>לכן החלטנו לבנות סקריפט שיאפשר לנו להריץ </a:t>
+            </a:r>
+            <a:r>
+              <a:rPr lang="he-IL" dirty="0" err="1"/>
+              <a:t>סינטזה</a:t>
+            </a:r>
+            <a:r>
+              <a:rPr lang="he-IL" dirty="0"/>
+              <a:t> בצורה פשוטה ומהירה, וללא פתיחה של ה-</a:t>
             </a:r>
             <a:r>
               <a:rPr lang="en-US" dirty="0"/>
-              <a:t>SHELL</a:t>
+              <a:t>GUI</a:t>
             </a:r>
             <a:r>
               <a:rPr lang="he-IL" dirty="0"/>
-              <a:t>, במקרה זה הורדנו את כל הקבצים פרט לאחד (שורה ראשונה),  ניתן להוסיף קבצים </a:t>
+              <a:t>.</a:t>
+            </a:r>
+          </a:p>
+          <a:p>
+            <a:pPr algn="r" rtl="1"/>
+            <a:r>
+              <a:rPr lang="he-IL" dirty="0"/>
+              <a:t>עם הסקריפט שבנינו קל מאוד להריץ </a:t>
+            </a:r>
+            <a:r>
+              <a:rPr lang="he-IL" dirty="0" err="1"/>
+              <a:t>סינטזה</a:t>
+            </a:r>
+            <a:r>
+              <a:rPr lang="he-IL" dirty="0"/>
+              <a:t>, וגם הוספת קבצים </a:t>
             </a:r>
             <a:r>
               <a:rPr lang="he-IL" dirty="0" err="1"/>
@@ -3234,22 +3483,7 @@
             </a:r>
             <a:r>
               <a:rPr lang="he-IL" dirty="0"/>
-              <a:t> בקלות על ידי הוספה שלהם לשורה הראשונה של הסקריפט העליון.</a:t>
-            </a:r>
-          </a:p>
-          <a:p>
-            <a:pPr algn="r" rtl="1"/>
-            <a:r>
-              <a:rPr lang="he-IL" dirty="0"/>
-              <a:t>סקריפט תחתון מכין את הסביבה להרצת הסקריפט של </a:t>
-            </a:r>
-            <a:r>
-              <a:rPr lang="he-IL" dirty="0" err="1"/>
-              <a:t>הסינטזה</a:t>
-            </a:r>
-            <a:r>
-              <a:rPr lang="he-IL" dirty="0"/>
-              <a:t> (כולל עדכון שם משתמש בקובץ הפקודות)</a:t>
+              <a:t> מתבצעת בצורה פשוטה.</a:t>
             </a:r>
             <a:endParaRPr lang="en-US" dirty="0"/>
           </a:p>
@@ -3272,7 +3506,7 @@
           <a:p>
             <a:fld id="{FFE9FAFC-D191-4543-8F0A-0BA7C7185E85}" type="slidenum">
               <a:rPr lang="en-IL" smtClean="0"/>
-              <a:t>28</a:t>
+              <a:t>26</a:t>
             </a:fld>
             <a:endParaRPr lang="en-IL"/>
           </a:p>
@@ -3281,7 +3515,7 @@
     </p:spTree>
     <p:extLst>
       <p:ext uri="{BB962C8B-B14F-4D97-AF65-F5344CB8AC3E}">
-        <p14:creationId xmlns:p14="http://schemas.microsoft.com/office/powerpoint/2010/main" val="4109833395"/>
+        <p14:creationId xmlns:p14="http://schemas.microsoft.com/office/powerpoint/2010/main" val="1191170777"/>
       </p:ext>
     </p:extLst>
   </p:cSld>
@@ -3338,103 +3572,38 @@
             <a:pPr algn="r" rtl="1"/>
             <a:r>
               <a:rPr lang="he-IL" dirty="0"/>
-              <a:t>הקומפיילר של </a:t>
-            </a:r>
-            <a:r>
-              <a:rPr lang="en-US" dirty="0"/>
-              <a:t>GNU</a:t>
+              <a:t>סקריפט עליון מתאר את הפקודות שאנו רוצים להריץ על ה-</a:t>
+            </a:r>
+            <a:r>
+              <a:rPr lang="en-US" dirty="0" err="1"/>
+              <a:t>dc_shell</a:t>
             </a:r>
             <a:r>
               <a:rPr lang="he-IL" dirty="0"/>
-              <a:t> ( </a:t>
-            </a:r>
-            <a:r>
-              <a:rPr lang="en-US" dirty="0"/>
-              <a:t>GCC – Gnu Compiler Collection </a:t>
+              <a:t>, במקרה זה הורדנו את כל הקבצים פרט לאחד (שורה ראשונה),  ניתן להוסיף קבצים </a:t>
+            </a:r>
+            <a:r>
+              <a:rPr lang="he-IL" dirty="0" err="1"/>
+              <a:t>לסינטזה</a:t>
             </a:r>
             <a:r>
               <a:rPr lang="he-IL" dirty="0"/>
-              <a:t> ) לא תומך בפקודות החדשות שהוספנו, לכן היינו צריכים למצוא פתרון עבור כתיבת הפקודות בקודים שאנחנו רוצים להריץ</a:t>
+              <a:t> בקלות על ידי הוספה שלהם לשורה הראשונה של הסקריפט העליון.</a:t>
             </a:r>
           </a:p>
           <a:p>
             <a:pPr algn="r" rtl="1"/>
             <a:r>
               <a:rPr lang="he-IL" dirty="0"/>
-              <a:t>פתרון ראשון היה המרת הפקודות באופן ידני, דבר ארוך ומייגע, ובכל שינוי בפקודה יש צורך לבצע את ההמרה מחדש</a:t>
-            </a:r>
-          </a:p>
-          <a:p>
-            <a:pPr algn="r" rtl="1"/>
+              <a:t>סקריפט תחתון מכין את הסביבה להרצת הסקריפט של </a:t>
+            </a:r>
+            <a:r>
+              <a:rPr lang="he-IL" dirty="0" err="1"/>
+              <a:t>הסינטזה</a:t>
+            </a:r>
             <a:r>
               <a:rPr lang="he-IL" dirty="0"/>
-              <a:t>פתרון שני הוא עדכון של ה-</a:t>
-            </a:r>
-            <a:r>
-              <a:rPr lang="en-US" dirty="0"/>
-              <a:t>GCC</a:t>
-            </a:r>
-            <a:r>
-              <a:rPr lang="he-IL" dirty="0"/>
-              <a:t>, אך מכיוון שגם </a:t>
-            </a:r>
-            <a:r>
-              <a:rPr lang="en-US" dirty="0"/>
-              <a:t>ENICS LAB</a:t>
-            </a:r>
-            <a:r>
-              <a:rPr lang="he-IL" dirty="0"/>
-              <a:t> בבר אילן הזהירו  אותנו מלהיכנס לקומפיילר, וגם הפקודות שהוסיפו </a:t>
-            </a:r>
-            <a:r>
-              <a:rPr lang="he-IL" dirty="0" err="1"/>
-              <a:t>בפרוייקט</a:t>
-            </a:r>
-            <a:r>
-              <a:rPr lang="he-IL" dirty="0"/>
-              <a:t> </a:t>
-            </a:r>
-            <a:r>
-              <a:rPr lang="en-US" dirty="0"/>
-              <a:t>PULP</a:t>
-            </a:r>
-            <a:r>
-              <a:rPr lang="he-IL" dirty="0"/>
-              <a:t> לא נתמכות, הבנו שזה בעייתי.</a:t>
-            </a:r>
-          </a:p>
-          <a:p>
-            <a:pPr algn="r" rtl="1"/>
-            <a:r>
-              <a:rPr lang="he-IL" dirty="0"/>
-              <a:t>פתרון שלישי הוא בניית סקריפט שירוץ לפני הקומפיילר של </a:t>
-            </a:r>
-            <a:r>
-              <a:rPr lang="en-US" dirty="0"/>
-              <a:t>GNU</a:t>
-            </a:r>
-            <a:r>
-              <a:rPr lang="he-IL" dirty="0"/>
-              <a:t>, וימיר את פקודות ה-</a:t>
-            </a:r>
-            <a:r>
-              <a:rPr lang="en-US" dirty="0"/>
-              <a:t>AES</a:t>
-            </a:r>
-            <a:r>
-              <a:rPr lang="he-IL" dirty="0"/>
-              <a:t> עבורנו.</a:t>
-            </a:r>
-          </a:p>
-          <a:p>
-            <a:pPr algn="r" rtl="1"/>
-            <a:r>
-              <a:rPr lang="he-IL" dirty="0"/>
-              <a:t>ניתן לראות בתמונה הדפסה של הסקריפט אותו בנינו, בה הוא מכריז על הצלחה בהמרת הפקודות למספר </a:t>
-            </a:r>
-            <a:r>
-              <a:rPr lang="he-IL" dirty="0" err="1"/>
-              <a:t>הקסאדצימלי</a:t>
+              <a:t> (כולל עדכון שם משתמש בקובץ הפקודות)</a:t>
             </a:r>
             <a:endParaRPr lang="en-US" dirty="0"/>
           </a:p>
@@ -3457,7 +3626,7 @@
           <a:p>
             <a:fld id="{FFE9FAFC-D191-4543-8F0A-0BA7C7185E85}" type="slidenum">
               <a:rPr lang="en-IL" smtClean="0"/>
-              <a:t>29</a:t>
+              <a:t>27</a:t>
             </a:fld>
             <a:endParaRPr lang="en-IL"/>
           </a:p>
@@ -3466,7 +3635,7 @@
     </p:spTree>
     <p:extLst>
       <p:ext uri="{BB962C8B-B14F-4D97-AF65-F5344CB8AC3E}">
-        <p14:creationId xmlns:p14="http://schemas.microsoft.com/office/powerpoint/2010/main" val="1857843588"/>
+        <p14:creationId xmlns:p14="http://schemas.microsoft.com/office/powerpoint/2010/main" val="4109833395"/>
       </p:ext>
     </p:extLst>
   </p:cSld>
@@ -3523,15 +3692,87 @@
             <a:pPr algn="r" rtl="1"/>
             <a:r>
               <a:rPr lang="he-IL" dirty="0"/>
-              <a:t>שימוש בספריית </a:t>
+              <a:t>הקומפיילר של </a:t>
             </a:r>
             <a:r>
               <a:rPr lang="en-US" dirty="0"/>
-              <a:t>CTYPES</a:t>
+              <a:t>GNU</a:t>
             </a:r>
             <a:r>
               <a:rPr lang="he-IL" dirty="0"/>
-              <a:t> של פייטון בתוך הקומפיילר שבנינו מאפשרת לנו לייצר שדות עם גודל בביטים, ולאחד אותם לפקודה של 32 ביט</a:t>
+              <a:t> ( </a:t>
+            </a:r>
+            <a:r>
+              <a:rPr lang="en-US" dirty="0"/>
+              <a:t>GCC – Gnu Compiler Collection </a:t>
+            </a:r>
+            <a:r>
+              <a:rPr lang="he-IL" dirty="0"/>
+              <a:t> ) לא תומך בפקודות החדשות שהוספנו, לכן היינו צריכים למצוא פתרון עבור כתיבת הפקודות בקודים שאנחנו רוצים להריץ.</a:t>
+            </a:r>
+          </a:p>
+          <a:p>
+            <a:pPr algn="r" rtl="1"/>
+            <a:r>
+              <a:rPr lang="he-IL" dirty="0"/>
+              <a:t>פתרון ראשון היה המרת הפקודות באופן ידני, בכל שינוי בפקודה יש צורך לבצע את ההמרה מחדש</a:t>
+            </a:r>
+          </a:p>
+          <a:p>
+            <a:pPr algn="r" rtl="1"/>
+            <a:r>
+              <a:rPr lang="he-IL" dirty="0"/>
+              <a:t>פתרון שני הוא עדכון של ה-</a:t>
+            </a:r>
+            <a:r>
+              <a:rPr lang="en-US" dirty="0"/>
+              <a:t>GCC</a:t>
+            </a:r>
+            <a:r>
+              <a:rPr lang="he-IL" dirty="0"/>
+              <a:t>, דבר שדורש מאיתנו גישה לקבצי מקור של </a:t>
+            </a:r>
+            <a:r>
+              <a:rPr lang="en-US" dirty="0"/>
+              <a:t>GCC</a:t>
+            </a:r>
+            <a:r>
+              <a:rPr lang="he-IL" dirty="0"/>
+              <a:t>, והכרה שלהם לעומק.</a:t>
+            </a:r>
+          </a:p>
+          <a:p>
+            <a:pPr algn="r" rtl="1"/>
+            <a:r>
+              <a:rPr lang="he-IL" dirty="0"/>
+              <a:t>פתרון שלישי הוא בניית סקריפט שירוץ לפני הקומפיילר של </a:t>
+            </a:r>
+            <a:r>
+              <a:rPr lang="en-US" dirty="0"/>
+              <a:t>GNU</a:t>
+            </a:r>
+            <a:r>
+              <a:rPr lang="he-IL" dirty="0"/>
+              <a:t>, וימיר את פקודות ה-</a:t>
+            </a:r>
+            <a:r>
+              <a:rPr lang="en-US" dirty="0"/>
+              <a:t>AES</a:t>
+            </a:r>
+            <a:r>
+              <a:rPr lang="he-IL" dirty="0"/>
+              <a:t> עבורנו.</a:t>
+            </a:r>
+          </a:p>
+          <a:p>
+            <a:pPr algn="r" rtl="1"/>
+            <a:r>
+              <a:rPr lang="he-IL" dirty="0"/>
+              <a:t>ניתן לראות בתמונה הדפסה של הסקריפט אותו בנינו, בה הוא מכריז על הצלחה בהמרת הפקודות למספר </a:t>
+            </a:r>
+            <a:r>
+              <a:rPr lang="he-IL" dirty="0" err="1"/>
+              <a:t>הקסאדצימלי</a:t>
             </a:r>
             <a:endParaRPr lang="en-US" dirty="0"/>
           </a:p>
@@ -3554,7 +3795,7 @@
           <a:p>
             <a:fld id="{FFE9FAFC-D191-4543-8F0A-0BA7C7185E85}" type="slidenum">
               <a:rPr lang="en-IL" smtClean="0"/>
-              <a:t>30</a:t>
+              <a:t>28</a:t>
             </a:fld>
             <a:endParaRPr lang="en-IL"/>
           </a:p>
@@ -3563,7 +3804,7 @@
     </p:spTree>
     <p:extLst>
       <p:ext uri="{BB962C8B-B14F-4D97-AF65-F5344CB8AC3E}">
-        <p14:creationId xmlns:p14="http://schemas.microsoft.com/office/powerpoint/2010/main" val="3477794511"/>
+        <p14:creationId xmlns:p14="http://schemas.microsoft.com/office/powerpoint/2010/main" val="1857843588"/>
       </p:ext>
     </p:extLst>
   </p:cSld>
@@ -3620,15 +3861,15 @@
             <a:pPr algn="r" rtl="1"/>
             <a:r>
               <a:rPr lang="he-IL" dirty="0"/>
-              <a:t>שימוש במילון של פייטון על מנת לקבל את מספרי הרגיסטרים לפי שם הרגיסטר, ואת מספר פונקציית ה-</a:t>
+              <a:t>שימוש בספריית </a:t>
             </a:r>
             <a:r>
               <a:rPr lang="en-US" dirty="0"/>
-              <a:t>AES</a:t>
+              <a:t>CTYPES</a:t>
             </a:r>
             <a:r>
               <a:rPr lang="he-IL" dirty="0"/>
-              <a:t> לפי שם הפקודה, מחליף את השימוש בערכים קבועים בקוד, והופך את העדכון שלו לפשוט יותר, ואת הקוד עצמו לקריא יותר.</a:t>
+              <a:t> של פייטון בתוך הקומפיילר שבנינו מאפשרת לנו לייצר שדות עם גודל בביטים, ולאחד אותם לפקודה של 32 ביט</a:t>
             </a:r>
             <a:endParaRPr lang="en-US" dirty="0"/>
           </a:p>
@@ -3651,7 +3892,7 @@
           <a:p>
             <a:fld id="{FFE9FAFC-D191-4543-8F0A-0BA7C7185E85}" type="slidenum">
               <a:rPr lang="en-IL" smtClean="0"/>
-              <a:t>31</a:t>
+              <a:t>29</a:t>
             </a:fld>
             <a:endParaRPr lang="en-IL"/>
           </a:p>
@@ -3660,7 +3901,7 @@
     </p:spTree>
     <p:extLst>
       <p:ext uri="{BB962C8B-B14F-4D97-AF65-F5344CB8AC3E}">
-        <p14:creationId xmlns:p14="http://schemas.microsoft.com/office/powerpoint/2010/main" val="1193252797"/>
+        <p14:creationId xmlns:p14="http://schemas.microsoft.com/office/powerpoint/2010/main" val="3477794511"/>
       </p:ext>
     </p:extLst>
   </p:cSld>
@@ -3851,7 +4092,7 @@
             </a:r>
             <a:r>
               <a:rPr lang="he-IL" dirty="0"/>
-              <a:t>, זהו אלגוריתם הצפנה סימטרי, כלומר, אותו מפתח משמש להצפנה ולפיענוח,  הוכרז ע"י המכון הלאומי לתקנים וטכנולוגיה בארה"ב כתקן הצפנה רישמי. נכון להיום, זהו תקן ההצפנה הנפוץ ביותר.</a:t>
+              <a:t>, זהו אלגוריתם צופן בלוקים סימטרי, כלומר, הצפנה בבלוקים בעלי גודל זהה, ואותו מפתח משמש להצפנה ולפיענוח. הוכרז ע"י המכון הלאומי לתקנים וטכנולוגיה בארה"ב כתקן הצפנה רישמי. נכון להיום, זהו תקן ההצפנה הנפוץ ביותר.</a:t>
             </a:r>
           </a:p>
         </p:txBody>
@@ -3939,22 +4180,7 @@
             <a:pPr algn="r" rtl="1"/>
             <a:r>
               <a:rPr lang="he-IL" dirty="0"/>
-              <a:t>כאן אנו רואים דוגמא ליצירת אובייקט מסוג </a:t>
-            </a:r>
-            <a:r>
-              <a:rPr lang="en-US" dirty="0"/>
-              <a:t>INSTR</a:t>
-            </a:r>
-            <a:r>
-              <a:rPr lang="he-IL" dirty="0"/>
-              <a:t> והשמה של ערכים לשדות שלו</a:t>
-            </a:r>
-          </a:p>
-          <a:p>
-            <a:pPr algn="r" rtl="1"/>
-            <a:r>
-              <a:rPr lang="he-IL" dirty="0"/>
-              <a:t>ובתמונה למטה ודוגמא לשימוש במילון הפונקציות של </a:t>
+              <a:t>שימוש במילון של פייטון על מנת לקבל את מספרי הרגיסטרים לפי שם הרגיסטר, ואת מספר פונקציית ה-</a:t>
             </a:r>
             <a:r>
               <a:rPr lang="en-US" dirty="0"/>
@@ -3962,23 +4188,7 @@
             </a:r>
             <a:r>
               <a:rPr lang="he-IL" dirty="0"/>
-              <a:t> (הרבה יותר קריא לקרוא את מספר הפונקציה של </a:t>
-            </a:r>
-            <a:r>
-              <a:rPr lang="en-US" dirty="0"/>
-              <a:t>AES</a:t>
-            </a:r>
-            <a:r>
-              <a:rPr lang="he-IL" dirty="0"/>
-              <a:t>_</a:t>
-            </a:r>
-            <a:r>
-              <a:rPr lang="en-US" dirty="0"/>
-              <a:t>RUN</a:t>
-            </a:r>
-            <a:r>
-              <a:rPr lang="he-IL" dirty="0"/>
-              <a:t> מהמילון לעומת השמה של המספר 4 ישירות)</a:t>
+              <a:t> לפי שם הפקודה, מחליף את השימוש בערכים קבועים בקוד, והופך את העדכון שלו לפשוט יותר, ואת הקוד עצמו לקריא יותר.</a:t>
             </a:r>
             <a:endParaRPr lang="en-US" dirty="0"/>
           </a:p>
@@ -4001,7 +4211,7 @@
           <a:p>
             <a:fld id="{FFE9FAFC-D191-4543-8F0A-0BA7C7185E85}" type="slidenum">
               <a:rPr lang="en-IL" smtClean="0"/>
-              <a:t>32</a:t>
+              <a:t>30</a:t>
             </a:fld>
             <a:endParaRPr lang="en-IL"/>
           </a:p>
@@ -4010,7 +4220,7 @@
     </p:spTree>
     <p:extLst>
       <p:ext uri="{BB962C8B-B14F-4D97-AF65-F5344CB8AC3E}">
-        <p14:creationId xmlns:p14="http://schemas.microsoft.com/office/powerpoint/2010/main" val="453670154"/>
+        <p14:creationId xmlns:p14="http://schemas.microsoft.com/office/powerpoint/2010/main" val="1193252797"/>
       </p:ext>
     </p:extLst>
   </p:cSld>
@@ -4067,110 +4277,46 @@
             <a:pPr algn="r" rtl="1"/>
             <a:r>
               <a:rPr lang="he-IL" dirty="0"/>
-              <a:t>בקוד מולנו ניתן לראות דוגמא לכתיבת רגיסטר אחד של מידע לרגיסטר </a:t>
-            </a:r>
-            <a:r>
-              <a:rPr lang="he-IL" dirty="0" err="1"/>
-              <a:t>פייל</a:t>
+              <a:t>כאן אנו רואים דוגמא ליצירת אובייקט מסוג </a:t>
+            </a:r>
+            <a:r>
+              <a:rPr lang="en-US" dirty="0"/>
+              <a:t>INSTR</a:t>
             </a:r>
             <a:r>
               <a:rPr lang="he-IL" dirty="0"/>
-              <a:t> </a:t>
+              <a:t> והשמה של ערכים לשדות שלו</a:t>
+            </a:r>
+          </a:p>
+          <a:p>
+            <a:pPr algn="r" rtl="1"/>
+            <a:r>
+              <a:rPr lang="he-IL" dirty="0"/>
+              <a:t>ובתמונה למטה ודוגמא לשימוש במילון הפונקציות של </a:t>
             </a:r>
             <a:r>
               <a:rPr lang="en-US" dirty="0"/>
               <a:t>AES</a:t>
             </a:r>
-            <a:endParaRPr lang="he-IL" dirty="0"/>
-          </a:p>
-          <a:p>
-            <a:pPr algn="r" rtl="1"/>
             <a:r>
               <a:rPr lang="he-IL" dirty="0"/>
-              <a:t>ודוגמא לכתיבת רגיסטר אחד של מפתח לרגיסטר </a:t>
-            </a:r>
-            <a:r>
-              <a:rPr lang="he-IL" dirty="0" err="1"/>
-              <a:t>פייל</a:t>
-            </a:r>
-            <a:r>
-              <a:rPr lang="he-IL" dirty="0"/>
-              <a:t> </a:t>
+              <a:t> (הרבה יותר קריא לקרוא את מספר הפונקציה של </a:t>
             </a:r>
             <a:r>
               <a:rPr lang="en-US" dirty="0"/>
               <a:t>AES</a:t>
             </a:r>
-            <a:endParaRPr lang="he-IL" dirty="0"/>
-          </a:p>
-          <a:p>
-            <a:pPr algn="r" rtl="1"/>
             <a:r>
               <a:rPr lang="he-IL" dirty="0"/>
-              <a:t>ניתן לראות שסימולציה זו הרבה יותר קריאה לעומת פקודות הכתובות במספר בבסיס </a:t>
-            </a:r>
-            <a:r>
-              <a:rPr lang="he-IL" dirty="0" err="1"/>
-              <a:t>הקסאדצימלי</a:t>
+              <a:t>_</a:t>
+            </a:r>
+            <a:r>
+              <a:rPr lang="en-US" dirty="0"/>
+              <a:t>RUN</a:t>
             </a:r>
             <a:r>
               <a:rPr lang="he-IL" dirty="0"/>
-              <a:t> (</a:t>
-            </a:r>
-            <a:r>
-              <a:rPr lang="en-US" dirty="0"/>
-              <a:t>.word 0x45453</a:t>
-            </a:r>
-            <a:r>
-              <a:rPr lang="he-IL" dirty="0"/>
-              <a:t>)</a:t>
-            </a:r>
-          </a:p>
-          <a:p>
-            <a:pPr algn="r" rtl="1"/>
-            <a:r>
-              <a:rPr lang="he-IL" dirty="0"/>
-              <a:t>(האחוזים בפקודות ה-</a:t>
-            </a:r>
-            <a:r>
-              <a:rPr lang="en-US" dirty="0"/>
-              <a:t>LUI – Load Upper Immediate</a:t>
-            </a:r>
-            <a:r>
-              <a:rPr lang="he-IL" dirty="0"/>
-              <a:t> משמשים אותנו להצבת ערכים </a:t>
-            </a:r>
-            <a:r>
-              <a:rPr lang="he-IL" dirty="0" err="1"/>
-              <a:t>רנדומים</a:t>
-            </a:r>
-            <a:r>
-              <a:rPr lang="he-IL" dirty="0"/>
-              <a:t> ב-</a:t>
-            </a:r>
-            <a:r>
-              <a:rPr lang="en-US" dirty="0"/>
-              <a:t>KEY</a:t>
-            </a:r>
-            <a:r>
-              <a:rPr lang="he-IL" dirty="0"/>
-              <a:t> ו-</a:t>
-            </a:r>
-            <a:r>
-              <a:rPr lang="en-US" dirty="0"/>
-              <a:t>DATA</a:t>
-            </a:r>
-            <a:r>
-              <a:rPr lang="he-IL" dirty="0"/>
-              <a:t> לצרכי </a:t>
-            </a:r>
-            <a:r>
-              <a:rPr lang="he-IL" dirty="0" err="1"/>
-              <a:t>וריפיקציה</a:t>
-            </a:r>
-            <a:r>
-              <a:rPr lang="he-IL" dirty="0"/>
-              <a:t>)</a:t>
+              <a:t> מהמילון לעומת השמה של המספר 4 ישירות)</a:t>
             </a:r>
             <a:endParaRPr lang="en-US" dirty="0"/>
           </a:p>
@@ -4193,7 +4339,7 @@
           <a:p>
             <a:fld id="{FFE9FAFC-D191-4543-8F0A-0BA7C7185E85}" type="slidenum">
               <a:rPr lang="en-IL" smtClean="0"/>
-              <a:t>33</a:t>
+              <a:t>31</a:t>
             </a:fld>
             <a:endParaRPr lang="en-IL"/>
           </a:p>
@@ -4202,7 +4348,7 @@
     </p:spTree>
     <p:extLst>
       <p:ext uri="{BB962C8B-B14F-4D97-AF65-F5344CB8AC3E}">
-        <p14:creationId xmlns:p14="http://schemas.microsoft.com/office/powerpoint/2010/main" val="377254288"/>
+        <p14:creationId xmlns:p14="http://schemas.microsoft.com/office/powerpoint/2010/main" val="453670154"/>
       </p:ext>
     </p:extLst>
   </p:cSld>
@@ -4259,7 +4405,15 @@
             <a:pPr algn="r" rtl="1"/>
             <a:r>
               <a:rPr lang="he-IL" dirty="0"/>
-              <a:t>זוהי דוגמא לטסט של מצפין ה-</a:t>
+              <a:t>בקוד מולנו ניתן לראות דוגמא לכתיבת רגיסטר אחד של מידע לרגיסטר </a:t>
+            </a:r>
+            <a:r>
+              <a:rPr lang="he-IL" dirty="0" err="1"/>
+              <a:t>פייל</a:t>
+            </a:r>
+            <a:r>
+              <a:rPr lang="he-IL" dirty="0"/>
+              <a:t> </a:t>
             </a:r>
             <a:r>
               <a:rPr lang="en-US" dirty="0"/>
@@ -4271,50 +4425,11 @@
             <a:pPr algn="r" rtl="1"/>
             <a:r>
               <a:rPr lang="he-IL" dirty="0"/>
-              <a:t>ניתן לראות (בכחול) שההצפנה ב-</a:t>
-            </a:r>
-            <a:r>
-              <a:rPr lang="en-US" dirty="0"/>
-              <a:t>RISCV</a:t>
-            </a:r>
-            <a:r>
-              <a:rPr lang="he-IL" dirty="0"/>
-              <a:t> זהה להצפנה ב-</a:t>
-            </a:r>
-            <a:r>
-              <a:rPr lang="en-US" dirty="0"/>
-              <a:t>C</a:t>
-            </a:r>
-            <a:r>
-              <a:rPr lang="he-IL" dirty="0"/>
-              <a:t>, וזהה להצפנה ב-פייטון, לכן הטסט עבר בהצלחה (בכחול)</a:t>
-            </a:r>
-          </a:p>
-          <a:p>
-            <a:pPr algn="r" rtl="1"/>
-            <a:r>
-              <a:rPr lang="he-IL" dirty="0"/>
-              <a:t>ניתן לראות (באדום) שה-</a:t>
-            </a:r>
-            <a:r>
-              <a:rPr lang="en-US" dirty="0"/>
-              <a:t>RISCV</a:t>
-            </a:r>
-            <a:r>
-              <a:rPr lang="he-IL" dirty="0"/>
-              <a:t> רץ ב-5417 מחזורים בעוד </a:t>
-            </a:r>
-            <a:r>
-              <a:rPr lang="en-US" dirty="0"/>
-              <a:t>C</a:t>
-            </a:r>
-            <a:r>
-              <a:rPr lang="he-IL" dirty="0"/>
-              <a:t> רץ ב-32715 מחזורים, לכן אנו רואים שיפור משמעותי בזמן הריצה ב-</a:t>
-            </a:r>
-            <a:r>
-              <a:rPr lang="en-US" dirty="0"/>
-              <a:t>RISCV</a:t>
+              <a:t>ודוגמא לכתיבת רגיסטר אחד של מפתח לרגיסטר </a:t>
+            </a:r>
+            <a:r>
+              <a:rPr lang="he-IL" dirty="0" err="1"/>
+              <a:t>פייל</a:t>
             </a:r>
             <a:r>
               <a:rPr lang="he-IL" dirty="0"/>
@@ -4324,40 +4439,76 @@
               <a:rPr lang="en-US" dirty="0"/>
               <a:t>AES</a:t>
             </a:r>
+            <a:endParaRPr lang="he-IL" dirty="0"/>
+          </a:p>
+          <a:p>
+            <a:pPr algn="r" rtl="1"/>
             <a:r>
               <a:rPr lang="he-IL" dirty="0"/>
-              <a:t> לעומת </a:t>
+              <a:t>ניתן לראות שסימולציה זו הרבה יותר קריאה לעומת פקודות הכתובות במספר בבסיס </a:t>
+            </a:r>
+            <a:r>
+              <a:rPr lang="he-IL" dirty="0" err="1"/>
+              <a:t>הקסאדצימלי</a:t>
+            </a:r>
+            <a:r>
+              <a:rPr lang="he-IL" dirty="0"/>
+              <a:t> (</a:t>
             </a:r>
             <a:r>
               <a:rPr lang="en-US" dirty="0"/>
-              <a:t>C</a:t>
+              <a:t>.word 0x45453</a:t>
             </a:r>
             <a:r>
               <a:rPr lang="he-IL" dirty="0"/>
-              <a:t> </a:t>
+              <a:t>)</a:t>
+            </a:r>
+          </a:p>
+          <a:p>
+            <a:pPr algn="r" rtl="1"/>
+            <a:r>
+              <a:rPr lang="he-IL" dirty="0"/>
+              <a:t>(האחוזים בפקודות ה-</a:t>
             </a:r>
             <a:r>
               <a:rPr lang="en-US" dirty="0"/>
-              <a:t>AES</a:t>
+              <a:t>LUI – Load Upper Immediate</a:t>
             </a:r>
             <a:r>
               <a:rPr lang="he-IL" dirty="0"/>
-              <a:t> ( פי 6 יותר מהיר, באדום)</a:t>
-            </a:r>
-          </a:p>
-          <a:p>
-            <a:pPr algn="r" rtl="1"/>
+              <a:t> משמשים אותנו להצבת ערכים </a:t>
+            </a:r>
+            <a:r>
+              <a:rPr lang="he-IL" dirty="0" err="1"/>
+              <a:t>רנדומים</a:t>
+            </a:r>
             <a:r>
               <a:rPr lang="he-IL" dirty="0"/>
-              <a:t>הטקסט שהצפנו בכתום, והטקסט לאחר ההצפנה בירוק, ניתן לראות שהרקע שמלווה אותנו במצגת בצד שמאל למעלה הוא בעצם הצפנה של המשפט </a:t>
+              <a:t> ב-</a:t>
             </a:r>
             <a:r>
               <a:rPr lang="en-US" dirty="0"/>
-              <a:t>thanks take care</a:t>
+              <a:t>KEY</a:t>
             </a:r>
             <a:r>
               <a:rPr lang="he-IL" dirty="0"/>
-              <a:t>, בעוד שלא ניתן להבין זאת כלל ללא פענוח הטקסט המוצפן.</a:t>
+              <a:t> ו-</a:t>
+            </a:r>
+            <a:r>
+              <a:rPr lang="en-US" dirty="0"/>
+              <a:t>DATA</a:t>
+            </a:r>
+            <a:r>
+              <a:rPr lang="he-IL" dirty="0"/>
+              <a:t> לצרכי </a:t>
+            </a:r>
+            <a:r>
+              <a:rPr lang="he-IL" dirty="0" err="1"/>
+              <a:t>וריפיקציה</a:t>
+            </a:r>
+            <a:r>
+              <a:rPr lang="he-IL" dirty="0"/>
+              <a:t>)</a:t>
             </a:r>
             <a:endParaRPr lang="en-US" dirty="0"/>
           </a:p>
@@ -4380,7 +4531,7 @@
           <a:p>
             <a:fld id="{FFE9FAFC-D191-4543-8F0A-0BA7C7185E85}" type="slidenum">
               <a:rPr lang="en-IL" smtClean="0"/>
-              <a:t>34</a:t>
+              <a:t>32</a:t>
             </a:fld>
             <a:endParaRPr lang="en-IL"/>
           </a:p>
@@ -4389,7 +4540,7 @@
     </p:spTree>
     <p:extLst>
       <p:ext uri="{BB962C8B-B14F-4D97-AF65-F5344CB8AC3E}">
-        <p14:creationId xmlns:p14="http://schemas.microsoft.com/office/powerpoint/2010/main" val="3312130443"/>
+        <p14:creationId xmlns:p14="http://schemas.microsoft.com/office/powerpoint/2010/main" val="377254288"/>
       </p:ext>
     </p:extLst>
   </p:cSld>
@@ -4446,15 +4597,19 @@
             <a:pPr algn="r" rtl="1"/>
             <a:r>
               <a:rPr lang="he-IL" dirty="0"/>
-              <a:t>לסיכום, מימשנו בהצלחה מאיץ </a:t>
+              <a:t>זוהי דוגמא לטסט של מצפין ה-</a:t>
             </a:r>
             <a:r>
               <a:rPr lang="en-US" dirty="0"/>
               <a:t>AES</a:t>
             </a:r>
+            <a:endParaRPr lang="he-IL" dirty="0"/>
+          </a:p>
+          <a:p>
+            <a:pPr algn="r" rtl="1"/>
             <a:r>
               <a:rPr lang="he-IL" dirty="0"/>
-              <a:t> בתוך מעבד </a:t>
+              <a:t>ניתן לראות (בכחול) שההצפנה ב-</a:t>
             </a:r>
             <a:r>
               <a:rPr lang="en-US" dirty="0"/>
@@ -4462,35 +4617,22 @@
             </a:r>
             <a:r>
               <a:rPr lang="he-IL" dirty="0"/>
-              <a:t>, תוך שמירה על ביצועי </a:t>
+              <a:t> זהה להצפנה ב-</a:t>
             </a:r>
             <a:r>
               <a:rPr lang="en-US" dirty="0"/>
-              <a:t>POWER</a:t>
+              <a:t>C</a:t>
             </a:r>
             <a:r>
               <a:rPr lang="he-IL" dirty="0"/>
-              <a:t> ו-</a:t>
-            </a:r>
-            <a:r>
-              <a:rPr lang="en-US" dirty="0"/>
-              <a:t>TIME</a:t>
-            </a:r>
+              <a:t>, וזהה להצפנה ב-פייטון, לכן הטסט עבר בהצלחה (בכחול)</a:t>
+            </a:r>
+          </a:p>
+          <a:p>
+            <a:pPr algn="r" rtl="1"/>
             <a:r>
               <a:rPr lang="he-IL" dirty="0"/>
-              <a:t>, אך עם השפעה ניכרת על ה-</a:t>
-            </a:r>
-            <a:r>
-              <a:rPr lang="en-US" dirty="0"/>
-              <a:t>AREA</a:t>
-            </a:r>
-            <a:endParaRPr lang="he-IL" dirty="0"/>
-          </a:p>
-          <a:p>
-            <a:pPr algn="r" rtl="1"/>
-            <a:r>
-              <a:rPr lang="he-IL" dirty="0"/>
-              <a:t>ייצרנו סביבת משתמש קלה לשימוש, הכוללת כתיבת פקודות בצורה דומה לפקודות המקוריות של </a:t>
+              <a:t>ניתן לראות (באדום) שה-</a:t>
             </a:r>
             <a:r>
               <a:rPr lang="en-US" dirty="0"/>
@@ -4498,7 +4640,31 @@
             </a:r>
             <a:r>
               <a:rPr lang="he-IL" dirty="0"/>
-              <a:t>, ובנוסף סקריפט בדיקה למערכת ה-</a:t>
+              <a:t> רץ ב-</a:t>
+            </a:r>
+            <a:r>
+              <a:rPr lang="en-US" dirty="0"/>
+              <a:t> </a:t>
+            </a:r>
+            <a:r>
+              <a:rPr lang="he-IL" dirty="0"/>
+              <a:t>5370  מחזורים בעוד </a:t>
+            </a:r>
+            <a:r>
+              <a:rPr lang="en-US" dirty="0"/>
+              <a:t>C</a:t>
+            </a:r>
+            <a:r>
+              <a:rPr lang="he-IL" dirty="0"/>
+              <a:t> רץ ב-32776 מחזורים, לכן אנו רואים שיפור משמעותי בזמן הריצה ב-</a:t>
+            </a:r>
+            <a:r>
+              <a:rPr lang="en-US" dirty="0"/>
+              <a:t>RISCV</a:t>
+            </a:r>
+            <a:r>
+              <a:rPr lang="he-IL" dirty="0"/>
+              <a:t> </a:t>
             </a:r>
             <a:r>
               <a:rPr lang="en-US" dirty="0"/>
@@ -4506,41 +4672,39 @@
             </a:r>
             <a:r>
               <a:rPr lang="he-IL" dirty="0"/>
-              <a:t>.</a:t>
+              <a:t> לעומת </a:t>
+            </a:r>
+            <a:r>
+              <a:rPr lang="en-US" dirty="0"/>
+              <a:t>C</a:t>
+            </a:r>
+            <a:r>
+              <a:rPr lang="he-IL" dirty="0"/>
+              <a:t> </a:t>
+            </a:r>
+            <a:r>
+              <a:rPr lang="en-US" dirty="0"/>
+              <a:t>AES</a:t>
+            </a:r>
+            <a:r>
+              <a:rPr lang="he-IL" dirty="0"/>
+              <a:t> ( פי 6 יותר מהיר, באדום)</a:t>
             </a:r>
           </a:p>
           <a:p>
             <a:pPr algn="r" rtl="1"/>
             <a:r>
               <a:rPr lang="he-IL" dirty="0"/>
-              <a:t>שיפרנו את הסקריפטים המקוריים, והוספנו אפשרויות סימולציה.</a:t>
-            </a:r>
-          </a:p>
-          <a:p>
-            <a:pPr algn="r" rtl="1"/>
+              <a:t>הטקסט שהצפנו בכתום, והטקסט לאחר ההצפנה בירוק, ניתן לראות שהרקע שמלווה אותנו במצגת בצד שמאל למעלה הוא בעצם הצפנה של המשפט </a:t>
+            </a:r>
+            <a:r>
+              <a:rPr lang="en-US" dirty="0"/>
+              <a:t>thanks take care</a:t>
+            </a:r>
             <a:r>
               <a:rPr lang="he-IL" dirty="0"/>
-              <a:t>והוספנו סקריפט </a:t>
-            </a:r>
-            <a:r>
-              <a:rPr lang="he-IL" dirty="0" err="1"/>
-              <a:t>סינטזה</a:t>
-            </a:r>
-            <a:r>
-              <a:rPr lang="he-IL" dirty="0"/>
-              <a:t> המקל על השימוש והפיתוח בבקר ה-</a:t>
-            </a:r>
-            <a:r>
-              <a:rPr lang="en-US" dirty="0"/>
-              <a:t>PULPENIX</a:t>
-            </a:r>
-            <a:r>
-              <a:rPr lang="he-IL"/>
-              <a:t>.</a:t>
-            </a:r>
-          </a:p>
-          <a:p>
-            <a:pPr algn="r" rtl="1"/>
+              <a:t>, בעוד שלא ניתן להבין זאת כלל ללא פענוח הטקסט המוצפן.</a:t>
+            </a:r>
             <a:endParaRPr lang="en-US" dirty="0"/>
           </a:p>
         </p:txBody>
@@ -4562,7 +4726,7 @@
           <a:p>
             <a:fld id="{FFE9FAFC-D191-4543-8F0A-0BA7C7185E85}" type="slidenum">
               <a:rPr lang="en-IL" smtClean="0"/>
-              <a:t>35</a:t>
+              <a:t>33</a:t>
             </a:fld>
             <a:endParaRPr lang="en-IL"/>
           </a:p>
@@ -4571,7 +4735,7 @@
     </p:spTree>
     <p:extLst>
       <p:ext uri="{BB962C8B-B14F-4D97-AF65-F5344CB8AC3E}">
-        <p14:creationId xmlns:p14="http://schemas.microsoft.com/office/powerpoint/2010/main" val="2719930758"/>
+        <p14:creationId xmlns:p14="http://schemas.microsoft.com/office/powerpoint/2010/main" val="3312130443"/>
       </p:ext>
     </p:extLst>
   </p:cSld>
@@ -4625,7 +4789,105 @@
           <a:bodyPr/>
           <a:lstStyle/>
           <a:p>
-            <a:endParaRPr lang="en-US"/>
+            <a:pPr algn="r" rtl="1"/>
+            <a:r>
+              <a:rPr lang="he-IL" dirty="0"/>
+              <a:t>לסיכום, מימשנו בהצלחה מאיץ </a:t>
+            </a:r>
+            <a:r>
+              <a:rPr lang="en-US" dirty="0"/>
+              <a:t>AES</a:t>
+            </a:r>
+            <a:r>
+              <a:rPr lang="he-IL" dirty="0"/>
+              <a:t> בתוך מעבד </a:t>
+            </a:r>
+            <a:r>
+              <a:rPr lang="en-US" dirty="0"/>
+              <a:t>RISCV</a:t>
+            </a:r>
+            <a:r>
+              <a:rPr lang="he-IL" dirty="0"/>
+              <a:t>, תוך שמירה על ביצועי </a:t>
+            </a:r>
+            <a:r>
+              <a:rPr lang="en-US" dirty="0"/>
+              <a:t>POWER</a:t>
+            </a:r>
+            <a:r>
+              <a:rPr lang="he-IL" dirty="0"/>
+              <a:t> ו-</a:t>
+            </a:r>
+            <a:r>
+              <a:rPr lang="en-US" dirty="0"/>
+              <a:t>TIME</a:t>
+            </a:r>
+            <a:r>
+              <a:rPr lang="he-IL" dirty="0"/>
+              <a:t>, ועם השפעה ניכרת על ה-</a:t>
+            </a:r>
+            <a:r>
+              <a:rPr lang="en-US" dirty="0"/>
+              <a:t>AREA</a:t>
+            </a:r>
+            <a:endParaRPr lang="he-IL" dirty="0"/>
+          </a:p>
+          <a:p>
+            <a:pPr algn="r" rtl="1"/>
+            <a:r>
+              <a:rPr lang="he-IL" dirty="0"/>
+              <a:t>ייצרנו סביבת משתמש קלה לשימוש, הכוללת כתיבת פקודות בצורה דומה לפקודות המקוריות של </a:t>
+            </a:r>
+            <a:r>
+              <a:rPr lang="en-US" dirty="0"/>
+              <a:t>RISCV</a:t>
+            </a:r>
+            <a:r>
+              <a:rPr lang="he-IL" dirty="0"/>
+              <a:t>, ובנוסף סקריפט בדיקה למערכת ה-</a:t>
+            </a:r>
+            <a:r>
+              <a:rPr lang="en-US" dirty="0"/>
+              <a:t>AES</a:t>
+            </a:r>
+            <a:r>
+              <a:rPr lang="he-IL" dirty="0"/>
+              <a:t>.</a:t>
+            </a:r>
+          </a:p>
+          <a:p>
+            <a:pPr algn="r" rtl="1"/>
+            <a:r>
+              <a:rPr lang="he-IL" dirty="0"/>
+              <a:t>שיפרנו את הסקריפטים המקוריים, והוספנו אפשרויות סימולציה.</a:t>
+            </a:r>
+          </a:p>
+          <a:p>
+            <a:pPr algn="r" rtl="1"/>
+            <a:r>
+              <a:rPr lang="he-IL" dirty="0"/>
+              <a:t>הוספנו סקריפט </a:t>
+            </a:r>
+            <a:r>
+              <a:rPr lang="he-IL" dirty="0" err="1"/>
+              <a:t>סינטזה</a:t>
+            </a:r>
+            <a:r>
+              <a:rPr lang="he-IL" dirty="0"/>
+              <a:t> המקל על השימוש והפיתוח בבקר ה-</a:t>
+            </a:r>
+            <a:r>
+              <a:rPr lang="en-US" dirty="0"/>
+              <a:t>PULPENIX</a:t>
+            </a:r>
+            <a:r>
+              <a:rPr lang="he-IL" dirty="0"/>
+              <a:t>.</a:t>
+            </a:r>
+          </a:p>
+          <a:p>
+            <a:pPr algn="r" rtl="1"/>
+            <a:endParaRPr lang="en-US" dirty="0"/>
           </a:p>
         </p:txBody>
       </p:sp>
@@ -4646,7 +4908,91 @@
           <a:p>
             <a:fld id="{FFE9FAFC-D191-4543-8F0A-0BA7C7185E85}" type="slidenum">
               <a:rPr lang="en-IL" smtClean="0"/>
-              <a:t>36</a:t>
+              <a:t>34</a:t>
+            </a:fld>
+            <a:endParaRPr lang="en-IL"/>
+          </a:p>
+        </p:txBody>
+      </p:sp>
+    </p:spTree>
+    <p:extLst>
+      <p:ext uri="{BB962C8B-B14F-4D97-AF65-F5344CB8AC3E}">
+        <p14:creationId xmlns:p14="http://schemas.microsoft.com/office/powerpoint/2010/main" val="2719930758"/>
+      </p:ext>
+    </p:extLst>
+  </p:cSld>
+  <p:clrMapOvr>
+    <a:masterClrMapping/>
+  </p:clrMapOvr>
+</p:notes>
+</file>
+
+<file path=ppt/notesSlides/notesSlide35.xml><?xml version="1.0" encoding="utf-8"?>
+<p:notes xmlns:a="http://schemas.openxmlformats.org/drawingml/2006/main" xmlns:r="http://schemas.openxmlformats.org/officeDocument/2006/relationships" xmlns:p="http://schemas.openxmlformats.org/presentationml/2006/main">
+  <p:cSld>
+    <p:spTree>
+      <p:nvGrpSpPr>
+        <p:cNvPr id="1" name=""/>
+        <p:cNvGrpSpPr/>
+        <p:nvPr/>
+      </p:nvGrpSpPr>
+      <p:grpSpPr>
+        <a:xfrm>
+          <a:off x="0" y="0"/>
+          <a:ext cx="0" cy="0"/>
+          <a:chOff x="0" y="0"/>
+          <a:chExt cx="0" cy="0"/>
+        </a:xfrm>
+      </p:grpSpPr>
+      <p:sp>
+        <p:nvSpPr>
+          <p:cNvPr id="2" name="Slide Image Placeholder 1"/>
+          <p:cNvSpPr>
+            <a:spLocks noGrp="1" noRot="1" noChangeAspect="1"/>
+          </p:cNvSpPr>
+          <p:nvPr>
+            <p:ph type="sldImg"/>
+          </p:nvPr>
+        </p:nvSpPr>
+        <p:spPr/>
+      </p:sp>
+      <p:sp>
+        <p:nvSpPr>
+          <p:cNvPr id="3" name="Notes Placeholder 2"/>
+          <p:cNvSpPr>
+            <a:spLocks noGrp="1"/>
+          </p:cNvSpPr>
+          <p:nvPr>
+            <p:ph type="body" idx="1"/>
+          </p:nvPr>
+        </p:nvSpPr>
+        <p:spPr/>
+        <p:txBody>
+          <a:bodyPr/>
+          <a:lstStyle/>
+          <a:p>
+            <a:endParaRPr lang="en-US"/>
+          </a:p>
+        </p:txBody>
+      </p:sp>
+      <p:sp>
+        <p:nvSpPr>
+          <p:cNvPr id="4" name="Slide Number Placeholder 3"/>
+          <p:cNvSpPr>
+            <a:spLocks noGrp="1"/>
+          </p:cNvSpPr>
+          <p:nvPr>
+            <p:ph type="sldNum" sz="quarter" idx="5"/>
+          </p:nvPr>
+        </p:nvSpPr>
+        <p:spPr/>
+        <p:txBody>
+          <a:bodyPr/>
+          <a:lstStyle/>
+          <a:p>
+            <a:fld id="{FFE9FAFC-D191-4543-8F0A-0BA7C7185E85}" type="slidenum">
+              <a:rPr lang="en-IL" smtClean="0"/>
+              <a:t>35</a:t>
             </a:fld>
             <a:endParaRPr lang="en-IL"/>
           </a:p>
@@ -4720,7 +5066,7 @@
             </a:r>
             <a:r>
               <a:rPr lang="he-IL" dirty="0"/>
-              <a:t> מורכבת מ-4 שלבים:</a:t>
+              <a:t> המורכבת מ-4 שלבים:</a:t>
             </a:r>
           </a:p>
           <a:p>
@@ -4869,7 +5215,7 @@
             <a:pPr algn="r" rtl="1"/>
             <a:r>
               <a:rPr lang="he-IL" dirty="0"/>
-              <a:t>מימוש והטמנעת מאיץ </a:t>
+              <a:t>מימוש והטמעת מאיץ </a:t>
             </a:r>
             <a:r>
               <a:rPr lang="en-US" dirty="0"/>
@@ -5022,7 +5368,7 @@
             <a:pPr algn="r" rtl="1"/>
             <a:r>
               <a:rPr lang="he-IL" dirty="0"/>
-              <a:t>		דורש הרבה מקום מלבד מנוע ההצפנה אנחנו מוסיפים עוד 8 רגיסטרים.</a:t>
+              <a:t>		דורש הרבה מקום - מלבד מנוע ההצפנה אנחנו מוסיפים עוד 9 רגיסטרים.</a:t>
             </a:r>
             <a:br>
               <a:rPr lang="en-US" dirty="0"/>
@@ -5037,14 +5383,7 @@
             </a:r>
             <a:r>
               <a:rPr lang="he-IL" dirty="0"/>
-              <a:t> – בפתרון זה אנו מצפינים כל רגיסטר בנפרד ולכן ניתן להצפין ישר כשהמידע מתקבל, פתרון זה חסכוני מאוד בכל הפרמטרים וקל מאוד למימוש אך החיסרון, וזה חיסרון משמעותי שלא</a:t>
-            </a:r>
-          </a:p>
-          <a:p>
-            <a:pPr algn="r" rtl="1"/>
-            <a:r>
-              <a:rPr lang="he-IL" dirty="0"/>
-              <a:t>		ניתן להצפין את המידע עם </a:t>
+              <a:t> – בפתרון זה אנו מצפינים כל רגיסטר בנפרד ולכן ניתן להצפין ישר כשהמידע מתקבל, פתרון זה חסכוני מאוד בכל הפרמטרים וקל מאוד למימוש,  אך החיסרון, וזה חיסרון משמעותי שלא ניתן להצפין את המידע עם </a:t>
             </a:r>
             <a:r>
               <a:rPr lang="en-US" dirty="0"/>
@@ -5052,7 +5391,22 @@
             </a:r>
             <a:r>
               <a:rPr lang="he-IL" dirty="0"/>
-              <a:t> כי הצפנת </a:t>
+              <a:t> או עם אחד האלגוריתמים הנפוצים, כי אלה מצפינים בלוקים של 128 או 64 ביטים מינימום.</a:t>
+            </a:r>
+          </a:p>
+          <a:p>
+            <a:pPr algn="r" rtl="1"/>
+            <a:endParaRPr lang="he-IL" dirty="0"/>
+          </a:p>
+          <a:p>
+            <a:pPr algn="r" rtl="1"/>
+            <a:r>
+              <a:rPr lang="en-US" dirty="0"/>
+              <a:t>Encryption command</a:t>
+            </a:r>
+            <a:r>
+              <a:rPr lang="he-IL" dirty="0"/>
+              <a:t> –בכל פעם שהמשתמש רוצה להצפין מידע ששמור ברגיסטר מסוים, הוא קורא מהזיכרון את המידע  שבבלוק 128 הביטים הרלוונטיים, מפענח אותם, מחליף את הערך הרצוי, מצפין וכותב לזיכרון. בפתרון זה  אנו משתמשים בהצפנת </a:t>
             </a:r>
             <a:r>
               <a:rPr lang="en-US" dirty="0"/>
@@ -5060,37 +5414,7 @@
             </a:r>
             <a:r>
               <a:rPr lang="he-IL" dirty="0"/>
-              <a:t> דורשת לפחות 128 ביטים.</a:t>
-            </a:r>
-          </a:p>
-          <a:p>
-            <a:pPr algn="r" rtl="1"/>
-            <a:endParaRPr lang="he-IL" dirty="0"/>
-          </a:p>
-          <a:p>
-            <a:pPr algn="r" rtl="1"/>
-            <a:r>
-              <a:rPr lang="en-US" dirty="0"/>
-              <a:t>Encryption command</a:t>
-            </a:r>
-            <a:r>
-              <a:rPr lang="he-IL" dirty="0"/>
-              <a:t> –בכל פעם שהמשתמש רוצה להצפין מידע ששמור ברגיסטר מסוים, הוא קורא מהזיכרון את המידע  בבלוק 128 הביטים הרלוונטים מפענח אותם מחליף את הערך הרצוי מצפין וכותב לזיכרון. בפתרון זה  אנו משתמשים בהצפנת </a:t>
-            </a:r>
-            <a:r>
-              <a:rPr lang="en-US" dirty="0"/>
-              <a:t>AES</a:t>
-            </a:r>
-            <a:r>
-              <a:rPr lang="he-IL" dirty="0"/>
-              <a:t> וניתן גם להצפין רגיסטר בודד אךיש לו מספר חסרונות, תהיה האטה משמעותית במעבד, נדרש לממש פיענוח, כלומר, נשלם בשטח, </a:t>
-            </a:r>
-          </a:p>
-          <a:p>
-            <a:pPr algn="r" rtl="1"/>
-            <a:r>
-              <a:rPr lang="he-IL" dirty="0"/>
-              <a:t>ובמשך זמן הקריאה מהזיכרון והפיענוח המידע שלנו חשוף.</a:t>
+              <a:t> וניתן גם להצפין רגיסטר בודד אך יש לו מספר חסרונות- תהיה האטה משמעותית במעבד, נדרש לממש פיענוח, כלומר, נשלם בשטח, ובמשך זמן הקריאה מהזיכרון והפיענוח המידע שלנו חשוף.</a:t>
             </a:r>
           </a:p>
           <a:p>
@@ -5501,7 +5825,7 @@
             <a:pPr algn="r" rtl="1"/>
             <a:r>
               <a:rPr lang="he-IL" dirty="0"/>
-              <a:t>שלב ראשון בכל סבבה הינו פעולת </a:t>
+              <a:t>שלב ראשון בכל סבב הינו פעולת </a:t>
             </a:r>
             <a:r>
               <a:rPr lang="en-US" dirty="0"/>
@@ -14185,42 +14509,6 @@
           </a:p>
         </p:txBody>
       </p:sp>
-      <p:pic>
-        <p:nvPicPr>
-          <p:cNvPr id="8" name="Picture 7">
-            <a:extLst>
-              <a:ext uri="{FF2B5EF4-FFF2-40B4-BE49-F238E27FC236}">
-                <a16:creationId xmlns:a16="http://schemas.microsoft.com/office/drawing/2014/main" id="{566E78DF-8A11-4D92-97C5-CB992262998E}"/>
-              </a:ext>
-            </a:extLst>
-          </p:cNvPr>
-          <p:cNvPicPr>
-            <a:picLocks noChangeAspect="1"/>
-          </p:cNvPicPr>
-          <p:nvPr/>
-        </p:nvPicPr>
-        <p:blipFill>
-          <a:blip r:embed="rId3">
-            <a:extLst>
-              <a:ext uri="{28A0092B-C50C-407E-A947-70E740481C1C}">
-                <a14:useLocalDpi xmlns:a14="http://schemas.microsoft.com/office/drawing/2010/main" val="0"/>
-              </a:ext>
-            </a:extLst>
-          </a:blip>
-          <a:stretch>
-            <a:fillRect/>
-          </a:stretch>
-        </p:blipFill>
-        <p:spPr>
-          <a:xfrm>
-            <a:off x="2524274" y="1292324"/>
-            <a:ext cx="7143451" cy="4988404"/>
-          </a:xfrm>
-          <a:prstGeom prst="rect">
-            <a:avLst/>
-          </a:prstGeom>
-        </p:spPr>
-      </p:pic>
       <p:sp>
         <p:nvSpPr>
           <p:cNvPr id="4" name="Slide Number Placeholder 3">
@@ -14255,6 +14543,42 @@
           </a:p>
         </p:txBody>
       </p:sp>
+      <p:pic>
+        <p:nvPicPr>
+          <p:cNvPr id="7" name="Picture 6">
+            <a:extLst>
+              <a:ext uri="{FF2B5EF4-FFF2-40B4-BE49-F238E27FC236}">
+                <a16:creationId xmlns:a16="http://schemas.microsoft.com/office/drawing/2014/main" id="{09D4E685-4E39-49D9-AEBA-16D725EC5F20}"/>
+              </a:ext>
+            </a:extLst>
+          </p:cNvPr>
+          <p:cNvPicPr>
+            <a:picLocks noChangeAspect="1"/>
+          </p:cNvPicPr>
+          <p:nvPr/>
+        </p:nvPicPr>
+        <p:blipFill>
+          <a:blip r:embed="rId3">
+            <a:extLst>
+              <a:ext uri="{28A0092B-C50C-407E-A947-70E740481C1C}">
+                <a14:useLocalDpi xmlns:a14="http://schemas.microsoft.com/office/drawing/2010/main" val="0"/>
+              </a:ext>
+            </a:extLst>
+          </a:blip>
+          <a:stretch>
+            <a:fillRect/>
+          </a:stretch>
+        </p:blipFill>
+        <p:spPr>
+          <a:xfrm>
+            <a:off x="2057400" y="1319999"/>
+            <a:ext cx="8077200" cy="5172876"/>
+          </a:xfrm>
+          <a:prstGeom prst="rect">
+            <a:avLst/>
+          </a:prstGeom>
+        </p:spPr>
+      </p:pic>
     </p:spTree>
     <p:extLst>
       <p:ext uri="{BB962C8B-B14F-4D97-AF65-F5344CB8AC3E}">
@@ -14314,6 +14638,81 @@
           </a:p>
         </p:txBody>
       </p:sp>
+      <p:sp>
+        <p:nvSpPr>
+          <p:cNvPr id="5" name="TextBox 4">
+            <a:extLst>
+              <a:ext uri="{FF2B5EF4-FFF2-40B4-BE49-F238E27FC236}">
+                <a16:creationId xmlns:a16="http://schemas.microsoft.com/office/drawing/2014/main" id="{3C349038-B6D9-4BFE-A494-6E495E1AF965}"/>
+              </a:ext>
+            </a:extLst>
+          </p:cNvPr>
+          <p:cNvSpPr txBox="1"/>
+          <p:nvPr/>
+        </p:nvSpPr>
+        <p:spPr>
+          <a:xfrm>
+            <a:off x="3106271" y="577272"/>
+            <a:ext cx="5979458" cy="461665"/>
+          </a:xfrm>
+          <a:prstGeom prst="rect">
+            <a:avLst/>
+          </a:prstGeom>
+          <a:noFill/>
+        </p:spPr>
+        <p:txBody>
+          <a:bodyPr wrap="square" rtlCol="0">
+            <a:spAutoFit/>
+          </a:bodyPr>
+          <a:lstStyle/>
+          <a:p>
+            <a:pPr algn="ctr"/>
+            <a:r>
+              <a:rPr lang="en-US" sz="2400" dirty="0">
+                <a:latin typeface="Arial" panose="020B0604020202020204" pitchFamily="34" charset="0"/>
+                <a:cs typeface="Arial" panose="020B0604020202020204" pitchFamily="34" charset="0"/>
+              </a:rPr>
+              <a:t>AES Sync Engine Architecture</a:t>
+            </a:r>
+          </a:p>
+        </p:txBody>
+      </p:sp>
+      <p:pic>
+        <p:nvPicPr>
+          <p:cNvPr id="7" name="Picture 6">
+            <a:extLst>
+              <a:ext uri="{FF2B5EF4-FFF2-40B4-BE49-F238E27FC236}">
+                <a16:creationId xmlns:a16="http://schemas.microsoft.com/office/drawing/2014/main" id="{76854A2C-1CD8-4F90-B1F4-F1C634AC9DBA}"/>
+              </a:ext>
+            </a:extLst>
+          </p:cNvPr>
+          <p:cNvPicPr>
+            <a:picLocks noChangeAspect="1"/>
+          </p:cNvPicPr>
+          <p:nvPr/>
+        </p:nvPicPr>
+        <p:blipFill>
+          <a:blip r:embed="rId3">
+            <a:extLst>
+              <a:ext uri="{28A0092B-C50C-407E-A947-70E740481C1C}">
+                <a14:useLocalDpi xmlns:a14="http://schemas.microsoft.com/office/drawing/2010/main" val="0"/>
+              </a:ext>
+            </a:extLst>
+          </a:blip>
+          <a:stretch>
+            <a:fillRect/>
+          </a:stretch>
+        </p:blipFill>
+        <p:spPr>
+          <a:xfrm>
+            <a:off x="1104900" y="1814512"/>
+            <a:ext cx="9982200" cy="3629025"/>
+          </a:xfrm>
+          <a:prstGeom prst="rect">
+            <a:avLst/>
+          </a:prstGeom>
+        </p:spPr>
+      </p:pic>
     </p:spTree>
     <p:extLst>
       <p:ext uri="{BB962C8B-B14F-4D97-AF65-F5344CB8AC3E}">
@@ -15707,7 +16106,7 @@
               <a:tailEnd type="none" w="med" len="med"/>
               <a:extLst>
                 <a:ext uri="{C807C97D-BFC1-408E-A445-0C87EB9F89A2}">
-                  <ask:lineSketchStyleProps xmlns="" xmlns:ask="http://schemas.microsoft.com/office/drawing/2018/sketchyshapes" sd="0">
+                  <ask:lineSketchStyleProps xmlns:ask="http://schemas.microsoft.com/office/drawing/2018/sketchyshapes" xmlns="" sd="0">
                     <a:custGeom>
                       <a:avLst/>
                       <a:gdLst/>
@@ -17148,7 +17547,7 @@
                   <a:tailEnd type="none" w="med" len="med"/>
                   <a:extLst>
                     <a:ext uri="{C807C97D-BFC1-408E-A445-0C87EB9F89A2}">
-                      <ask:lineSketchStyleProps xmlns="" xmlns:ask="http://schemas.microsoft.com/office/drawing/2018/sketchyshapes" sd="0">
+                      <ask:lineSketchStyleProps xmlns:ask="http://schemas.microsoft.com/office/drawing/2018/sketchyshapes" xmlns="" sd="0">
                         <a:custGeom>
                           <a:avLst/>
                           <a:gdLst/>
@@ -17694,7 +18093,7 @@
           <p:nvPr/>
         </p:nvPicPr>
         <p:blipFill>
-          <a:blip r:embed="rId2">
+          <a:blip r:embed="rId3">
             <a:extLst>
               <a:ext uri="{28A0092B-C50C-407E-A947-70E740481C1C}">
                 <a14:useLocalDpi xmlns:a14="http://schemas.microsoft.com/office/drawing/2010/main" val="0"/>
@@ -17782,1505 +18181,6 @@
           </a:p>
         </p:txBody>
       </p:sp>
-      <mc:AlternateContent xmlns:mc="http://schemas.openxmlformats.org/markup-compatibility/2006" xmlns:a14="http://schemas.microsoft.com/office/drawing/2010/main">
-        <mc:Choice Requires="a14">
-          <p:graphicFrame>
-            <p:nvGraphicFramePr>
-              <p:cNvPr id="12" name="Table 12">
-                <a:extLst>
-                  <a:ext uri="{FF2B5EF4-FFF2-40B4-BE49-F238E27FC236}">
-                    <a16:creationId xmlns:a16="http://schemas.microsoft.com/office/drawing/2014/main" id="{C542E6C9-20AF-4395-BAF8-DC1E35FDE35F}"/>
-                  </a:ext>
-                </a:extLst>
-              </p:cNvPr>
-              <p:cNvGraphicFramePr>
-                <a:graphicFrameLocks noGrp="1"/>
-              </p:cNvGraphicFramePr>
-              <p:nvPr>
-                <p:extLst>
-                  <p:ext uri="{D42A27DB-BD31-4B8C-83A1-F6EECF244321}">
-                    <p14:modId xmlns:p14="http://schemas.microsoft.com/office/powerpoint/2010/main" val="3406991182"/>
-                  </p:ext>
-                </p:extLst>
-              </p:nvPr>
-            </p:nvGraphicFramePr>
-            <p:xfrm>
-              <a:off x="1797938" y="2319020"/>
-              <a:ext cx="8596123" cy="2219960"/>
-            </p:xfrm>
-            <a:graphic>
-              <a:graphicData uri="http://schemas.openxmlformats.org/drawingml/2006/table">
-                <a:tbl>
-                  <a:tblPr firstRow="1" bandRow="1">
-                    <a:tableStyleId>{5C22544A-7EE6-4342-B048-85BDC9FD1C3A}</a:tableStyleId>
-                  </a:tblPr>
-                  <a:tblGrid>
-                    <a:gridCol w="1534928">
-                      <a:extLst>
-                        <a:ext uri="{9D8B030D-6E8A-4147-A177-3AD203B41FA5}">
-                          <a16:colId xmlns:a16="http://schemas.microsoft.com/office/drawing/2014/main" val="335642061"/>
-                        </a:ext>
-                      </a:extLst>
-                    </a:gridCol>
-                    <a:gridCol w="2648834">
-                      <a:extLst>
-                        <a:ext uri="{9D8B030D-6E8A-4147-A177-3AD203B41FA5}">
-                          <a16:colId xmlns:a16="http://schemas.microsoft.com/office/drawing/2014/main" val="3017032101"/>
-                        </a:ext>
-                      </a:extLst>
-                    </a:gridCol>
-                    <a:gridCol w="2608966">
-                      <a:extLst>
-                        <a:ext uri="{9D8B030D-6E8A-4147-A177-3AD203B41FA5}">
-                          <a16:colId xmlns:a16="http://schemas.microsoft.com/office/drawing/2014/main" val="3105117892"/>
-                        </a:ext>
-                      </a:extLst>
-                    </a:gridCol>
-                    <a:gridCol w="1803395">
-                      <a:extLst>
-                        <a:ext uri="{9D8B030D-6E8A-4147-A177-3AD203B41FA5}">
-                          <a16:colId xmlns:a16="http://schemas.microsoft.com/office/drawing/2014/main" val="3859356347"/>
-                        </a:ext>
-                      </a:extLst>
-                    </a:gridCol>
-                  </a:tblGrid>
-                  <a:tr h="210820">
-                    <a:tc>
-                      <a:txBody>
-                        <a:bodyPr/>
-                        <a:lstStyle/>
-                        <a:p>
-                          <a:pPr algn="ctr"/>
-                          <a:endParaRPr lang="en-US" dirty="0"/>
-                        </a:p>
-                      </a:txBody>
-                      <a:tcPr/>
-                    </a:tc>
-                    <a:tc>
-                      <a:txBody>
-                        <a:bodyPr/>
-                        <a:lstStyle/>
-                        <a:p>
-                          <a:pPr algn="ctr"/>
-                          <a:r>
-                            <a:rPr lang="en-US" dirty="0" err="1"/>
-                            <a:t>GenPro</a:t>
-                          </a:r>
-                          <a:r>
-                            <a:rPr lang="en-US" dirty="0"/>
-                            <a:t> </a:t>
-                          </a:r>
-                          <a:r>
-                            <a:rPr lang="en-US" dirty="0" err="1"/>
-                            <a:t>PULPenix</a:t>
-                          </a:r>
-                          <a:endParaRPr lang="en-US" dirty="0"/>
-                        </a:p>
-                      </a:txBody>
-                      <a:tcPr/>
-                    </a:tc>
-                    <a:tc>
-                      <a:txBody>
-                        <a:bodyPr/>
-                        <a:lstStyle/>
-                        <a:p>
-                          <a:pPr algn="ctr"/>
-                          <a:r>
-                            <a:rPr lang="en-US" dirty="0" err="1"/>
-                            <a:t>GenPro</a:t>
-                          </a:r>
-                          <a:r>
-                            <a:rPr lang="en-US" dirty="0"/>
-                            <a:t> </a:t>
-                          </a:r>
-                          <a:r>
-                            <a:rPr lang="en-US" dirty="0" err="1"/>
-                            <a:t>PULPenix</a:t>
-                          </a:r>
-                          <a:r>
-                            <a:rPr lang="en-US" dirty="0"/>
-                            <a:t> AES</a:t>
-                          </a:r>
-                        </a:p>
-                      </a:txBody>
-                      <a:tcPr/>
-                    </a:tc>
-                    <a:tc>
-                      <a:txBody>
-                        <a:bodyPr/>
-                        <a:lstStyle/>
-                        <a:p>
-                          <a:pPr algn="ctr"/>
-                          <a:r>
-                            <a:rPr lang="en-US" dirty="0"/>
-                            <a:t>Improvement</a:t>
-                          </a:r>
-                        </a:p>
-                      </a:txBody>
-                      <a:tcPr/>
-                    </a:tc>
-                    <a:extLst>
-                      <a:ext uri="{0D108BD9-81ED-4DB2-BD59-A6C34878D82A}">
-                        <a16:rowId xmlns:a16="http://schemas.microsoft.com/office/drawing/2014/main" val="2978682260"/>
-                      </a:ext>
-                    </a:extLst>
-                  </a:tr>
-                  <a:tr h="370840">
-                    <a:tc>
-                      <a:txBody>
-                        <a:bodyPr/>
-                        <a:lstStyle/>
-                        <a:p>
-                          <a:pPr algn="ctr"/>
-                          <a:r>
-                            <a:rPr lang="en-US" dirty="0"/>
-                            <a:t>Timing (slack)</a:t>
-                          </a:r>
-                        </a:p>
-                      </a:txBody>
-                      <a:tcPr/>
-                    </a:tc>
-                    <a:tc>
-                      <a:txBody>
-                        <a:bodyPr/>
-                        <a:lstStyle/>
-                        <a:p>
-                          <a:pPr algn="ctr"/>
-                          <a14:m>
-                            <m:oMathPara xmlns:m="http://schemas.openxmlformats.org/officeDocument/2006/math">
-                              <m:oMathParaPr>
-                                <m:jc m:val="center"/>
-                              </m:oMathParaPr>
-                              <m:oMath xmlns:m="http://schemas.openxmlformats.org/officeDocument/2006/math">
-                                <m:r>
-                                  <a:rPr lang="en-US" b="0" i="1" dirty="0" smtClean="0">
-                                    <a:latin typeface="Cambria Math" panose="02040503050406030204" pitchFamily="18" charset="0"/>
-                                  </a:rPr>
-                                  <m:t>7.57</m:t>
-                                </m:r>
-                                <m:r>
-                                  <a:rPr lang="en-US" i="1" dirty="0" smtClean="0">
-                                    <a:latin typeface="Cambria Math" panose="02040503050406030204" pitchFamily="18" charset="0"/>
-                                  </a:rPr>
-                                  <m:t> [</m:t>
-                                </m:r>
-                                <m:r>
-                                  <a:rPr lang="en-US" i="1" dirty="0" err="1" smtClean="0">
-                                    <a:latin typeface="Cambria Math" panose="02040503050406030204" pitchFamily="18" charset="0"/>
-                                  </a:rPr>
-                                  <m:t>𝑛𝑆𝑒𝑐</m:t>
-                                </m:r>
-                                <m:r>
-                                  <a:rPr lang="en-US" i="1" dirty="0" smtClean="0">
-                                    <a:latin typeface="Cambria Math" panose="02040503050406030204" pitchFamily="18" charset="0"/>
-                                  </a:rPr>
-                                  <m:t>]</m:t>
-                                </m:r>
-                              </m:oMath>
-                            </m:oMathPara>
-                          </a14:m>
-                          <a:endParaRPr lang="en-US" dirty="0"/>
-                        </a:p>
-                      </a:txBody>
-                      <a:tcPr/>
-                    </a:tc>
-                    <a:tc>
-                      <a:txBody>
-                        <a:bodyPr/>
-                        <a:lstStyle/>
-                        <a:p>
-                          <a:pPr marL="0" marR="0" lvl="0" indent="0" algn="ctr" defTabSz="914400" rtl="0" eaLnBrk="1" fontAlgn="auto" latinLnBrk="0" hangingPunct="1">
-                            <a:lnSpc>
-                              <a:spcPct val="100000"/>
-                            </a:lnSpc>
-                            <a:spcBef>
-                              <a:spcPts val="0"/>
-                            </a:spcBef>
-                            <a:spcAft>
-                              <a:spcPts val="0"/>
-                            </a:spcAft>
-                            <a:buClrTx/>
-                            <a:buSzTx/>
-                            <a:buFontTx/>
-                            <a:buNone/>
-                            <a:tabLst/>
-                            <a:defRPr/>
-                          </a:pPr>
-                          <a14:m>
-                            <m:oMathPara xmlns:m="http://schemas.openxmlformats.org/officeDocument/2006/math">
-                              <m:oMathParaPr>
-                                <m:jc m:val="centerGroup"/>
-                              </m:oMathParaPr>
-                              <m:oMath xmlns:m="http://schemas.openxmlformats.org/officeDocument/2006/math">
-                                <m:r>
-                                  <a:rPr lang="en-US" b="0" i="1" dirty="0" smtClean="0">
-                                    <a:latin typeface="Cambria Math" panose="02040503050406030204" pitchFamily="18" charset="0"/>
-                                  </a:rPr>
-                                  <m:t>7.53</m:t>
-                                </m:r>
-                                <m:r>
-                                  <a:rPr lang="en-US" i="1" dirty="0" smtClean="0">
-                                    <a:latin typeface="Cambria Math" panose="02040503050406030204" pitchFamily="18" charset="0"/>
-                                  </a:rPr>
-                                  <m:t> [</m:t>
-                                </m:r>
-                                <m:r>
-                                  <a:rPr lang="en-US" i="1" dirty="0" err="1" smtClean="0">
-                                    <a:latin typeface="Cambria Math" panose="02040503050406030204" pitchFamily="18" charset="0"/>
-                                  </a:rPr>
-                                  <m:t>𝑛𝑆𝑒𝑐</m:t>
-                                </m:r>
-                                <m:r>
-                                  <a:rPr lang="en-US" i="1" dirty="0" smtClean="0">
-                                    <a:latin typeface="Cambria Math" panose="02040503050406030204" pitchFamily="18" charset="0"/>
-                                  </a:rPr>
-                                  <m:t>]</m:t>
-                                </m:r>
-                              </m:oMath>
-                            </m:oMathPara>
-                          </a14:m>
-                          <a:endParaRPr lang="en-US" dirty="0"/>
-                        </a:p>
-                      </a:txBody>
-                      <a:tcPr/>
-                    </a:tc>
-                    <a:tc>
-                      <a:txBody>
-                        <a:bodyPr/>
-                        <a:lstStyle/>
-                        <a:p>
-                          <a:pPr marL="0" marR="0" lvl="0" indent="0" algn="ctr" defTabSz="914400" rtl="0" eaLnBrk="1" fontAlgn="auto" latinLnBrk="0" hangingPunct="1">
-                            <a:lnSpc>
-                              <a:spcPct val="100000"/>
-                            </a:lnSpc>
-                            <a:spcBef>
-                              <a:spcPts val="0"/>
-                            </a:spcBef>
-                            <a:spcAft>
-                              <a:spcPts val="0"/>
-                            </a:spcAft>
-                            <a:buClrTx/>
-                            <a:buSzTx/>
-                            <a:buFontTx/>
-                            <a:buNone/>
-                            <a:tabLst/>
-                            <a:defRPr/>
-                          </a:pPr>
-                          <a:r>
-                            <a:rPr lang="en-US" dirty="0">
-                              <a:solidFill>
-                                <a:srgbClr val="FF0000"/>
-                              </a:solidFill>
-                            </a:rPr>
-                            <a:t>-</a:t>
-                          </a:r>
-                          <a14:m>
-                            <m:oMath xmlns:m="http://schemas.openxmlformats.org/officeDocument/2006/math">
-                              <m:r>
-                                <a:rPr lang="en-US" i="1" dirty="0" smtClean="0">
-                                  <a:solidFill>
-                                    <a:srgbClr val="FF0000"/>
-                                  </a:solidFill>
-                                  <a:latin typeface="Cambria Math" panose="02040503050406030204" pitchFamily="18" charset="0"/>
-                                </a:rPr>
-                                <m:t>0.528 [%]</m:t>
-                              </m:r>
-                            </m:oMath>
-                          </a14:m>
-                          <a:endParaRPr lang="en-US" dirty="0">
-                            <a:solidFill>
-                              <a:srgbClr val="FF0000"/>
-                            </a:solidFill>
-                          </a:endParaRPr>
-                        </a:p>
-                      </a:txBody>
-                      <a:tcPr/>
-                    </a:tc>
-                    <a:extLst>
-                      <a:ext uri="{0D108BD9-81ED-4DB2-BD59-A6C34878D82A}">
-                        <a16:rowId xmlns:a16="http://schemas.microsoft.com/office/drawing/2014/main" val="1585810006"/>
-                      </a:ext>
-                    </a:extLst>
-                  </a:tr>
-                  <a:tr h="370840">
-                    <a:tc>
-                      <a:txBody>
-                        <a:bodyPr/>
-                        <a:lstStyle/>
-                        <a:p>
-                          <a:pPr algn="ctr"/>
-                          <a:r>
-                            <a:rPr lang="en-US" dirty="0"/>
-                            <a:t>Area</a:t>
-                          </a:r>
-                        </a:p>
-                      </a:txBody>
-                      <a:tcPr/>
-                    </a:tc>
-                    <a:tc>
-                      <a:txBody>
-                        <a:bodyPr/>
-                        <a:lstStyle/>
-                        <a:p>
-                          <a:pPr algn="ctr"/>
-                          <a14:m>
-                            <m:oMathPara xmlns:m="http://schemas.openxmlformats.org/officeDocument/2006/math">
-                              <m:oMathParaPr>
-                                <m:jc m:val="centerGroup"/>
-                              </m:oMathParaPr>
-                              <m:oMath xmlns:m="http://schemas.openxmlformats.org/officeDocument/2006/math">
-                                <m:r>
-                                  <a:rPr lang="en-US" b="0" i="1" smtClean="0">
-                                    <a:latin typeface="Cambria Math" panose="02040503050406030204" pitchFamily="18" charset="0"/>
-                                  </a:rPr>
-                                  <m:t>62,230</m:t>
-                                </m:r>
-                                <m:d>
-                                  <m:dPr>
-                                    <m:begChr m:val="["/>
-                                    <m:endChr m:val="]"/>
-                                    <m:ctrlPr>
-                                      <a:rPr lang="en-US" b="0" i="1" smtClean="0">
-                                        <a:latin typeface="Cambria Math" panose="02040503050406030204" pitchFamily="18" charset="0"/>
-                                      </a:rPr>
-                                    </m:ctrlPr>
-                                  </m:dPr>
-                                  <m:e>
-                                    <m:r>
-                                      <m:rPr>
-                                        <m:sty m:val="p"/>
-                                      </m:rPr>
-                                      <a:rPr lang="el-GR" b="0" i="1" smtClean="0">
-                                        <a:latin typeface="Cambria Math" panose="02040503050406030204" pitchFamily="18" charset="0"/>
-                                      </a:rPr>
-                                      <m:t>μ</m:t>
-                                    </m:r>
-                                    <m:sSup>
-                                      <m:sSupPr>
-                                        <m:ctrlPr>
-                                          <a:rPr lang="en-US" b="0" i="1" smtClean="0">
-                                            <a:latin typeface="Cambria Math" panose="02040503050406030204" pitchFamily="18" charset="0"/>
-                                          </a:rPr>
-                                        </m:ctrlPr>
-                                      </m:sSupPr>
-                                      <m:e>
-                                        <m:r>
-                                          <a:rPr lang="en-US" b="0" i="1" smtClean="0">
-                                            <a:latin typeface="Cambria Math" panose="02040503050406030204" pitchFamily="18" charset="0"/>
-                                          </a:rPr>
-                                          <m:t>𝑚</m:t>
-                                        </m:r>
-                                      </m:e>
-                                      <m:sup>
-                                        <m:r>
-                                          <a:rPr lang="en-US" b="0" i="1" smtClean="0">
-                                            <a:latin typeface="Cambria Math" panose="02040503050406030204" pitchFamily="18" charset="0"/>
-                                          </a:rPr>
-                                          <m:t>2</m:t>
-                                        </m:r>
-                                      </m:sup>
-                                    </m:sSup>
-                                  </m:e>
-                                </m:d>
-                              </m:oMath>
-                            </m:oMathPara>
-                          </a14:m>
-                          <a:endParaRPr lang="en-US" dirty="0"/>
-                        </a:p>
-                      </a:txBody>
-                      <a:tcPr/>
-                    </a:tc>
-                    <a:tc>
-                      <a:txBody>
-                        <a:bodyPr/>
-                        <a:lstStyle/>
-                        <a:p>
-                          <a:pPr algn="ctr"/>
-                          <a14:m>
-                            <m:oMathPara xmlns:m="http://schemas.openxmlformats.org/officeDocument/2006/math">
-                              <m:oMathParaPr>
-                                <m:jc m:val="centerGroup"/>
-                              </m:oMathParaPr>
-                              <m:oMath xmlns:m="http://schemas.openxmlformats.org/officeDocument/2006/math">
-                                <m:r>
-                                  <a:rPr lang="en-US" b="0" i="1" smtClean="0">
-                                    <a:latin typeface="Cambria Math" panose="02040503050406030204" pitchFamily="18" charset="0"/>
-                                  </a:rPr>
-                                  <m:t>246,131</m:t>
-                                </m:r>
-                                <m:d>
-                                  <m:dPr>
-                                    <m:begChr m:val="["/>
-                                    <m:endChr m:val="]"/>
-                                    <m:ctrlPr>
-                                      <a:rPr lang="en-US" b="0" i="1" smtClean="0">
-                                        <a:latin typeface="Cambria Math" panose="02040503050406030204" pitchFamily="18" charset="0"/>
-                                      </a:rPr>
-                                    </m:ctrlPr>
-                                  </m:dPr>
-                                  <m:e>
-                                    <m:r>
-                                      <m:rPr>
-                                        <m:sty m:val="p"/>
-                                      </m:rPr>
-                                      <a:rPr lang="el-GR" b="0" i="1" smtClean="0">
-                                        <a:latin typeface="Cambria Math" panose="02040503050406030204" pitchFamily="18" charset="0"/>
-                                      </a:rPr>
-                                      <m:t>μ</m:t>
-                                    </m:r>
-                                    <m:sSup>
-                                      <m:sSupPr>
-                                        <m:ctrlPr>
-                                          <a:rPr lang="en-US" b="0" i="1" smtClean="0">
-                                            <a:latin typeface="Cambria Math" panose="02040503050406030204" pitchFamily="18" charset="0"/>
-                                          </a:rPr>
-                                        </m:ctrlPr>
-                                      </m:sSupPr>
-                                      <m:e>
-                                        <m:r>
-                                          <a:rPr lang="en-US" b="0" i="1" smtClean="0">
-                                            <a:latin typeface="Cambria Math" panose="02040503050406030204" pitchFamily="18" charset="0"/>
-                                          </a:rPr>
-                                          <m:t>𝑚</m:t>
-                                        </m:r>
-                                      </m:e>
-                                      <m:sup>
-                                        <m:r>
-                                          <a:rPr lang="en-US" b="0" i="1" smtClean="0">
-                                            <a:latin typeface="Cambria Math" panose="02040503050406030204" pitchFamily="18" charset="0"/>
-                                          </a:rPr>
-                                          <m:t>2</m:t>
-                                        </m:r>
-                                      </m:sup>
-                                    </m:sSup>
-                                  </m:e>
-                                </m:d>
-                              </m:oMath>
-                            </m:oMathPara>
-                          </a14:m>
-                          <a:endParaRPr lang="en-US" dirty="0"/>
-                        </a:p>
-                      </a:txBody>
-                      <a:tcPr/>
-                    </a:tc>
-                    <a:tc>
-                      <a:txBody>
-                        <a:bodyPr/>
-                        <a:lstStyle/>
-                        <a:p>
-                          <a:pPr algn="ctr"/>
-                          <a:r>
-                            <a:rPr lang="en-US" dirty="0">
-                              <a:solidFill>
-                                <a:srgbClr val="FF0000"/>
-                              </a:solidFill>
-                            </a:rPr>
-                            <a:t>-</a:t>
-                          </a:r>
-                          <a14:m>
-                            <m:oMath xmlns:m="http://schemas.openxmlformats.org/officeDocument/2006/math">
-                              <m:r>
-                                <a:rPr lang="en-US" i="1" dirty="0" smtClean="0">
-                                  <a:solidFill>
-                                    <a:srgbClr val="FF0000"/>
-                                  </a:solidFill>
-                                  <a:latin typeface="Cambria Math" panose="02040503050406030204" pitchFamily="18" charset="0"/>
-                                </a:rPr>
-                                <m:t>295.52 [%]</m:t>
-                              </m:r>
-                            </m:oMath>
-                          </a14:m>
-                          <a:endParaRPr lang="en-US" dirty="0">
-                            <a:solidFill>
-                              <a:srgbClr val="FF0000"/>
-                            </a:solidFill>
-                          </a:endParaRPr>
-                        </a:p>
-                      </a:txBody>
-                      <a:tcPr/>
-                    </a:tc>
-                    <a:extLst>
-                      <a:ext uri="{0D108BD9-81ED-4DB2-BD59-A6C34878D82A}">
-                        <a16:rowId xmlns:a16="http://schemas.microsoft.com/office/drawing/2014/main" val="2332414390"/>
-                      </a:ext>
-                    </a:extLst>
-                  </a:tr>
-                  <a:tr h="370840">
-                    <a:tc>
-                      <a:txBody>
-                        <a:bodyPr/>
-                        <a:lstStyle/>
-                        <a:p>
-                          <a:pPr algn="ctr"/>
-                          <a:r>
-                            <a:rPr lang="en-US" dirty="0"/>
-                            <a:t>Power</a:t>
-                          </a:r>
-                        </a:p>
-                      </a:txBody>
-                      <a:tcPr/>
-                    </a:tc>
-                    <a:tc>
-                      <a:txBody>
-                        <a:bodyPr/>
-                        <a:lstStyle/>
-                        <a:p>
-                          <a:pPr algn="ctr"/>
-                          <a14:m>
-                            <m:oMathPara xmlns:m="http://schemas.openxmlformats.org/officeDocument/2006/math">
-                              <m:oMathParaPr>
-                                <m:jc m:val="centerGroup"/>
-                              </m:oMathParaPr>
-                              <m:oMath xmlns:m="http://schemas.openxmlformats.org/officeDocument/2006/math">
-                                <m:r>
-                                  <a:rPr lang="en-US" b="0" i="1" smtClean="0">
-                                    <a:latin typeface="Cambria Math" panose="02040503050406030204" pitchFamily="18" charset="0"/>
-                                  </a:rPr>
-                                  <m:t>19.62</m:t>
-                                </m:r>
-                                <m:d>
-                                  <m:dPr>
-                                    <m:begChr m:val="["/>
-                                    <m:endChr m:val="]"/>
-                                    <m:ctrlPr>
-                                      <a:rPr lang="en-US" b="0" i="1" smtClean="0">
-                                        <a:latin typeface="Cambria Math" panose="02040503050406030204" pitchFamily="18" charset="0"/>
-                                      </a:rPr>
-                                    </m:ctrlPr>
-                                  </m:dPr>
-                                  <m:e>
-                                    <m:r>
-                                      <a:rPr lang="en-US" b="0" i="1" smtClean="0">
-                                        <a:latin typeface="Cambria Math" panose="02040503050406030204" pitchFamily="18" charset="0"/>
-                                      </a:rPr>
-                                      <m:t>𝑚𝑊</m:t>
-                                    </m:r>
-                                  </m:e>
-                                </m:d>
-                              </m:oMath>
-                            </m:oMathPara>
-                          </a14:m>
-                          <a:endParaRPr lang="en-US" dirty="0"/>
-                        </a:p>
-                      </a:txBody>
-                      <a:tcPr/>
-                    </a:tc>
-                    <a:tc>
-                      <a:txBody>
-                        <a:bodyPr/>
-                        <a:lstStyle/>
-                        <a:p>
-                          <a:pPr algn="ctr"/>
-                          <a14:m>
-                            <m:oMathPara xmlns:m="http://schemas.openxmlformats.org/officeDocument/2006/math">
-                              <m:oMathParaPr>
-                                <m:jc m:val="center"/>
-                              </m:oMathParaPr>
-                              <m:oMath xmlns:m="http://schemas.openxmlformats.org/officeDocument/2006/math">
-                                <m:r>
-                                  <a:rPr lang="en-US" b="0" i="1" smtClean="0">
-                                    <a:latin typeface="Cambria Math" panose="02040503050406030204" pitchFamily="18" charset="0"/>
-                                  </a:rPr>
-                                  <m:t>20.02</m:t>
-                                </m:r>
-                                <m:d>
-                                  <m:dPr>
-                                    <m:begChr m:val="["/>
-                                    <m:endChr m:val="]"/>
-                                    <m:ctrlPr>
-                                      <a:rPr lang="en-US" b="0" i="1" smtClean="0">
-                                        <a:latin typeface="Cambria Math" panose="02040503050406030204" pitchFamily="18" charset="0"/>
-                                      </a:rPr>
-                                    </m:ctrlPr>
-                                  </m:dPr>
-                                  <m:e>
-                                    <m:r>
-                                      <a:rPr lang="en-US" b="0" i="1" smtClean="0">
-                                        <a:latin typeface="Cambria Math" panose="02040503050406030204" pitchFamily="18" charset="0"/>
-                                      </a:rPr>
-                                      <m:t>𝑚𝑊</m:t>
-                                    </m:r>
-                                  </m:e>
-                                </m:d>
-                              </m:oMath>
-                            </m:oMathPara>
-                          </a14:m>
-                          <a:endParaRPr lang="en-US" dirty="0"/>
-                        </a:p>
-                      </a:txBody>
-                      <a:tcPr/>
-                    </a:tc>
-                    <a:tc>
-                      <a:txBody>
-                        <a:bodyPr/>
-                        <a:lstStyle/>
-                        <a:p>
-                          <a:pPr algn="ctr"/>
-                          <a:r>
-                            <a:rPr lang="en-US" dirty="0">
-                              <a:solidFill>
-                                <a:srgbClr val="FF0000"/>
-                              </a:solidFill>
-                            </a:rPr>
-                            <a:t>-</a:t>
-                          </a:r>
-                          <a14:m>
-                            <m:oMath xmlns:m="http://schemas.openxmlformats.org/officeDocument/2006/math">
-                              <m:r>
-                                <a:rPr lang="en-US" i="1" dirty="0" smtClean="0">
-                                  <a:solidFill>
-                                    <a:srgbClr val="FF0000"/>
-                                  </a:solidFill>
-                                  <a:latin typeface="Cambria Math" panose="02040503050406030204" pitchFamily="18" charset="0"/>
-                                </a:rPr>
-                                <m:t>2.039 [%]</m:t>
-                              </m:r>
-                            </m:oMath>
-                          </a14:m>
-                          <a:endParaRPr lang="en-US" dirty="0">
-                            <a:solidFill>
-                              <a:srgbClr val="FF0000"/>
-                            </a:solidFill>
-                          </a:endParaRPr>
-                        </a:p>
-                      </a:txBody>
-                      <a:tcPr/>
-                    </a:tc>
-                    <a:extLst>
-                      <a:ext uri="{0D108BD9-81ED-4DB2-BD59-A6C34878D82A}">
-                        <a16:rowId xmlns:a16="http://schemas.microsoft.com/office/drawing/2014/main" val="960339406"/>
-                      </a:ext>
-                    </a:extLst>
-                  </a:tr>
-                  <a:tr h="370840">
-                    <a:tc>
-                      <a:txBody>
-                        <a:bodyPr/>
-                        <a:lstStyle/>
-                        <a:p>
-                          <a:pPr algn="ctr"/>
-                          <a:r>
-                            <a:rPr lang="en-US" dirty="0"/>
-                            <a:t>CoreMark</a:t>
-                          </a:r>
-                        </a:p>
-                      </a:txBody>
-                      <a:tcPr/>
-                    </a:tc>
-                    <a:tc>
-                      <a:txBody>
-                        <a:bodyPr/>
-                        <a:lstStyle/>
-                        <a:p>
-                          <a:pPr marL="0" marR="0" lvl="0" indent="0" algn="ctr" defTabSz="914400" rtl="0" eaLnBrk="1" fontAlgn="auto" latinLnBrk="0" hangingPunct="1">
-                            <a:lnSpc>
-                              <a:spcPct val="100000"/>
-                            </a:lnSpc>
-                            <a:spcBef>
-                              <a:spcPts val="0"/>
-                            </a:spcBef>
-                            <a:spcAft>
-                              <a:spcPts val="0"/>
-                            </a:spcAft>
-                            <a:buClrTx/>
-                            <a:buSzTx/>
-                            <a:buFontTx/>
-                            <a:buNone/>
-                            <a:tabLst/>
-                            <a:defRPr/>
-                          </a:pPr>
-                          <a14:m>
-                            <m:oMathPara xmlns:m="http://schemas.openxmlformats.org/officeDocument/2006/math">
-                              <m:oMathParaPr>
-                                <m:jc m:val="centerGroup"/>
-                              </m:oMathParaPr>
-                              <m:oMath xmlns:m="http://schemas.openxmlformats.org/officeDocument/2006/math">
-                                <m:r>
-                                  <a:rPr lang="en-US" b="0" i="1" smtClean="0">
-                                    <a:latin typeface="Cambria Math" panose="02040503050406030204" pitchFamily="18" charset="0"/>
-                                  </a:rPr>
-                                  <m:t>2.70567</m:t>
-                                </m:r>
-                              </m:oMath>
-                            </m:oMathPara>
-                          </a14:m>
-                          <a:endParaRPr lang="en-US" dirty="0"/>
-                        </a:p>
-                      </a:txBody>
-                      <a:tcPr/>
-                    </a:tc>
-                    <a:tc>
-                      <a:txBody>
-                        <a:bodyPr/>
-                        <a:lstStyle/>
-                        <a:p>
-                          <a:pPr marL="0" marR="0" lvl="0" indent="0" algn="ctr" defTabSz="914400" rtl="0" eaLnBrk="1" fontAlgn="auto" latinLnBrk="0" hangingPunct="1">
-                            <a:lnSpc>
-                              <a:spcPct val="100000"/>
-                            </a:lnSpc>
-                            <a:spcBef>
-                              <a:spcPts val="0"/>
-                            </a:spcBef>
-                            <a:spcAft>
-                              <a:spcPts val="0"/>
-                            </a:spcAft>
-                            <a:buClrTx/>
-                            <a:buSzTx/>
-                            <a:buFontTx/>
-                            <a:buNone/>
-                            <a:tabLst/>
-                            <a:defRPr/>
-                          </a:pPr>
-                          <a14:m>
-                            <m:oMathPara xmlns:m="http://schemas.openxmlformats.org/officeDocument/2006/math">
-                              <m:oMathParaPr>
-                                <m:jc m:val="centerGroup"/>
-                              </m:oMathParaPr>
-                              <m:oMath xmlns:m="http://schemas.openxmlformats.org/officeDocument/2006/math">
-                                <m:r>
-                                  <a:rPr lang="en-US" b="0" i="1" smtClean="0">
-                                    <a:latin typeface="Cambria Math" panose="02040503050406030204" pitchFamily="18" charset="0"/>
-                                  </a:rPr>
-                                  <m:t>2.70567</m:t>
-                                </m:r>
-                              </m:oMath>
-                            </m:oMathPara>
-                          </a14:m>
-                          <a:endParaRPr lang="en-US" dirty="0"/>
-                        </a:p>
-                      </a:txBody>
-                      <a:tcPr/>
-                    </a:tc>
-                    <a:tc>
-                      <a:txBody>
-                        <a:bodyPr/>
-                        <a:lstStyle/>
-                        <a:p>
-                          <a:pPr marL="0" marR="0" lvl="0" indent="0" algn="ctr" defTabSz="914400" rtl="0" eaLnBrk="1" fontAlgn="auto" latinLnBrk="0" hangingPunct="1">
-                            <a:lnSpc>
-                              <a:spcPct val="100000"/>
-                            </a:lnSpc>
-                            <a:spcBef>
-                              <a:spcPts val="0"/>
-                            </a:spcBef>
-                            <a:spcAft>
-                              <a:spcPts val="0"/>
-                            </a:spcAft>
-                            <a:buClrTx/>
-                            <a:buSzTx/>
-                            <a:buFontTx/>
-                            <a:buNone/>
-                            <a:tabLst/>
-                            <a:defRPr/>
-                          </a:pPr>
-                          <a:r>
-                            <a:rPr lang="en-US" i="0" dirty="0">
-                              <a:latin typeface="+mj-lt"/>
-                            </a:rPr>
-                            <a:t>0 [%]</a:t>
-                          </a:r>
-                          <a:endParaRPr lang="en-US" dirty="0"/>
-                        </a:p>
-                      </a:txBody>
-                      <a:tcPr/>
-                    </a:tc>
-                    <a:extLst>
-                      <a:ext uri="{0D108BD9-81ED-4DB2-BD59-A6C34878D82A}">
-                        <a16:rowId xmlns:a16="http://schemas.microsoft.com/office/drawing/2014/main" val="3899334101"/>
-                      </a:ext>
-                    </a:extLst>
-                  </a:tr>
-                  <a:tr h="370840">
-                    <a:tc>
-                      <a:txBody>
-                        <a:bodyPr/>
-                        <a:lstStyle/>
-                        <a:p>
-                          <a:pPr algn="ctr"/>
-                          <a:r>
-                            <a:rPr lang="en-US" dirty="0"/>
-                            <a:t>AES cycles</a:t>
-                          </a:r>
-                        </a:p>
-                      </a:txBody>
-                      <a:tcPr/>
-                    </a:tc>
-                    <a:tc>
-                      <a:txBody>
-                        <a:bodyPr/>
-                        <a:lstStyle/>
-                        <a:p>
-                          <a:pPr algn="ctr"/>
-                          <a14:m>
-                            <m:oMathPara xmlns:m="http://schemas.openxmlformats.org/officeDocument/2006/math">
-                              <m:oMathParaPr>
-                                <m:jc m:val="centerGroup"/>
-                              </m:oMathParaPr>
-                              <m:oMath xmlns:m="http://schemas.openxmlformats.org/officeDocument/2006/math">
-                                <m:r>
-                                  <a:rPr lang="en-US" i="1" dirty="0" smtClean="0">
-                                    <a:latin typeface="Cambria Math" panose="02040503050406030204" pitchFamily="18" charset="0"/>
-                                  </a:rPr>
-                                  <m:t>32820 [</m:t>
-                                </m:r>
-                                <m:r>
-                                  <a:rPr lang="en-US" i="1" dirty="0" smtClean="0">
-                                    <a:latin typeface="Cambria Math" panose="02040503050406030204" pitchFamily="18" charset="0"/>
-                                  </a:rPr>
-                                  <m:t>𝐶𝑦𝑐𝑙𝑒𝑠</m:t>
-                                </m:r>
-                                <m:r>
-                                  <a:rPr lang="en-US" i="1" dirty="0" smtClean="0">
-                                    <a:latin typeface="Cambria Math" panose="02040503050406030204" pitchFamily="18" charset="0"/>
-                                  </a:rPr>
-                                  <m:t>]</m:t>
-                                </m:r>
-                              </m:oMath>
-                            </m:oMathPara>
-                          </a14:m>
-                          <a:endParaRPr lang="en-US" dirty="0"/>
-                        </a:p>
-                      </a:txBody>
-                      <a:tcPr/>
-                    </a:tc>
-                    <a:tc>
-                      <a:txBody>
-                        <a:bodyPr/>
-                        <a:lstStyle/>
-                        <a:p>
-                          <a:pPr marL="0" marR="0" lvl="0" indent="0" algn="ctr" defTabSz="914400" rtl="0" eaLnBrk="1" fontAlgn="auto" latinLnBrk="0" hangingPunct="1">
-                            <a:lnSpc>
-                              <a:spcPct val="100000"/>
-                            </a:lnSpc>
-                            <a:spcBef>
-                              <a:spcPts val="0"/>
-                            </a:spcBef>
-                            <a:spcAft>
-                              <a:spcPts val="0"/>
-                            </a:spcAft>
-                            <a:buClrTx/>
-                            <a:buSzTx/>
-                            <a:buFontTx/>
-                            <a:buNone/>
-                            <a:tabLst/>
-                            <a:defRPr/>
-                          </a:pPr>
-                          <a14:m>
-                            <m:oMathPara xmlns:m="http://schemas.openxmlformats.org/officeDocument/2006/math">
-                              <m:oMathParaPr>
-                                <m:jc m:val="centerGroup"/>
-                              </m:oMathParaPr>
-                              <m:oMath xmlns:m="http://schemas.openxmlformats.org/officeDocument/2006/math">
-                                <m:r>
-                                  <a:rPr lang="en-US" i="1" dirty="0" smtClean="0">
-                                    <a:latin typeface="Cambria Math" panose="02040503050406030204" pitchFamily="18" charset="0"/>
-                                  </a:rPr>
-                                  <m:t>5370 [</m:t>
-                                </m:r>
-                                <m:r>
-                                  <a:rPr lang="en-US" i="1" dirty="0" smtClean="0">
-                                    <a:latin typeface="Cambria Math" panose="02040503050406030204" pitchFamily="18" charset="0"/>
-                                  </a:rPr>
-                                  <m:t>𝐶𝑦𝑐𝑙𝑒𝑠</m:t>
-                                </m:r>
-                                <m:r>
-                                  <a:rPr lang="en-US" i="1" dirty="0" smtClean="0">
-                                    <a:latin typeface="Cambria Math" panose="02040503050406030204" pitchFamily="18" charset="0"/>
-                                  </a:rPr>
-                                  <m:t>]</m:t>
-                                </m:r>
-                              </m:oMath>
-                            </m:oMathPara>
-                          </a14:m>
-                          <a:endParaRPr lang="en-US" dirty="0"/>
-                        </a:p>
-                      </a:txBody>
-                      <a:tcPr/>
-                    </a:tc>
-                    <a:tc>
-                      <a:txBody>
-                        <a:bodyPr/>
-                        <a:lstStyle/>
-                        <a:p>
-                          <a:pPr marL="0" marR="0" lvl="0" indent="0" algn="ctr" defTabSz="914400" rtl="0" eaLnBrk="1" fontAlgn="auto" latinLnBrk="0" hangingPunct="1">
-                            <a:lnSpc>
-                              <a:spcPct val="100000"/>
-                            </a:lnSpc>
-                            <a:spcBef>
-                              <a:spcPts val="0"/>
-                            </a:spcBef>
-                            <a:spcAft>
-                              <a:spcPts val="0"/>
-                            </a:spcAft>
-                            <a:buClrTx/>
-                            <a:buSzTx/>
-                            <a:buFontTx/>
-                            <a:buNone/>
-                            <a:tabLst/>
-                            <a:defRPr/>
-                          </a:pPr>
-                          <a14:m>
-                            <m:oMathPara xmlns:m="http://schemas.openxmlformats.org/officeDocument/2006/math">
-                              <m:oMathParaPr>
-                                <m:jc m:val="centerGroup"/>
-                              </m:oMathParaPr>
-                              <m:oMath xmlns:m="http://schemas.openxmlformats.org/officeDocument/2006/math">
-                                <m:r>
-                                  <a:rPr lang="en-US" i="1" dirty="0" smtClean="0">
-                                    <a:solidFill>
-                                      <a:srgbClr val="009900"/>
-                                    </a:solidFill>
-                                    <a:latin typeface="Cambria Math" panose="02040503050406030204" pitchFamily="18" charset="0"/>
-                                  </a:rPr>
-                                  <m:t>511 [%]</m:t>
-                                </m:r>
-                              </m:oMath>
-                            </m:oMathPara>
-                          </a14:m>
-                          <a:endParaRPr lang="en-US" dirty="0">
-                            <a:solidFill>
-                              <a:srgbClr val="009900"/>
-                            </a:solidFill>
-                          </a:endParaRPr>
-                        </a:p>
-                      </a:txBody>
-                      <a:tcPr/>
-                    </a:tc>
-                    <a:extLst>
-                      <a:ext uri="{0D108BD9-81ED-4DB2-BD59-A6C34878D82A}">
-                        <a16:rowId xmlns:a16="http://schemas.microsoft.com/office/drawing/2014/main" val="2216333966"/>
-                      </a:ext>
-                    </a:extLst>
-                  </a:tr>
-                </a:tbl>
-              </a:graphicData>
-            </a:graphic>
-          </p:graphicFrame>
-        </mc:Choice>
-        <mc:Fallback xmlns="">
-          <p:graphicFrame>
-            <p:nvGraphicFramePr>
-              <p:cNvPr id="12" name="Table 12">
-                <a:extLst>
-                  <a:ext uri="{FF2B5EF4-FFF2-40B4-BE49-F238E27FC236}">
-                    <a16:creationId xmlns:a16="http://schemas.microsoft.com/office/drawing/2014/main" id="{C542E6C9-20AF-4395-BAF8-DC1E35FDE35F}"/>
-                  </a:ext>
-                </a:extLst>
-              </p:cNvPr>
-              <p:cNvGraphicFramePr>
-                <a:graphicFrameLocks noGrp="1"/>
-              </p:cNvGraphicFramePr>
-              <p:nvPr>
-                <p:extLst>
-                  <p:ext uri="{D42A27DB-BD31-4B8C-83A1-F6EECF244321}">
-                    <p14:modId xmlns:p14="http://schemas.microsoft.com/office/powerpoint/2010/main" val="3406991182"/>
-                  </p:ext>
-                </p:extLst>
-              </p:nvPr>
-            </p:nvGraphicFramePr>
-            <p:xfrm>
-              <a:off x="1797938" y="2319020"/>
-              <a:ext cx="8596123" cy="2219960"/>
-            </p:xfrm>
-            <a:graphic>
-              <a:graphicData uri="http://schemas.openxmlformats.org/drawingml/2006/table">
-                <a:tbl>
-                  <a:tblPr firstRow="1" bandRow="1">
-                    <a:tableStyleId>{5C22544A-7EE6-4342-B048-85BDC9FD1C3A}</a:tableStyleId>
-                  </a:tblPr>
-                  <a:tblGrid>
-                    <a:gridCol w="1534928">
-                      <a:extLst>
-                        <a:ext uri="{9D8B030D-6E8A-4147-A177-3AD203B41FA5}">
-                          <a16:colId xmlns:a16="http://schemas.microsoft.com/office/drawing/2014/main" val="335642061"/>
-                        </a:ext>
-                      </a:extLst>
-                    </a:gridCol>
-                    <a:gridCol w="2648834">
-                      <a:extLst>
-                        <a:ext uri="{9D8B030D-6E8A-4147-A177-3AD203B41FA5}">
-                          <a16:colId xmlns:a16="http://schemas.microsoft.com/office/drawing/2014/main" val="3017032101"/>
-                        </a:ext>
-                      </a:extLst>
-                    </a:gridCol>
-                    <a:gridCol w="2608966">
-                      <a:extLst>
-                        <a:ext uri="{9D8B030D-6E8A-4147-A177-3AD203B41FA5}">
-                          <a16:colId xmlns:a16="http://schemas.microsoft.com/office/drawing/2014/main" val="3105117892"/>
-                        </a:ext>
-                      </a:extLst>
-                    </a:gridCol>
-                    <a:gridCol w="1803395">
-                      <a:extLst>
-                        <a:ext uri="{9D8B030D-6E8A-4147-A177-3AD203B41FA5}">
-                          <a16:colId xmlns:a16="http://schemas.microsoft.com/office/drawing/2014/main" val="3859356347"/>
-                        </a:ext>
-                      </a:extLst>
-                    </a:gridCol>
-                  </a:tblGrid>
-                  <a:tr h="365760">
-                    <a:tc>
-                      <a:txBody>
-                        <a:bodyPr/>
-                        <a:lstStyle/>
-                        <a:p>
-                          <a:pPr algn="ctr"/>
-                          <a:endParaRPr lang="en-US" dirty="0"/>
-                        </a:p>
-                      </a:txBody>
-                      <a:tcPr/>
-                    </a:tc>
-                    <a:tc>
-                      <a:txBody>
-                        <a:bodyPr/>
-                        <a:lstStyle/>
-                        <a:p>
-                          <a:pPr algn="ctr"/>
-                          <a:r>
-                            <a:rPr lang="en-US" dirty="0" err="1"/>
-                            <a:t>GenPro</a:t>
-                          </a:r>
-                          <a:r>
-                            <a:rPr lang="en-US" dirty="0"/>
-                            <a:t> </a:t>
-                          </a:r>
-                          <a:r>
-                            <a:rPr lang="en-US" dirty="0" err="1"/>
-                            <a:t>PULPenix</a:t>
-                          </a:r>
-                          <a:endParaRPr lang="en-US" dirty="0"/>
-                        </a:p>
-                      </a:txBody>
-                      <a:tcPr/>
-                    </a:tc>
-                    <a:tc>
-                      <a:txBody>
-                        <a:bodyPr/>
-                        <a:lstStyle/>
-                        <a:p>
-                          <a:pPr algn="ctr"/>
-                          <a:r>
-                            <a:rPr lang="en-US" dirty="0" err="1"/>
-                            <a:t>GenPro</a:t>
-                          </a:r>
-                          <a:r>
-                            <a:rPr lang="en-US" dirty="0"/>
-                            <a:t> </a:t>
-                          </a:r>
-                          <a:r>
-                            <a:rPr lang="en-US" dirty="0" err="1"/>
-                            <a:t>PULPenix</a:t>
-                          </a:r>
-                          <a:r>
-                            <a:rPr lang="en-US" dirty="0"/>
-                            <a:t> AES</a:t>
-                          </a:r>
-                        </a:p>
-                      </a:txBody>
-                      <a:tcPr/>
-                    </a:tc>
-                    <a:tc>
-                      <a:txBody>
-                        <a:bodyPr/>
-                        <a:lstStyle/>
-                        <a:p>
-                          <a:pPr algn="ctr"/>
-                          <a:r>
-                            <a:rPr lang="en-US" dirty="0"/>
-                            <a:t>Improvement</a:t>
-                          </a:r>
-                        </a:p>
-                      </a:txBody>
-                      <a:tcPr/>
-                    </a:tc>
-                    <a:extLst>
-                      <a:ext uri="{0D108BD9-81ED-4DB2-BD59-A6C34878D82A}">
-                        <a16:rowId xmlns:a16="http://schemas.microsoft.com/office/drawing/2014/main" val="2978682260"/>
-                      </a:ext>
-                    </a:extLst>
-                  </a:tr>
-                  <a:tr h="370840">
-                    <a:tc>
-                      <a:txBody>
-                        <a:bodyPr/>
-                        <a:lstStyle/>
-                        <a:p>
-                          <a:pPr algn="ctr"/>
-                          <a:r>
-                            <a:rPr lang="en-US" dirty="0"/>
-                            <a:t>Timing (slack)</a:t>
-                          </a:r>
-                        </a:p>
-                      </a:txBody>
-                      <a:tcPr/>
-                    </a:tc>
-                    <a:tc>
-                      <a:txBody>
-                        <a:bodyPr/>
-                        <a:lstStyle/>
-                        <a:p>
-                          <a:endParaRPr lang="en-US"/>
-                        </a:p>
-                      </a:txBody>
-                      <a:tcPr>
-                        <a:blipFill>
-                          <a:blip r:embed="rId3"/>
-                          <a:stretch>
-                            <a:fillRect l="-58161" t="-106557" r="-167586" b="-424590"/>
-                          </a:stretch>
-                        </a:blipFill>
-                      </a:tcPr>
-                    </a:tc>
-                    <a:tc>
-                      <a:txBody>
-                        <a:bodyPr/>
-                        <a:lstStyle/>
-                        <a:p>
-                          <a:endParaRPr lang="en-US"/>
-                        </a:p>
-                      </a:txBody>
-                      <a:tcPr>
-                        <a:blipFill>
-                          <a:blip r:embed="rId3"/>
-                          <a:stretch>
-                            <a:fillRect l="-160373" t="-106557" r="-69930" b="-424590"/>
-                          </a:stretch>
-                        </a:blipFill>
-                      </a:tcPr>
-                    </a:tc>
-                    <a:tc>
-                      <a:txBody>
-                        <a:bodyPr/>
-                        <a:lstStyle/>
-                        <a:p>
-                          <a:endParaRPr lang="en-US"/>
-                        </a:p>
-                      </a:txBody>
-                      <a:tcPr>
-                        <a:blipFill>
-                          <a:blip r:embed="rId3"/>
-                          <a:stretch>
-                            <a:fillRect l="-377365" t="-106557" r="-1351" b="-424590"/>
-                          </a:stretch>
-                        </a:blipFill>
-                      </a:tcPr>
-                    </a:tc>
-                    <a:extLst>
-                      <a:ext uri="{0D108BD9-81ED-4DB2-BD59-A6C34878D82A}">
-                        <a16:rowId xmlns:a16="http://schemas.microsoft.com/office/drawing/2014/main" val="1585810006"/>
-                      </a:ext>
-                    </a:extLst>
-                  </a:tr>
-                  <a:tr h="370840">
-                    <a:tc>
-                      <a:txBody>
-                        <a:bodyPr/>
-                        <a:lstStyle/>
-                        <a:p>
-                          <a:pPr algn="ctr"/>
-                          <a:r>
-                            <a:rPr lang="en-US" dirty="0"/>
-                            <a:t>Area</a:t>
-                          </a:r>
-                        </a:p>
-                      </a:txBody>
-                      <a:tcPr/>
-                    </a:tc>
-                    <a:tc>
-                      <a:txBody>
-                        <a:bodyPr/>
-                        <a:lstStyle/>
-                        <a:p>
-                          <a:endParaRPr lang="en-US"/>
-                        </a:p>
-                      </a:txBody>
-                      <a:tcPr>
-                        <a:blipFill>
-                          <a:blip r:embed="rId3"/>
-                          <a:stretch>
-                            <a:fillRect l="-58161" t="-206557" r="-167586" b="-324590"/>
-                          </a:stretch>
-                        </a:blipFill>
-                      </a:tcPr>
-                    </a:tc>
-                    <a:tc>
-                      <a:txBody>
-                        <a:bodyPr/>
-                        <a:lstStyle/>
-                        <a:p>
-                          <a:endParaRPr lang="en-US"/>
-                        </a:p>
-                      </a:txBody>
-                      <a:tcPr>
-                        <a:blipFill>
-                          <a:blip r:embed="rId3"/>
-                          <a:stretch>
-                            <a:fillRect l="-160373" t="-206557" r="-69930" b="-324590"/>
-                          </a:stretch>
-                        </a:blipFill>
-                      </a:tcPr>
-                    </a:tc>
-                    <a:tc>
-                      <a:txBody>
-                        <a:bodyPr/>
-                        <a:lstStyle/>
-                        <a:p>
-                          <a:endParaRPr lang="en-US"/>
-                        </a:p>
-                      </a:txBody>
-                      <a:tcPr>
-                        <a:blipFill>
-                          <a:blip r:embed="rId3"/>
-                          <a:stretch>
-                            <a:fillRect l="-377365" t="-206557" r="-1351" b="-324590"/>
-                          </a:stretch>
-                        </a:blipFill>
-                      </a:tcPr>
-                    </a:tc>
-                    <a:extLst>
-                      <a:ext uri="{0D108BD9-81ED-4DB2-BD59-A6C34878D82A}">
-                        <a16:rowId xmlns:a16="http://schemas.microsoft.com/office/drawing/2014/main" val="2332414390"/>
-                      </a:ext>
-                    </a:extLst>
-                  </a:tr>
-                  <a:tr h="370840">
-                    <a:tc>
-                      <a:txBody>
-                        <a:bodyPr/>
-                        <a:lstStyle/>
-                        <a:p>
-                          <a:pPr algn="ctr"/>
-                          <a:r>
-                            <a:rPr lang="en-US" dirty="0"/>
-                            <a:t>Power</a:t>
-                          </a:r>
-                        </a:p>
-                      </a:txBody>
-                      <a:tcPr/>
-                    </a:tc>
-                    <a:tc>
-                      <a:txBody>
-                        <a:bodyPr/>
-                        <a:lstStyle/>
-                        <a:p>
-                          <a:endParaRPr lang="en-US"/>
-                        </a:p>
-                      </a:txBody>
-                      <a:tcPr>
-                        <a:blipFill>
-                          <a:blip r:embed="rId3"/>
-                          <a:stretch>
-                            <a:fillRect l="-58161" t="-306557" r="-167586" b="-224590"/>
-                          </a:stretch>
-                        </a:blipFill>
-                      </a:tcPr>
-                    </a:tc>
-                    <a:tc>
-                      <a:txBody>
-                        <a:bodyPr/>
-                        <a:lstStyle/>
-                        <a:p>
-                          <a:endParaRPr lang="en-US"/>
-                        </a:p>
-                      </a:txBody>
-                      <a:tcPr>
-                        <a:blipFill>
-                          <a:blip r:embed="rId3"/>
-                          <a:stretch>
-                            <a:fillRect l="-160373" t="-306557" r="-69930" b="-224590"/>
-                          </a:stretch>
-                        </a:blipFill>
-                      </a:tcPr>
-                    </a:tc>
-                    <a:tc>
-                      <a:txBody>
-                        <a:bodyPr/>
-                        <a:lstStyle/>
-                        <a:p>
-                          <a:endParaRPr lang="en-US"/>
-                        </a:p>
-                      </a:txBody>
-                      <a:tcPr>
-                        <a:blipFill>
-                          <a:blip r:embed="rId3"/>
-                          <a:stretch>
-                            <a:fillRect l="-377365" t="-306557" r="-1351" b="-224590"/>
-                          </a:stretch>
-                        </a:blipFill>
-                      </a:tcPr>
-                    </a:tc>
-                    <a:extLst>
-                      <a:ext uri="{0D108BD9-81ED-4DB2-BD59-A6C34878D82A}">
-                        <a16:rowId xmlns:a16="http://schemas.microsoft.com/office/drawing/2014/main" val="960339406"/>
-                      </a:ext>
-                    </a:extLst>
-                  </a:tr>
-                  <a:tr h="370840">
-                    <a:tc>
-                      <a:txBody>
-                        <a:bodyPr/>
-                        <a:lstStyle/>
-                        <a:p>
-                          <a:pPr algn="ctr"/>
-                          <a:r>
-                            <a:rPr lang="en-US" dirty="0"/>
-                            <a:t>CoreMark</a:t>
-                          </a:r>
-                        </a:p>
-                      </a:txBody>
-                      <a:tcPr/>
-                    </a:tc>
-                    <a:tc>
-                      <a:txBody>
-                        <a:bodyPr/>
-                        <a:lstStyle/>
-                        <a:p>
-                          <a:endParaRPr lang="en-US"/>
-                        </a:p>
-                      </a:txBody>
-                      <a:tcPr>
-                        <a:blipFill>
-                          <a:blip r:embed="rId3"/>
-                          <a:stretch>
-                            <a:fillRect l="-58161" t="-406557" r="-167586" b="-124590"/>
-                          </a:stretch>
-                        </a:blipFill>
-                      </a:tcPr>
-                    </a:tc>
-                    <a:tc>
-                      <a:txBody>
-                        <a:bodyPr/>
-                        <a:lstStyle/>
-                        <a:p>
-                          <a:endParaRPr lang="en-US"/>
-                        </a:p>
-                      </a:txBody>
-                      <a:tcPr>
-                        <a:blipFill>
-                          <a:blip r:embed="rId3"/>
-                          <a:stretch>
-                            <a:fillRect l="-160373" t="-406557" r="-69930" b="-124590"/>
-                          </a:stretch>
-                        </a:blipFill>
-                      </a:tcPr>
-                    </a:tc>
-                    <a:tc>
-                      <a:txBody>
-                        <a:bodyPr/>
-                        <a:lstStyle/>
-                        <a:p>
-                          <a:pPr marL="0" marR="0" lvl="0" indent="0" algn="ctr" defTabSz="914400" rtl="0" eaLnBrk="1" fontAlgn="auto" latinLnBrk="0" hangingPunct="1">
-                            <a:lnSpc>
-                              <a:spcPct val="100000"/>
-                            </a:lnSpc>
-                            <a:spcBef>
-                              <a:spcPts val="0"/>
-                            </a:spcBef>
-                            <a:spcAft>
-                              <a:spcPts val="0"/>
-                            </a:spcAft>
-                            <a:buClrTx/>
-                            <a:buSzTx/>
-                            <a:buFontTx/>
-                            <a:buNone/>
-                            <a:tabLst/>
-                            <a:defRPr/>
-                          </a:pPr>
-                          <a:r>
-                            <a:rPr lang="en-US" i="0" dirty="0">
-                              <a:latin typeface="+mj-lt"/>
-                            </a:rPr>
-                            <a:t>0 [%]</a:t>
-                          </a:r>
-                          <a:endParaRPr lang="en-US" dirty="0"/>
-                        </a:p>
-                      </a:txBody>
-                      <a:tcPr/>
-                    </a:tc>
-                    <a:extLst>
-                      <a:ext uri="{0D108BD9-81ED-4DB2-BD59-A6C34878D82A}">
-                        <a16:rowId xmlns:a16="http://schemas.microsoft.com/office/drawing/2014/main" val="3899334101"/>
-                      </a:ext>
-                    </a:extLst>
-                  </a:tr>
-                  <a:tr h="370840">
-                    <a:tc>
-                      <a:txBody>
-                        <a:bodyPr/>
-                        <a:lstStyle/>
-                        <a:p>
-                          <a:pPr algn="ctr"/>
-                          <a:r>
-                            <a:rPr lang="en-US" dirty="0"/>
-                            <a:t>AES cycles</a:t>
-                          </a:r>
-                        </a:p>
-                      </a:txBody>
-                      <a:tcPr/>
-                    </a:tc>
-                    <a:tc>
-                      <a:txBody>
-                        <a:bodyPr/>
-                        <a:lstStyle/>
-                        <a:p>
-                          <a:endParaRPr lang="en-US"/>
-                        </a:p>
-                      </a:txBody>
-                      <a:tcPr>
-                        <a:blipFill>
-                          <a:blip r:embed="rId3"/>
-                          <a:stretch>
-                            <a:fillRect l="-58161" t="-506557" r="-167586" b="-24590"/>
-                          </a:stretch>
-                        </a:blipFill>
-                      </a:tcPr>
-                    </a:tc>
-                    <a:tc>
-                      <a:txBody>
-                        <a:bodyPr/>
-                        <a:lstStyle/>
-                        <a:p>
-                          <a:endParaRPr lang="en-US"/>
-                        </a:p>
-                      </a:txBody>
-                      <a:tcPr>
-                        <a:blipFill>
-                          <a:blip r:embed="rId3"/>
-                          <a:stretch>
-                            <a:fillRect l="-160373" t="-506557" r="-69930" b="-24590"/>
-                          </a:stretch>
-                        </a:blipFill>
-                      </a:tcPr>
-                    </a:tc>
-                    <a:tc>
-                      <a:txBody>
-                        <a:bodyPr/>
-                        <a:lstStyle/>
-                        <a:p>
-                          <a:endParaRPr lang="en-US"/>
-                        </a:p>
-                      </a:txBody>
-                      <a:tcPr>
-                        <a:blipFill>
-                          <a:blip r:embed="rId3"/>
-                          <a:stretch>
-                            <a:fillRect l="-377365" t="-506557" r="-1351" b="-24590"/>
-                          </a:stretch>
-                        </a:blipFill>
-                      </a:tcPr>
-                    </a:tc>
-                    <a:extLst>
-                      <a:ext uri="{0D108BD9-81ED-4DB2-BD59-A6C34878D82A}">
-                        <a16:rowId xmlns:a16="http://schemas.microsoft.com/office/drawing/2014/main" val="2216333966"/>
-                      </a:ext>
-                    </a:extLst>
-                  </a:tr>
-                </a:tbl>
-              </a:graphicData>
-            </a:graphic>
-          </p:graphicFrame>
-        </mc:Fallback>
-      </mc:AlternateContent>
       <p:sp>
         <p:nvSpPr>
           <p:cNvPr id="23" name="Title 1">
@@ -19922,73 +18822,14 @@
           </a:p>
         </p:txBody>
       </p:sp>
-    </p:spTree>
-    <p:extLst>
-      <p:ext uri="{BB962C8B-B14F-4D97-AF65-F5344CB8AC3E}">
-        <p14:creationId xmlns:p14="http://schemas.microsoft.com/office/powerpoint/2010/main" val="614383816"/>
-      </p:ext>
-    </p:extLst>
-  </p:cSld>
-  <p:clrMapOvr>
-    <a:masterClrMapping/>
-  </p:clrMapOvr>
-</p:sld>
-</file>
-
-<file path=ppt/slides/slide26.xml><?xml version="1.0" encoding="utf-8"?>
-<p:sld xmlns:a="http://schemas.openxmlformats.org/drawingml/2006/main" xmlns:r="http://schemas.openxmlformats.org/officeDocument/2006/relationships" xmlns:p="http://schemas.openxmlformats.org/presentationml/2006/main">
-  <p:cSld>
-    <p:spTree>
-      <p:nvGrpSpPr>
-        <p:cNvPr id="1" name=""/>
-        <p:cNvGrpSpPr/>
-        <p:nvPr/>
-      </p:nvGrpSpPr>
-      <p:grpSpPr>
-        <a:xfrm>
-          <a:off x="0" y="0"/>
-          <a:ext cx="0" cy="0"/>
-          <a:chOff x="0" y="0"/>
-          <a:chExt cx="0" cy="0"/>
-        </a:xfrm>
-      </p:grpSpPr>
-      <p:sp>
-        <p:nvSpPr>
-          <p:cNvPr id="2" name="Slide Number Placeholder 1">
-            <a:extLst>
-              <a:ext uri="{FF2B5EF4-FFF2-40B4-BE49-F238E27FC236}">
-                <a16:creationId xmlns:a16="http://schemas.microsoft.com/office/drawing/2014/main" id="{92B88106-B5B0-4AA5-B4C3-15469936BD1B}"/>
-              </a:ext>
-            </a:extLst>
-          </p:cNvPr>
-          <p:cNvSpPr>
-            <a:spLocks noGrp="1"/>
-          </p:cNvSpPr>
-          <p:nvPr>
-            <p:ph type="sldNum" sz="quarter" idx="12"/>
-          </p:nvPr>
-        </p:nvSpPr>
-        <p:spPr/>
-        <p:txBody>
-          <a:bodyPr/>
-          <a:lstStyle/>
-          <a:p>
-            <a:fld id="{FA14CE62-B6AF-475A-BB26-7E2CBB4B5225}" type="slidenum">
-              <a:rPr lang="en-IL" smtClean="0"/>
-              <a:t>26</a:t>
-            </a:fld>
-            <a:endParaRPr lang="en-IL"/>
-          </a:p>
-        </p:txBody>
-      </p:sp>
       <mc:AlternateContent xmlns:mc="http://schemas.openxmlformats.org/markup-compatibility/2006">
         <mc:Choice xmlns:a14="http://schemas.microsoft.com/office/drawing/2010/main" Requires="a14">
           <p:graphicFrame>
             <p:nvGraphicFramePr>
-              <p:cNvPr id="3" name="Table 12">
+              <p:cNvPr id="19" name="Table 12">
                 <a:extLst>
                   <a:ext uri="{FF2B5EF4-FFF2-40B4-BE49-F238E27FC236}">
-                    <a16:creationId xmlns:a16="http://schemas.microsoft.com/office/drawing/2014/main" id="{D716BD18-225F-44CD-AEAD-AC23EC995D47}"/>
+                    <a16:creationId xmlns:a16="http://schemas.microsoft.com/office/drawing/2014/main" id="{F30F7B6C-AF3E-48E7-85B3-6948F479FCA9}"/>
                   </a:ext>
                 </a:extLst>
               </p:cNvPr>
@@ -19998,7 +18839,7 @@
               <p:nvPr>
                 <p:extLst>
                   <p:ext uri="{D42A27DB-BD31-4B8C-83A1-F6EECF244321}">
-                    <p14:modId xmlns:p14="http://schemas.microsoft.com/office/powerpoint/2010/main" val="1513182440"/>
+                    <p14:modId xmlns:p14="http://schemas.microsoft.com/office/powerpoint/2010/main" val="1082507672"/>
                   </p:ext>
                 </p:extLst>
               </p:nvPr>
@@ -20284,7 +19125,19 @@
                                   <a:rPr lang="en-US" b="0" i="1" dirty="0" smtClean="0">
                                     <a:latin typeface="Cambria Math" panose="02040503050406030204" pitchFamily="18" charset="0"/>
                                   </a:rPr>
-                                  <m:t>7.57</m:t>
+                                  <m:t>7</m:t>
+                                </m:r>
+                                <m:r>
+                                  <a:rPr lang="en-US" b="0" i="1" dirty="0" smtClean="0">
+                                    <a:latin typeface="Cambria Math" panose="02040503050406030204" pitchFamily="18" charset="0"/>
+                                  </a:rPr>
+                                  <m:t>.</m:t>
+                                </m:r>
+                                <m:r>
+                                  <a:rPr lang="en-US" b="0" i="1" dirty="0" smtClean="0">
+                                    <a:latin typeface="Cambria Math" panose="02040503050406030204" pitchFamily="18" charset="0"/>
+                                  </a:rPr>
+                                  <m:t>57</m:t>
                                 </m:r>
                                 <m:r>
                                   <a:rPr lang="en-US" i="1" dirty="0" smtClean="0">
@@ -20344,7 +19197,19 @@
                                   <a:rPr lang="en-US" b="0" i="1" dirty="0" smtClean="0">
                                     <a:latin typeface="Cambria Math" panose="02040503050406030204" pitchFamily="18" charset="0"/>
                                   </a:rPr>
-                                  <m:t>7.53</m:t>
+                                  <m:t>7</m:t>
+                                </m:r>
+                                <m:r>
+                                  <a:rPr lang="en-US" b="0" i="1" dirty="0" smtClean="0">
+                                    <a:latin typeface="Cambria Math" panose="02040503050406030204" pitchFamily="18" charset="0"/>
+                                  </a:rPr>
+                                  <m:t>.</m:t>
+                                </m:r>
+                                <m:r>
+                                  <a:rPr lang="en-US" b="0" i="1" dirty="0" smtClean="0">
+                                    <a:latin typeface="Cambria Math" panose="02040503050406030204" pitchFamily="18" charset="0"/>
+                                  </a:rPr>
+                                  <m:t>53</m:t>
                                 </m:r>
                                 <m:r>
                                   <a:rPr lang="en-US" i="1" dirty="0" smtClean="0">
@@ -20388,7 +19253,19 @@
                                   <a:rPr lang="en-US" b="0" i="1" dirty="0" smtClean="0">
                                     <a:latin typeface="Cambria Math" panose="02040503050406030204" pitchFamily="18" charset="0"/>
                                   </a:rPr>
-                                  <m:t>7.57</m:t>
+                                  <m:t>7</m:t>
+                                </m:r>
+                                <m:r>
+                                  <a:rPr lang="en-US" b="0" i="1" dirty="0" smtClean="0">
+                                    <a:latin typeface="Cambria Math" panose="02040503050406030204" pitchFamily="18" charset="0"/>
+                                  </a:rPr>
+                                  <m:t>.</m:t>
+                                </m:r>
+                                <m:r>
+                                  <a:rPr lang="en-US" b="0" i="1" dirty="0" smtClean="0">
+                                    <a:latin typeface="Cambria Math" panose="02040503050406030204" pitchFamily="18" charset="0"/>
+                                  </a:rPr>
+                                  <m:t>57</m:t>
                                 </m:r>
                                 <m:r>
                                   <a:rPr lang="en-US" i="1" dirty="0" smtClean="0">
@@ -20460,7 +19337,34 @@
                                     </a:solidFill>
                                     <a:latin typeface="Cambria Math" panose="02040503050406030204" pitchFamily="18" charset="0"/>
                                   </a:rPr>
-                                  <m:t>0.528 [%]</m:t>
+                                  <m:t>0</m:t>
+                                </m:r>
+                                <m:r>
+                                  <a:rPr lang="en-US" i="1" dirty="0" smtClean="0">
+                                    <a:solidFill>
+                                      <a:srgbClr val="FF0000"/>
+                                    </a:solidFill>
+                                    <a:latin typeface="Cambria Math" panose="02040503050406030204" pitchFamily="18" charset="0"/>
+                                  </a:rPr>
+                                  <m:t>.</m:t>
+                                </m:r>
+                                <m:r>
+                                  <a:rPr lang="en-US" i="1" dirty="0" smtClean="0">
+                                    <a:solidFill>
+                                      <a:srgbClr val="FF0000"/>
+                                    </a:solidFill>
+                                    <a:latin typeface="Cambria Math" panose="02040503050406030204" pitchFamily="18" charset="0"/>
+                                  </a:rPr>
+                                  <m:t>528</m:t>
+                                </m:r>
+                                <m:r>
+                                  <a:rPr lang="en-US" i="1" dirty="0" smtClean="0">
+                                    <a:solidFill>
+                                      <a:srgbClr val="FF0000"/>
+                                    </a:solidFill>
+                                    <a:latin typeface="Cambria Math" panose="02040503050406030204" pitchFamily="18" charset="0"/>
+                                  </a:rPr>
+                                  <m:t> [%]</m:t>
                                 </m:r>
                               </m:oMath>
                             </m:oMathPara>
@@ -20560,7 +19464,19 @@
                                   <a:rPr lang="en-US" b="0" i="1" smtClean="0">
                                     <a:latin typeface="Cambria Math" panose="02040503050406030204" pitchFamily="18" charset="0"/>
                                   </a:rPr>
-                                  <m:t>62,230</m:t>
+                                  <m:t>62</m:t>
+                                </m:r>
+                                <m:r>
+                                  <a:rPr lang="en-US" b="0" i="1" smtClean="0">
+                                    <a:latin typeface="Cambria Math" panose="02040503050406030204" pitchFamily="18" charset="0"/>
+                                  </a:rPr>
+                                  <m:t>,</m:t>
+                                </m:r>
+                                <m:r>
+                                  <a:rPr lang="en-US" b="0" i="1" smtClean="0">
+                                    <a:latin typeface="Cambria Math" panose="02040503050406030204" pitchFamily="18" charset="0"/>
+                                  </a:rPr>
+                                  <m:t>230</m:t>
                                 </m:r>
                                 <m:d>
                                   <m:dPr>
@@ -20633,7 +19549,19 @@
                                   <a:rPr lang="en-US" b="0" i="1" smtClean="0">
                                     <a:latin typeface="Cambria Math" panose="02040503050406030204" pitchFamily="18" charset="0"/>
                                   </a:rPr>
-                                  <m:t>246,131</m:t>
+                                  <m:t>246</m:t>
+                                </m:r>
+                                <m:r>
+                                  <a:rPr lang="en-US" b="0" i="1" smtClean="0">
+                                    <a:latin typeface="Cambria Math" panose="02040503050406030204" pitchFamily="18" charset="0"/>
+                                  </a:rPr>
+                                  <m:t>,</m:t>
+                                </m:r>
+                                <m:r>
+                                  <a:rPr lang="en-US" b="0" i="1" smtClean="0">
+                                    <a:latin typeface="Cambria Math" panose="02040503050406030204" pitchFamily="18" charset="0"/>
+                                  </a:rPr>
+                                  <m:t>131</m:t>
                                 </m:r>
                                 <m:d>
                                   <m:dPr>
@@ -20706,7 +19634,19 @@
                                   <a:rPr lang="en-US" b="0" i="1" smtClean="0">
                                     <a:latin typeface="Cambria Math" panose="02040503050406030204" pitchFamily="18" charset="0"/>
                                   </a:rPr>
-                                  <m:t>90,636</m:t>
+                                  <m:t>90</m:t>
+                                </m:r>
+                                <m:r>
+                                  <a:rPr lang="en-US" b="0" i="1" smtClean="0">
+                                    <a:latin typeface="Cambria Math" panose="02040503050406030204" pitchFamily="18" charset="0"/>
+                                  </a:rPr>
+                                  <m:t>,</m:t>
+                                </m:r>
+                                <m:r>
+                                  <a:rPr lang="en-US" b="0" i="1" smtClean="0">
+                                    <a:latin typeface="Cambria Math" panose="02040503050406030204" pitchFamily="18" charset="0"/>
+                                  </a:rPr>
+                                  <m:t>636</m:t>
                                 </m:r>
                                 <m:d>
                                   <m:dPr>
@@ -20791,7 +19731,34 @@
                                     </a:solidFill>
                                     <a:latin typeface="Cambria Math" panose="02040503050406030204" pitchFamily="18" charset="0"/>
                                   </a:rPr>
-                                  <m:t>295.52 [%]</m:t>
+                                  <m:t>295</m:t>
+                                </m:r>
+                                <m:r>
+                                  <a:rPr lang="en-US" i="1" dirty="0" smtClean="0">
+                                    <a:solidFill>
+                                      <a:srgbClr val="FF0000"/>
+                                    </a:solidFill>
+                                    <a:latin typeface="Cambria Math" panose="02040503050406030204" pitchFamily="18" charset="0"/>
+                                  </a:rPr>
+                                  <m:t>.</m:t>
+                                </m:r>
+                                <m:r>
+                                  <a:rPr lang="en-US" i="1" dirty="0" smtClean="0">
+                                    <a:solidFill>
+                                      <a:srgbClr val="FF0000"/>
+                                    </a:solidFill>
+                                    <a:latin typeface="Cambria Math" panose="02040503050406030204" pitchFamily="18" charset="0"/>
+                                  </a:rPr>
+                                  <m:t>52</m:t>
+                                </m:r>
+                                <m:r>
+                                  <a:rPr lang="en-US" i="1" dirty="0" smtClean="0">
+                                    <a:solidFill>
+                                      <a:srgbClr val="FF0000"/>
+                                    </a:solidFill>
+                                    <a:latin typeface="Cambria Math" panose="02040503050406030204" pitchFamily="18" charset="0"/>
+                                  </a:rPr>
+                                  <m:t> [%]</m:t>
                                 </m:r>
                               </m:oMath>
                             </m:oMathPara>
@@ -20927,7 +19894,19 @@
                                   <a:rPr lang="en-US" b="0" i="1" smtClean="0">
                                     <a:latin typeface="Cambria Math" panose="02040503050406030204" pitchFamily="18" charset="0"/>
                                   </a:rPr>
-                                  <m:t>19.62</m:t>
+                                  <m:t>19</m:t>
+                                </m:r>
+                                <m:r>
+                                  <a:rPr lang="en-US" b="0" i="1" smtClean="0">
+                                    <a:latin typeface="Cambria Math" panose="02040503050406030204" pitchFamily="18" charset="0"/>
+                                  </a:rPr>
+                                  <m:t>.</m:t>
+                                </m:r>
+                                <m:r>
+                                  <a:rPr lang="en-US" b="0" i="1" smtClean="0">
+                                    <a:latin typeface="Cambria Math" panose="02040503050406030204" pitchFamily="18" charset="0"/>
+                                  </a:rPr>
+                                  <m:t>62</m:t>
                                 </m:r>
                                 <m:d>
                                   <m:dPr>
@@ -20972,7 +19951,19 @@
                                   <a:rPr lang="en-US" b="0" i="1" smtClean="0">
                                     <a:latin typeface="Cambria Math" panose="02040503050406030204" pitchFamily="18" charset="0"/>
                                   </a:rPr>
-                                  <m:t>20.02</m:t>
+                                  <m:t>20</m:t>
+                                </m:r>
+                                <m:r>
+                                  <a:rPr lang="en-US" b="0" i="1" smtClean="0">
+                                    <a:latin typeface="Cambria Math" panose="02040503050406030204" pitchFamily="18" charset="0"/>
+                                  </a:rPr>
+                                  <m:t>.</m:t>
+                                </m:r>
+                                <m:r>
+                                  <a:rPr lang="en-US" b="0" i="1" smtClean="0">
+                                    <a:latin typeface="Cambria Math" panose="02040503050406030204" pitchFamily="18" charset="0"/>
+                                  </a:rPr>
+                                  <m:t>02</m:t>
                                 </m:r>
                                 <m:d>
                                   <m:dPr>
@@ -21017,7 +20008,19 @@
                                   <a:rPr lang="en-US" b="0" i="1" smtClean="0">
                                     <a:latin typeface="Cambria Math" panose="02040503050406030204" pitchFamily="18" charset="0"/>
                                   </a:rPr>
-                                  <m:t>20.483</m:t>
+                                  <m:t>20</m:t>
+                                </m:r>
+                                <m:r>
+                                  <a:rPr lang="en-US" b="0" i="1" smtClean="0">
+                                    <a:latin typeface="Cambria Math" panose="02040503050406030204" pitchFamily="18" charset="0"/>
+                                  </a:rPr>
+                                  <m:t>.</m:t>
+                                </m:r>
+                                <m:r>
+                                  <a:rPr lang="en-US" b="0" i="1" smtClean="0">
+                                    <a:latin typeface="Cambria Math" panose="02040503050406030204" pitchFamily="18" charset="0"/>
+                                  </a:rPr>
+                                  <m:t>483</m:t>
                                 </m:r>
                                 <m:d>
                                   <m:dPr>
@@ -21074,7 +20077,34 @@
                                     </a:solidFill>
                                     <a:latin typeface="Cambria Math" panose="02040503050406030204" pitchFamily="18" charset="0"/>
                                   </a:rPr>
-                                  <m:t>2.039 [%]</m:t>
+                                  <m:t>2</m:t>
+                                </m:r>
+                                <m:r>
+                                  <a:rPr lang="en-US" i="1" dirty="0" smtClean="0">
+                                    <a:solidFill>
+                                      <a:srgbClr val="FF0000"/>
+                                    </a:solidFill>
+                                    <a:latin typeface="Cambria Math" panose="02040503050406030204" pitchFamily="18" charset="0"/>
+                                  </a:rPr>
+                                  <m:t>.</m:t>
+                                </m:r>
+                                <m:r>
+                                  <a:rPr lang="en-US" i="1" dirty="0" smtClean="0">
+                                    <a:solidFill>
+                                      <a:srgbClr val="FF0000"/>
+                                    </a:solidFill>
+                                    <a:latin typeface="Cambria Math" panose="02040503050406030204" pitchFamily="18" charset="0"/>
+                                  </a:rPr>
+                                  <m:t>039</m:t>
+                                </m:r>
+                                <m:r>
+                                  <a:rPr lang="en-US" i="1" dirty="0" smtClean="0">
+                                    <a:solidFill>
+                                      <a:srgbClr val="FF0000"/>
+                                    </a:solidFill>
+                                    <a:latin typeface="Cambria Math" panose="02040503050406030204" pitchFamily="18" charset="0"/>
+                                  </a:rPr>
+                                  <m:t> [%]</m:t>
                                 </m:r>
                               </m:oMath>
                             </m:oMathPara>
@@ -21107,7 +20137,43 @@
                                     </a:solidFill>
                                     <a:latin typeface="Cambria Math" panose="02040503050406030204" pitchFamily="18" charset="0"/>
                                   </a:rPr>
-                                  <m:t>−4.4 [%]</m:t>
+                                  <m:t>−</m:t>
+                                </m:r>
+                                <m:r>
+                                  <a:rPr lang="en-US" i="1" dirty="0" smtClean="0">
+                                    <a:solidFill>
+                                      <a:srgbClr val="FF0000"/>
+                                    </a:solidFill>
+                                    <a:latin typeface="Cambria Math" panose="02040503050406030204" pitchFamily="18" charset="0"/>
+                                  </a:rPr>
+                                  <m:t>4</m:t>
+                                </m:r>
+                                <m:r>
+                                  <a:rPr lang="en-US" i="1" dirty="0" smtClean="0">
+                                    <a:solidFill>
+                                      <a:srgbClr val="FF0000"/>
+                                    </a:solidFill>
+                                    <a:latin typeface="Cambria Math" panose="02040503050406030204" pitchFamily="18" charset="0"/>
+                                  </a:rPr>
+                                  <m:t>.</m:t>
+                                </m:r>
+                                <m:r>
+                                  <a:rPr lang="en-US" i="1" dirty="0" smtClean="0">
+                                    <a:solidFill>
+                                      <a:srgbClr val="FF0000"/>
+                                    </a:solidFill>
+                                    <a:latin typeface="Cambria Math" panose="02040503050406030204" pitchFamily="18" charset="0"/>
+                                  </a:rPr>
+                                  <m:t>4</m:t>
+                                </m:r>
+                                <m:r>
+                                  <a:rPr lang="en-US" i="1" dirty="0" smtClean="0">
+                                    <a:solidFill>
+                                      <a:srgbClr val="FF0000"/>
+                                    </a:solidFill>
+                                    <a:latin typeface="Cambria Math" panose="02040503050406030204" pitchFamily="18" charset="0"/>
+                                  </a:rPr>
+                                  <m:t> [%]</m:t>
                                 </m:r>
                               </m:oMath>
                             </m:oMathPara>
@@ -21174,7 +20240,19 @@
                                   <a:rPr lang="en-US" b="0" i="1" smtClean="0">
                                     <a:latin typeface="Cambria Math" panose="02040503050406030204" pitchFamily="18" charset="0"/>
                                   </a:rPr>
-                                  <m:t>2.70567</m:t>
+                                  <m:t>2</m:t>
+                                </m:r>
+                                <m:r>
+                                  <a:rPr lang="en-US" b="0" i="1" smtClean="0">
+                                    <a:latin typeface="Cambria Math" panose="02040503050406030204" pitchFamily="18" charset="0"/>
+                                  </a:rPr>
+                                  <m:t>.</m:t>
+                                </m:r>
+                                <m:r>
+                                  <a:rPr lang="en-US" b="0" i="1" smtClean="0">
+                                    <a:latin typeface="Cambria Math" panose="02040503050406030204" pitchFamily="18" charset="0"/>
+                                  </a:rPr>
+                                  <m:t>70567</m:t>
                                 </m:r>
                               </m:oMath>
                             </m:oMathPara>
@@ -21216,7 +20294,19 @@
                                   <a:rPr lang="en-US" b="0" i="1" smtClean="0">
                                     <a:latin typeface="Cambria Math" panose="02040503050406030204" pitchFamily="18" charset="0"/>
                                   </a:rPr>
-                                  <m:t>2.70567</m:t>
+                                  <m:t>2</m:t>
+                                </m:r>
+                                <m:r>
+                                  <a:rPr lang="en-US" b="0" i="1" smtClean="0">
+                                    <a:latin typeface="Cambria Math" panose="02040503050406030204" pitchFamily="18" charset="0"/>
+                                  </a:rPr>
+                                  <m:t>.</m:t>
+                                </m:r>
+                                <m:r>
+                                  <a:rPr lang="en-US" b="0" i="1" smtClean="0">
+                                    <a:latin typeface="Cambria Math" panose="02040503050406030204" pitchFamily="18" charset="0"/>
+                                  </a:rPr>
+                                  <m:t>70567</m:t>
                                 </m:r>
                               </m:oMath>
                             </m:oMathPara>
@@ -21258,7 +20348,19 @@
                                   <a:rPr lang="en-US" b="0" i="1" smtClean="0">
                                     <a:latin typeface="Cambria Math" panose="02040503050406030204" pitchFamily="18" charset="0"/>
                                   </a:rPr>
-                                  <m:t>2.70567</m:t>
+                                  <m:t>2</m:t>
+                                </m:r>
+                                <m:r>
+                                  <a:rPr lang="en-US" b="0" i="1" smtClean="0">
+                                    <a:latin typeface="Cambria Math" panose="02040503050406030204" pitchFamily="18" charset="0"/>
+                                  </a:rPr>
+                                  <m:t>.</m:t>
+                                </m:r>
+                                <m:r>
+                                  <a:rPr lang="en-US" b="0" i="1" smtClean="0">
+                                    <a:latin typeface="Cambria Math" panose="02040503050406030204" pitchFamily="18" charset="0"/>
+                                  </a:rPr>
+                                  <m:t>70567</m:t>
                                 </m:r>
                               </m:oMath>
                             </m:oMathPara>
@@ -21387,7 +20489,13 @@
                                   <a:rPr lang="en-US" i="1" dirty="0" smtClean="0">
                                     <a:latin typeface="Cambria Math" panose="02040503050406030204" pitchFamily="18" charset="0"/>
                                   </a:rPr>
-                                  <m:t>32820 [</m:t>
+                                  <m:t>32820</m:t>
+                                </m:r>
+                                <m:r>
+                                  <a:rPr lang="en-US" i="1" dirty="0" smtClean="0">
+                                    <a:latin typeface="Cambria Math" panose="02040503050406030204" pitchFamily="18" charset="0"/>
+                                  </a:rPr>
+                                  <m:t> [</m:t>
                                 </m:r>
                                 <m:r>
                                   <a:rPr lang="en-US" i="1" dirty="0" smtClean="0">
@@ -21441,7 +20549,13 @@
                                   <a:rPr lang="en-US" i="1" dirty="0" smtClean="0">
                                     <a:latin typeface="Cambria Math" panose="02040503050406030204" pitchFamily="18" charset="0"/>
                                   </a:rPr>
-                                  <m:t>5370 [</m:t>
+                                  <m:t>5370</m:t>
+                                </m:r>
+                                <m:r>
+                                  <a:rPr lang="en-US" i="1" dirty="0" smtClean="0">
+                                    <a:latin typeface="Cambria Math" panose="02040503050406030204" pitchFamily="18" charset="0"/>
+                                  </a:rPr>
+                                  <m:t> [</m:t>
                                 </m:r>
                                 <m:r>
                                   <a:rPr lang="en-US" i="1" dirty="0" smtClean="0">
@@ -21548,7 +20662,16 @@
                                     </a:solidFill>
                                     <a:latin typeface="Cambria Math" panose="02040503050406030204" pitchFamily="18" charset="0"/>
                                   </a:rPr>
-                                  <m:t>511 [%]</m:t>
+                                  <m:t>511</m:t>
+                                </m:r>
+                                <m:r>
+                                  <a:rPr lang="en-US" i="1" dirty="0" smtClean="0">
+                                    <a:solidFill>
+                                      <a:srgbClr val="009900"/>
+                                    </a:solidFill>
+                                    <a:latin typeface="Cambria Math" panose="02040503050406030204" pitchFamily="18" charset="0"/>
+                                  </a:rPr>
+                                  <m:t> [%]</m:t>
                                 </m:r>
                               </m:oMath>
                             </m:oMathPara>
@@ -21597,7 +20720,34 @@
                                     </a:solidFill>
                                     <a:latin typeface="Cambria Math" panose="02040503050406030204" pitchFamily="18" charset="0"/>
                                   </a:rPr>
-                                  <m:t>509.9 [%]</m:t>
+                                  <m:t>509</m:t>
+                                </m:r>
+                                <m:r>
+                                  <a:rPr lang="en-US" i="1" dirty="0" smtClean="0">
+                                    <a:solidFill>
+                                      <a:srgbClr val="009900"/>
+                                    </a:solidFill>
+                                    <a:latin typeface="Cambria Math" panose="02040503050406030204" pitchFamily="18" charset="0"/>
+                                  </a:rPr>
+                                  <m:t>.</m:t>
+                                </m:r>
+                                <m:r>
+                                  <a:rPr lang="en-US" i="1" dirty="0" smtClean="0">
+                                    <a:solidFill>
+                                      <a:srgbClr val="009900"/>
+                                    </a:solidFill>
+                                    <a:latin typeface="Cambria Math" panose="02040503050406030204" pitchFamily="18" charset="0"/>
+                                  </a:rPr>
+                                  <m:t>9</m:t>
+                                </m:r>
+                                <m:r>
+                                  <a:rPr lang="en-US" i="1" dirty="0" smtClean="0">
+                                    <a:solidFill>
+                                      <a:srgbClr val="009900"/>
+                                    </a:solidFill>
+                                    <a:latin typeface="Cambria Math" panose="02040503050406030204" pitchFamily="18" charset="0"/>
+                                  </a:rPr>
+                                  <m:t> [%]</m:t>
                                 </m:r>
                               </m:oMath>
                             </m:oMathPara>
@@ -21625,10 +20775,10 @@
         <mc:Fallback>
           <p:graphicFrame>
             <p:nvGraphicFramePr>
-              <p:cNvPr id="3" name="Table 12">
+              <p:cNvPr id="19" name="Table 12">
                 <a:extLst>
                   <a:ext uri="{FF2B5EF4-FFF2-40B4-BE49-F238E27FC236}">
-                    <a16:creationId xmlns:a16="http://schemas.microsoft.com/office/drawing/2014/main" id="{D716BD18-225F-44CD-AEAD-AC23EC995D47}"/>
+                    <a16:creationId xmlns:a16="http://schemas.microsoft.com/office/drawing/2014/main" id="{F30F7B6C-AF3E-48E7-85B3-6948F479FCA9}"/>
                   </a:ext>
                 </a:extLst>
               </p:cNvPr>
@@ -21638,7 +20788,7 @@
               <p:nvPr>
                 <p:extLst>
                   <p:ext uri="{D42A27DB-BD31-4B8C-83A1-F6EECF244321}">
-                    <p14:modId xmlns:p14="http://schemas.microsoft.com/office/powerpoint/2010/main" val="1513182440"/>
+                    <p14:modId xmlns:p14="http://schemas.microsoft.com/office/powerpoint/2010/main" val="1082507672"/>
                   </p:ext>
                 </p:extLst>
               </p:nvPr>
@@ -22509,47 +21659,10 @@
           </p:graphicFrame>
         </mc:Fallback>
       </mc:AlternateContent>
-      <p:sp>
-        <p:nvSpPr>
-          <p:cNvPr id="4" name="TextBox 3">
-            <a:extLst>
-              <a:ext uri="{FF2B5EF4-FFF2-40B4-BE49-F238E27FC236}">
-                <a16:creationId xmlns:a16="http://schemas.microsoft.com/office/drawing/2014/main" id="{4E07A4FE-C15B-44FB-BD86-1A81D8FFFA5A}"/>
-              </a:ext>
-            </a:extLst>
-          </p:cNvPr>
-          <p:cNvSpPr txBox="1"/>
-          <p:nvPr/>
-        </p:nvSpPr>
-        <p:spPr>
-          <a:xfrm>
-            <a:off x="4061460" y="972014"/>
-            <a:ext cx="4069080" cy="523220"/>
-          </a:xfrm>
-          <a:prstGeom prst="rect">
-            <a:avLst/>
-          </a:prstGeom>
-          <a:noFill/>
-        </p:spPr>
-        <p:txBody>
-          <a:bodyPr wrap="square" rtlCol="0">
-            <a:spAutoFit/>
-          </a:bodyPr>
-          <a:lstStyle/>
-          <a:p>
-            <a:pPr algn="ctr"/>
-            <a:r>
-              <a:rPr lang="en-US" sz="2800" b="1" u="sng" dirty="0"/>
-              <a:t>New results</a:t>
-            </a:r>
-            <a:endParaRPr lang="en-US" b="1" u="sng" dirty="0"/>
-          </a:p>
-        </p:txBody>
-      </p:sp>
     </p:spTree>
     <p:extLst>
       <p:ext uri="{BB962C8B-B14F-4D97-AF65-F5344CB8AC3E}">
-        <p14:creationId xmlns:p14="http://schemas.microsoft.com/office/powerpoint/2010/main" val="902099443"/>
+        <p14:creationId xmlns:p14="http://schemas.microsoft.com/office/powerpoint/2010/main" val="614383816"/>
       </p:ext>
     </p:extLst>
   </p:cSld>
@@ -22559,7 +21672,7 @@
 </p:sld>
 </file>
 
-<file path=ppt/slides/slide27.xml><?xml version="1.0" encoding="utf-8"?>
+<file path=ppt/slides/slide26.xml><?xml version="1.0" encoding="utf-8"?>
 <p:sld xmlns:a="http://schemas.openxmlformats.org/drawingml/2006/main" xmlns:r="http://schemas.openxmlformats.org/officeDocument/2006/relationships" xmlns:p="http://schemas.openxmlformats.org/presentationml/2006/main">
   <p:cSld>
     <p:spTree>
@@ -23304,7 +22417,7 @@
         </p:nvCxnSpPr>
         <p:spPr>
           <a:xfrm>
-            <a:off x="9920196" y="6492927"/>
+            <a:off x="9910671" y="6492927"/>
             <a:ext cx="0" cy="338554"/>
           </a:xfrm>
           <a:prstGeom prst="line">
@@ -23472,7 +22585,7 @@
         </p:nvSpPr>
         <p:spPr>
           <a:xfrm>
-            <a:off x="8246993" y="6464459"/>
+            <a:off x="8256518" y="6464459"/>
             <a:ext cx="1646498" cy="386376"/>
           </a:xfrm>
           <a:prstGeom prst="rect">
@@ -23622,7 +22735,7 @@
           <a:p>
             <a:fld id="{FA14CE62-B6AF-475A-BB26-7E2CBB4B5225}" type="slidenum">
               <a:rPr lang="en-IL" smtClean="0"/>
-              <a:t>27</a:t>
+              <a:t>26</a:t>
             </a:fld>
             <a:endParaRPr lang="en-IL"/>
           </a:p>
@@ -23641,7 +22754,7 @@
 </p:sld>
 </file>
 
-<file path=ppt/slides/slide28.xml><?xml version="1.0" encoding="utf-8"?>
+<file path=ppt/slides/slide27.xml><?xml version="1.0" encoding="utf-8"?>
 <p:sld xmlns:a="http://schemas.openxmlformats.org/drawingml/2006/main" xmlns:r="http://schemas.openxmlformats.org/officeDocument/2006/relationships" xmlns:p="http://schemas.openxmlformats.org/presentationml/2006/main">
   <p:cSld>
     <p:spTree>
@@ -23783,7 +22896,7 @@
           <a:p>
             <a:fld id="{FA14CE62-B6AF-475A-BB26-7E2CBB4B5225}" type="slidenum">
               <a:rPr lang="en-IL" smtClean="0"/>
-              <a:t>28</a:t>
+              <a:t>27</a:t>
             </a:fld>
             <a:endParaRPr lang="en-IL"/>
           </a:p>
@@ -23802,7 +22915,7 @@
 </p:sld>
 </file>
 
-<file path=ppt/slides/slide29.xml><?xml version="1.0" encoding="utf-8"?>
+<file path=ppt/slides/slide28.xml><?xml version="1.0" encoding="utf-8"?>
 <p:sld xmlns:a="http://schemas.openxmlformats.org/drawingml/2006/main" xmlns:r="http://schemas.openxmlformats.org/officeDocument/2006/relationships" xmlns:p="http://schemas.openxmlformats.org/presentationml/2006/main">
   <p:cSld>
     <p:spTree>
@@ -24202,7 +23315,7 @@
           <a:p>
             <a:fld id="{FA14CE62-B6AF-475A-BB26-7E2CBB4B5225}" type="slidenum">
               <a:rPr lang="en-IL" smtClean="0"/>
-              <a:t>29</a:t>
+              <a:t>28</a:t>
             </a:fld>
             <a:endParaRPr lang="en-IL"/>
           </a:p>
@@ -24212,6 +23325,141 @@
     <p:extLst>
       <p:ext uri="{BB962C8B-B14F-4D97-AF65-F5344CB8AC3E}">
         <p14:creationId xmlns:p14="http://schemas.microsoft.com/office/powerpoint/2010/main" val="450871487"/>
+      </p:ext>
+    </p:extLst>
+  </p:cSld>
+  <p:clrMapOvr>
+    <a:masterClrMapping/>
+  </p:clrMapOvr>
+</p:sld>
+</file>
+
+<file path=ppt/slides/slide29.xml><?xml version="1.0" encoding="utf-8"?>
+<p:sld xmlns:a="http://schemas.openxmlformats.org/drawingml/2006/main" xmlns:r="http://schemas.openxmlformats.org/officeDocument/2006/relationships" xmlns:p="http://schemas.openxmlformats.org/presentationml/2006/main">
+  <p:cSld>
+    <p:spTree>
+      <p:nvGrpSpPr>
+        <p:cNvPr id="1" name=""/>
+        <p:cNvGrpSpPr/>
+        <p:nvPr/>
+      </p:nvGrpSpPr>
+      <p:grpSpPr>
+        <a:xfrm>
+          <a:off x="0" y="0"/>
+          <a:ext cx="0" cy="0"/>
+          <a:chOff x="0" y="0"/>
+          <a:chExt cx="0" cy="0"/>
+        </a:xfrm>
+      </p:grpSpPr>
+      <p:pic>
+        <p:nvPicPr>
+          <p:cNvPr id="3" name="Picture 2">
+            <a:extLst>
+              <a:ext uri="{FF2B5EF4-FFF2-40B4-BE49-F238E27FC236}">
+                <a16:creationId xmlns:a16="http://schemas.microsoft.com/office/drawing/2014/main" id="{F48D2B61-457F-41F1-A181-FC0E849CBAF3}"/>
+              </a:ext>
+            </a:extLst>
+          </p:cNvPr>
+          <p:cNvPicPr>
+            <a:picLocks noChangeAspect="1"/>
+          </p:cNvPicPr>
+          <p:nvPr/>
+        </p:nvPicPr>
+        <p:blipFill>
+          <a:blip r:embed="rId3"/>
+          <a:stretch>
+            <a:fillRect/>
+          </a:stretch>
+        </p:blipFill>
+        <p:spPr>
+          <a:xfrm>
+            <a:off x="2814826" y="2372498"/>
+            <a:ext cx="6562345" cy="2410373"/>
+          </a:xfrm>
+          <a:prstGeom prst="rect">
+            <a:avLst/>
+          </a:prstGeom>
+        </p:spPr>
+      </p:pic>
+      <p:sp>
+        <p:nvSpPr>
+          <p:cNvPr id="4" name="TextBox 3">
+            <a:extLst>
+              <a:ext uri="{FF2B5EF4-FFF2-40B4-BE49-F238E27FC236}">
+                <a16:creationId xmlns:a16="http://schemas.microsoft.com/office/drawing/2014/main" id="{E2344A50-6236-4EEE-9966-E49EFC663AE2}"/>
+              </a:ext>
+            </a:extLst>
+          </p:cNvPr>
+          <p:cNvSpPr txBox="1"/>
+          <p:nvPr/>
+        </p:nvSpPr>
+        <p:spPr>
+          <a:xfrm>
+            <a:off x="4061459" y="596028"/>
+            <a:ext cx="4069080" cy="523220"/>
+          </a:xfrm>
+          <a:prstGeom prst="rect">
+            <a:avLst/>
+          </a:prstGeom>
+          <a:noFill/>
+        </p:spPr>
+        <p:txBody>
+          <a:bodyPr wrap="square" rtlCol="0">
+            <a:spAutoFit/>
+          </a:bodyPr>
+          <a:lstStyle/>
+          <a:p>
+            <a:pPr algn="ctr"/>
+            <a:r>
+              <a:rPr lang="en-US" sz="2800" dirty="0"/>
+              <a:t>Python’s </a:t>
+            </a:r>
+            <a:r>
+              <a:rPr lang="en-US" sz="2800" dirty="0" err="1"/>
+              <a:t>ctypes</a:t>
+            </a:r>
+            <a:endParaRPr lang="en-US" dirty="0"/>
+          </a:p>
+        </p:txBody>
+      </p:sp>
+      <p:sp>
+        <p:nvSpPr>
+          <p:cNvPr id="6" name="Slide Number Placeholder 5">
+            <a:extLst>
+              <a:ext uri="{FF2B5EF4-FFF2-40B4-BE49-F238E27FC236}">
+                <a16:creationId xmlns:a16="http://schemas.microsoft.com/office/drawing/2014/main" id="{3F396C73-FCDC-4B83-A056-B88F5A65EE16}"/>
+              </a:ext>
+            </a:extLst>
+          </p:cNvPr>
+          <p:cNvSpPr>
+            <a:spLocks noGrp="1"/>
+          </p:cNvSpPr>
+          <p:nvPr>
+            <p:ph type="sldNum" sz="quarter" idx="12"/>
+          </p:nvPr>
+        </p:nvSpPr>
+        <p:spPr>
+          <a:xfrm>
+            <a:off x="9448800" y="6492875"/>
+            <a:ext cx="2743200" cy="365125"/>
+          </a:xfrm>
+        </p:spPr>
+        <p:txBody>
+          <a:bodyPr/>
+          <a:lstStyle/>
+          <a:p>
+            <a:fld id="{FA14CE62-B6AF-475A-BB26-7E2CBB4B5225}" type="slidenum">
+              <a:rPr lang="en-IL" smtClean="0"/>
+              <a:t>29</a:t>
+            </a:fld>
+            <a:endParaRPr lang="en-IL"/>
+          </a:p>
+        </p:txBody>
+      </p:sp>
+    </p:spTree>
+    <p:extLst>
+      <p:ext uri="{BB962C8B-B14F-4D97-AF65-F5344CB8AC3E}">
+        <p14:creationId xmlns:p14="http://schemas.microsoft.com/office/powerpoint/2010/main" val="1892299969"/>
       </p:ext>
     </p:extLst>
   </p:cSld>
@@ -24267,7 +23515,7 @@
           <a:lstStyle/>
           <a:p>
             <a:r>
-              <a:rPr lang="en-US" sz="2800" b="1" u="sng" dirty="0">
+              <a:rPr lang="en-US" sz="2800" b="1" u="sng">
                 <a:latin typeface="Arial" panose="020B0604020202020204" pitchFamily="34" charset="0"/>
                 <a:cs typeface="Arial" panose="020B0604020202020204" pitchFamily="34" charset="0"/>
               </a:rPr>
@@ -24316,7 +23564,7 @@
               <a:buChar char="•"/>
             </a:pPr>
             <a:r>
-              <a:rPr lang="en-US" sz="1600" dirty="0">
+              <a:rPr lang="en-US" sz="1600">
                 <a:latin typeface="Arial" panose="020B0604020202020204" pitchFamily="34" charset="0"/>
                 <a:cs typeface="Arial" panose="020B0604020202020204" pitchFamily="34" charset="0"/>
               </a:rPr>
@@ -24332,7 +23580,7 @@
               <a:buChar char="•"/>
             </a:pPr>
             <a:r>
-              <a:rPr lang="en-US" sz="1200" dirty="0">
+              <a:rPr lang="en-US" sz="1200">
                 <a:latin typeface="Arial" panose="020B0604020202020204" pitchFamily="34" charset="0"/>
                 <a:cs typeface="Arial" panose="020B0604020202020204" pitchFamily="34" charset="0"/>
               </a:rPr>
@@ -24348,7 +23596,7 @@
               <a:buChar char="•"/>
             </a:pPr>
             <a:r>
-              <a:rPr lang="en-US" sz="1200" dirty="0">
+              <a:rPr lang="en-US" sz="1200">
                 <a:latin typeface="Arial" panose="020B0604020202020204" pitchFamily="34" charset="0"/>
                 <a:cs typeface="Arial" panose="020B0604020202020204" pitchFamily="34" charset="0"/>
               </a:rPr>
@@ -24364,7 +23612,7 @@
               <a:buChar char="•"/>
             </a:pPr>
             <a:r>
-              <a:rPr lang="en-US" sz="1200" dirty="0">
+              <a:rPr lang="en-US" sz="1200">
                 <a:latin typeface="Arial" panose="020B0604020202020204" pitchFamily="34" charset="0"/>
                 <a:cs typeface="Arial" panose="020B0604020202020204" pitchFamily="34" charset="0"/>
               </a:rPr>
@@ -24380,13 +23628,13 @@
               <a:buChar char="•"/>
             </a:pPr>
             <a:r>
-              <a:rPr lang="en-US" sz="1600" dirty="0">
+              <a:rPr lang="en-US" sz="1600">
                 <a:latin typeface="Arial" panose="020B0604020202020204" pitchFamily="34" charset="0"/>
                 <a:cs typeface="Arial" panose="020B0604020202020204" pitchFamily="34" charset="0"/>
               </a:rPr>
               <a:t>PULP</a:t>
             </a:r>
-            <a:endParaRPr lang="en-US" sz="1400" dirty="0">
+            <a:endParaRPr lang="en-US" sz="1400">
               <a:latin typeface="Arial" panose="020B0604020202020204" pitchFamily="34" charset="0"/>
               <a:cs typeface="Arial" panose="020B0604020202020204" pitchFamily="34" charset="0"/>
             </a:endParaRPr>
@@ -24400,7 +23648,7 @@
               <a:buChar char="•"/>
             </a:pPr>
             <a:r>
-              <a:rPr lang="en-US" sz="1200" dirty="0">
+              <a:rPr lang="en-US" sz="1200">
                 <a:latin typeface="Arial" panose="020B0604020202020204" pitchFamily="34" charset="0"/>
                 <a:cs typeface="Arial" panose="020B0604020202020204" pitchFamily="34" charset="0"/>
               </a:rPr>
@@ -24416,7 +23664,7 @@
               <a:buChar char="•"/>
             </a:pPr>
             <a:r>
-              <a:rPr lang="en-US" sz="1200" dirty="0">
+              <a:rPr lang="en-US" sz="1200">
                 <a:latin typeface="Arial" panose="020B0604020202020204" pitchFamily="34" charset="0"/>
                 <a:cs typeface="Arial" panose="020B0604020202020204" pitchFamily="34" charset="0"/>
               </a:rPr>
@@ -24432,16 +23680,12 @@
               <a:buChar char="•"/>
             </a:pPr>
             <a:r>
-              <a:rPr lang="en-US" sz="1600" dirty="0" err="1">
+              <a:rPr lang="en-US" sz="1600">
                 <a:latin typeface="Arial" panose="020B0604020202020204" pitchFamily="34" charset="0"/>
                 <a:cs typeface="Arial" panose="020B0604020202020204" pitchFamily="34" charset="0"/>
               </a:rPr>
               <a:t>PULPino</a:t>
             </a:r>
-            <a:endParaRPr lang="en-US" sz="1600" dirty="0">
-              <a:latin typeface="Arial" panose="020B0604020202020204" pitchFamily="34" charset="0"/>
-              <a:cs typeface="Arial" panose="020B0604020202020204" pitchFamily="34" charset="0"/>
-            </a:endParaRPr>
           </a:p>
           <a:p>
             <a:pPr marL="628650" lvl="1" indent="-171450" algn="l">
@@ -24452,7 +23696,7 @@
               <a:buChar char="•"/>
             </a:pPr>
             <a:r>
-              <a:rPr lang="en-US" sz="1200" dirty="0">
+              <a:rPr lang="en-US" sz="1200">
                 <a:latin typeface="Arial" panose="020B0604020202020204" pitchFamily="34" charset="0"/>
                 <a:cs typeface="Arial" panose="020B0604020202020204" pitchFamily="34" charset="0"/>
               </a:rPr>
@@ -24468,7 +23712,7 @@
               <a:buChar char="•"/>
             </a:pPr>
             <a:r>
-              <a:rPr lang="en-US" sz="1200" dirty="0">
+              <a:rPr lang="en-US" sz="1200">
                 <a:latin typeface="Arial" panose="020B0604020202020204" pitchFamily="34" charset="0"/>
                 <a:cs typeface="Arial" panose="020B0604020202020204" pitchFamily="34" charset="0"/>
               </a:rPr>
@@ -24484,13 +23728,13 @@
               <a:buChar char="•"/>
             </a:pPr>
             <a:r>
-              <a:rPr lang="en-US" sz="1600" dirty="0" err="1">
+              <a:rPr lang="en-US" sz="1600">
                 <a:latin typeface="Arial" panose="020B0604020202020204" pitchFamily="34" charset="0"/>
                 <a:cs typeface="Arial" panose="020B0604020202020204" pitchFamily="34" charset="0"/>
               </a:rPr>
               <a:t>PULPeniX</a:t>
             </a:r>
-            <a:endParaRPr lang="en-US" sz="1400" dirty="0">
+            <a:endParaRPr lang="en-US" sz="1400">
               <a:latin typeface="Arial" panose="020B0604020202020204" pitchFamily="34" charset="0"/>
               <a:cs typeface="Arial" panose="020B0604020202020204" pitchFamily="34" charset="0"/>
             </a:endParaRPr>
@@ -24504,39 +23748,11 @@
               <a:buChar char="•"/>
             </a:pPr>
             <a:r>
-              <a:rPr lang="en-US" sz="1200" dirty="0">
+              <a:rPr lang="en-US" sz="1200">
                 <a:latin typeface="Arial" panose="020B0604020202020204" pitchFamily="34" charset="0"/>
                 <a:cs typeface="Arial" panose="020B0604020202020204" pitchFamily="34" charset="0"/>
               </a:rPr>
-              <a:t>Developed in Bar </a:t>
-            </a:r>
-            <a:r>
-              <a:rPr lang="en-US" sz="1200" dirty="0" err="1">
-                <a:latin typeface="Arial" panose="020B0604020202020204" pitchFamily="34" charset="0"/>
-                <a:cs typeface="Arial" panose="020B0604020202020204" pitchFamily="34" charset="0"/>
-              </a:rPr>
-              <a:t>Ilan</a:t>
-            </a:r>
-            <a:r>
-              <a:rPr lang="en-US" sz="1200" dirty="0">
-                <a:latin typeface="Arial" panose="020B0604020202020204" pitchFamily="34" charset="0"/>
-                <a:cs typeface="Arial" panose="020B0604020202020204" pitchFamily="34" charset="0"/>
-              </a:rPr>
-              <a:t>, </a:t>
-            </a:r>
-            <a:r>
-              <a:rPr lang="en-US" sz="1200" dirty="0" err="1">
-                <a:latin typeface="Arial" panose="020B0604020202020204" pitchFamily="34" charset="0"/>
-                <a:cs typeface="Arial" panose="020B0604020202020204" pitchFamily="34" charset="0"/>
-              </a:rPr>
-              <a:t>Enics</a:t>
-            </a:r>
-            <a:r>
-              <a:rPr lang="en-US" sz="1200" dirty="0">
-                <a:latin typeface="Arial" panose="020B0604020202020204" pitchFamily="34" charset="0"/>
-                <a:cs typeface="Arial" panose="020B0604020202020204" pitchFamily="34" charset="0"/>
-              </a:rPr>
-              <a:t> lab.</a:t>
+              <a:t>Developed in Bar Ilan, Enics lab.</a:t>
             </a:r>
           </a:p>
           <a:p>
@@ -24548,7 +23764,7 @@
               <a:buChar char="•"/>
             </a:pPr>
             <a:r>
-              <a:rPr lang="en-US" sz="1200" dirty="0">
+              <a:rPr lang="en-US" sz="1200">
                 <a:latin typeface="Arial" panose="020B0604020202020204" pitchFamily="34" charset="0"/>
                 <a:cs typeface="Arial" panose="020B0604020202020204" pitchFamily="34" charset="0"/>
               </a:rPr>
@@ -24564,13 +23780,13 @@
               <a:buChar char="•"/>
             </a:pPr>
             <a:r>
-              <a:rPr lang="en-US" sz="1600" dirty="0">
+              <a:rPr lang="en-US" sz="1600">
                 <a:latin typeface="Arial" panose="020B0604020202020204" pitchFamily="34" charset="0"/>
                 <a:cs typeface="Arial" panose="020B0604020202020204" pitchFamily="34" charset="0"/>
               </a:rPr>
               <a:t>AES</a:t>
             </a:r>
-            <a:endParaRPr lang="en-US" sz="1400" dirty="0">
+            <a:endParaRPr lang="en-US" sz="1400">
               <a:latin typeface="Arial" panose="020B0604020202020204" pitchFamily="34" charset="0"/>
               <a:cs typeface="Arial" panose="020B0604020202020204" pitchFamily="34" charset="0"/>
             </a:endParaRPr>
@@ -24584,7 +23800,7 @@
               <a:buChar char="•"/>
             </a:pPr>
             <a:r>
-              <a:rPr lang="en-US" sz="1200" dirty="0">
+              <a:rPr lang="en-US" sz="1200">
                 <a:latin typeface="Arial" panose="020B0604020202020204" pitchFamily="34" charset="0"/>
                 <a:cs typeface="Arial" panose="020B0604020202020204" pitchFamily="34" charset="0"/>
               </a:rPr>
@@ -24600,12 +23816,16 @@
               <a:buChar char="•"/>
             </a:pPr>
             <a:r>
-              <a:rPr lang="en-US" sz="1200" dirty="0">
+              <a:rPr lang="en-US" sz="1200">
                 <a:latin typeface="Arial" panose="020B0604020202020204" pitchFamily="34" charset="0"/>
                 <a:cs typeface="Arial" panose="020B0604020202020204" pitchFamily="34" charset="0"/>
               </a:rPr>
               <a:t>Based on a design principle known as a substitution–permutation network.</a:t>
             </a:r>
+            <a:endParaRPr lang="en-US" sz="1200" dirty="0">
+              <a:latin typeface="Arial" panose="020B0604020202020204" pitchFamily="34" charset="0"/>
+              <a:cs typeface="Arial" panose="020B0604020202020204" pitchFamily="34" charset="0"/>
+            </a:endParaRPr>
           </a:p>
         </p:txBody>
       </p:sp>
@@ -24678,7 +23898,7 @@
           <p:cNvPr id="3" name="Picture 2">
             <a:extLst>
               <a:ext uri="{FF2B5EF4-FFF2-40B4-BE49-F238E27FC236}">
-                <a16:creationId xmlns:a16="http://schemas.microsoft.com/office/drawing/2014/main" id="{F48D2B61-457F-41F1-A181-FC0E849CBAF3}"/>
+                <a16:creationId xmlns:a16="http://schemas.microsoft.com/office/drawing/2014/main" id="{F6DB9B7E-C6EF-466E-9F2F-9821EA5ECBEE}"/>
               </a:ext>
             </a:extLst>
           </p:cNvPr>
@@ -24687,16 +23907,15 @@
           </p:cNvPicPr>
           <p:nvPr/>
         </p:nvPicPr>
-        <p:blipFill>
+        <p:blipFill rotWithShape="1">
           <a:blip r:embed="rId3"/>
-          <a:stretch>
-            <a:fillRect/>
-          </a:stretch>
+          <a:srcRect b="48531"/>
+          <a:stretch/>
         </p:blipFill>
         <p:spPr>
           <a:xfrm>
-            <a:off x="2814826" y="2372498"/>
-            <a:ext cx="6562345" cy="2410373"/>
+            <a:off x="7044625" y="2114351"/>
+            <a:ext cx="3131949" cy="3403821"/>
           </a:xfrm>
           <a:prstGeom prst="rect">
             <a:avLst/>
@@ -24708,7 +23927,7 @@
           <p:cNvPr id="4" name="TextBox 3">
             <a:extLst>
               <a:ext uri="{FF2B5EF4-FFF2-40B4-BE49-F238E27FC236}">
-                <a16:creationId xmlns:a16="http://schemas.microsoft.com/office/drawing/2014/main" id="{E2344A50-6236-4EEE-9966-E49EFC663AE2}"/>
+                <a16:creationId xmlns:a16="http://schemas.microsoft.com/office/drawing/2014/main" id="{7D1CEF0F-E068-4EA4-9970-44C4DF06902C}"/>
               </a:ext>
             </a:extLst>
           </p:cNvPr>
@@ -24734,22 +23953,48 @@
             <a:pPr algn="ctr"/>
             <a:r>
               <a:rPr lang="en-US" sz="2800" dirty="0"/>
-              <a:t>Python’s </a:t>
-            </a:r>
-            <a:r>
-              <a:rPr lang="en-US" sz="2800" dirty="0" err="1"/>
-              <a:t>ctypes</a:t>
+              <a:t>Dictionaries</a:t>
             </a:r>
             <a:endParaRPr lang="en-US" dirty="0"/>
           </a:p>
         </p:txBody>
       </p:sp>
-      <p:sp>
-        <p:nvSpPr>
-          <p:cNvPr id="6" name="Slide Number Placeholder 5">
-            <a:extLst>
-              <a:ext uri="{FF2B5EF4-FFF2-40B4-BE49-F238E27FC236}">
-                <a16:creationId xmlns:a16="http://schemas.microsoft.com/office/drawing/2014/main" id="{3F396C73-FCDC-4B83-A056-B88F5A65EE16}"/>
+      <p:pic>
+        <p:nvPicPr>
+          <p:cNvPr id="5" name="Picture 4">
+            <a:extLst>
+              <a:ext uri="{FF2B5EF4-FFF2-40B4-BE49-F238E27FC236}">
+                <a16:creationId xmlns:a16="http://schemas.microsoft.com/office/drawing/2014/main" id="{5693A012-FBB2-4D52-86A3-D1E58918AB21}"/>
+              </a:ext>
+            </a:extLst>
+          </p:cNvPr>
+          <p:cNvPicPr>
+            <a:picLocks noChangeAspect="1"/>
+          </p:cNvPicPr>
+          <p:nvPr/>
+        </p:nvPicPr>
+        <p:blipFill>
+          <a:blip r:embed="rId4"/>
+          <a:stretch>
+            <a:fillRect/>
+          </a:stretch>
+        </p:blipFill>
+        <p:spPr>
+          <a:xfrm>
+            <a:off x="1842953" y="3059357"/>
+            <a:ext cx="3304423" cy="1296830"/>
+          </a:xfrm>
+          <a:prstGeom prst="rect">
+            <a:avLst/>
+          </a:prstGeom>
+        </p:spPr>
+      </p:pic>
+      <p:sp>
+        <p:nvSpPr>
+          <p:cNvPr id="7" name="Slide Number Placeholder 6">
+            <a:extLst>
+              <a:ext uri="{FF2B5EF4-FFF2-40B4-BE49-F238E27FC236}">
+                <a16:creationId xmlns:a16="http://schemas.microsoft.com/office/drawing/2014/main" id="{547BD752-2B88-4378-9812-400D5324AA1C}"/>
               </a:ext>
             </a:extLst>
           </p:cNvPr>
@@ -24781,7 +24026,7 @@
     </p:spTree>
     <p:extLst>
       <p:ext uri="{BB962C8B-B14F-4D97-AF65-F5344CB8AC3E}">
-        <p14:creationId xmlns:p14="http://schemas.microsoft.com/office/powerpoint/2010/main" val="1892299969"/>
+        <p14:creationId xmlns:p14="http://schemas.microsoft.com/office/powerpoint/2010/main" val="30149730"/>
       </p:ext>
     </p:extLst>
   </p:cSld>
@@ -24808,41 +24053,12 @@
           <a:chExt cx="0" cy="0"/>
         </a:xfrm>
       </p:grpSpPr>
-      <p:pic>
-        <p:nvPicPr>
-          <p:cNvPr id="3" name="Picture 2">
-            <a:extLst>
-              <a:ext uri="{FF2B5EF4-FFF2-40B4-BE49-F238E27FC236}">
-                <a16:creationId xmlns:a16="http://schemas.microsoft.com/office/drawing/2014/main" id="{F6DB9B7E-C6EF-466E-9F2F-9821EA5ECBEE}"/>
-              </a:ext>
-            </a:extLst>
-          </p:cNvPr>
-          <p:cNvPicPr>
-            <a:picLocks noChangeAspect="1"/>
-          </p:cNvPicPr>
-          <p:nvPr/>
-        </p:nvPicPr>
-        <p:blipFill rotWithShape="1">
-          <a:blip r:embed="rId3"/>
-          <a:srcRect b="48531"/>
-          <a:stretch/>
-        </p:blipFill>
-        <p:spPr>
-          <a:xfrm>
-            <a:off x="7044625" y="2114351"/>
-            <a:ext cx="3131949" cy="3403821"/>
-          </a:xfrm>
-          <a:prstGeom prst="rect">
-            <a:avLst/>
-          </a:prstGeom>
-        </p:spPr>
-      </p:pic>
-      <p:sp>
-        <p:nvSpPr>
-          <p:cNvPr id="4" name="TextBox 3">
-            <a:extLst>
-              <a:ext uri="{FF2B5EF4-FFF2-40B4-BE49-F238E27FC236}">
-                <a16:creationId xmlns:a16="http://schemas.microsoft.com/office/drawing/2014/main" id="{7D1CEF0F-E068-4EA4-9970-44C4DF06902C}"/>
+      <p:sp>
+        <p:nvSpPr>
+          <p:cNvPr id="3" name="TextBox 2">
+            <a:extLst>
+              <a:ext uri="{FF2B5EF4-FFF2-40B4-BE49-F238E27FC236}">
+                <a16:creationId xmlns:a16="http://schemas.microsoft.com/office/drawing/2014/main" id="{FDB65FD9-E549-44FA-BA0B-72B538F7F0FC}"/>
               </a:ext>
             </a:extLst>
           </p:cNvPr>
@@ -24868,18 +24084,48 @@
             <a:pPr algn="ctr"/>
             <a:r>
               <a:rPr lang="en-US" sz="2800" dirty="0"/>
-              <a:t>Dictionaries</a:t>
+              <a:t>Instruction assignment</a:t>
             </a:r>
             <a:endParaRPr lang="en-US" dirty="0"/>
           </a:p>
         </p:txBody>
       </p:sp>
+      <p:pic>
+        <p:nvPicPr>
+          <p:cNvPr id="4" name="Picture 3">
+            <a:extLst>
+              <a:ext uri="{FF2B5EF4-FFF2-40B4-BE49-F238E27FC236}">
+                <a16:creationId xmlns:a16="http://schemas.microsoft.com/office/drawing/2014/main" id="{2B364358-4247-4668-8F2D-9AF6A9BEA76A}"/>
+              </a:ext>
+            </a:extLst>
+          </p:cNvPr>
+          <p:cNvPicPr>
+            <a:picLocks noChangeAspect="1"/>
+          </p:cNvPicPr>
+          <p:nvPr/>
+        </p:nvPicPr>
+        <p:blipFill>
+          <a:blip r:embed="rId3"/>
+          <a:stretch>
+            <a:fillRect/>
+          </a:stretch>
+        </p:blipFill>
+        <p:spPr>
+          <a:xfrm>
+            <a:off x="4288416" y="1853943"/>
+            <a:ext cx="3615161" cy="1714542"/>
+          </a:xfrm>
+          <a:prstGeom prst="rect">
+            <a:avLst/>
+          </a:prstGeom>
+        </p:spPr>
+      </p:pic>
       <p:pic>
         <p:nvPicPr>
           <p:cNvPr id="5" name="Picture 4">
             <a:extLst>
               <a:ext uri="{FF2B5EF4-FFF2-40B4-BE49-F238E27FC236}">
-                <a16:creationId xmlns:a16="http://schemas.microsoft.com/office/drawing/2014/main" id="{5693A012-FBB2-4D52-86A3-D1E58918AB21}"/>
+                <a16:creationId xmlns:a16="http://schemas.microsoft.com/office/drawing/2014/main" id="{FFC05640-42A9-44FA-92D5-F8DD7DF7776B}"/>
               </a:ext>
             </a:extLst>
           </p:cNvPr>
@@ -24896,8 +24142,8 @@
         </p:blipFill>
         <p:spPr>
           <a:xfrm>
-            <a:off x="1842953" y="3059357"/>
-            <a:ext cx="3304423" cy="1296830"/>
+            <a:off x="2568503" y="4749812"/>
+            <a:ext cx="7054993" cy="787459"/>
           </a:xfrm>
           <a:prstGeom prst="rect">
             <a:avLst/>
@@ -24909,7 +24155,7 @@
           <p:cNvPr id="7" name="Slide Number Placeholder 6">
             <a:extLst>
               <a:ext uri="{FF2B5EF4-FFF2-40B4-BE49-F238E27FC236}">
-                <a16:creationId xmlns:a16="http://schemas.microsoft.com/office/drawing/2014/main" id="{547BD752-2B88-4378-9812-400D5324AA1C}"/>
+                <a16:creationId xmlns:a16="http://schemas.microsoft.com/office/drawing/2014/main" id="{C580D386-60DD-4D78-8F1F-CB02677F3CE0}"/>
               </a:ext>
             </a:extLst>
           </p:cNvPr>
@@ -24934,14 +24180,14 @@
               <a:rPr lang="en-IL" smtClean="0"/>
               <a:t>31</a:t>
             </a:fld>
-            <a:endParaRPr lang="en-IL"/>
+            <a:endParaRPr lang="en-IL" dirty="0"/>
           </a:p>
         </p:txBody>
       </p:sp>
     </p:spTree>
     <p:extLst>
       <p:ext uri="{BB962C8B-B14F-4D97-AF65-F5344CB8AC3E}">
-        <p14:creationId xmlns:p14="http://schemas.microsoft.com/office/powerpoint/2010/main" val="30149730"/>
+        <p14:creationId xmlns:p14="http://schemas.microsoft.com/office/powerpoint/2010/main" val="4220235386"/>
       </p:ext>
     </p:extLst>
   </p:cSld>
@@ -24970,10 +24216,10 @@
       </p:grpSpPr>
       <p:sp>
         <p:nvSpPr>
-          <p:cNvPr id="3" name="TextBox 2">
-            <a:extLst>
-              <a:ext uri="{FF2B5EF4-FFF2-40B4-BE49-F238E27FC236}">
-                <a16:creationId xmlns:a16="http://schemas.microsoft.com/office/drawing/2014/main" id="{FDB65FD9-E549-44FA-BA0B-72B538F7F0FC}"/>
+          <p:cNvPr id="2" name="TextBox 1">
+            <a:extLst>
+              <a:ext uri="{FF2B5EF4-FFF2-40B4-BE49-F238E27FC236}">
+                <a16:creationId xmlns:a16="http://schemas.microsoft.com/office/drawing/2014/main" id="{2F354712-1026-4E70-A5D9-31A5B0D6CC71}"/>
               </a:ext>
             </a:extLst>
           </p:cNvPr>
@@ -24982,7 +24228,7 @@
         </p:nvSpPr>
         <p:spPr>
           <a:xfrm>
-            <a:off x="4061459" y="596028"/>
+            <a:off x="4061459" y="448794"/>
             <a:ext cx="4069080" cy="523220"/>
           </a:xfrm>
           <a:prstGeom prst="rect">
@@ -24999,7 +24245,7 @@
             <a:pPr algn="ctr"/>
             <a:r>
               <a:rPr lang="en-US" sz="2800" dirty="0"/>
-              <a:t>Instruction assignment</a:t>
+              <a:t>AES test</a:t>
             </a:r>
             <a:endParaRPr lang="en-US" dirty="0"/>
           </a:p>
@@ -25010,7 +24256,7 @@
           <p:cNvPr id="4" name="Picture 3">
             <a:extLst>
               <a:ext uri="{FF2B5EF4-FFF2-40B4-BE49-F238E27FC236}">
-                <a16:creationId xmlns:a16="http://schemas.microsoft.com/office/drawing/2014/main" id="{2B364358-4247-4668-8F2D-9AF6A9BEA76A}"/>
+                <a16:creationId xmlns:a16="http://schemas.microsoft.com/office/drawing/2014/main" id="{C415689F-66BF-42CE-8D4A-FBF9E7A382D1}"/>
               </a:ext>
             </a:extLst>
           </p:cNvPr>
@@ -25019,58 +24265,27 @@
           </p:cNvPicPr>
           <p:nvPr/>
         </p:nvPicPr>
-        <p:blipFill>
+        <p:blipFill rotWithShape="1">
           <a:blip r:embed="rId3"/>
-          <a:stretch>
-            <a:fillRect/>
-          </a:stretch>
+          <a:srcRect l="13629" r="38327"/>
+          <a:stretch/>
         </p:blipFill>
         <p:spPr>
           <a:xfrm>
-            <a:off x="4288416" y="1853943"/>
-            <a:ext cx="3615161" cy="1714542"/>
+            <a:off x="828135" y="1735808"/>
+            <a:ext cx="3571336" cy="3386384"/>
           </a:xfrm>
           <a:prstGeom prst="rect">
             <a:avLst/>
           </a:prstGeom>
         </p:spPr>
       </p:pic>
-      <p:pic>
-        <p:nvPicPr>
-          <p:cNvPr id="5" name="Picture 4">
-            <a:extLst>
-              <a:ext uri="{FF2B5EF4-FFF2-40B4-BE49-F238E27FC236}">
-                <a16:creationId xmlns:a16="http://schemas.microsoft.com/office/drawing/2014/main" id="{FFC05640-42A9-44FA-92D5-F8DD7DF7776B}"/>
-              </a:ext>
-            </a:extLst>
-          </p:cNvPr>
-          <p:cNvPicPr>
-            <a:picLocks noChangeAspect="1"/>
-          </p:cNvPicPr>
-          <p:nvPr/>
-        </p:nvPicPr>
-        <p:blipFill>
-          <a:blip r:embed="rId4"/>
-          <a:stretch>
-            <a:fillRect/>
-          </a:stretch>
-        </p:blipFill>
-        <p:spPr>
-          <a:xfrm>
-            <a:off x="2568503" y="4749812"/>
-            <a:ext cx="7054993" cy="787459"/>
-          </a:xfrm>
-          <a:prstGeom prst="rect">
-            <a:avLst/>
-          </a:prstGeom>
-        </p:spPr>
-      </p:pic>
-      <p:sp>
-        <p:nvSpPr>
-          <p:cNvPr id="7" name="Slide Number Placeholder 6">
-            <a:extLst>
-              <a:ext uri="{FF2B5EF4-FFF2-40B4-BE49-F238E27FC236}">
-                <a16:creationId xmlns:a16="http://schemas.microsoft.com/office/drawing/2014/main" id="{C580D386-60DD-4D78-8F1F-CB02677F3CE0}"/>
+      <p:sp>
+        <p:nvSpPr>
+          <p:cNvPr id="6" name="Slide Number Placeholder 5">
+            <a:extLst>
+              <a:ext uri="{FF2B5EF4-FFF2-40B4-BE49-F238E27FC236}">
+                <a16:creationId xmlns:a16="http://schemas.microsoft.com/office/drawing/2014/main" id="{2D4FC120-1010-43D7-A21A-4ACAB8261C82}"/>
               </a:ext>
             </a:extLst>
           </p:cNvPr>
@@ -25099,10 +24314,75 @@
           </a:p>
         </p:txBody>
       </p:sp>
+      <p:pic>
+        <p:nvPicPr>
+          <p:cNvPr id="5" name="Picture 4">
+            <a:extLst>
+              <a:ext uri="{FF2B5EF4-FFF2-40B4-BE49-F238E27FC236}">
+                <a16:creationId xmlns:a16="http://schemas.microsoft.com/office/drawing/2014/main" id="{3BAE0330-C606-4F8C-AE48-8DC9FD63A1B1}"/>
+              </a:ext>
+            </a:extLst>
+          </p:cNvPr>
+          <p:cNvPicPr>
+            <a:picLocks noChangeAspect="1"/>
+          </p:cNvPicPr>
+          <p:nvPr/>
+        </p:nvPicPr>
+        <p:blipFill rotWithShape="1">
+          <a:blip r:embed="rId4"/>
+          <a:srcRect l="15900" t="1648" r="43761" b="6274"/>
+          <a:stretch/>
+        </p:blipFill>
+        <p:spPr>
+          <a:xfrm>
+            <a:off x="7193498" y="1626079"/>
+            <a:ext cx="3195013" cy="3496113"/>
+          </a:xfrm>
+          <a:prstGeom prst="rect">
+            <a:avLst/>
+          </a:prstGeom>
+        </p:spPr>
+      </p:pic>
+      <p:sp>
+        <p:nvSpPr>
+          <p:cNvPr id="7" name="TextBox 6">
+            <a:extLst>
+              <a:ext uri="{FF2B5EF4-FFF2-40B4-BE49-F238E27FC236}">
+                <a16:creationId xmlns:a16="http://schemas.microsoft.com/office/drawing/2014/main" id="{90C24F29-96FA-499F-B1C6-6F155B296168}"/>
+              </a:ext>
+            </a:extLst>
+          </p:cNvPr>
+          <p:cNvSpPr txBox="1"/>
+          <p:nvPr/>
+        </p:nvSpPr>
+        <p:spPr>
+          <a:xfrm>
+            <a:off x="5716437" y="3081747"/>
+            <a:ext cx="759124" cy="584775"/>
+          </a:xfrm>
+          <a:prstGeom prst="rect">
+            <a:avLst/>
+          </a:prstGeom>
+          <a:noFill/>
+        </p:spPr>
+        <p:txBody>
+          <a:bodyPr wrap="square" rtlCol="0">
+            <a:spAutoFit/>
+          </a:bodyPr>
+          <a:lstStyle/>
+          <a:p>
+            <a:r>
+              <a:rPr lang="en-US" sz="3200" dirty="0"/>
+              <a:t>VS</a:t>
+            </a:r>
+            <a:endParaRPr lang="en-US" dirty="0"/>
+          </a:p>
+        </p:txBody>
+      </p:sp>
     </p:spTree>
     <p:extLst>
       <p:ext uri="{BB962C8B-B14F-4D97-AF65-F5344CB8AC3E}">
-        <p14:creationId xmlns:p14="http://schemas.microsoft.com/office/powerpoint/2010/main" val="4220235386"/>
+        <p14:creationId xmlns:p14="http://schemas.microsoft.com/office/powerpoint/2010/main" val="3057578697"/>
       </p:ext>
     </p:extLst>
   </p:cSld>
@@ -25129,49 +24409,12 @@
           <a:chExt cx="0" cy="0"/>
         </a:xfrm>
       </p:grpSpPr>
-      <p:sp>
-        <p:nvSpPr>
-          <p:cNvPr id="2" name="TextBox 1">
-            <a:extLst>
-              <a:ext uri="{FF2B5EF4-FFF2-40B4-BE49-F238E27FC236}">
-                <a16:creationId xmlns:a16="http://schemas.microsoft.com/office/drawing/2014/main" id="{2F354712-1026-4E70-A5D9-31A5B0D6CC71}"/>
-              </a:ext>
-            </a:extLst>
-          </p:cNvPr>
-          <p:cNvSpPr txBox="1"/>
-          <p:nvPr/>
-        </p:nvSpPr>
-        <p:spPr>
-          <a:xfrm>
-            <a:off x="4061459" y="448794"/>
-            <a:ext cx="4069080" cy="523220"/>
-          </a:xfrm>
-          <a:prstGeom prst="rect">
-            <a:avLst/>
-          </a:prstGeom>
-          <a:noFill/>
-        </p:spPr>
-        <p:txBody>
-          <a:bodyPr wrap="square" rtlCol="0">
-            <a:spAutoFit/>
-          </a:bodyPr>
-          <a:lstStyle/>
-          <a:p>
-            <a:pPr algn="ctr"/>
-            <a:r>
-              <a:rPr lang="en-US" sz="2800" dirty="0"/>
-              <a:t>AES test</a:t>
-            </a:r>
-            <a:endParaRPr lang="en-US" dirty="0"/>
-          </a:p>
-        </p:txBody>
-      </p:sp>
       <p:pic>
         <p:nvPicPr>
-          <p:cNvPr id="4" name="Picture 3">
-            <a:extLst>
-              <a:ext uri="{FF2B5EF4-FFF2-40B4-BE49-F238E27FC236}">
-                <a16:creationId xmlns:a16="http://schemas.microsoft.com/office/drawing/2014/main" id="{C415689F-66BF-42CE-8D4A-FBF9E7A382D1}"/>
+          <p:cNvPr id="2" name="Picture 1">
+            <a:extLst>
+              <a:ext uri="{FF2B5EF4-FFF2-40B4-BE49-F238E27FC236}">
+                <a16:creationId xmlns:a16="http://schemas.microsoft.com/office/drawing/2014/main" id="{C153AEC3-5D4C-40B3-843A-F634B1688F97}"/>
               </a:ext>
             </a:extLst>
           </p:cNvPr>
@@ -25188,101 +24431,7 @@
         </p:blipFill>
         <p:spPr>
           <a:xfrm>
-            <a:off x="2360472" y="1866682"/>
-            <a:ext cx="6858957" cy="3124636"/>
-          </a:xfrm>
-          <a:prstGeom prst="rect">
-            <a:avLst/>
-          </a:prstGeom>
-        </p:spPr>
-      </p:pic>
-      <p:sp>
-        <p:nvSpPr>
-          <p:cNvPr id="6" name="Slide Number Placeholder 5">
-            <a:extLst>
-              <a:ext uri="{FF2B5EF4-FFF2-40B4-BE49-F238E27FC236}">
-                <a16:creationId xmlns:a16="http://schemas.microsoft.com/office/drawing/2014/main" id="{2D4FC120-1010-43D7-A21A-4ACAB8261C82}"/>
-              </a:ext>
-            </a:extLst>
-          </p:cNvPr>
-          <p:cNvSpPr>
-            <a:spLocks noGrp="1"/>
-          </p:cNvSpPr>
-          <p:nvPr>
-            <p:ph type="sldNum" sz="quarter" idx="12"/>
-          </p:nvPr>
-        </p:nvSpPr>
-        <p:spPr>
-          <a:xfrm>
-            <a:off x="9448800" y="6492875"/>
-            <a:ext cx="2743200" cy="365125"/>
-          </a:xfrm>
-        </p:spPr>
-        <p:txBody>
-          <a:bodyPr/>
-          <a:lstStyle/>
-          <a:p>
-            <a:fld id="{FA14CE62-B6AF-475A-BB26-7E2CBB4B5225}" type="slidenum">
-              <a:rPr lang="en-IL" smtClean="0"/>
-              <a:t>33</a:t>
-            </a:fld>
-            <a:endParaRPr lang="en-IL" dirty="0"/>
-          </a:p>
-        </p:txBody>
-      </p:sp>
-    </p:spTree>
-    <p:extLst>
-      <p:ext uri="{BB962C8B-B14F-4D97-AF65-F5344CB8AC3E}">
-        <p14:creationId xmlns:p14="http://schemas.microsoft.com/office/powerpoint/2010/main" val="3057578697"/>
-      </p:ext>
-    </p:extLst>
-  </p:cSld>
-  <p:clrMapOvr>
-    <a:masterClrMapping/>
-  </p:clrMapOvr>
-</p:sld>
-</file>
-
-<file path=ppt/slides/slide34.xml><?xml version="1.0" encoding="utf-8"?>
-<p:sld xmlns:a="http://schemas.openxmlformats.org/drawingml/2006/main" xmlns:r="http://schemas.openxmlformats.org/officeDocument/2006/relationships" xmlns:p="http://schemas.openxmlformats.org/presentationml/2006/main">
-  <p:cSld>
-    <p:spTree>
-      <p:nvGrpSpPr>
-        <p:cNvPr id="1" name=""/>
-        <p:cNvGrpSpPr/>
-        <p:nvPr/>
-      </p:nvGrpSpPr>
-      <p:grpSpPr>
-        <a:xfrm>
-          <a:off x="0" y="0"/>
-          <a:ext cx="0" cy="0"/>
-          <a:chOff x="0" y="0"/>
-          <a:chExt cx="0" cy="0"/>
-        </a:xfrm>
-      </p:grpSpPr>
-      <p:pic>
-        <p:nvPicPr>
-          <p:cNvPr id="2" name="Picture 1">
-            <a:extLst>
-              <a:ext uri="{FF2B5EF4-FFF2-40B4-BE49-F238E27FC236}">
-                <a16:creationId xmlns:a16="http://schemas.microsoft.com/office/drawing/2014/main" id="{C153AEC3-5D4C-40B3-843A-F634B1688F97}"/>
-              </a:ext>
-            </a:extLst>
-          </p:cNvPr>
-          <p:cNvPicPr>
-            <a:picLocks noChangeAspect="1"/>
-          </p:cNvPicPr>
-          <p:nvPr/>
-        </p:nvPicPr>
-        <p:blipFill>
-          <a:blip r:embed="rId3"/>
-          <a:stretch>
-            <a:fillRect/>
-          </a:stretch>
-        </p:blipFill>
-        <p:spPr>
-          <a:xfrm>
-            <a:off x="951587" y="1740645"/>
+            <a:off x="990622" y="1740645"/>
             <a:ext cx="10245260" cy="4132542"/>
           </a:xfrm>
           <a:prstGeom prst="rect">
@@ -25341,7 +24490,7 @@
         </p:nvSpPr>
         <p:spPr>
           <a:xfrm>
-            <a:off x="995153" y="5417389"/>
+            <a:off x="1014203" y="5388814"/>
             <a:ext cx="4629270" cy="455798"/>
           </a:xfrm>
           <a:prstGeom prst="rect">
@@ -25397,7 +24546,7 @@
         </p:nvSpPr>
         <p:spPr>
           <a:xfrm>
-            <a:off x="990622" y="4731456"/>
+            <a:off x="990622" y="4512381"/>
             <a:ext cx="10102947" cy="271864"/>
           </a:xfrm>
           <a:prstGeom prst="rect">
@@ -25453,7 +24602,7 @@
         </p:nvSpPr>
         <p:spPr>
           <a:xfrm>
-            <a:off x="2794958" y="3019245"/>
+            <a:off x="2842583" y="2818730"/>
             <a:ext cx="1949570" cy="271864"/>
           </a:xfrm>
           <a:prstGeom prst="rect">
@@ -25505,7 +24654,7 @@
         </p:nvSpPr>
         <p:spPr>
           <a:xfrm>
-            <a:off x="2654060" y="4981623"/>
+            <a:off x="2682635" y="4743498"/>
             <a:ext cx="1407400" cy="271864"/>
           </a:xfrm>
           <a:prstGeom prst="rect">
@@ -25571,7 +24720,7 @@
           <a:p>
             <a:fld id="{FA14CE62-B6AF-475A-BB26-7E2CBB4B5225}" type="slidenum">
               <a:rPr lang="en-IL" smtClean="0"/>
-              <a:t>34</a:t>
+              <a:t>33</a:t>
             </a:fld>
             <a:endParaRPr lang="en-IL" dirty="0"/>
           </a:p>
@@ -25590,7 +24739,7 @@
 </p:sld>
 </file>
 
-<file path=ppt/slides/slide35.xml><?xml version="1.0" encoding="utf-8"?>
+<file path=ppt/slides/slide34.xml><?xml version="1.0" encoding="utf-8"?>
 <p:sld xmlns:a="http://schemas.openxmlformats.org/drawingml/2006/main" xmlns:r="http://schemas.openxmlformats.org/officeDocument/2006/relationships" xmlns:p="http://schemas.openxmlformats.org/presentationml/2006/main">
   <p:cSld>
     <p:spTree>
@@ -25661,7 +24810,7 @@
         <p:spPr>
           <a:xfrm>
             <a:off x="2013204" y="1801368"/>
-            <a:ext cx="8165592" cy="3803904"/>
+            <a:ext cx="8165592" cy="4180332"/>
           </a:xfrm>
           <a:prstGeom prst="rect">
             <a:avLst/>
@@ -25860,7 +25009,7 @@
                 <a:latin typeface="Arial" panose="020B0604020202020204" pitchFamily="34" charset="0"/>
                 <a:cs typeface="Arial" panose="020B0604020202020204" pitchFamily="34" charset="0"/>
               </a:rPr>
-              <a:t>Minimal effect on power and timing performance</a:t>
+              <a:t>Minimal effect on power, area and timing.</a:t>
             </a:r>
           </a:p>
           <a:p>
@@ -26654,7 +25803,7 @@
           <a:p>
             <a:fld id="{FA14CE62-B6AF-475A-BB26-7E2CBB4B5225}" type="slidenum">
               <a:rPr lang="en-IL" smtClean="0"/>
-              <a:t>35</a:t>
+              <a:t>34</a:t>
             </a:fld>
             <a:endParaRPr lang="en-IL" dirty="0"/>
           </a:p>
@@ -26673,7 +25822,7 @@
 </p:sld>
 </file>
 
-<file path=ppt/slides/slide36.xml><?xml version="1.0" encoding="utf-8"?>
+<file path=ppt/slides/slide35.xml><?xml version="1.0" encoding="utf-8"?>
 <p:sld xmlns:a="http://schemas.openxmlformats.org/drawingml/2006/main" xmlns:r="http://schemas.openxmlformats.org/officeDocument/2006/relationships" xmlns:p="http://schemas.openxmlformats.org/presentationml/2006/main">
   <p:cSld>
     <p:bg>
@@ -26769,7 +25918,7 @@
           <a:p>
             <a:fld id="{FA14CE62-B6AF-475A-BB26-7E2CBB4B5225}" type="slidenum">
               <a:rPr lang="en-IL" smtClean="0"/>
-              <a:t>36</a:t>
+              <a:t>35</a:t>
             </a:fld>
             <a:endParaRPr lang="en-IL"/>
           </a:p>
@@ -26788,7 +25937,7 @@
 </p:sld>
 </file>
 
-<file path=ppt/slides/slide37.xml><?xml version="1.0" encoding="utf-8"?>
+<file path=ppt/slides/slide36.xml><?xml version="1.0" encoding="utf-8"?>
 <p:sld xmlns:a="http://schemas.openxmlformats.org/drawingml/2006/main" xmlns:r="http://schemas.openxmlformats.org/officeDocument/2006/relationships" xmlns:p="http://schemas.openxmlformats.org/presentationml/2006/main">
   <p:cSld>
     <p:bg>
@@ -26884,7 +26033,7 @@
           <a:p>
             <a:fld id="{FA14CE62-B6AF-475A-BB26-7E2CBB4B5225}" type="slidenum">
               <a:rPr lang="en-IL" smtClean="0"/>
-              <a:t>37</a:t>
+              <a:t>36</a:t>
             </a:fld>
             <a:endParaRPr lang="en-IL" dirty="0"/>
           </a:p>
